--- a/Documentations/Phase 2/phase  2.pptx
+++ b/Documentations/Phase 2/phase  2.pptx
@@ -18,6 +18,15 @@
     <p:sldId id="269" r:id="rId12"/>
     <p:sldId id="270" r:id="rId13"/>
     <p:sldId id="271" r:id="rId14"/>
+    <p:sldId id="272" r:id="rId15"/>
+    <p:sldId id="273" r:id="rId16"/>
+    <p:sldId id="274" r:id="rId17"/>
+    <p:sldId id="275" r:id="rId18"/>
+    <p:sldId id="277" r:id="rId19"/>
+    <p:sldId id="278" r:id="rId20"/>
+    <p:sldId id="280" r:id="rId21"/>
+    <p:sldId id="281" r:id="rId22"/>
+    <p:sldId id="283" r:id="rId23"/>
   </p:sldIdLst>
   <p:sldSz cx="12192000" cy="6858000"/>
   <p:notesSz cx="6858000" cy="9144000"/>
@@ -116,7 +125,5084 @@
       </a:defRPr>
     </a:lvl9pPr>
   </p:defaultTextStyle>
+  <p:extLst>
+    <p:ext uri="{EFAFB233-063F-42B5-8137-9DF3F51BA10A}">
+      <p15:sldGuideLst xmlns:p15="http://schemas.microsoft.com/office/powerpoint/2012/main"/>
+    </p:ext>
+  </p:extLst>
 </p:presentation>
+</file>
+
+<file path=ppt/charts/chart1.xml><?xml version="1.0" encoding="utf-8"?>
+<c:chartSpace xmlns:c="http://schemas.openxmlformats.org/drawingml/2006/chart" xmlns:a="http://schemas.openxmlformats.org/drawingml/2006/main" xmlns:r="http://schemas.openxmlformats.org/officeDocument/2006/relationships" xmlns:c16r2="http://schemas.microsoft.com/office/drawing/2015/06/chart">
+  <c:date1904 val="0"/>
+  <c:lang val="en-US"/>
+  <c:roundedCorners val="0"/>
+  <mc:AlternateContent xmlns:mc="http://schemas.openxmlformats.org/markup-compatibility/2006">
+    <mc:Choice xmlns:c14="http://schemas.microsoft.com/office/drawing/2007/8/2/chart" Requires="c14">
+      <c14:style val="102"/>
+    </mc:Choice>
+    <mc:Fallback>
+      <c:style val="2"/>
+    </mc:Fallback>
+  </mc:AlternateContent>
+  <c:chart>
+    <c:title>
+      <c:tx>
+        <c:rich>
+          <a:bodyPr rot="0" spcFirstLastPara="1" vertOverflow="ellipsis" vert="horz" wrap="square" anchor="ctr" anchorCtr="1"/>
+          <a:lstStyle/>
+          <a:p>
+            <a:pPr>
+              <a:defRPr sz="1862" b="0" i="0" u="none" strike="noStrike" kern="1200" spc="0" baseline="0">
+                <a:solidFill>
+                  <a:schemeClr val="tx1">
+                    <a:lumMod val="65000"/>
+                    <a:lumOff val="35000"/>
+                  </a:schemeClr>
+                </a:solidFill>
+                <a:latin typeface="+mn-lt"/>
+                <a:ea typeface="+mn-ea"/>
+                <a:cs typeface="+mn-cs"/>
+              </a:defRPr>
+            </a:pPr>
+            <a:r>
+              <a:rPr lang="en-US" b="1" dirty="0" smtClean="0"/>
+              <a:t>CV Evaluation</a:t>
+            </a:r>
+          </a:p>
+        </c:rich>
+      </c:tx>
+      <c:layout/>
+      <c:overlay val="0"/>
+      <c:spPr>
+        <a:noFill/>
+        <a:ln>
+          <a:noFill/>
+        </a:ln>
+        <a:effectLst/>
+      </c:spPr>
+      <c:txPr>
+        <a:bodyPr rot="0" spcFirstLastPara="1" vertOverflow="ellipsis" vert="horz" wrap="square" anchor="ctr" anchorCtr="1"/>
+        <a:lstStyle/>
+        <a:p>
+          <a:pPr>
+            <a:defRPr sz="1862" b="0" i="0" u="none" strike="noStrike" kern="1200" spc="0" baseline="0">
+              <a:solidFill>
+                <a:schemeClr val="tx1">
+                  <a:lumMod val="65000"/>
+                  <a:lumOff val="35000"/>
+                </a:schemeClr>
+              </a:solidFill>
+              <a:latin typeface="+mn-lt"/>
+              <a:ea typeface="+mn-ea"/>
+              <a:cs typeface="+mn-cs"/>
+            </a:defRPr>
+          </a:pPr>
+          <a:endParaRPr lang="en-US"/>
+        </a:p>
+      </c:txPr>
+    </c:title>
+    <c:autoTitleDeleted val="0"/>
+    <c:plotArea>
+      <c:layout/>
+      <c:barChart>
+        <c:barDir val="col"/>
+        <c:grouping val="clustered"/>
+        <c:varyColors val="0"/>
+        <c:ser>
+          <c:idx val="0"/>
+          <c:order val="0"/>
+          <c:tx>
+            <c:strRef>
+              <c:f>Sheet1!$B$1</c:f>
+              <c:strCache>
+                <c:ptCount val="1"/>
+                <c:pt idx="0">
+                  <c:v>CV = 5</c:v>
+                </c:pt>
+              </c:strCache>
+            </c:strRef>
+          </c:tx>
+          <c:spPr>
+            <a:solidFill>
+              <a:schemeClr val="accent1"/>
+            </a:solidFill>
+            <a:ln>
+              <a:noFill/>
+            </a:ln>
+            <a:effectLst/>
+          </c:spPr>
+          <c:invertIfNegative val="0"/>
+          <c:dLbls>
+            <c:spPr>
+              <a:noFill/>
+              <a:ln>
+                <a:noFill/>
+              </a:ln>
+              <a:effectLst/>
+            </c:spPr>
+            <c:txPr>
+              <a:bodyPr rot="0" spcFirstLastPara="1" vertOverflow="ellipsis" vert="horz" wrap="square" lIns="38100" tIns="19050" rIns="38100" bIns="19050" anchor="ctr" anchorCtr="1">
+                <a:spAutoFit/>
+              </a:bodyPr>
+              <a:lstStyle/>
+              <a:p>
+                <a:pPr>
+                  <a:defRPr sz="1197" b="0" i="0" u="none" strike="noStrike" kern="1200" baseline="0">
+                    <a:solidFill>
+                      <a:schemeClr val="tx1">
+                        <a:lumMod val="75000"/>
+                        <a:lumOff val="25000"/>
+                      </a:schemeClr>
+                    </a:solidFill>
+                    <a:latin typeface="+mn-lt"/>
+                    <a:ea typeface="+mn-ea"/>
+                    <a:cs typeface="+mn-cs"/>
+                  </a:defRPr>
+                </a:pPr>
+                <a:endParaRPr lang="en-US"/>
+              </a:p>
+            </c:txPr>
+            <c:dLblPos val="outEnd"/>
+            <c:showLegendKey val="0"/>
+            <c:showVal val="1"/>
+            <c:showCatName val="0"/>
+            <c:showSerName val="0"/>
+            <c:showPercent val="0"/>
+            <c:showBubbleSize val="0"/>
+            <c:showLeaderLines val="0"/>
+            <c:extLst>
+              <c:ext xmlns:c15="http://schemas.microsoft.com/office/drawing/2012/chart" uri="{CE6537A1-D6FC-4f65-9D91-7224C49458BB}">
+                <c15:layout/>
+                <c15:showLeaderLines val="1"/>
+                <c15:leaderLines>
+                  <c:spPr>
+                    <a:ln w="9525" cap="flat" cmpd="sng" algn="ctr">
+                      <a:solidFill>
+                        <a:schemeClr val="tx1">
+                          <a:lumMod val="35000"/>
+                          <a:lumOff val="65000"/>
+                        </a:schemeClr>
+                      </a:solidFill>
+                      <a:round/>
+                    </a:ln>
+                    <a:effectLst/>
+                  </c:spPr>
+                </c15:leaderLines>
+              </c:ext>
+            </c:extLst>
+          </c:dLbls>
+          <c:cat>
+            <c:strRef>
+              <c:f>Sheet1!$A$2:$A$5</c:f>
+              <c:strCache>
+                <c:ptCount val="4"/>
+                <c:pt idx="0">
+                  <c:v>Accuracy Score</c:v>
+                </c:pt>
+                <c:pt idx="1">
+                  <c:v> R2 Score</c:v>
+                </c:pt>
+                <c:pt idx="2">
+                  <c:v>F1 Score</c:v>
+                </c:pt>
+                <c:pt idx="3">
+                  <c:v>MSE</c:v>
+                </c:pt>
+              </c:strCache>
+            </c:strRef>
+          </c:cat>
+          <c:val>
+            <c:numRef>
+              <c:f>Sheet1!$B$2:$B$5</c:f>
+              <c:numCache>
+                <c:formatCode>General</c:formatCode>
+                <c:ptCount val="4"/>
+                <c:pt idx="0">
+                  <c:v>98.7</c:v>
+                </c:pt>
+                <c:pt idx="1">
+                  <c:v>21.6</c:v>
+                </c:pt>
+                <c:pt idx="2">
+                  <c:v>49.8</c:v>
+                </c:pt>
+                <c:pt idx="3">
+                  <c:v>1.29</c:v>
+                </c:pt>
+              </c:numCache>
+            </c:numRef>
+          </c:val>
+          <c:extLst>
+            <c:ext xmlns:c16="http://schemas.microsoft.com/office/drawing/2014/chart" uri="{C3380CC4-5D6E-409C-BE32-E72D297353CC}">
+              <c16:uniqueId val="{00000000-238B-4EBD-8613-0649DF58F56B}"/>
+            </c:ext>
+          </c:extLst>
+        </c:ser>
+        <c:ser>
+          <c:idx val="1"/>
+          <c:order val="1"/>
+          <c:tx>
+            <c:strRef>
+              <c:f>Sheet1!$C$1</c:f>
+              <c:strCache>
+                <c:ptCount val="1"/>
+                <c:pt idx="0">
+                  <c:v>CV = 10</c:v>
+                </c:pt>
+              </c:strCache>
+            </c:strRef>
+          </c:tx>
+          <c:spPr>
+            <a:solidFill>
+              <a:schemeClr val="accent2"/>
+            </a:solidFill>
+            <a:ln>
+              <a:noFill/>
+            </a:ln>
+            <a:effectLst/>
+          </c:spPr>
+          <c:invertIfNegative val="0"/>
+          <c:dLbls>
+            <c:spPr>
+              <a:noFill/>
+              <a:ln>
+                <a:noFill/>
+              </a:ln>
+              <a:effectLst/>
+            </c:spPr>
+            <c:txPr>
+              <a:bodyPr rot="0" spcFirstLastPara="1" vertOverflow="ellipsis" vert="horz" wrap="square" lIns="38100" tIns="19050" rIns="38100" bIns="19050" anchor="ctr" anchorCtr="1">
+                <a:spAutoFit/>
+              </a:bodyPr>
+              <a:lstStyle/>
+              <a:p>
+                <a:pPr>
+                  <a:defRPr sz="1197" b="0" i="0" u="none" strike="noStrike" kern="1200" baseline="0">
+                    <a:solidFill>
+                      <a:schemeClr val="tx1">
+                        <a:lumMod val="75000"/>
+                        <a:lumOff val="25000"/>
+                      </a:schemeClr>
+                    </a:solidFill>
+                    <a:latin typeface="+mn-lt"/>
+                    <a:ea typeface="+mn-ea"/>
+                    <a:cs typeface="+mn-cs"/>
+                  </a:defRPr>
+                </a:pPr>
+                <a:endParaRPr lang="en-US"/>
+              </a:p>
+            </c:txPr>
+            <c:dLblPos val="outEnd"/>
+            <c:showLegendKey val="0"/>
+            <c:showVal val="1"/>
+            <c:showCatName val="0"/>
+            <c:showSerName val="0"/>
+            <c:showPercent val="0"/>
+            <c:showBubbleSize val="0"/>
+            <c:showLeaderLines val="0"/>
+            <c:extLst>
+              <c:ext xmlns:c15="http://schemas.microsoft.com/office/drawing/2012/chart" uri="{CE6537A1-D6FC-4f65-9D91-7224C49458BB}">
+                <c15:layout/>
+                <c15:showLeaderLines val="1"/>
+                <c15:leaderLines>
+                  <c:spPr>
+                    <a:ln w="9525" cap="flat" cmpd="sng" algn="ctr">
+                      <a:solidFill>
+                        <a:schemeClr val="tx1">
+                          <a:lumMod val="35000"/>
+                          <a:lumOff val="65000"/>
+                        </a:schemeClr>
+                      </a:solidFill>
+                      <a:round/>
+                    </a:ln>
+                    <a:effectLst/>
+                  </c:spPr>
+                </c15:leaderLines>
+              </c:ext>
+            </c:extLst>
+          </c:dLbls>
+          <c:cat>
+            <c:strRef>
+              <c:f>Sheet1!$A$2:$A$5</c:f>
+              <c:strCache>
+                <c:ptCount val="4"/>
+                <c:pt idx="0">
+                  <c:v>Accuracy Score</c:v>
+                </c:pt>
+                <c:pt idx="1">
+                  <c:v> R2 Score</c:v>
+                </c:pt>
+                <c:pt idx="2">
+                  <c:v>F1 Score</c:v>
+                </c:pt>
+                <c:pt idx="3">
+                  <c:v>MSE</c:v>
+                </c:pt>
+              </c:strCache>
+            </c:strRef>
+          </c:cat>
+          <c:val>
+            <c:numRef>
+              <c:f>Sheet1!$C$2:$C$5</c:f>
+              <c:numCache>
+                <c:formatCode>General</c:formatCode>
+                <c:ptCount val="4"/>
+                <c:pt idx="0">
+                  <c:v>98.8</c:v>
+                </c:pt>
+                <c:pt idx="1">
+                  <c:v>29.3</c:v>
+                </c:pt>
+                <c:pt idx="2">
+                  <c:v>55.9</c:v>
+                </c:pt>
+                <c:pt idx="3">
+                  <c:v>1.1599999999999999</c:v>
+                </c:pt>
+              </c:numCache>
+            </c:numRef>
+          </c:val>
+          <c:extLst>
+            <c:ext xmlns:c16="http://schemas.microsoft.com/office/drawing/2014/chart" uri="{C3380CC4-5D6E-409C-BE32-E72D297353CC}">
+              <c16:uniqueId val="{00000001-238B-4EBD-8613-0649DF58F56B}"/>
+            </c:ext>
+          </c:extLst>
+        </c:ser>
+        <c:dLbls>
+          <c:showLegendKey val="0"/>
+          <c:showVal val="0"/>
+          <c:showCatName val="0"/>
+          <c:showSerName val="0"/>
+          <c:showPercent val="0"/>
+          <c:showBubbleSize val="0"/>
+        </c:dLbls>
+        <c:gapWidth val="219"/>
+        <c:overlap val="-27"/>
+        <c:axId val="504718624"/>
+        <c:axId val="504720704"/>
+      </c:barChart>
+      <c:catAx>
+        <c:axId val="504718624"/>
+        <c:scaling>
+          <c:orientation val="minMax"/>
+        </c:scaling>
+        <c:delete val="0"/>
+        <c:axPos val="b"/>
+        <c:numFmt formatCode="General" sourceLinked="1"/>
+        <c:majorTickMark val="none"/>
+        <c:minorTickMark val="none"/>
+        <c:tickLblPos val="nextTo"/>
+        <c:spPr>
+          <a:noFill/>
+          <a:ln w="9525" cap="flat" cmpd="sng" algn="ctr">
+            <a:solidFill>
+              <a:schemeClr val="tx1">
+                <a:lumMod val="15000"/>
+                <a:lumOff val="85000"/>
+              </a:schemeClr>
+            </a:solidFill>
+            <a:round/>
+          </a:ln>
+          <a:effectLst/>
+        </c:spPr>
+        <c:txPr>
+          <a:bodyPr rot="-60000000" spcFirstLastPara="1" vertOverflow="ellipsis" vert="horz" wrap="square" anchor="ctr" anchorCtr="1"/>
+          <a:lstStyle/>
+          <a:p>
+            <a:pPr>
+              <a:defRPr sz="1197" b="0" i="0" u="none" strike="noStrike" kern="1200" baseline="0">
+                <a:ln>
+                  <a:solidFill>
+                    <a:schemeClr val="tx1"/>
+                  </a:solidFill>
+                </a:ln>
+                <a:solidFill>
+                  <a:schemeClr val="tx1">
+                    <a:lumMod val="65000"/>
+                    <a:lumOff val="35000"/>
+                  </a:schemeClr>
+                </a:solidFill>
+                <a:latin typeface="+mn-lt"/>
+                <a:ea typeface="+mn-ea"/>
+                <a:cs typeface="+mn-cs"/>
+              </a:defRPr>
+            </a:pPr>
+            <a:endParaRPr lang="en-US"/>
+          </a:p>
+        </c:txPr>
+        <c:crossAx val="504720704"/>
+        <c:crosses val="autoZero"/>
+        <c:auto val="1"/>
+        <c:lblAlgn val="ctr"/>
+        <c:lblOffset val="100"/>
+        <c:noMultiLvlLbl val="0"/>
+      </c:catAx>
+      <c:valAx>
+        <c:axId val="504720704"/>
+        <c:scaling>
+          <c:orientation val="minMax"/>
+        </c:scaling>
+        <c:delete val="0"/>
+        <c:axPos val="l"/>
+        <c:majorGridlines>
+          <c:spPr>
+            <a:ln w="9525" cap="flat" cmpd="sng" algn="ctr">
+              <a:solidFill>
+                <a:schemeClr val="tx1">
+                  <a:lumMod val="15000"/>
+                  <a:lumOff val="85000"/>
+                </a:schemeClr>
+              </a:solidFill>
+              <a:round/>
+            </a:ln>
+            <a:effectLst/>
+          </c:spPr>
+        </c:majorGridlines>
+        <c:numFmt formatCode="General" sourceLinked="1"/>
+        <c:majorTickMark val="none"/>
+        <c:minorTickMark val="none"/>
+        <c:tickLblPos val="nextTo"/>
+        <c:spPr>
+          <a:noFill/>
+          <a:ln>
+            <a:noFill/>
+          </a:ln>
+          <a:effectLst/>
+        </c:spPr>
+        <c:txPr>
+          <a:bodyPr rot="-60000000" spcFirstLastPara="1" vertOverflow="ellipsis" vert="horz" wrap="square" anchor="ctr" anchorCtr="1"/>
+          <a:lstStyle/>
+          <a:p>
+            <a:pPr>
+              <a:defRPr sz="1197" b="0" i="0" u="none" strike="noStrike" kern="1200" baseline="0">
+                <a:solidFill>
+                  <a:schemeClr val="tx1">
+                    <a:lumMod val="65000"/>
+                    <a:lumOff val="35000"/>
+                  </a:schemeClr>
+                </a:solidFill>
+                <a:latin typeface="+mn-lt"/>
+                <a:ea typeface="+mn-ea"/>
+                <a:cs typeface="+mn-cs"/>
+              </a:defRPr>
+            </a:pPr>
+            <a:endParaRPr lang="en-US"/>
+          </a:p>
+        </c:txPr>
+        <c:crossAx val="504718624"/>
+        <c:crosses val="autoZero"/>
+        <c:crossBetween val="between"/>
+      </c:valAx>
+      <c:spPr>
+        <a:noFill/>
+        <a:ln>
+          <a:noFill/>
+        </a:ln>
+        <a:effectLst/>
+      </c:spPr>
+    </c:plotArea>
+    <c:legend>
+      <c:legendPos val="b"/>
+      <c:legendEntry>
+        <c:idx val="0"/>
+        <c:txPr>
+          <a:bodyPr rot="0" spcFirstLastPara="1" vertOverflow="ellipsis" vert="horz" wrap="square" anchor="ctr" anchorCtr="1"/>
+          <a:lstStyle/>
+          <a:p>
+            <a:pPr>
+              <a:defRPr sz="1197" b="1" i="0" u="none" strike="noStrike" kern="1200" baseline="0">
+                <a:solidFill>
+                  <a:schemeClr val="tx1"/>
+                </a:solidFill>
+                <a:latin typeface="+mn-lt"/>
+                <a:ea typeface="+mn-ea"/>
+                <a:cs typeface="+mn-cs"/>
+              </a:defRPr>
+            </a:pPr>
+            <a:endParaRPr lang="en-US"/>
+          </a:p>
+        </c:txPr>
+      </c:legendEntry>
+      <c:legendEntry>
+        <c:idx val="1"/>
+        <c:txPr>
+          <a:bodyPr rot="0" spcFirstLastPara="1" vertOverflow="ellipsis" vert="horz" wrap="square" anchor="ctr" anchorCtr="1"/>
+          <a:lstStyle/>
+          <a:p>
+            <a:pPr>
+              <a:defRPr sz="1197" b="1" i="0" u="none" strike="noStrike" kern="1200" baseline="0">
+                <a:solidFill>
+                  <a:schemeClr val="tx1"/>
+                </a:solidFill>
+                <a:latin typeface="+mn-lt"/>
+                <a:ea typeface="+mn-ea"/>
+                <a:cs typeface="+mn-cs"/>
+              </a:defRPr>
+            </a:pPr>
+            <a:endParaRPr lang="en-US"/>
+          </a:p>
+        </c:txPr>
+      </c:legendEntry>
+      <c:layout/>
+      <c:overlay val="0"/>
+      <c:spPr>
+        <a:noFill/>
+        <a:ln>
+          <a:noFill/>
+        </a:ln>
+        <a:effectLst/>
+      </c:spPr>
+      <c:txPr>
+        <a:bodyPr rot="0" spcFirstLastPara="1" vertOverflow="ellipsis" vert="horz" wrap="square" anchor="ctr" anchorCtr="1"/>
+        <a:lstStyle/>
+        <a:p>
+          <a:pPr>
+            <a:defRPr sz="1197" b="1" i="0" u="none" strike="noStrike" kern="1200" baseline="0">
+              <a:solidFill>
+                <a:schemeClr val="tx1">
+                  <a:lumMod val="65000"/>
+                  <a:lumOff val="35000"/>
+                </a:schemeClr>
+              </a:solidFill>
+              <a:latin typeface="+mn-lt"/>
+              <a:ea typeface="+mn-ea"/>
+              <a:cs typeface="+mn-cs"/>
+            </a:defRPr>
+          </a:pPr>
+          <a:endParaRPr lang="en-US"/>
+        </a:p>
+      </c:txPr>
+    </c:legend>
+    <c:plotVisOnly val="1"/>
+    <c:dispBlanksAs val="gap"/>
+    <c:showDLblsOverMax val="0"/>
+  </c:chart>
+  <c:spPr>
+    <a:noFill/>
+    <a:ln>
+      <a:noFill/>
+    </a:ln>
+    <a:effectLst/>
+  </c:spPr>
+  <c:txPr>
+    <a:bodyPr/>
+    <a:lstStyle/>
+    <a:p>
+      <a:pPr>
+        <a:defRPr/>
+      </a:pPr>
+      <a:endParaRPr lang="en-US"/>
+    </a:p>
+  </c:txPr>
+  <c:externalData r:id="rId3">
+    <c:autoUpdate val="0"/>
+  </c:externalData>
+</c:chartSpace>
+</file>
+
+<file path=ppt/charts/chart2.xml><?xml version="1.0" encoding="utf-8"?>
+<c:chartSpace xmlns:c="http://schemas.openxmlformats.org/drawingml/2006/chart" xmlns:a="http://schemas.openxmlformats.org/drawingml/2006/main" xmlns:r="http://schemas.openxmlformats.org/officeDocument/2006/relationships" xmlns:c16r2="http://schemas.microsoft.com/office/drawing/2015/06/chart">
+  <c:date1904 val="0"/>
+  <c:lang val="en-US"/>
+  <c:roundedCorners val="0"/>
+  <mc:AlternateContent xmlns:mc="http://schemas.openxmlformats.org/markup-compatibility/2006">
+    <mc:Choice xmlns:c14="http://schemas.microsoft.com/office/drawing/2007/8/2/chart" Requires="c14">
+      <c14:style val="102"/>
+    </mc:Choice>
+    <mc:Fallback>
+      <c:style val="2"/>
+    </mc:Fallback>
+  </mc:AlternateContent>
+  <c:chart>
+    <c:title>
+      <c:tx>
+        <c:rich>
+          <a:bodyPr rot="0" spcFirstLastPara="1" vertOverflow="ellipsis" vert="horz" wrap="square" anchor="ctr" anchorCtr="1"/>
+          <a:lstStyle/>
+          <a:p>
+            <a:pPr>
+              <a:defRPr sz="1862" b="0" i="0" u="none" strike="noStrike" kern="1200" spc="0" baseline="0">
+                <a:solidFill>
+                  <a:schemeClr val="tx1">
+                    <a:lumMod val="65000"/>
+                    <a:lumOff val="35000"/>
+                  </a:schemeClr>
+                </a:solidFill>
+                <a:latin typeface="+mn-lt"/>
+                <a:ea typeface="+mn-ea"/>
+                <a:cs typeface="+mn-cs"/>
+              </a:defRPr>
+            </a:pPr>
+            <a:r>
+              <a:rPr lang="en-US" b="1" dirty="0" smtClean="0"/>
+              <a:t>CV Total Cost</a:t>
+            </a:r>
+          </a:p>
+        </c:rich>
+      </c:tx>
+      <c:layout/>
+      <c:overlay val="0"/>
+      <c:spPr>
+        <a:noFill/>
+        <a:ln>
+          <a:noFill/>
+        </a:ln>
+        <a:effectLst/>
+      </c:spPr>
+      <c:txPr>
+        <a:bodyPr rot="0" spcFirstLastPara="1" vertOverflow="ellipsis" vert="horz" wrap="square" anchor="ctr" anchorCtr="1"/>
+        <a:lstStyle/>
+        <a:p>
+          <a:pPr>
+            <a:defRPr sz="1862" b="0" i="0" u="none" strike="noStrike" kern="1200" spc="0" baseline="0">
+              <a:solidFill>
+                <a:schemeClr val="tx1">
+                  <a:lumMod val="65000"/>
+                  <a:lumOff val="35000"/>
+                </a:schemeClr>
+              </a:solidFill>
+              <a:latin typeface="+mn-lt"/>
+              <a:ea typeface="+mn-ea"/>
+              <a:cs typeface="+mn-cs"/>
+            </a:defRPr>
+          </a:pPr>
+          <a:endParaRPr lang="en-US"/>
+        </a:p>
+      </c:txPr>
+    </c:title>
+    <c:autoTitleDeleted val="0"/>
+    <c:plotArea>
+      <c:layout/>
+      <c:barChart>
+        <c:barDir val="col"/>
+        <c:grouping val="clustered"/>
+        <c:varyColors val="0"/>
+        <c:ser>
+          <c:idx val="0"/>
+          <c:order val="0"/>
+          <c:tx>
+            <c:strRef>
+              <c:f>Sheet1!$B$1</c:f>
+              <c:strCache>
+                <c:ptCount val="1"/>
+                <c:pt idx="0">
+                  <c:v>CV = 5</c:v>
+                </c:pt>
+              </c:strCache>
+            </c:strRef>
+          </c:tx>
+          <c:spPr>
+            <a:solidFill>
+              <a:schemeClr val="accent1"/>
+            </a:solidFill>
+            <a:ln>
+              <a:noFill/>
+            </a:ln>
+            <a:effectLst/>
+          </c:spPr>
+          <c:invertIfNegative val="0"/>
+          <c:dLbls>
+            <c:spPr>
+              <a:noFill/>
+              <a:ln>
+                <a:noFill/>
+              </a:ln>
+              <a:effectLst/>
+            </c:spPr>
+            <c:txPr>
+              <a:bodyPr rot="0" spcFirstLastPara="1" vertOverflow="ellipsis" vert="horz" wrap="square" lIns="38100" tIns="19050" rIns="38100" bIns="19050" anchor="ctr" anchorCtr="1">
+                <a:spAutoFit/>
+              </a:bodyPr>
+              <a:lstStyle/>
+              <a:p>
+                <a:pPr>
+                  <a:defRPr sz="1197" b="0" i="0" u="none" strike="noStrike" kern="1200" baseline="0">
+                    <a:solidFill>
+                      <a:schemeClr val="tx1">
+                        <a:lumMod val="75000"/>
+                        <a:lumOff val="25000"/>
+                      </a:schemeClr>
+                    </a:solidFill>
+                    <a:latin typeface="+mn-lt"/>
+                    <a:ea typeface="+mn-ea"/>
+                    <a:cs typeface="+mn-cs"/>
+                  </a:defRPr>
+                </a:pPr>
+                <a:endParaRPr lang="en-US"/>
+              </a:p>
+            </c:txPr>
+            <c:dLblPos val="outEnd"/>
+            <c:showLegendKey val="0"/>
+            <c:showVal val="1"/>
+            <c:showCatName val="0"/>
+            <c:showSerName val="0"/>
+            <c:showPercent val="0"/>
+            <c:showBubbleSize val="0"/>
+            <c:showLeaderLines val="0"/>
+            <c:extLst>
+              <c:ext xmlns:c15="http://schemas.microsoft.com/office/drawing/2012/chart" uri="{CE6537A1-D6FC-4f65-9D91-7224C49458BB}">
+                <c15:layout/>
+                <c15:showLeaderLines val="1"/>
+                <c15:leaderLines>
+                  <c:spPr>
+                    <a:ln w="9525" cap="flat" cmpd="sng" algn="ctr">
+                      <a:solidFill>
+                        <a:schemeClr val="tx1">
+                          <a:lumMod val="35000"/>
+                          <a:lumOff val="65000"/>
+                        </a:schemeClr>
+                      </a:solidFill>
+                      <a:round/>
+                    </a:ln>
+                    <a:effectLst/>
+                  </c:spPr>
+                </c15:leaderLines>
+              </c:ext>
+            </c:extLst>
+          </c:dLbls>
+          <c:cat>
+            <c:strRef>
+              <c:f>Sheet1!$A$2</c:f>
+              <c:strCache>
+                <c:ptCount val="1"/>
+                <c:pt idx="0">
+                  <c:v>Accuracy Score</c:v>
+                </c:pt>
+              </c:strCache>
+            </c:strRef>
+          </c:cat>
+          <c:val>
+            <c:numRef>
+              <c:f>Sheet1!$B$2</c:f>
+              <c:numCache>
+                <c:formatCode>General</c:formatCode>
+                <c:ptCount val="1"/>
+                <c:pt idx="0">
+                  <c:v>310040</c:v>
+                </c:pt>
+              </c:numCache>
+            </c:numRef>
+          </c:val>
+          <c:extLst>
+            <c:ext xmlns:c16="http://schemas.microsoft.com/office/drawing/2014/chart" uri="{C3380CC4-5D6E-409C-BE32-E72D297353CC}">
+              <c16:uniqueId val="{00000000-238B-4EBD-8613-0649DF58F56B}"/>
+            </c:ext>
+          </c:extLst>
+        </c:ser>
+        <c:ser>
+          <c:idx val="1"/>
+          <c:order val="1"/>
+          <c:tx>
+            <c:strRef>
+              <c:f>Sheet1!$C$1</c:f>
+              <c:strCache>
+                <c:ptCount val="1"/>
+                <c:pt idx="0">
+                  <c:v>CV = 10</c:v>
+                </c:pt>
+              </c:strCache>
+            </c:strRef>
+          </c:tx>
+          <c:spPr>
+            <a:solidFill>
+              <a:schemeClr val="accent2"/>
+            </a:solidFill>
+            <a:ln>
+              <a:noFill/>
+            </a:ln>
+            <a:effectLst/>
+          </c:spPr>
+          <c:invertIfNegative val="0"/>
+          <c:dLbls>
+            <c:spPr>
+              <a:noFill/>
+              <a:ln>
+                <a:noFill/>
+              </a:ln>
+              <a:effectLst/>
+            </c:spPr>
+            <c:txPr>
+              <a:bodyPr rot="0" spcFirstLastPara="1" vertOverflow="ellipsis" vert="horz" wrap="square" lIns="38100" tIns="19050" rIns="38100" bIns="19050" anchor="ctr" anchorCtr="1">
+                <a:spAutoFit/>
+              </a:bodyPr>
+              <a:lstStyle/>
+              <a:p>
+                <a:pPr>
+                  <a:defRPr sz="1197" b="0" i="0" u="none" strike="noStrike" kern="1200" baseline="0">
+                    <a:solidFill>
+                      <a:schemeClr val="tx1">
+                        <a:lumMod val="75000"/>
+                        <a:lumOff val="25000"/>
+                      </a:schemeClr>
+                    </a:solidFill>
+                    <a:latin typeface="+mn-lt"/>
+                    <a:ea typeface="+mn-ea"/>
+                    <a:cs typeface="+mn-cs"/>
+                  </a:defRPr>
+                </a:pPr>
+                <a:endParaRPr lang="en-US"/>
+              </a:p>
+            </c:txPr>
+            <c:dLblPos val="outEnd"/>
+            <c:showLegendKey val="0"/>
+            <c:showVal val="1"/>
+            <c:showCatName val="0"/>
+            <c:showSerName val="0"/>
+            <c:showPercent val="0"/>
+            <c:showBubbleSize val="0"/>
+            <c:showLeaderLines val="0"/>
+            <c:extLst>
+              <c:ext xmlns:c15="http://schemas.microsoft.com/office/drawing/2012/chart" uri="{CE6537A1-D6FC-4f65-9D91-7224C49458BB}">
+                <c15:layout/>
+                <c15:showLeaderLines val="1"/>
+                <c15:leaderLines>
+                  <c:spPr>
+                    <a:ln w="9525" cap="flat" cmpd="sng" algn="ctr">
+                      <a:solidFill>
+                        <a:schemeClr val="tx1">
+                          <a:lumMod val="35000"/>
+                          <a:lumOff val="65000"/>
+                        </a:schemeClr>
+                      </a:solidFill>
+                      <a:round/>
+                    </a:ln>
+                    <a:effectLst/>
+                  </c:spPr>
+                </c15:leaderLines>
+              </c:ext>
+            </c:extLst>
+          </c:dLbls>
+          <c:cat>
+            <c:strRef>
+              <c:f>Sheet1!$A$2</c:f>
+              <c:strCache>
+                <c:ptCount val="1"/>
+                <c:pt idx="0">
+                  <c:v>Accuracy Score</c:v>
+                </c:pt>
+              </c:strCache>
+            </c:strRef>
+          </c:cat>
+          <c:val>
+            <c:numRef>
+              <c:f>Sheet1!$C$2</c:f>
+              <c:numCache>
+                <c:formatCode>General</c:formatCode>
+                <c:ptCount val="1"/>
+                <c:pt idx="0">
+                  <c:v>280860</c:v>
+                </c:pt>
+              </c:numCache>
+            </c:numRef>
+          </c:val>
+          <c:extLst>
+            <c:ext xmlns:c16="http://schemas.microsoft.com/office/drawing/2014/chart" uri="{C3380CC4-5D6E-409C-BE32-E72D297353CC}">
+              <c16:uniqueId val="{00000001-238B-4EBD-8613-0649DF58F56B}"/>
+            </c:ext>
+          </c:extLst>
+        </c:ser>
+        <c:dLbls>
+          <c:dLblPos val="outEnd"/>
+          <c:showLegendKey val="0"/>
+          <c:showVal val="1"/>
+          <c:showCatName val="0"/>
+          <c:showSerName val="0"/>
+          <c:showPercent val="0"/>
+          <c:showBubbleSize val="0"/>
+        </c:dLbls>
+        <c:gapWidth val="219"/>
+        <c:overlap val="-27"/>
+        <c:axId val="504718624"/>
+        <c:axId val="504720704"/>
+      </c:barChart>
+      <c:catAx>
+        <c:axId val="504718624"/>
+        <c:scaling>
+          <c:orientation val="minMax"/>
+        </c:scaling>
+        <c:delete val="0"/>
+        <c:axPos val="b"/>
+        <c:numFmt formatCode="General" sourceLinked="1"/>
+        <c:majorTickMark val="none"/>
+        <c:minorTickMark val="none"/>
+        <c:tickLblPos val="nextTo"/>
+        <c:spPr>
+          <a:noFill/>
+          <a:ln w="9525" cap="flat" cmpd="sng" algn="ctr">
+            <a:solidFill>
+              <a:schemeClr val="tx1">
+                <a:lumMod val="15000"/>
+                <a:lumOff val="85000"/>
+              </a:schemeClr>
+            </a:solidFill>
+            <a:round/>
+          </a:ln>
+          <a:effectLst/>
+        </c:spPr>
+        <c:txPr>
+          <a:bodyPr rot="-60000000" spcFirstLastPara="1" vertOverflow="ellipsis" vert="horz" wrap="square" anchor="ctr" anchorCtr="1"/>
+          <a:lstStyle/>
+          <a:p>
+            <a:pPr>
+              <a:defRPr sz="1197" b="0" i="0" u="none" strike="noStrike" kern="1200" baseline="0">
+                <a:ln>
+                  <a:solidFill>
+                    <a:schemeClr val="tx1"/>
+                  </a:solidFill>
+                </a:ln>
+                <a:solidFill>
+                  <a:schemeClr val="tx1">
+                    <a:lumMod val="65000"/>
+                    <a:lumOff val="35000"/>
+                  </a:schemeClr>
+                </a:solidFill>
+                <a:latin typeface="+mn-lt"/>
+                <a:ea typeface="+mn-ea"/>
+                <a:cs typeface="+mn-cs"/>
+              </a:defRPr>
+            </a:pPr>
+            <a:endParaRPr lang="en-US"/>
+          </a:p>
+        </c:txPr>
+        <c:crossAx val="504720704"/>
+        <c:crosses val="autoZero"/>
+        <c:auto val="1"/>
+        <c:lblAlgn val="ctr"/>
+        <c:lblOffset val="100"/>
+        <c:noMultiLvlLbl val="0"/>
+      </c:catAx>
+      <c:valAx>
+        <c:axId val="504720704"/>
+        <c:scaling>
+          <c:orientation val="minMax"/>
+        </c:scaling>
+        <c:delete val="0"/>
+        <c:axPos val="l"/>
+        <c:majorGridlines>
+          <c:spPr>
+            <a:ln w="9525" cap="flat" cmpd="sng" algn="ctr">
+              <a:solidFill>
+                <a:schemeClr val="tx1">
+                  <a:lumMod val="15000"/>
+                  <a:lumOff val="85000"/>
+                </a:schemeClr>
+              </a:solidFill>
+              <a:round/>
+            </a:ln>
+            <a:effectLst/>
+          </c:spPr>
+        </c:majorGridlines>
+        <c:numFmt formatCode="General" sourceLinked="1"/>
+        <c:majorTickMark val="none"/>
+        <c:minorTickMark val="none"/>
+        <c:tickLblPos val="nextTo"/>
+        <c:spPr>
+          <a:noFill/>
+          <a:ln>
+            <a:noFill/>
+          </a:ln>
+          <a:effectLst/>
+        </c:spPr>
+        <c:txPr>
+          <a:bodyPr rot="-60000000" spcFirstLastPara="1" vertOverflow="ellipsis" vert="horz" wrap="square" anchor="ctr" anchorCtr="1"/>
+          <a:lstStyle/>
+          <a:p>
+            <a:pPr>
+              <a:defRPr sz="1197" b="0" i="0" u="none" strike="noStrike" kern="1200" baseline="0">
+                <a:solidFill>
+                  <a:schemeClr val="tx1">
+                    <a:lumMod val="65000"/>
+                    <a:lumOff val="35000"/>
+                  </a:schemeClr>
+                </a:solidFill>
+                <a:latin typeface="+mn-lt"/>
+                <a:ea typeface="+mn-ea"/>
+                <a:cs typeface="+mn-cs"/>
+              </a:defRPr>
+            </a:pPr>
+            <a:endParaRPr lang="en-US"/>
+          </a:p>
+        </c:txPr>
+        <c:crossAx val="504718624"/>
+        <c:crosses val="autoZero"/>
+        <c:crossBetween val="between"/>
+      </c:valAx>
+      <c:spPr>
+        <a:noFill/>
+        <a:ln>
+          <a:noFill/>
+        </a:ln>
+        <a:effectLst/>
+      </c:spPr>
+    </c:plotArea>
+    <c:legend>
+      <c:legendPos val="b"/>
+      <c:layout/>
+      <c:overlay val="0"/>
+      <c:spPr>
+        <a:noFill/>
+        <a:ln>
+          <a:noFill/>
+        </a:ln>
+        <a:effectLst/>
+      </c:spPr>
+      <c:txPr>
+        <a:bodyPr rot="0" spcFirstLastPara="1" vertOverflow="ellipsis" vert="horz" wrap="square" anchor="ctr" anchorCtr="1"/>
+        <a:lstStyle/>
+        <a:p>
+          <a:pPr>
+            <a:defRPr sz="1197" b="0" i="0" u="none" strike="noStrike" kern="1200" baseline="0">
+              <a:solidFill>
+                <a:schemeClr val="tx1">
+                  <a:lumMod val="65000"/>
+                  <a:lumOff val="35000"/>
+                </a:schemeClr>
+              </a:solidFill>
+              <a:latin typeface="+mn-lt"/>
+              <a:ea typeface="+mn-ea"/>
+              <a:cs typeface="+mn-cs"/>
+            </a:defRPr>
+          </a:pPr>
+          <a:endParaRPr lang="en-US"/>
+        </a:p>
+      </c:txPr>
+    </c:legend>
+    <c:plotVisOnly val="1"/>
+    <c:dispBlanksAs val="gap"/>
+    <c:showDLblsOverMax val="0"/>
+  </c:chart>
+  <c:spPr>
+    <a:noFill/>
+    <a:ln>
+      <a:noFill/>
+    </a:ln>
+    <a:effectLst/>
+  </c:spPr>
+  <c:txPr>
+    <a:bodyPr/>
+    <a:lstStyle/>
+    <a:p>
+      <a:pPr>
+        <a:defRPr/>
+      </a:pPr>
+      <a:endParaRPr lang="en-US"/>
+    </a:p>
+  </c:txPr>
+  <c:externalData r:id="rId3">
+    <c:autoUpdate val="0"/>
+  </c:externalData>
+</c:chartSpace>
+</file>
+
+<file path=ppt/charts/chart3.xml><?xml version="1.0" encoding="utf-8"?>
+<c:chartSpace xmlns:c="http://schemas.openxmlformats.org/drawingml/2006/chart" xmlns:a="http://schemas.openxmlformats.org/drawingml/2006/main" xmlns:r="http://schemas.openxmlformats.org/officeDocument/2006/relationships" xmlns:c16r2="http://schemas.microsoft.com/office/drawing/2015/06/chart">
+  <c:date1904 val="0"/>
+  <c:lang val="en-US"/>
+  <c:roundedCorners val="0"/>
+  <mc:AlternateContent xmlns:mc="http://schemas.openxmlformats.org/markup-compatibility/2006">
+    <mc:Choice xmlns:c14="http://schemas.microsoft.com/office/drawing/2007/8/2/chart" Requires="c14">
+      <c14:style val="102"/>
+    </mc:Choice>
+    <mc:Fallback>
+      <c:style val="2"/>
+    </mc:Fallback>
+  </mc:AlternateContent>
+  <c:chart>
+    <c:title>
+      <c:tx>
+        <c:rich>
+          <a:bodyPr rot="0" spcFirstLastPara="1" vertOverflow="ellipsis" vert="horz" wrap="square" anchor="ctr" anchorCtr="1"/>
+          <a:lstStyle/>
+          <a:p>
+            <a:pPr>
+              <a:defRPr sz="1862" b="0" i="0" u="none" strike="noStrike" kern="1200" spc="0" baseline="0">
+                <a:solidFill>
+                  <a:schemeClr val="tx1">
+                    <a:lumMod val="65000"/>
+                    <a:lumOff val="35000"/>
+                  </a:schemeClr>
+                </a:solidFill>
+                <a:latin typeface="+mn-lt"/>
+                <a:ea typeface="+mn-ea"/>
+                <a:cs typeface="+mn-cs"/>
+              </a:defRPr>
+            </a:pPr>
+            <a:r>
+              <a:rPr lang="en-US" b="1" dirty="0" smtClean="0"/>
+              <a:t>Cost Evaluation</a:t>
+            </a:r>
+          </a:p>
+        </c:rich>
+      </c:tx>
+      <c:layout/>
+      <c:overlay val="0"/>
+      <c:spPr>
+        <a:noFill/>
+        <a:ln>
+          <a:noFill/>
+        </a:ln>
+        <a:effectLst/>
+      </c:spPr>
+      <c:txPr>
+        <a:bodyPr rot="0" spcFirstLastPara="1" vertOverflow="ellipsis" vert="horz" wrap="square" anchor="ctr" anchorCtr="1"/>
+        <a:lstStyle/>
+        <a:p>
+          <a:pPr>
+            <a:defRPr sz="1862" b="0" i="0" u="none" strike="noStrike" kern="1200" spc="0" baseline="0">
+              <a:solidFill>
+                <a:schemeClr val="tx1">
+                  <a:lumMod val="65000"/>
+                  <a:lumOff val="35000"/>
+                </a:schemeClr>
+              </a:solidFill>
+              <a:latin typeface="+mn-lt"/>
+              <a:ea typeface="+mn-ea"/>
+              <a:cs typeface="+mn-cs"/>
+            </a:defRPr>
+          </a:pPr>
+          <a:endParaRPr lang="en-US"/>
+        </a:p>
+      </c:txPr>
+    </c:title>
+    <c:autoTitleDeleted val="0"/>
+    <c:plotArea>
+      <c:layout/>
+      <c:barChart>
+        <c:barDir val="col"/>
+        <c:grouping val="clustered"/>
+        <c:varyColors val="0"/>
+        <c:ser>
+          <c:idx val="0"/>
+          <c:order val="0"/>
+          <c:tx>
+            <c:strRef>
+              <c:f>Sheet1!$B$1</c:f>
+              <c:strCache>
+                <c:ptCount val="1"/>
+                <c:pt idx="0">
+                  <c:v>Approach 1</c:v>
+                </c:pt>
+              </c:strCache>
+            </c:strRef>
+          </c:tx>
+          <c:spPr>
+            <a:solidFill>
+              <a:schemeClr val="accent1"/>
+            </a:solidFill>
+            <a:ln>
+              <a:noFill/>
+            </a:ln>
+            <a:effectLst/>
+          </c:spPr>
+          <c:invertIfNegative val="0"/>
+          <c:dLbls>
+            <c:spPr>
+              <a:noFill/>
+              <a:ln>
+                <a:noFill/>
+              </a:ln>
+              <a:effectLst/>
+            </c:spPr>
+            <c:txPr>
+              <a:bodyPr rot="0" spcFirstLastPara="1" vertOverflow="ellipsis" vert="horz" wrap="square" lIns="38100" tIns="19050" rIns="38100" bIns="19050" anchor="ctr" anchorCtr="1">
+                <a:spAutoFit/>
+              </a:bodyPr>
+              <a:lstStyle/>
+              <a:p>
+                <a:pPr>
+                  <a:defRPr sz="1197" b="0" i="0" u="none" strike="noStrike" kern="1200" baseline="0">
+                    <a:solidFill>
+                      <a:schemeClr val="tx1">
+                        <a:lumMod val="75000"/>
+                        <a:lumOff val="25000"/>
+                      </a:schemeClr>
+                    </a:solidFill>
+                    <a:latin typeface="+mn-lt"/>
+                    <a:ea typeface="+mn-ea"/>
+                    <a:cs typeface="+mn-cs"/>
+                  </a:defRPr>
+                </a:pPr>
+                <a:endParaRPr lang="en-US"/>
+              </a:p>
+            </c:txPr>
+            <c:dLblPos val="outEnd"/>
+            <c:showLegendKey val="0"/>
+            <c:showVal val="1"/>
+            <c:showCatName val="0"/>
+            <c:showSerName val="0"/>
+            <c:showPercent val="0"/>
+            <c:showBubbleSize val="0"/>
+            <c:showLeaderLines val="0"/>
+            <c:extLst>
+              <c:ext xmlns:c15="http://schemas.microsoft.com/office/drawing/2012/chart" uri="{CE6537A1-D6FC-4f65-9D91-7224C49458BB}">
+                <c15:layout/>
+                <c15:showLeaderLines val="1"/>
+                <c15:leaderLines>
+                  <c:spPr>
+                    <a:ln w="9525" cap="flat" cmpd="sng" algn="ctr">
+                      <a:solidFill>
+                        <a:schemeClr val="tx1">
+                          <a:lumMod val="35000"/>
+                          <a:lumOff val="65000"/>
+                        </a:schemeClr>
+                      </a:solidFill>
+                      <a:round/>
+                    </a:ln>
+                    <a:effectLst/>
+                  </c:spPr>
+                </c15:leaderLines>
+              </c:ext>
+            </c:extLst>
+          </c:dLbls>
+          <c:cat>
+            <c:strRef>
+              <c:f>Sheet1!$A$2:$A$3</c:f>
+              <c:strCache>
+                <c:ptCount val="2"/>
+                <c:pt idx="0">
+                  <c:v>Cost </c:v>
+                </c:pt>
+                <c:pt idx="1">
+                  <c:v>Cost with modified Threshold</c:v>
+                </c:pt>
+              </c:strCache>
+            </c:strRef>
+          </c:cat>
+          <c:val>
+            <c:numRef>
+              <c:f>Sheet1!$B$2:$B$3</c:f>
+              <c:numCache>
+                <c:formatCode>General</c:formatCode>
+                <c:ptCount val="2"/>
+                <c:pt idx="0">
+                  <c:v>158010</c:v>
+                </c:pt>
+                <c:pt idx="1">
+                  <c:v>148630</c:v>
+                </c:pt>
+              </c:numCache>
+            </c:numRef>
+          </c:val>
+          <c:extLst>
+            <c:ext xmlns:c16="http://schemas.microsoft.com/office/drawing/2014/chart" uri="{C3380CC4-5D6E-409C-BE32-E72D297353CC}">
+              <c16:uniqueId val="{00000000-238B-4EBD-8613-0649DF58F56B}"/>
+            </c:ext>
+          </c:extLst>
+        </c:ser>
+        <c:ser>
+          <c:idx val="1"/>
+          <c:order val="1"/>
+          <c:tx>
+            <c:strRef>
+              <c:f>Sheet1!$C$1</c:f>
+              <c:strCache>
+                <c:ptCount val="1"/>
+                <c:pt idx="0">
+                  <c:v>Approach 2</c:v>
+                </c:pt>
+              </c:strCache>
+            </c:strRef>
+          </c:tx>
+          <c:spPr>
+            <a:solidFill>
+              <a:schemeClr val="accent2"/>
+            </a:solidFill>
+            <a:ln>
+              <a:noFill/>
+            </a:ln>
+            <a:effectLst/>
+          </c:spPr>
+          <c:invertIfNegative val="0"/>
+          <c:dLbls>
+            <c:spPr>
+              <a:noFill/>
+              <a:ln>
+                <a:noFill/>
+              </a:ln>
+              <a:effectLst/>
+            </c:spPr>
+            <c:txPr>
+              <a:bodyPr rot="0" spcFirstLastPara="1" vertOverflow="ellipsis" vert="horz" wrap="square" lIns="38100" tIns="19050" rIns="38100" bIns="19050" anchor="ctr" anchorCtr="1">
+                <a:spAutoFit/>
+              </a:bodyPr>
+              <a:lstStyle/>
+              <a:p>
+                <a:pPr>
+                  <a:defRPr sz="1197" b="0" i="0" u="none" strike="noStrike" kern="1200" baseline="0">
+                    <a:solidFill>
+                      <a:schemeClr val="tx1">
+                        <a:lumMod val="75000"/>
+                        <a:lumOff val="25000"/>
+                      </a:schemeClr>
+                    </a:solidFill>
+                    <a:latin typeface="+mn-lt"/>
+                    <a:ea typeface="+mn-ea"/>
+                    <a:cs typeface="+mn-cs"/>
+                  </a:defRPr>
+                </a:pPr>
+                <a:endParaRPr lang="en-US"/>
+              </a:p>
+            </c:txPr>
+            <c:dLblPos val="outEnd"/>
+            <c:showLegendKey val="0"/>
+            <c:showVal val="1"/>
+            <c:showCatName val="0"/>
+            <c:showSerName val="0"/>
+            <c:showPercent val="0"/>
+            <c:showBubbleSize val="0"/>
+            <c:showLeaderLines val="0"/>
+            <c:extLst>
+              <c:ext xmlns:c15="http://schemas.microsoft.com/office/drawing/2012/chart" uri="{CE6537A1-D6FC-4f65-9D91-7224C49458BB}">
+                <c15:layout/>
+                <c15:showLeaderLines val="1"/>
+                <c15:leaderLines>
+                  <c:spPr>
+                    <a:ln w="9525" cap="flat" cmpd="sng" algn="ctr">
+                      <a:solidFill>
+                        <a:schemeClr val="tx1">
+                          <a:lumMod val="35000"/>
+                          <a:lumOff val="65000"/>
+                        </a:schemeClr>
+                      </a:solidFill>
+                      <a:round/>
+                    </a:ln>
+                    <a:effectLst/>
+                  </c:spPr>
+                </c15:leaderLines>
+              </c:ext>
+            </c:extLst>
+          </c:dLbls>
+          <c:cat>
+            <c:strRef>
+              <c:f>Sheet1!$A$2:$A$3</c:f>
+              <c:strCache>
+                <c:ptCount val="2"/>
+                <c:pt idx="0">
+                  <c:v>Cost </c:v>
+                </c:pt>
+                <c:pt idx="1">
+                  <c:v>Cost with modified Threshold</c:v>
+                </c:pt>
+              </c:strCache>
+            </c:strRef>
+          </c:cat>
+          <c:val>
+            <c:numRef>
+              <c:f>Sheet1!$C$2:$C$3</c:f>
+              <c:numCache>
+                <c:formatCode>General</c:formatCode>
+                <c:ptCount val="2"/>
+                <c:pt idx="0">
+                  <c:v>65540</c:v>
+                </c:pt>
+                <c:pt idx="1">
+                  <c:v>47860</c:v>
+                </c:pt>
+              </c:numCache>
+            </c:numRef>
+          </c:val>
+          <c:extLst>
+            <c:ext xmlns:c16="http://schemas.microsoft.com/office/drawing/2014/chart" uri="{C3380CC4-5D6E-409C-BE32-E72D297353CC}">
+              <c16:uniqueId val="{00000001-238B-4EBD-8613-0649DF58F56B}"/>
+            </c:ext>
+          </c:extLst>
+        </c:ser>
+        <c:dLbls>
+          <c:dLblPos val="outEnd"/>
+          <c:showLegendKey val="0"/>
+          <c:showVal val="1"/>
+          <c:showCatName val="0"/>
+          <c:showSerName val="0"/>
+          <c:showPercent val="0"/>
+          <c:showBubbleSize val="0"/>
+        </c:dLbls>
+        <c:gapWidth val="219"/>
+        <c:overlap val="-27"/>
+        <c:axId val="504718624"/>
+        <c:axId val="504720704"/>
+      </c:barChart>
+      <c:catAx>
+        <c:axId val="504718624"/>
+        <c:scaling>
+          <c:orientation val="minMax"/>
+        </c:scaling>
+        <c:delete val="0"/>
+        <c:axPos val="b"/>
+        <c:numFmt formatCode="General" sourceLinked="1"/>
+        <c:majorTickMark val="none"/>
+        <c:minorTickMark val="none"/>
+        <c:tickLblPos val="nextTo"/>
+        <c:spPr>
+          <a:noFill/>
+          <a:ln w="9525" cap="flat" cmpd="sng" algn="ctr">
+            <a:solidFill>
+              <a:schemeClr val="tx1">
+                <a:lumMod val="15000"/>
+                <a:lumOff val="85000"/>
+              </a:schemeClr>
+            </a:solidFill>
+            <a:round/>
+          </a:ln>
+          <a:effectLst/>
+        </c:spPr>
+        <c:txPr>
+          <a:bodyPr rot="-60000000" spcFirstLastPara="1" vertOverflow="ellipsis" vert="horz" wrap="square" anchor="ctr" anchorCtr="1"/>
+          <a:lstStyle/>
+          <a:p>
+            <a:pPr>
+              <a:defRPr sz="1197" b="0" i="0" u="none" strike="noStrike" kern="1200" baseline="0">
+                <a:ln>
+                  <a:solidFill>
+                    <a:schemeClr val="tx1"/>
+                  </a:solidFill>
+                </a:ln>
+                <a:solidFill>
+                  <a:schemeClr val="tx1">
+                    <a:lumMod val="65000"/>
+                    <a:lumOff val="35000"/>
+                  </a:schemeClr>
+                </a:solidFill>
+                <a:latin typeface="+mn-lt"/>
+                <a:ea typeface="+mn-ea"/>
+                <a:cs typeface="+mn-cs"/>
+              </a:defRPr>
+            </a:pPr>
+            <a:endParaRPr lang="en-US"/>
+          </a:p>
+        </c:txPr>
+        <c:crossAx val="504720704"/>
+        <c:crosses val="autoZero"/>
+        <c:auto val="1"/>
+        <c:lblAlgn val="ctr"/>
+        <c:lblOffset val="100"/>
+        <c:noMultiLvlLbl val="0"/>
+      </c:catAx>
+      <c:valAx>
+        <c:axId val="504720704"/>
+        <c:scaling>
+          <c:orientation val="minMax"/>
+        </c:scaling>
+        <c:delete val="0"/>
+        <c:axPos val="l"/>
+        <c:majorGridlines>
+          <c:spPr>
+            <a:ln w="9525" cap="flat" cmpd="sng" algn="ctr">
+              <a:solidFill>
+                <a:schemeClr val="tx1">
+                  <a:lumMod val="15000"/>
+                  <a:lumOff val="85000"/>
+                </a:schemeClr>
+              </a:solidFill>
+              <a:round/>
+            </a:ln>
+            <a:effectLst/>
+          </c:spPr>
+        </c:majorGridlines>
+        <c:numFmt formatCode="General" sourceLinked="1"/>
+        <c:majorTickMark val="none"/>
+        <c:minorTickMark val="none"/>
+        <c:tickLblPos val="nextTo"/>
+        <c:spPr>
+          <a:noFill/>
+          <a:ln>
+            <a:noFill/>
+          </a:ln>
+          <a:effectLst/>
+        </c:spPr>
+        <c:txPr>
+          <a:bodyPr rot="-60000000" spcFirstLastPara="1" vertOverflow="ellipsis" vert="horz" wrap="square" anchor="ctr" anchorCtr="1"/>
+          <a:lstStyle/>
+          <a:p>
+            <a:pPr>
+              <a:defRPr sz="1197" b="0" i="0" u="none" strike="noStrike" kern="1200" baseline="0">
+                <a:solidFill>
+                  <a:schemeClr val="tx1">
+                    <a:lumMod val="65000"/>
+                    <a:lumOff val="35000"/>
+                  </a:schemeClr>
+                </a:solidFill>
+                <a:latin typeface="+mn-lt"/>
+                <a:ea typeface="+mn-ea"/>
+                <a:cs typeface="+mn-cs"/>
+              </a:defRPr>
+            </a:pPr>
+            <a:endParaRPr lang="en-US"/>
+          </a:p>
+        </c:txPr>
+        <c:crossAx val="504718624"/>
+        <c:crosses val="autoZero"/>
+        <c:crossBetween val="between"/>
+      </c:valAx>
+      <c:spPr>
+        <a:noFill/>
+        <a:ln>
+          <a:noFill/>
+        </a:ln>
+        <a:effectLst/>
+      </c:spPr>
+    </c:plotArea>
+    <c:legend>
+      <c:legendPos val="r"/>
+      <c:layout/>
+      <c:overlay val="0"/>
+      <c:spPr>
+        <a:noFill/>
+        <a:ln>
+          <a:noFill/>
+        </a:ln>
+        <a:effectLst/>
+      </c:spPr>
+      <c:txPr>
+        <a:bodyPr rot="0" spcFirstLastPara="1" vertOverflow="ellipsis" vert="horz" wrap="square" anchor="ctr" anchorCtr="1"/>
+        <a:lstStyle/>
+        <a:p>
+          <a:pPr>
+            <a:defRPr sz="1197" b="0" i="0" u="none" strike="noStrike" kern="1200" baseline="0">
+              <a:solidFill>
+                <a:schemeClr val="tx1">
+                  <a:lumMod val="65000"/>
+                  <a:lumOff val="35000"/>
+                </a:schemeClr>
+              </a:solidFill>
+              <a:latin typeface="+mn-lt"/>
+              <a:ea typeface="+mn-ea"/>
+              <a:cs typeface="+mn-cs"/>
+            </a:defRPr>
+          </a:pPr>
+          <a:endParaRPr lang="en-US"/>
+        </a:p>
+      </c:txPr>
+    </c:legend>
+    <c:plotVisOnly val="1"/>
+    <c:dispBlanksAs val="gap"/>
+    <c:showDLblsOverMax val="0"/>
+  </c:chart>
+  <c:spPr>
+    <a:noFill/>
+    <a:ln>
+      <a:noFill/>
+    </a:ln>
+    <a:effectLst/>
+  </c:spPr>
+  <c:txPr>
+    <a:bodyPr/>
+    <a:lstStyle/>
+    <a:p>
+      <a:pPr>
+        <a:defRPr/>
+      </a:pPr>
+      <a:endParaRPr lang="en-US"/>
+    </a:p>
+  </c:txPr>
+  <c:externalData r:id="rId3">
+    <c:autoUpdate val="0"/>
+  </c:externalData>
+</c:chartSpace>
+</file>
+
+<file path=ppt/charts/chart4.xml><?xml version="1.0" encoding="utf-8"?>
+<c:chartSpace xmlns:c="http://schemas.openxmlformats.org/drawingml/2006/chart" xmlns:a="http://schemas.openxmlformats.org/drawingml/2006/main" xmlns:r="http://schemas.openxmlformats.org/officeDocument/2006/relationships" xmlns:c16r2="http://schemas.microsoft.com/office/drawing/2015/06/chart">
+  <c:date1904 val="0"/>
+  <c:lang val="en-US"/>
+  <c:roundedCorners val="0"/>
+  <mc:AlternateContent xmlns:mc="http://schemas.openxmlformats.org/markup-compatibility/2006">
+    <mc:Choice xmlns:c14="http://schemas.microsoft.com/office/drawing/2007/8/2/chart" Requires="c14">
+      <c14:style val="102"/>
+    </mc:Choice>
+    <mc:Fallback>
+      <c:style val="2"/>
+    </mc:Fallback>
+  </mc:AlternateContent>
+  <c:chart>
+    <c:title>
+      <c:layout/>
+      <c:overlay val="0"/>
+      <c:spPr>
+        <a:noFill/>
+        <a:ln>
+          <a:noFill/>
+        </a:ln>
+        <a:effectLst/>
+      </c:spPr>
+      <c:txPr>
+        <a:bodyPr rot="0" spcFirstLastPara="1" vertOverflow="ellipsis" vert="horz" wrap="square" anchor="ctr" anchorCtr="1"/>
+        <a:lstStyle/>
+        <a:p>
+          <a:pPr>
+            <a:defRPr sz="1862" b="0" i="0" u="none" strike="noStrike" kern="1200" spc="0" baseline="0">
+              <a:solidFill>
+                <a:schemeClr val="tx1">
+                  <a:lumMod val="65000"/>
+                  <a:lumOff val="35000"/>
+                </a:schemeClr>
+              </a:solidFill>
+              <a:latin typeface="+mn-lt"/>
+              <a:ea typeface="+mn-ea"/>
+              <a:cs typeface="+mn-cs"/>
+            </a:defRPr>
+          </a:pPr>
+          <a:endParaRPr lang="en-US"/>
+        </a:p>
+      </c:txPr>
+    </c:title>
+    <c:autoTitleDeleted val="0"/>
+    <c:plotArea>
+      <c:layout/>
+      <c:barChart>
+        <c:barDir val="col"/>
+        <c:grouping val="clustered"/>
+        <c:varyColors val="0"/>
+        <c:ser>
+          <c:idx val="0"/>
+          <c:order val="0"/>
+          <c:tx>
+            <c:strRef>
+              <c:f>Sheet1!$B$1</c:f>
+              <c:strCache>
+                <c:ptCount val="1"/>
+                <c:pt idx="0">
+                  <c:v>ROC Curve Area</c:v>
+                </c:pt>
+              </c:strCache>
+            </c:strRef>
+          </c:tx>
+          <c:spPr>
+            <a:solidFill>
+              <a:schemeClr val="accent1"/>
+            </a:solidFill>
+            <a:ln>
+              <a:noFill/>
+            </a:ln>
+            <a:effectLst/>
+          </c:spPr>
+          <c:invertIfNegative val="0"/>
+          <c:dLbls>
+            <c:spPr>
+              <a:noFill/>
+              <a:ln>
+                <a:noFill/>
+              </a:ln>
+              <a:effectLst/>
+            </c:spPr>
+            <c:txPr>
+              <a:bodyPr rot="0" spcFirstLastPara="1" vertOverflow="ellipsis" vert="horz" wrap="square" lIns="38100" tIns="19050" rIns="38100" bIns="19050" anchor="ctr" anchorCtr="1">
+                <a:spAutoFit/>
+              </a:bodyPr>
+              <a:lstStyle/>
+              <a:p>
+                <a:pPr>
+                  <a:defRPr sz="1197" b="0" i="0" u="none" strike="noStrike" kern="1200" baseline="0">
+                    <a:solidFill>
+                      <a:schemeClr val="tx1">
+                        <a:lumMod val="75000"/>
+                        <a:lumOff val="25000"/>
+                      </a:schemeClr>
+                    </a:solidFill>
+                    <a:latin typeface="+mn-lt"/>
+                    <a:ea typeface="+mn-ea"/>
+                    <a:cs typeface="+mn-cs"/>
+                  </a:defRPr>
+                </a:pPr>
+                <a:endParaRPr lang="en-US"/>
+              </a:p>
+            </c:txPr>
+            <c:dLblPos val="outEnd"/>
+            <c:showLegendKey val="0"/>
+            <c:showVal val="1"/>
+            <c:showCatName val="0"/>
+            <c:showSerName val="0"/>
+            <c:showPercent val="0"/>
+            <c:showBubbleSize val="0"/>
+            <c:showLeaderLines val="0"/>
+            <c:extLst>
+              <c:ext xmlns:c15="http://schemas.microsoft.com/office/drawing/2012/chart" uri="{CE6537A1-D6FC-4f65-9D91-7224C49458BB}">
+                <c15:layout/>
+                <c15:showLeaderLines val="1"/>
+                <c15:leaderLines>
+                  <c:spPr>
+                    <a:ln w="9525" cap="flat" cmpd="sng" algn="ctr">
+                      <a:solidFill>
+                        <a:schemeClr val="tx1">
+                          <a:lumMod val="35000"/>
+                          <a:lumOff val="65000"/>
+                        </a:schemeClr>
+                      </a:solidFill>
+                      <a:round/>
+                    </a:ln>
+                    <a:effectLst/>
+                  </c:spPr>
+                </c15:leaderLines>
+              </c:ext>
+            </c:extLst>
+          </c:dLbls>
+          <c:cat>
+            <c:strRef>
+              <c:f>Sheet1!$A$2:$A$3</c:f>
+              <c:strCache>
+                <c:ptCount val="2"/>
+                <c:pt idx="0">
+                  <c:v>Approach 1</c:v>
+                </c:pt>
+                <c:pt idx="1">
+                  <c:v>Approach 2</c:v>
+                </c:pt>
+              </c:strCache>
+            </c:strRef>
+          </c:cat>
+          <c:val>
+            <c:numRef>
+              <c:f>Sheet1!$B$2:$B$3</c:f>
+              <c:numCache>
+                <c:formatCode>General</c:formatCode>
+                <c:ptCount val="2"/>
+                <c:pt idx="0">
+                  <c:v>42</c:v>
+                </c:pt>
+                <c:pt idx="1">
+                  <c:v>92</c:v>
+                </c:pt>
+              </c:numCache>
+            </c:numRef>
+          </c:val>
+          <c:extLst>
+            <c:ext xmlns:c16="http://schemas.microsoft.com/office/drawing/2014/chart" uri="{C3380CC4-5D6E-409C-BE32-E72D297353CC}">
+              <c16:uniqueId val="{00000000-87A2-4959-832D-0C03C86CC1C3}"/>
+            </c:ext>
+          </c:extLst>
+        </c:ser>
+        <c:dLbls>
+          <c:dLblPos val="outEnd"/>
+          <c:showLegendKey val="0"/>
+          <c:showVal val="1"/>
+          <c:showCatName val="0"/>
+          <c:showSerName val="0"/>
+          <c:showPercent val="0"/>
+          <c:showBubbleSize val="0"/>
+        </c:dLbls>
+        <c:gapWidth val="219"/>
+        <c:overlap val="-27"/>
+        <c:axId val="692380720"/>
+        <c:axId val="692389456"/>
+      </c:barChart>
+      <c:catAx>
+        <c:axId val="692380720"/>
+        <c:scaling>
+          <c:orientation val="minMax"/>
+        </c:scaling>
+        <c:delete val="0"/>
+        <c:axPos val="b"/>
+        <c:numFmt formatCode="General" sourceLinked="1"/>
+        <c:majorTickMark val="none"/>
+        <c:minorTickMark val="none"/>
+        <c:tickLblPos val="nextTo"/>
+        <c:spPr>
+          <a:noFill/>
+          <a:ln w="9525" cap="flat" cmpd="sng" algn="ctr">
+            <a:solidFill>
+              <a:schemeClr val="tx1">
+                <a:lumMod val="15000"/>
+                <a:lumOff val="85000"/>
+              </a:schemeClr>
+            </a:solidFill>
+            <a:round/>
+          </a:ln>
+          <a:effectLst/>
+        </c:spPr>
+        <c:txPr>
+          <a:bodyPr rot="-60000000" spcFirstLastPara="1" vertOverflow="ellipsis" vert="horz" wrap="square" anchor="ctr" anchorCtr="1"/>
+          <a:lstStyle/>
+          <a:p>
+            <a:pPr>
+              <a:defRPr sz="1200" b="1" i="0" u="none" strike="noStrike" kern="1200" baseline="0">
+                <a:solidFill>
+                  <a:schemeClr val="tx1">
+                    <a:lumMod val="65000"/>
+                    <a:lumOff val="35000"/>
+                  </a:schemeClr>
+                </a:solidFill>
+                <a:latin typeface="+mn-lt"/>
+                <a:ea typeface="+mn-ea"/>
+                <a:cs typeface="+mn-cs"/>
+              </a:defRPr>
+            </a:pPr>
+            <a:endParaRPr lang="en-US"/>
+          </a:p>
+        </c:txPr>
+        <c:crossAx val="692389456"/>
+        <c:crosses val="autoZero"/>
+        <c:auto val="1"/>
+        <c:lblAlgn val="ctr"/>
+        <c:lblOffset val="100"/>
+        <c:noMultiLvlLbl val="0"/>
+      </c:catAx>
+      <c:valAx>
+        <c:axId val="692389456"/>
+        <c:scaling>
+          <c:orientation val="minMax"/>
+        </c:scaling>
+        <c:delete val="0"/>
+        <c:axPos val="l"/>
+        <c:majorGridlines>
+          <c:spPr>
+            <a:ln w="9525" cap="flat" cmpd="sng" algn="ctr">
+              <a:solidFill>
+                <a:schemeClr val="tx1">
+                  <a:lumMod val="15000"/>
+                  <a:lumOff val="85000"/>
+                </a:schemeClr>
+              </a:solidFill>
+              <a:round/>
+            </a:ln>
+            <a:effectLst/>
+          </c:spPr>
+        </c:majorGridlines>
+        <c:numFmt formatCode="General" sourceLinked="1"/>
+        <c:majorTickMark val="none"/>
+        <c:minorTickMark val="none"/>
+        <c:tickLblPos val="nextTo"/>
+        <c:spPr>
+          <a:noFill/>
+          <a:ln>
+            <a:noFill/>
+          </a:ln>
+          <a:effectLst/>
+        </c:spPr>
+        <c:txPr>
+          <a:bodyPr rot="-60000000" spcFirstLastPara="1" vertOverflow="ellipsis" vert="horz" wrap="square" anchor="ctr" anchorCtr="1"/>
+          <a:lstStyle/>
+          <a:p>
+            <a:pPr>
+              <a:defRPr sz="1197" b="0" i="0" u="none" strike="noStrike" kern="1200" baseline="0">
+                <a:solidFill>
+                  <a:schemeClr val="tx1">
+                    <a:lumMod val="65000"/>
+                    <a:lumOff val="35000"/>
+                  </a:schemeClr>
+                </a:solidFill>
+                <a:latin typeface="+mn-lt"/>
+                <a:ea typeface="+mn-ea"/>
+                <a:cs typeface="+mn-cs"/>
+              </a:defRPr>
+            </a:pPr>
+            <a:endParaRPr lang="en-US"/>
+          </a:p>
+        </c:txPr>
+        <c:crossAx val="692380720"/>
+        <c:crosses val="autoZero"/>
+        <c:crossBetween val="between"/>
+      </c:valAx>
+      <c:spPr>
+        <a:noFill/>
+        <a:ln>
+          <a:noFill/>
+        </a:ln>
+        <a:effectLst/>
+      </c:spPr>
+    </c:plotArea>
+    <c:legend>
+      <c:legendPos val="b"/>
+      <c:layout/>
+      <c:overlay val="0"/>
+      <c:spPr>
+        <a:noFill/>
+        <a:ln>
+          <a:noFill/>
+        </a:ln>
+        <a:effectLst/>
+      </c:spPr>
+      <c:txPr>
+        <a:bodyPr rot="0" spcFirstLastPara="1" vertOverflow="ellipsis" vert="horz" wrap="square" anchor="ctr" anchorCtr="1"/>
+        <a:lstStyle/>
+        <a:p>
+          <a:pPr>
+            <a:defRPr sz="1200" b="1" i="0" u="none" strike="noStrike" kern="1200" baseline="0">
+              <a:solidFill>
+                <a:schemeClr val="tx1">
+                  <a:lumMod val="65000"/>
+                  <a:lumOff val="35000"/>
+                </a:schemeClr>
+              </a:solidFill>
+              <a:latin typeface="+mn-lt"/>
+              <a:ea typeface="+mn-ea"/>
+              <a:cs typeface="+mn-cs"/>
+            </a:defRPr>
+          </a:pPr>
+          <a:endParaRPr lang="en-US"/>
+        </a:p>
+      </c:txPr>
+    </c:legend>
+    <c:plotVisOnly val="1"/>
+    <c:dispBlanksAs val="gap"/>
+    <c:showDLblsOverMax val="0"/>
+  </c:chart>
+  <c:spPr>
+    <a:noFill/>
+    <a:ln>
+      <a:noFill/>
+    </a:ln>
+    <a:effectLst/>
+  </c:spPr>
+  <c:txPr>
+    <a:bodyPr/>
+    <a:lstStyle/>
+    <a:p>
+      <a:pPr>
+        <a:defRPr/>
+      </a:pPr>
+      <a:endParaRPr lang="en-US"/>
+    </a:p>
+  </c:txPr>
+  <c:externalData r:id="rId3">
+    <c:autoUpdate val="0"/>
+  </c:externalData>
+</c:chartSpace>
+</file>
+
+<file path=ppt/charts/chart5.xml><?xml version="1.0" encoding="utf-8"?>
+<c:chartSpace xmlns:c="http://schemas.openxmlformats.org/drawingml/2006/chart" xmlns:a="http://schemas.openxmlformats.org/drawingml/2006/main" xmlns:r="http://schemas.openxmlformats.org/officeDocument/2006/relationships" xmlns:c16r2="http://schemas.microsoft.com/office/drawing/2015/06/chart">
+  <c:date1904 val="0"/>
+  <c:lang val="en-US"/>
+  <c:roundedCorners val="0"/>
+  <mc:AlternateContent xmlns:mc="http://schemas.openxmlformats.org/markup-compatibility/2006">
+    <mc:Choice xmlns:c14="http://schemas.microsoft.com/office/drawing/2007/8/2/chart" Requires="c14">
+      <c14:style val="102"/>
+    </mc:Choice>
+    <mc:Fallback>
+      <c:style val="2"/>
+    </mc:Fallback>
+  </mc:AlternateContent>
+  <c:chart>
+    <c:title>
+      <c:tx>
+        <c:rich>
+          <a:bodyPr rot="0" spcFirstLastPara="1" vertOverflow="ellipsis" vert="horz" wrap="square" anchor="ctr" anchorCtr="1"/>
+          <a:lstStyle/>
+          <a:p>
+            <a:pPr>
+              <a:defRPr sz="1862" b="0" i="0" u="none" strike="noStrike" kern="1200" spc="0" baseline="0">
+                <a:solidFill>
+                  <a:schemeClr val="tx1">
+                    <a:lumMod val="65000"/>
+                    <a:lumOff val="35000"/>
+                  </a:schemeClr>
+                </a:solidFill>
+                <a:latin typeface="+mn-lt"/>
+                <a:ea typeface="+mn-ea"/>
+                <a:cs typeface="+mn-cs"/>
+              </a:defRPr>
+            </a:pPr>
+            <a:r>
+              <a:rPr lang="en-US" b="1" dirty="0" smtClean="0"/>
+              <a:t>Testing Data</a:t>
+            </a:r>
+            <a:r>
+              <a:rPr lang="en-US" b="1" baseline="0" dirty="0" smtClean="0"/>
+              <a:t> with modified threshold</a:t>
+            </a:r>
+            <a:endParaRPr lang="en-US" b="1" dirty="0" smtClean="0"/>
+          </a:p>
+        </c:rich>
+      </c:tx>
+      <c:layout/>
+      <c:overlay val="0"/>
+      <c:spPr>
+        <a:noFill/>
+        <a:ln>
+          <a:noFill/>
+        </a:ln>
+        <a:effectLst/>
+      </c:spPr>
+      <c:txPr>
+        <a:bodyPr rot="0" spcFirstLastPara="1" vertOverflow="ellipsis" vert="horz" wrap="square" anchor="ctr" anchorCtr="1"/>
+        <a:lstStyle/>
+        <a:p>
+          <a:pPr>
+            <a:defRPr sz="1862" b="0" i="0" u="none" strike="noStrike" kern="1200" spc="0" baseline="0">
+              <a:solidFill>
+                <a:schemeClr val="tx1">
+                  <a:lumMod val="65000"/>
+                  <a:lumOff val="35000"/>
+                </a:schemeClr>
+              </a:solidFill>
+              <a:latin typeface="+mn-lt"/>
+              <a:ea typeface="+mn-ea"/>
+              <a:cs typeface="+mn-cs"/>
+            </a:defRPr>
+          </a:pPr>
+          <a:endParaRPr lang="en-US"/>
+        </a:p>
+      </c:txPr>
+    </c:title>
+    <c:autoTitleDeleted val="0"/>
+    <c:plotArea>
+      <c:layout/>
+      <c:barChart>
+        <c:barDir val="col"/>
+        <c:grouping val="clustered"/>
+        <c:varyColors val="0"/>
+        <c:ser>
+          <c:idx val="0"/>
+          <c:order val="0"/>
+          <c:tx>
+            <c:strRef>
+              <c:f>Sheet1!$B$1</c:f>
+              <c:strCache>
+                <c:ptCount val="1"/>
+                <c:pt idx="0">
+                  <c:v>Evaluators</c:v>
+                </c:pt>
+              </c:strCache>
+            </c:strRef>
+          </c:tx>
+          <c:spPr>
+            <a:solidFill>
+              <a:schemeClr val="accent1"/>
+            </a:solidFill>
+            <a:ln>
+              <a:noFill/>
+            </a:ln>
+            <a:effectLst/>
+          </c:spPr>
+          <c:invertIfNegative val="0"/>
+          <c:dLbls>
+            <c:spPr>
+              <a:noFill/>
+              <a:ln>
+                <a:noFill/>
+              </a:ln>
+              <a:effectLst/>
+            </c:spPr>
+            <c:txPr>
+              <a:bodyPr rot="0" spcFirstLastPara="1" vertOverflow="ellipsis" vert="horz" wrap="square" lIns="38100" tIns="19050" rIns="38100" bIns="19050" anchor="ctr" anchorCtr="1">
+                <a:spAutoFit/>
+              </a:bodyPr>
+              <a:lstStyle/>
+              <a:p>
+                <a:pPr>
+                  <a:defRPr sz="1197" b="0" i="0" u="none" strike="noStrike" kern="1200" baseline="0">
+                    <a:solidFill>
+                      <a:schemeClr val="tx1">
+                        <a:lumMod val="75000"/>
+                        <a:lumOff val="25000"/>
+                      </a:schemeClr>
+                    </a:solidFill>
+                    <a:latin typeface="+mn-lt"/>
+                    <a:ea typeface="+mn-ea"/>
+                    <a:cs typeface="+mn-cs"/>
+                  </a:defRPr>
+                </a:pPr>
+                <a:endParaRPr lang="en-US"/>
+              </a:p>
+            </c:txPr>
+            <c:dLblPos val="outEnd"/>
+            <c:showLegendKey val="0"/>
+            <c:showVal val="1"/>
+            <c:showCatName val="0"/>
+            <c:showSerName val="0"/>
+            <c:showPercent val="0"/>
+            <c:showBubbleSize val="0"/>
+            <c:showLeaderLines val="0"/>
+            <c:extLst>
+              <c:ext xmlns:c15="http://schemas.microsoft.com/office/drawing/2012/chart" uri="{CE6537A1-D6FC-4f65-9D91-7224C49458BB}">
+                <c15:layout/>
+                <c15:showLeaderLines val="1"/>
+                <c15:leaderLines>
+                  <c:spPr>
+                    <a:ln w="9525" cap="flat" cmpd="sng" algn="ctr">
+                      <a:solidFill>
+                        <a:schemeClr val="tx1">
+                          <a:lumMod val="35000"/>
+                          <a:lumOff val="65000"/>
+                        </a:schemeClr>
+                      </a:solidFill>
+                      <a:round/>
+                    </a:ln>
+                    <a:effectLst/>
+                  </c:spPr>
+                </c15:leaderLines>
+              </c:ext>
+            </c:extLst>
+          </c:dLbls>
+          <c:cat>
+            <c:strRef>
+              <c:f>Sheet1!$A$2:$A$6</c:f>
+              <c:strCache>
+                <c:ptCount val="5"/>
+                <c:pt idx="0">
+                  <c:v>Accuracy Score</c:v>
+                </c:pt>
+                <c:pt idx="1">
+                  <c:v> R2 Score</c:v>
+                </c:pt>
+                <c:pt idx="2">
+                  <c:v>F1 Score</c:v>
+                </c:pt>
+                <c:pt idx="3">
+                  <c:v>Recall Score</c:v>
+                </c:pt>
+                <c:pt idx="4">
+                  <c:v>MSE</c:v>
+                </c:pt>
+              </c:strCache>
+            </c:strRef>
+          </c:cat>
+          <c:val>
+            <c:numRef>
+              <c:f>Sheet1!$B$2:$B$6</c:f>
+              <c:numCache>
+                <c:formatCode>General</c:formatCode>
+                <c:ptCount val="5"/>
+                <c:pt idx="0">
+                  <c:v>98.9</c:v>
+                </c:pt>
+                <c:pt idx="1">
+                  <c:v>50.8</c:v>
+                </c:pt>
+                <c:pt idx="2">
+                  <c:v>75.7</c:v>
+                </c:pt>
+                <c:pt idx="3">
+                  <c:v>74.900000000000006</c:v>
+                </c:pt>
+                <c:pt idx="4">
+                  <c:v>1.125</c:v>
+                </c:pt>
+              </c:numCache>
+            </c:numRef>
+          </c:val>
+          <c:extLst>
+            <c:ext xmlns:c16="http://schemas.microsoft.com/office/drawing/2014/chart" uri="{C3380CC4-5D6E-409C-BE32-E72D297353CC}">
+              <c16:uniqueId val="{00000000-238B-4EBD-8613-0649DF58F56B}"/>
+            </c:ext>
+          </c:extLst>
+        </c:ser>
+        <c:dLbls>
+          <c:showLegendKey val="0"/>
+          <c:showVal val="0"/>
+          <c:showCatName val="0"/>
+          <c:showSerName val="0"/>
+          <c:showPercent val="0"/>
+          <c:showBubbleSize val="0"/>
+        </c:dLbls>
+        <c:gapWidth val="219"/>
+        <c:overlap val="-27"/>
+        <c:axId val="504718624"/>
+        <c:axId val="504720704"/>
+      </c:barChart>
+      <c:catAx>
+        <c:axId val="504718624"/>
+        <c:scaling>
+          <c:orientation val="minMax"/>
+        </c:scaling>
+        <c:delete val="0"/>
+        <c:axPos val="b"/>
+        <c:numFmt formatCode="General" sourceLinked="1"/>
+        <c:majorTickMark val="none"/>
+        <c:minorTickMark val="none"/>
+        <c:tickLblPos val="nextTo"/>
+        <c:spPr>
+          <a:noFill/>
+          <a:ln w="9525" cap="flat" cmpd="sng" algn="ctr">
+            <a:solidFill>
+              <a:schemeClr val="tx1">
+                <a:lumMod val="15000"/>
+                <a:lumOff val="85000"/>
+              </a:schemeClr>
+            </a:solidFill>
+            <a:round/>
+          </a:ln>
+          <a:effectLst/>
+        </c:spPr>
+        <c:txPr>
+          <a:bodyPr rot="-60000000" spcFirstLastPara="1" vertOverflow="ellipsis" vert="horz" wrap="square" anchor="ctr" anchorCtr="1"/>
+          <a:lstStyle/>
+          <a:p>
+            <a:pPr>
+              <a:defRPr sz="1197" b="0" i="0" u="none" strike="noStrike" kern="1200" baseline="0">
+                <a:ln>
+                  <a:solidFill>
+                    <a:schemeClr val="tx1"/>
+                  </a:solidFill>
+                </a:ln>
+                <a:solidFill>
+                  <a:schemeClr val="tx1">
+                    <a:lumMod val="65000"/>
+                    <a:lumOff val="35000"/>
+                  </a:schemeClr>
+                </a:solidFill>
+                <a:latin typeface="+mn-lt"/>
+                <a:ea typeface="+mn-ea"/>
+                <a:cs typeface="+mn-cs"/>
+              </a:defRPr>
+            </a:pPr>
+            <a:endParaRPr lang="en-US"/>
+          </a:p>
+        </c:txPr>
+        <c:crossAx val="504720704"/>
+        <c:crosses val="autoZero"/>
+        <c:auto val="1"/>
+        <c:lblAlgn val="ctr"/>
+        <c:lblOffset val="100"/>
+        <c:noMultiLvlLbl val="0"/>
+      </c:catAx>
+      <c:valAx>
+        <c:axId val="504720704"/>
+        <c:scaling>
+          <c:orientation val="minMax"/>
+        </c:scaling>
+        <c:delete val="0"/>
+        <c:axPos val="l"/>
+        <c:majorGridlines>
+          <c:spPr>
+            <a:ln w="9525" cap="flat" cmpd="sng" algn="ctr">
+              <a:solidFill>
+                <a:schemeClr val="tx1">
+                  <a:lumMod val="15000"/>
+                  <a:lumOff val="85000"/>
+                </a:schemeClr>
+              </a:solidFill>
+              <a:round/>
+            </a:ln>
+            <a:effectLst/>
+          </c:spPr>
+        </c:majorGridlines>
+        <c:numFmt formatCode="General" sourceLinked="1"/>
+        <c:majorTickMark val="none"/>
+        <c:minorTickMark val="none"/>
+        <c:tickLblPos val="nextTo"/>
+        <c:spPr>
+          <a:noFill/>
+          <a:ln>
+            <a:noFill/>
+          </a:ln>
+          <a:effectLst/>
+        </c:spPr>
+        <c:txPr>
+          <a:bodyPr rot="-60000000" spcFirstLastPara="1" vertOverflow="ellipsis" vert="horz" wrap="square" anchor="ctr" anchorCtr="1"/>
+          <a:lstStyle/>
+          <a:p>
+            <a:pPr>
+              <a:defRPr sz="1197" b="0" i="0" u="none" strike="noStrike" kern="1200" baseline="0">
+                <a:solidFill>
+                  <a:schemeClr val="tx1">
+                    <a:lumMod val="65000"/>
+                    <a:lumOff val="35000"/>
+                  </a:schemeClr>
+                </a:solidFill>
+                <a:latin typeface="+mn-lt"/>
+                <a:ea typeface="+mn-ea"/>
+                <a:cs typeface="+mn-cs"/>
+              </a:defRPr>
+            </a:pPr>
+            <a:endParaRPr lang="en-US"/>
+          </a:p>
+        </c:txPr>
+        <c:crossAx val="504718624"/>
+        <c:crosses val="autoZero"/>
+        <c:crossBetween val="between"/>
+      </c:valAx>
+      <c:spPr>
+        <a:noFill/>
+        <a:ln>
+          <a:noFill/>
+        </a:ln>
+        <a:effectLst/>
+      </c:spPr>
+    </c:plotArea>
+    <c:legend>
+      <c:legendPos val="b"/>
+      <c:legendEntry>
+        <c:idx val="0"/>
+        <c:txPr>
+          <a:bodyPr rot="0" spcFirstLastPara="1" vertOverflow="ellipsis" vert="horz" wrap="square" anchor="ctr" anchorCtr="1"/>
+          <a:lstStyle/>
+          <a:p>
+            <a:pPr>
+              <a:defRPr sz="1197" b="1" i="0" u="none" strike="noStrike" kern="1200" baseline="0">
+                <a:solidFill>
+                  <a:schemeClr val="tx1"/>
+                </a:solidFill>
+                <a:latin typeface="+mn-lt"/>
+                <a:ea typeface="+mn-ea"/>
+                <a:cs typeface="+mn-cs"/>
+              </a:defRPr>
+            </a:pPr>
+            <a:endParaRPr lang="en-US"/>
+          </a:p>
+        </c:txPr>
+      </c:legendEntry>
+      <c:layout/>
+      <c:overlay val="0"/>
+      <c:spPr>
+        <a:noFill/>
+        <a:ln>
+          <a:noFill/>
+        </a:ln>
+        <a:effectLst/>
+      </c:spPr>
+      <c:txPr>
+        <a:bodyPr rot="0" spcFirstLastPara="1" vertOverflow="ellipsis" vert="horz" wrap="square" anchor="ctr" anchorCtr="1"/>
+        <a:lstStyle/>
+        <a:p>
+          <a:pPr>
+            <a:defRPr sz="1197" b="1" i="0" u="none" strike="noStrike" kern="1200" baseline="0">
+              <a:solidFill>
+                <a:schemeClr val="tx1">
+                  <a:lumMod val="65000"/>
+                  <a:lumOff val="35000"/>
+                </a:schemeClr>
+              </a:solidFill>
+              <a:latin typeface="+mn-lt"/>
+              <a:ea typeface="+mn-ea"/>
+              <a:cs typeface="+mn-cs"/>
+            </a:defRPr>
+          </a:pPr>
+          <a:endParaRPr lang="en-US"/>
+        </a:p>
+      </c:txPr>
+    </c:legend>
+    <c:plotVisOnly val="1"/>
+    <c:dispBlanksAs val="gap"/>
+    <c:showDLblsOverMax val="0"/>
+  </c:chart>
+  <c:spPr>
+    <a:noFill/>
+    <a:ln>
+      <a:noFill/>
+    </a:ln>
+    <a:effectLst/>
+  </c:spPr>
+  <c:txPr>
+    <a:bodyPr/>
+    <a:lstStyle/>
+    <a:p>
+      <a:pPr>
+        <a:defRPr/>
+      </a:pPr>
+      <a:endParaRPr lang="en-US"/>
+    </a:p>
+  </c:txPr>
+  <c:externalData r:id="rId3">
+    <c:autoUpdate val="0"/>
+  </c:externalData>
+</c:chartSpace>
+</file>
+
+<file path=ppt/charts/colors1.xml><?xml version="1.0" encoding="utf-8"?>
+<cs:colorStyle xmlns:cs="http://schemas.microsoft.com/office/drawing/2012/chartStyle" xmlns:a="http://schemas.openxmlformats.org/drawingml/2006/main" meth="cycle" id="10">
+  <a:schemeClr val="accent1"/>
+  <a:schemeClr val="accent2"/>
+  <a:schemeClr val="accent3"/>
+  <a:schemeClr val="accent4"/>
+  <a:schemeClr val="accent5"/>
+  <a:schemeClr val="accent6"/>
+  <cs:variation/>
+  <cs:variation>
+    <a:lumMod val="60000"/>
+  </cs:variation>
+  <cs:variation>
+    <a:lumMod val="80000"/>
+    <a:lumOff val="20000"/>
+  </cs:variation>
+  <cs:variation>
+    <a:lumMod val="80000"/>
+  </cs:variation>
+  <cs:variation>
+    <a:lumMod val="60000"/>
+    <a:lumOff val="40000"/>
+  </cs:variation>
+  <cs:variation>
+    <a:lumMod val="50000"/>
+  </cs:variation>
+  <cs:variation>
+    <a:lumMod val="70000"/>
+    <a:lumOff val="30000"/>
+  </cs:variation>
+  <cs:variation>
+    <a:lumMod val="70000"/>
+  </cs:variation>
+  <cs:variation>
+    <a:lumMod val="50000"/>
+    <a:lumOff val="50000"/>
+  </cs:variation>
+</cs:colorStyle>
+</file>
+
+<file path=ppt/charts/colors2.xml><?xml version="1.0" encoding="utf-8"?>
+<cs:colorStyle xmlns:cs="http://schemas.microsoft.com/office/drawing/2012/chartStyle" xmlns:a="http://schemas.openxmlformats.org/drawingml/2006/main" meth="cycle" id="10">
+  <a:schemeClr val="accent1"/>
+  <a:schemeClr val="accent2"/>
+  <a:schemeClr val="accent3"/>
+  <a:schemeClr val="accent4"/>
+  <a:schemeClr val="accent5"/>
+  <a:schemeClr val="accent6"/>
+  <cs:variation/>
+  <cs:variation>
+    <a:lumMod val="60000"/>
+  </cs:variation>
+  <cs:variation>
+    <a:lumMod val="80000"/>
+    <a:lumOff val="20000"/>
+  </cs:variation>
+  <cs:variation>
+    <a:lumMod val="80000"/>
+  </cs:variation>
+  <cs:variation>
+    <a:lumMod val="60000"/>
+    <a:lumOff val="40000"/>
+  </cs:variation>
+  <cs:variation>
+    <a:lumMod val="50000"/>
+  </cs:variation>
+  <cs:variation>
+    <a:lumMod val="70000"/>
+    <a:lumOff val="30000"/>
+  </cs:variation>
+  <cs:variation>
+    <a:lumMod val="70000"/>
+  </cs:variation>
+  <cs:variation>
+    <a:lumMod val="50000"/>
+    <a:lumOff val="50000"/>
+  </cs:variation>
+</cs:colorStyle>
+</file>
+
+<file path=ppt/charts/colors3.xml><?xml version="1.0" encoding="utf-8"?>
+<cs:colorStyle xmlns:cs="http://schemas.microsoft.com/office/drawing/2012/chartStyle" xmlns:a="http://schemas.openxmlformats.org/drawingml/2006/main" meth="cycle" id="10">
+  <a:schemeClr val="accent1"/>
+  <a:schemeClr val="accent2"/>
+  <a:schemeClr val="accent3"/>
+  <a:schemeClr val="accent4"/>
+  <a:schemeClr val="accent5"/>
+  <a:schemeClr val="accent6"/>
+  <cs:variation/>
+  <cs:variation>
+    <a:lumMod val="60000"/>
+  </cs:variation>
+  <cs:variation>
+    <a:lumMod val="80000"/>
+    <a:lumOff val="20000"/>
+  </cs:variation>
+  <cs:variation>
+    <a:lumMod val="80000"/>
+  </cs:variation>
+  <cs:variation>
+    <a:lumMod val="60000"/>
+    <a:lumOff val="40000"/>
+  </cs:variation>
+  <cs:variation>
+    <a:lumMod val="50000"/>
+  </cs:variation>
+  <cs:variation>
+    <a:lumMod val="70000"/>
+    <a:lumOff val="30000"/>
+  </cs:variation>
+  <cs:variation>
+    <a:lumMod val="70000"/>
+  </cs:variation>
+  <cs:variation>
+    <a:lumMod val="50000"/>
+    <a:lumOff val="50000"/>
+  </cs:variation>
+</cs:colorStyle>
+</file>
+
+<file path=ppt/charts/colors4.xml><?xml version="1.0" encoding="utf-8"?>
+<cs:colorStyle xmlns:cs="http://schemas.microsoft.com/office/drawing/2012/chartStyle" xmlns:a="http://schemas.openxmlformats.org/drawingml/2006/main" meth="cycle" id="10">
+  <a:schemeClr val="accent1"/>
+  <a:schemeClr val="accent2"/>
+  <a:schemeClr val="accent3"/>
+  <a:schemeClr val="accent4"/>
+  <a:schemeClr val="accent5"/>
+  <a:schemeClr val="accent6"/>
+  <cs:variation/>
+  <cs:variation>
+    <a:lumMod val="60000"/>
+  </cs:variation>
+  <cs:variation>
+    <a:lumMod val="80000"/>
+    <a:lumOff val="20000"/>
+  </cs:variation>
+  <cs:variation>
+    <a:lumMod val="80000"/>
+  </cs:variation>
+  <cs:variation>
+    <a:lumMod val="60000"/>
+    <a:lumOff val="40000"/>
+  </cs:variation>
+  <cs:variation>
+    <a:lumMod val="50000"/>
+  </cs:variation>
+  <cs:variation>
+    <a:lumMod val="70000"/>
+    <a:lumOff val="30000"/>
+  </cs:variation>
+  <cs:variation>
+    <a:lumMod val="70000"/>
+  </cs:variation>
+  <cs:variation>
+    <a:lumMod val="50000"/>
+    <a:lumOff val="50000"/>
+  </cs:variation>
+</cs:colorStyle>
+</file>
+
+<file path=ppt/charts/colors5.xml><?xml version="1.0" encoding="utf-8"?>
+<cs:colorStyle xmlns:cs="http://schemas.microsoft.com/office/drawing/2012/chartStyle" xmlns:a="http://schemas.openxmlformats.org/drawingml/2006/main" meth="cycle" id="10">
+  <a:schemeClr val="accent1"/>
+  <a:schemeClr val="accent2"/>
+  <a:schemeClr val="accent3"/>
+  <a:schemeClr val="accent4"/>
+  <a:schemeClr val="accent5"/>
+  <a:schemeClr val="accent6"/>
+  <cs:variation/>
+  <cs:variation>
+    <a:lumMod val="60000"/>
+  </cs:variation>
+  <cs:variation>
+    <a:lumMod val="80000"/>
+    <a:lumOff val="20000"/>
+  </cs:variation>
+  <cs:variation>
+    <a:lumMod val="80000"/>
+  </cs:variation>
+  <cs:variation>
+    <a:lumMod val="60000"/>
+    <a:lumOff val="40000"/>
+  </cs:variation>
+  <cs:variation>
+    <a:lumMod val="50000"/>
+  </cs:variation>
+  <cs:variation>
+    <a:lumMod val="70000"/>
+    <a:lumOff val="30000"/>
+  </cs:variation>
+  <cs:variation>
+    <a:lumMod val="70000"/>
+  </cs:variation>
+  <cs:variation>
+    <a:lumMod val="50000"/>
+    <a:lumOff val="50000"/>
+  </cs:variation>
+</cs:colorStyle>
+</file>
+
+<file path=ppt/charts/style1.xml><?xml version="1.0" encoding="utf-8"?>
+<cs:chartStyle xmlns:cs="http://schemas.microsoft.com/office/drawing/2012/chartStyle" xmlns:a="http://schemas.openxmlformats.org/drawingml/2006/main" id="201">
+  <cs:axisTitle>
+    <cs:lnRef idx="0"/>
+    <cs:fillRef idx="0"/>
+    <cs:effectRef idx="0"/>
+    <cs:fontRef idx="minor">
+      <a:schemeClr val="tx1">
+        <a:lumMod val="65000"/>
+        <a:lumOff val="35000"/>
+      </a:schemeClr>
+    </cs:fontRef>
+    <cs:defRPr sz="1330" kern="1200"/>
+  </cs:axisTitle>
+  <cs:categoryAxis>
+    <cs:lnRef idx="0"/>
+    <cs:fillRef idx="0"/>
+    <cs:effectRef idx="0"/>
+    <cs:fontRef idx="minor">
+      <a:schemeClr val="tx1">
+        <a:lumMod val="65000"/>
+        <a:lumOff val="35000"/>
+      </a:schemeClr>
+    </cs:fontRef>
+    <cs:spPr>
+      <a:ln w="9525" cap="flat" cmpd="sng" algn="ctr">
+        <a:solidFill>
+          <a:schemeClr val="tx1">
+            <a:lumMod val="15000"/>
+            <a:lumOff val="85000"/>
+          </a:schemeClr>
+        </a:solidFill>
+        <a:round/>
+      </a:ln>
+    </cs:spPr>
+    <cs:defRPr sz="1197" kern="1200"/>
+  </cs:categoryAxis>
+  <cs:chartArea mods="allowNoFillOverride allowNoLineOverride">
+    <cs:lnRef idx="0"/>
+    <cs:fillRef idx="0"/>
+    <cs:effectRef idx="0"/>
+    <cs:fontRef idx="minor">
+      <a:schemeClr val="tx1"/>
+    </cs:fontRef>
+    <cs:spPr>
+      <a:solidFill>
+        <a:schemeClr val="bg1"/>
+      </a:solidFill>
+      <a:ln w="9525" cap="flat" cmpd="sng" algn="ctr">
+        <a:solidFill>
+          <a:schemeClr val="tx1">
+            <a:lumMod val="15000"/>
+            <a:lumOff val="85000"/>
+          </a:schemeClr>
+        </a:solidFill>
+        <a:round/>
+      </a:ln>
+    </cs:spPr>
+    <cs:defRPr sz="1330" kern="1200"/>
+  </cs:chartArea>
+  <cs:dataLabel>
+    <cs:lnRef idx="0"/>
+    <cs:fillRef idx="0"/>
+    <cs:effectRef idx="0"/>
+    <cs:fontRef idx="minor">
+      <a:schemeClr val="tx1">
+        <a:lumMod val="75000"/>
+        <a:lumOff val="25000"/>
+      </a:schemeClr>
+    </cs:fontRef>
+    <cs:defRPr sz="1197" kern="1200"/>
+  </cs:dataLabel>
+  <cs:dataLabelCallout>
+    <cs:lnRef idx="0"/>
+    <cs:fillRef idx="0"/>
+    <cs:effectRef idx="0"/>
+    <cs:fontRef idx="minor">
+      <a:schemeClr val="dk1">
+        <a:lumMod val="65000"/>
+        <a:lumOff val="35000"/>
+      </a:schemeClr>
+    </cs:fontRef>
+    <cs:spPr>
+      <a:solidFill>
+        <a:schemeClr val="lt1"/>
+      </a:solidFill>
+      <a:ln>
+        <a:solidFill>
+          <a:schemeClr val="dk1">
+            <a:lumMod val="25000"/>
+            <a:lumOff val="75000"/>
+          </a:schemeClr>
+        </a:solidFill>
+      </a:ln>
+    </cs:spPr>
+    <cs:defRPr sz="1197" kern="1200"/>
+    <cs:bodyPr rot="0" spcFirstLastPara="1" vertOverflow="clip" horzOverflow="clip" vert="horz" wrap="square" lIns="36576" tIns="18288" rIns="36576" bIns="18288" anchor="ctr" anchorCtr="1">
+      <a:spAutoFit/>
+    </cs:bodyPr>
+  </cs:dataLabelCallout>
+  <cs:dataPoint>
+    <cs:lnRef idx="0"/>
+    <cs:fillRef idx="1">
+      <cs:styleClr val="auto"/>
+    </cs:fillRef>
+    <cs:effectRef idx="0"/>
+    <cs:fontRef idx="minor">
+      <a:schemeClr val="tx1"/>
+    </cs:fontRef>
+  </cs:dataPoint>
+  <cs:dataPoint3D>
+    <cs:lnRef idx="0"/>
+    <cs:fillRef idx="1">
+      <cs:styleClr val="auto"/>
+    </cs:fillRef>
+    <cs:effectRef idx="0"/>
+    <cs:fontRef idx="minor">
+      <a:schemeClr val="tx1"/>
+    </cs:fontRef>
+  </cs:dataPoint3D>
+  <cs:dataPointLine>
+    <cs:lnRef idx="0">
+      <cs:styleClr val="auto"/>
+    </cs:lnRef>
+    <cs:fillRef idx="1"/>
+    <cs:effectRef idx="0"/>
+    <cs:fontRef idx="minor">
+      <a:schemeClr val="tx1"/>
+    </cs:fontRef>
+    <cs:spPr>
+      <a:ln w="28575" cap="rnd">
+        <a:solidFill>
+          <a:schemeClr val="phClr"/>
+        </a:solidFill>
+        <a:round/>
+      </a:ln>
+    </cs:spPr>
+  </cs:dataPointLine>
+  <cs:dataPointMarker>
+    <cs:lnRef idx="0">
+      <cs:styleClr val="auto"/>
+    </cs:lnRef>
+    <cs:fillRef idx="1">
+      <cs:styleClr val="auto"/>
+    </cs:fillRef>
+    <cs:effectRef idx="0"/>
+    <cs:fontRef idx="minor">
+      <a:schemeClr val="tx1"/>
+    </cs:fontRef>
+    <cs:spPr>
+      <a:ln w="9525">
+        <a:solidFill>
+          <a:schemeClr val="phClr"/>
+        </a:solidFill>
+      </a:ln>
+    </cs:spPr>
+  </cs:dataPointMarker>
+  <cs:dataPointMarkerLayout symbol="circle" size="5"/>
+  <cs:dataPointWireframe>
+    <cs:lnRef idx="0">
+      <cs:styleClr val="auto"/>
+    </cs:lnRef>
+    <cs:fillRef idx="1"/>
+    <cs:effectRef idx="0"/>
+    <cs:fontRef idx="minor">
+      <a:schemeClr val="tx1"/>
+    </cs:fontRef>
+    <cs:spPr>
+      <a:ln w="9525" cap="rnd">
+        <a:solidFill>
+          <a:schemeClr val="phClr"/>
+        </a:solidFill>
+        <a:round/>
+      </a:ln>
+    </cs:spPr>
+  </cs:dataPointWireframe>
+  <cs:dataTable>
+    <cs:lnRef idx="0"/>
+    <cs:fillRef idx="0"/>
+    <cs:effectRef idx="0"/>
+    <cs:fontRef idx="minor">
+      <a:schemeClr val="tx1">
+        <a:lumMod val="65000"/>
+        <a:lumOff val="35000"/>
+      </a:schemeClr>
+    </cs:fontRef>
+    <cs:spPr>
+      <a:noFill/>
+      <a:ln w="9525" cap="flat" cmpd="sng" algn="ctr">
+        <a:solidFill>
+          <a:schemeClr val="tx1">
+            <a:lumMod val="15000"/>
+            <a:lumOff val="85000"/>
+          </a:schemeClr>
+        </a:solidFill>
+        <a:round/>
+      </a:ln>
+    </cs:spPr>
+    <cs:defRPr sz="1197" kern="1200"/>
+  </cs:dataTable>
+  <cs:downBar>
+    <cs:lnRef idx="0"/>
+    <cs:fillRef idx="0"/>
+    <cs:effectRef idx="0"/>
+    <cs:fontRef idx="minor">
+      <a:schemeClr val="dk1"/>
+    </cs:fontRef>
+    <cs:spPr>
+      <a:solidFill>
+        <a:schemeClr val="dk1">
+          <a:lumMod val="65000"/>
+          <a:lumOff val="35000"/>
+        </a:schemeClr>
+      </a:solidFill>
+      <a:ln w="9525">
+        <a:solidFill>
+          <a:schemeClr val="tx1">
+            <a:lumMod val="65000"/>
+            <a:lumOff val="35000"/>
+          </a:schemeClr>
+        </a:solidFill>
+      </a:ln>
+    </cs:spPr>
+  </cs:downBar>
+  <cs:dropLine>
+    <cs:lnRef idx="0"/>
+    <cs:fillRef idx="0"/>
+    <cs:effectRef idx="0"/>
+    <cs:fontRef idx="minor">
+      <a:schemeClr val="tx1"/>
+    </cs:fontRef>
+    <cs:spPr>
+      <a:ln w="9525" cap="flat" cmpd="sng" algn="ctr">
+        <a:solidFill>
+          <a:schemeClr val="tx1">
+            <a:lumMod val="35000"/>
+            <a:lumOff val="65000"/>
+          </a:schemeClr>
+        </a:solidFill>
+        <a:round/>
+      </a:ln>
+    </cs:spPr>
+  </cs:dropLine>
+  <cs:errorBar>
+    <cs:lnRef idx="0"/>
+    <cs:fillRef idx="0"/>
+    <cs:effectRef idx="0"/>
+    <cs:fontRef idx="minor">
+      <a:schemeClr val="tx1"/>
+    </cs:fontRef>
+    <cs:spPr>
+      <a:ln w="9525" cap="flat" cmpd="sng" algn="ctr">
+        <a:solidFill>
+          <a:schemeClr val="tx1">
+            <a:lumMod val="65000"/>
+            <a:lumOff val="35000"/>
+          </a:schemeClr>
+        </a:solidFill>
+        <a:round/>
+      </a:ln>
+    </cs:spPr>
+  </cs:errorBar>
+  <cs:floor>
+    <cs:lnRef idx="0"/>
+    <cs:fillRef idx="0"/>
+    <cs:effectRef idx="0"/>
+    <cs:fontRef idx="minor">
+      <a:schemeClr val="tx1"/>
+    </cs:fontRef>
+    <cs:spPr>
+      <a:noFill/>
+      <a:ln>
+        <a:noFill/>
+      </a:ln>
+    </cs:spPr>
+  </cs:floor>
+  <cs:gridlineMajor>
+    <cs:lnRef idx="0"/>
+    <cs:fillRef idx="0"/>
+    <cs:effectRef idx="0"/>
+    <cs:fontRef idx="minor">
+      <a:schemeClr val="tx1"/>
+    </cs:fontRef>
+    <cs:spPr>
+      <a:ln w="9525" cap="flat" cmpd="sng" algn="ctr">
+        <a:solidFill>
+          <a:schemeClr val="tx1">
+            <a:lumMod val="15000"/>
+            <a:lumOff val="85000"/>
+          </a:schemeClr>
+        </a:solidFill>
+        <a:round/>
+      </a:ln>
+    </cs:spPr>
+  </cs:gridlineMajor>
+  <cs:gridlineMinor>
+    <cs:lnRef idx="0"/>
+    <cs:fillRef idx="0"/>
+    <cs:effectRef idx="0"/>
+    <cs:fontRef idx="minor">
+      <a:schemeClr val="tx1"/>
+    </cs:fontRef>
+    <cs:spPr>
+      <a:ln w="9525" cap="flat" cmpd="sng" algn="ctr">
+        <a:solidFill>
+          <a:schemeClr val="tx1">
+            <a:lumMod val="5000"/>
+            <a:lumOff val="95000"/>
+          </a:schemeClr>
+        </a:solidFill>
+        <a:round/>
+      </a:ln>
+    </cs:spPr>
+  </cs:gridlineMinor>
+  <cs:hiLoLine>
+    <cs:lnRef idx="0"/>
+    <cs:fillRef idx="0"/>
+    <cs:effectRef idx="0"/>
+    <cs:fontRef idx="minor">
+      <a:schemeClr val="tx1"/>
+    </cs:fontRef>
+    <cs:spPr>
+      <a:ln w="9525" cap="flat" cmpd="sng" algn="ctr">
+        <a:solidFill>
+          <a:schemeClr val="tx1">
+            <a:lumMod val="75000"/>
+            <a:lumOff val="25000"/>
+          </a:schemeClr>
+        </a:solidFill>
+        <a:round/>
+      </a:ln>
+    </cs:spPr>
+  </cs:hiLoLine>
+  <cs:leaderLine>
+    <cs:lnRef idx="0"/>
+    <cs:fillRef idx="0"/>
+    <cs:effectRef idx="0"/>
+    <cs:fontRef idx="minor">
+      <a:schemeClr val="tx1"/>
+    </cs:fontRef>
+    <cs:spPr>
+      <a:ln w="9525" cap="flat" cmpd="sng" algn="ctr">
+        <a:solidFill>
+          <a:schemeClr val="tx1">
+            <a:lumMod val="35000"/>
+            <a:lumOff val="65000"/>
+          </a:schemeClr>
+        </a:solidFill>
+        <a:round/>
+      </a:ln>
+    </cs:spPr>
+  </cs:leaderLine>
+  <cs:legend>
+    <cs:lnRef idx="0"/>
+    <cs:fillRef idx="0"/>
+    <cs:effectRef idx="0"/>
+    <cs:fontRef idx="minor">
+      <a:schemeClr val="tx1">
+        <a:lumMod val="65000"/>
+        <a:lumOff val="35000"/>
+      </a:schemeClr>
+    </cs:fontRef>
+    <cs:defRPr sz="1197" kern="1200"/>
+  </cs:legend>
+  <cs:plotArea mods="allowNoFillOverride allowNoLineOverride">
+    <cs:lnRef idx="0"/>
+    <cs:fillRef idx="0"/>
+    <cs:effectRef idx="0"/>
+    <cs:fontRef idx="minor">
+      <a:schemeClr val="tx1"/>
+    </cs:fontRef>
+  </cs:plotArea>
+  <cs:plotArea3D mods="allowNoFillOverride allowNoLineOverride">
+    <cs:lnRef idx="0"/>
+    <cs:fillRef idx="0"/>
+    <cs:effectRef idx="0"/>
+    <cs:fontRef idx="minor">
+      <a:schemeClr val="tx1"/>
+    </cs:fontRef>
+  </cs:plotArea3D>
+  <cs:seriesAxis>
+    <cs:lnRef idx="0"/>
+    <cs:fillRef idx="0"/>
+    <cs:effectRef idx="0"/>
+    <cs:fontRef idx="minor">
+      <a:schemeClr val="tx1">
+        <a:lumMod val="65000"/>
+        <a:lumOff val="35000"/>
+      </a:schemeClr>
+    </cs:fontRef>
+    <cs:defRPr sz="1197" kern="1200"/>
+  </cs:seriesAxis>
+  <cs:seriesLine>
+    <cs:lnRef idx="0"/>
+    <cs:fillRef idx="0"/>
+    <cs:effectRef idx="0"/>
+    <cs:fontRef idx="minor">
+      <a:schemeClr val="tx1"/>
+    </cs:fontRef>
+    <cs:spPr>
+      <a:ln w="9525" cap="flat" cmpd="sng" algn="ctr">
+        <a:solidFill>
+          <a:schemeClr val="tx1">
+            <a:lumMod val="35000"/>
+            <a:lumOff val="65000"/>
+          </a:schemeClr>
+        </a:solidFill>
+        <a:round/>
+      </a:ln>
+    </cs:spPr>
+  </cs:seriesLine>
+  <cs:title>
+    <cs:lnRef idx="0"/>
+    <cs:fillRef idx="0"/>
+    <cs:effectRef idx="0"/>
+    <cs:fontRef idx="minor">
+      <a:schemeClr val="tx1">
+        <a:lumMod val="65000"/>
+        <a:lumOff val="35000"/>
+      </a:schemeClr>
+    </cs:fontRef>
+    <cs:defRPr sz="1862" b="0" kern="1200" spc="0" baseline="0"/>
+  </cs:title>
+  <cs:trendline>
+    <cs:lnRef idx="0">
+      <cs:styleClr val="auto"/>
+    </cs:lnRef>
+    <cs:fillRef idx="0"/>
+    <cs:effectRef idx="0"/>
+    <cs:fontRef idx="minor">
+      <a:schemeClr val="tx1"/>
+    </cs:fontRef>
+    <cs:spPr>
+      <a:ln w="19050" cap="rnd">
+        <a:solidFill>
+          <a:schemeClr val="phClr"/>
+        </a:solidFill>
+        <a:prstDash val="sysDot"/>
+      </a:ln>
+    </cs:spPr>
+  </cs:trendline>
+  <cs:trendlineLabel>
+    <cs:lnRef idx="0"/>
+    <cs:fillRef idx="0"/>
+    <cs:effectRef idx="0"/>
+    <cs:fontRef idx="minor">
+      <a:schemeClr val="tx1">
+        <a:lumMod val="65000"/>
+        <a:lumOff val="35000"/>
+      </a:schemeClr>
+    </cs:fontRef>
+    <cs:defRPr sz="1197" kern="1200"/>
+  </cs:trendlineLabel>
+  <cs:upBar>
+    <cs:lnRef idx="0"/>
+    <cs:fillRef idx="0"/>
+    <cs:effectRef idx="0"/>
+    <cs:fontRef idx="minor">
+      <a:schemeClr val="dk1"/>
+    </cs:fontRef>
+    <cs:spPr>
+      <a:solidFill>
+        <a:schemeClr val="lt1"/>
+      </a:solidFill>
+      <a:ln w="9525">
+        <a:solidFill>
+          <a:schemeClr val="tx1">
+            <a:lumMod val="15000"/>
+            <a:lumOff val="85000"/>
+          </a:schemeClr>
+        </a:solidFill>
+      </a:ln>
+    </cs:spPr>
+  </cs:upBar>
+  <cs:valueAxis>
+    <cs:lnRef idx="0"/>
+    <cs:fillRef idx="0"/>
+    <cs:effectRef idx="0"/>
+    <cs:fontRef idx="minor">
+      <a:schemeClr val="tx1">
+        <a:lumMod val="65000"/>
+        <a:lumOff val="35000"/>
+      </a:schemeClr>
+    </cs:fontRef>
+    <cs:defRPr sz="1197" kern="1200"/>
+  </cs:valueAxis>
+  <cs:wall>
+    <cs:lnRef idx="0"/>
+    <cs:fillRef idx="0"/>
+    <cs:effectRef idx="0"/>
+    <cs:fontRef idx="minor">
+      <a:schemeClr val="tx1"/>
+    </cs:fontRef>
+    <cs:spPr>
+      <a:noFill/>
+      <a:ln>
+        <a:noFill/>
+      </a:ln>
+    </cs:spPr>
+  </cs:wall>
+</cs:chartStyle>
+</file>
+
+<file path=ppt/charts/style2.xml><?xml version="1.0" encoding="utf-8"?>
+<cs:chartStyle xmlns:cs="http://schemas.microsoft.com/office/drawing/2012/chartStyle" xmlns:a="http://schemas.openxmlformats.org/drawingml/2006/main" id="201">
+  <cs:axisTitle>
+    <cs:lnRef idx="0"/>
+    <cs:fillRef idx="0"/>
+    <cs:effectRef idx="0"/>
+    <cs:fontRef idx="minor">
+      <a:schemeClr val="tx1">
+        <a:lumMod val="65000"/>
+        <a:lumOff val="35000"/>
+      </a:schemeClr>
+    </cs:fontRef>
+    <cs:defRPr sz="1330" kern="1200"/>
+  </cs:axisTitle>
+  <cs:categoryAxis>
+    <cs:lnRef idx="0"/>
+    <cs:fillRef idx="0"/>
+    <cs:effectRef idx="0"/>
+    <cs:fontRef idx="minor">
+      <a:schemeClr val="tx1">
+        <a:lumMod val="65000"/>
+        <a:lumOff val="35000"/>
+      </a:schemeClr>
+    </cs:fontRef>
+    <cs:spPr>
+      <a:ln w="9525" cap="flat" cmpd="sng" algn="ctr">
+        <a:solidFill>
+          <a:schemeClr val="tx1">
+            <a:lumMod val="15000"/>
+            <a:lumOff val="85000"/>
+          </a:schemeClr>
+        </a:solidFill>
+        <a:round/>
+      </a:ln>
+    </cs:spPr>
+    <cs:defRPr sz="1197" kern="1200"/>
+  </cs:categoryAxis>
+  <cs:chartArea mods="allowNoFillOverride allowNoLineOverride">
+    <cs:lnRef idx="0"/>
+    <cs:fillRef idx="0"/>
+    <cs:effectRef idx="0"/>
+    <cs:fontRef idx="minor">
+      <a:schemeClr val="tx1"/>
+    </cs:fontRef>
+    <cs:spPr>
+      <a:solidFill>
+        <a:schemeClr val="bg1"/>
+      </a:solidFill>
+      <a:ln w="9525" cap="flat" cmpd="sng" algn="ctr">
+        <a:solidFill>
+          <a:schemeClr val="tx1">
+            <a:lumMod val="15000"/>
+            <a:lumOff val="85000"/>
+          </a:schemeClr>
+        </a:solidFill>
+        <a:round/>
+      </a:ln>
+    </cs:spPr>
+    <cs:defRPr sz="1330" kern="1200"/>
+  </cs:chartArea>
+  <cs:dataLabel>
+    <cs:lnRef idx="0"/>
+    <cs:fillRef idx="0"/>
+    <cs:effectRef idx="0"/>
+    <cs:fontRef idx="minor">
+      <a:schemeClr val="tx1">
+        <a:lumMod val="75000"/>
+        <a:lumOff val="25000"/>
+      </a:schemeClr>
+    </cs:fontRef>
+    <cs:defRPr sz="1197" kern="1200"/>
+  </cs:dataLabel>
+  <cs:dataLabelCallout>
+    <cs:lnRef idx="0"/>
+    <cs:fillRef idx="0"/>
+    <cs:effectRef idx="0"/>
+    <cs:fontRef idx="minor">
+      <a:schemeClr val="dk1">
+        <a:lumMod val="65000"/>
+        <a:lumOff val="35000"/>
+      </a:schemeClr>
+    </cs:fontRef>
+    <cs:spPr>
+      <a:solidFill>
+        <a:schemeClr val="lt1"/>
+      </a:solidFill>
+      <a:ln>
+        <a:solidFill>
+          <a:schemeClr val="dk1">
+            <a:lumMod val="25000"/>
+            <a:lumOff val="75000"/>
+          </a:schemeClr>
+        </a:solidFill>
+      </a:ln>
+    </cs:spPr>
+    <cs:defRPr sz="1197" kern="1200"/>
+    <cs:bodyPr rot="0" spcFirstLastPara="1" vertOverflow="clip" horzOverflow="clip" vert="horz" wrap="square" lIns="36576" tIns="18288" rIns="36576" bIns="18288" anchor="ctr" anchorCtr="1">
+      <a:spAutoFit/>
+    </cs:bodyPr>
+  </cs:dataLabelCallout>
+  <cs:dataPoint>
+    <cs:lnRef idx="0"/>
+    <cs:fillRef idx="1">
+      <cs:styleClr val="auto"/>
+    </cs:fillRef>
+    <cs:effectRef idx="0"/>
+    <cs:fontRef idx="minor">
+      <a:schemeClr val="tx1"/>
+    </cs:fontRef>
+  </cs:dataPoint>
+  <cs:dataPoint3D>
+    <cs:lnRef idx="0"/>
+    <cs:fillRef idx="1">
+      <cs:styleClr val="auto"/>
+    </cs:fillRef>
+    <cs:effectRef idx="0"/>
+    <cs:fontRef idx="minor">
+      <a:schemeClr val="tx1"/>
+    </cs:fontRef>
+  </cs:dataPoint3D>
+  <cs:dataPointLine>
+    <cs:lnRef idx="0">
+      <cs:styleClr val="auto"/>
+    </cs:lnRef>
+    <cs:fillRef idx="1"/>
+    <cs:effectRef idx="0"/>
+    <cs:fontRef idx="minor">
+      <a:schemeClr val="tx1"/>
+    </cs:fontRef>
+    <cs:spPr>
+      <a:ln w="28575" cap="rnd">
+        <a:solidFill>
+          <a:schemeClr val="phClr"/>
+        </a:solidFill>
+        <a:round/>
+      </a:ln>
+    </cs:spPr>
+  </cs:dataPointLine>
+  <cs:dataPointMarker>
+    <cs:lnRef idx="0">
+      <cs:styleClr val="auto"/>
+    </cs:lnRef>
+    <cs:fillRef idx="1">
+      <cs:styleClr val="auto"/>
+    </cs:fillRef>
+    <cs:effectRef idx="0"/>
+    <cs:fontRef idx="minor">
+      <a:schemeClr val="tx1"/>
+    </cs:fontRef>
+    <cs:spPr>
+      <a:ln w="9525">
+        <a:solidFill>
+          <a:schemeClr val="phClr"/>
+        </a:solidFill>
+      </a:ln>
+    </cs:spPr>
+  </cs:dataPointMarker>
+  <cs:dataPointMarkerLayout symbol="circle" size="5"/>
+  <cs:dataPointWireframe>
+    <cs:lnRef idx="0">
+      <cs:styleClr val="auto"/>
+    </cs:lnRef>
+    <cs:fillRef idx="1"/>
+    <cs:effectRef idx="0"/>
+    <cs:fontRef idx="minor">
+      <a:schemeClr val="tx1"/>
+    </cs:fontRef>
+    <cs:spPr>
+      <a:ln w="9525" cap="rnd">
+        <a:solidFill>
+          <a:schemeClr val="phClr"/>
+        </a:solidFill>
+        <a:round/>
+      </a:ln>
+    </cs:spPr>
+  </cs:dataPointWireframe>
+  <cs:dataTable>
+    <cs:lnRef idx="0"/>
+    <cs:fillRef idx="0"/>
+    <cs:effectRef idx="0"/>
+    <cs:fontRef idx="minor">
+      <a:schemeClr val="tx1">
+        <a:lumMod val="65000"/>
+        <a:lumOff val="35000"/>
+      </a:schemeClr>
+    </cs:fontRef>
+    <cs:spPr>
+      <a:noFill/>
+      <a:ln w="9525" cap="flat" cmpd="sng" algn="ctr">
+        <a:solidFill>
+          <a:schemeClr val="tx1">
+            <a:lumMod val="15000"/>
+            <a:lumOff val="85000"/>
+          </a:schemeClr>
+        </a:solidFill>
+        <a:round/>
+      </a:ln>
+    </cs:spPr>
+    <cs:defRPr sz="1197" kern="1200"/>
+  </cs:dataTable>
+  <cs:downBar>
+    <cs:lnRef idx="0"/>
+    <cs:fillRef idx="0"/>
+    <cs:effectRef idx="0"/>
+    <cs:fontRef idx="minor">
+      <a:schemeClr val="dk1"/>
+    </cs:fontRef>
+    <cs:spPr>
+      <a:solidFill>
+        <a:schemeClr val="dk1">
+          <a:lumMod val="65000"/>
+          <a:lumOff val="35000"/>
+        </a:schemeClr>
+      </a:solidFill>
+      <a:ln w="9525">
+        <a:solidFill>
+          <a:schemeClr val="tx1">
+            <a:lumMod val="65000"/>
+            <a:lumOff val="35000"/>
+          </a:schemeClr>
+        </a:solidFill>
+      </a:ln>
+    </cs:spPr>
+  </cs:downBar>
+  <cs:dropLine>
+    <cs:lnRef idx="0"/>
+    <cs:fillRef idx="0"/>
+    <cs:effectRef idx="0"/>
+    <cs:fontRef idx="minor">
+      <a:schemeClr val="tx1"/>
+    </cs:fontRef>
+    <cs:spPr>
+      <a:ln w="9525" cap="flat" cmpd="sng" algn="ctr">
+        <a:solidFill>
+          <a:schemeClr val="tx1">
+            <a:lumMod val="35000"/>
+            <a:lumOff val="65000"/>
+          </a:schemeClr>
+        </a:solidFill>
+        <a:round/>
+      </a:ln>
+    </cs:spPr>
+  </cs:dropLine>
+  <cs:errorBar>
+    <cs:lnRef idx="0"/>
+    <cs:fillRef idx="0"/>
+    <cs:effectRef idx="0"/>
+    <cs:fontRef idx="minor">
+      <a:schemeClr val="tx1"/>
+    </cs:fontRef>
+    <cs:spPr>
+      <a:ln w="9525" cap="flat" cmpd="sng" algn="ctr">
+        <a:solidFill>
+          <a:schemeClr val="tx1">
+            <a:lumMod val="65000"/>
+            <a:lumOff val="35000"/>
+          </a:schemeClr>
+        </a:solidFill>
+        <a:round/>
+      </a:ln>
+    </cs:spPr>
+  </cs:errorBar>
+  <cs:floor>
+    <cs:lnRef idx="0"/>
+    <cs:fillRef idx="0"/>
+    <cs:effectRef idx="0"/>
+    <cs:fontRef idx="minor">
+      <a:schemeClr val="tx1"/>
+    </cs:fontRef>
+    <cs:spPr>
+      <a:noFill/>
+      <a:ln>
+        <a:noFill/>
+      </a:ln>
+    </cs:spPr>
+  </cs:floor>
+  <cs:gridlineMajor>
+    <cs:lnRef idx="0"/>
+    <cs:fillRef idx="0"/>
+    <cs:effectRef idx="0"/>
+    <cs:fontRef idx="minor">
+      <a:schemeClr val="tx1"/>
+    </cs:fontRef>
+    <cs:spPr>
+      <a:ln w="9525" cap="flat" cmpd="sng" algn="ctr">
+        <a:solidFill>
+          <a:schemeClr val="tx1">
+            <a:lumMod val="15000"/>
+            <a:lumOff val="85000"/>
+          </a:schemeClr>
+        </a:solidFill>
+        <a:round/>
+      </a:ln>
+    </cs:spPr>
+  </cs:gridlineMajor>
+  <cs:gridlineMinor>
+    <cs:lnRef idx="0"/>
+    <cs:fillRef idx="0"/>
+    <cs:effectRef idx="0"/>
+    <cs:fontRef idx="minor">
+      <a:schemeClr val="tx1"/>
+    </cs:fontRef>
+    <cs:spPr>
+      <a:ln w="9525" cap="flat" cmpd="sng" algn="ctr">
+        <a:solidFill>
+          <a:schemeClr val="tx1">
+            <a:lumMod val="5000"/>
+            <a:lumOff val="95000"/>
+          </a:schemeClr>
+        </a:solidFill>
+        <a:round/>
+      </a:ln>
+    </cs:spPr>
+  </cs:gridlineMinor>
+  <cs:hiLoLine>
+    <cs:lnRef idx="0"/>
+    <cs:fillRef idx="0"/>
+    <cs:effectRef idx="0"/>
+    <cs:fontRef idx="minor">
+      <a:schemeClr val="tx1"/>
+    </cs:fontRef>
+    <cs:spPr>
+      <a:ln w="9525" cap="flat" cmpd="sng" algn="ctr">
+        <a:solidFill>
+          <a:schemeClr val="tx1">
+            <a:lumMod val="75000"/>
+            <a:lumOff val="25000"/>
+          </a:schemeClr>
+        </a:solidFill>
+        <a:round/>
+      </a:ln>
+    </cs:spPr>
+  </cs:hiLoLine>
+  <cs:leaderLine>
+    <cs:lnRef idx="0"/>
+    <cs:fillRef idx="0"/>
+    <cs:effectRef idx="0"/>
+    <cs:fontRef idx="minor">
+      <a:schemeClr val="tx1"/>
+    </cs:fontRef>
+    <cs:spPr>
+      <a:ln w="9525" cap="flat" cmpd="sng" algn="ctr">
+        <a:solidFill>
+          <a:schemeClr val="tx1">
+            <a:lumMod val="35000"/>
+            <a:lumOff val="65000"/>
+          </a:schemeClr>
+        </a:solidFill>
+        <a:round/>
+      </a:ln>
+    </cs:spPr>
+  </cs:leaderLine>
+  <cs:legend>
+    <cs:lnRef idx="0"/>
+    <cs:fillRef idx="0"/>
+    <cs:effectRef idx="0"/>
+    <cs:fontRef idx="minor">
+      <a:schemeClr val="tx1">
+        <a:lumMod val="65000"/>
+        <a:lumOff val="35000"/>
+      </a:schemeClr>
+    </cs:fontRef>
+    <cs:defRPr sz="1197" kern="1200"/>
+  </cs:legend>
+  <cs:plotArea mods="allowNoFillOverride allowNoLineOverride">
+    <cs:lnRef idx="0"/>
+    <cs:fillRef idx="0"/>
+    <cs:effectRef idx="0"/>
+    <cs:fontRef idx="minor">
+      <a:schemeClr val="tx1"/>
+    </cs:fontRef>
+  </cs:plotArea>
+  <cs:plotArea3D mods="allowNoFillOverride allowNoLineOverride">
+    <cs:lnRef idx="0"/>
+    <cs:fillRef idx="0"/>
+    <cs:effectRef idx="0"/>
+    <cs:fontRef idx="minor">
+      <a:schemeClr val="tx1"/>
+    </cs:fontRef>
+  </cs:plotArea3D>
+  <cs:seriesAxis>
+    <cs:lnRef idx="0"/>
+    <cs:fillRef idx="0"/>
+    <cs:effectRef idx="0"/>
+    <cs:fontRef idx="minor">
+      <a:schemeClr val="tx1">
+        <a:lumMod val="65000"/>
+        <a:lumOff val="35000"/>
+      </a:schemeClr>
+    </cs:fontRef>
+    <cs:defRPr sz="1197" kern="1200"/>
+  </cs:seriesAxis>
+  <cs:seriesLine>
+    <cs:lnRef idx="0"/>
+    <cs:fillRef idx="0"/>
+    <cs:effectRef idx="0"/>
+    <cs:fontRef idx="minor">
+      <a:schemeClr val="tx1"/>
+    </cs:fontRef>
+    <cs:spPr>
+      <a:ln w="9525" cap="flat" cmpd="sng" algn="ctr">
+        <a:solidFill>
+          <a:schemeClr val="tx1">
+            <a:lumMod val="35000"/>
+            <a:lumOff val="65000"/>
+          </a:schemeClr>
+        </a:solidFill>
+        <a:round/>
+      </a:ln>
+    </cs:spPr>
+  </cs:seriesLine>
+  <cs:title>
+    <cs:lnRef idx="0"/>
+    <cs:fillRef idx="0"/>
+    <cs:effectRef idx="0"/>
+    <cs:fontRef idx="minor">
+      <a:schemeClr val="tx1">
+        <a:lumMod val="65000"/>
+        <a:lumOff val="35000"/>
+      </a:schemeClr>
+    </cs:fontRef>
+    <cs:defRPr sz="1862" b="0" kern="1200" spc="0" baseline="0"/>
+  </cs:title>
+  <cs:trendline>
+    <cs:lnRef idx="0">
+      <cs:styleClr val="auto"/>
+    </cs:lnRef>
+    <cs:fillRef idx="0"/>
+    <cs:effectRef idx="0"/>
+    <cs:fontRef idx="minor">
+      <a:schemeClr val="tx1"/>
+    </cs:fontRef>
+    <cs:spPr>
+      <a:ln w="19050" cap="rnd">
+        <a:solidFill>
+          <a:schemeClr val="phClr"/>
+        </a:solidFill>
+        <a:prstDash val="sysDot"/>
+      </a:ln>
+    </cs:spPr>
+  </cs:trendline>
+  <cs:trendlineLabel>
+    <cs:lnRef idx="0"/>
+    <cs:fillRef idx="0"/>
+    <cs:effectRef idx="0"/>
+    <cs:fontRef idx="minor">
+      <a:schemeClr val="tx1">
+        <a:lumMod val="65000"/>
+        <a:lumOff val="35000"/>
+      </a:schemeClr>
+    </cs:fontRef>
+    <cs:defRPr sz="1197" kern="1200"/>
+  </cs:trendlineLabel>
+  <cs:upBar>
+    <cs:lnRef idx="0"/>
+    <cs:fillRef idx="0"/>
+    <cs:effectRef idx="0"/>
+    <cs:fontRef idx="minor">
+      <a:schemeClr val="dk1"/>
+    </cs:fontRef>
+    <cs:spPr>
+      <a:solidFill>
+        <a:schemeClr val="lt1"/>
+      </a:solidFill>
+      <a:ln w="9525">
+        <a:solidFill>
+          <a:schemeClr val="tx1">
+            <a:lumMod val="15000"/>
+            <a:lumOff val="85000"/>
+          </a:schemeClr>
+        </a:solidFill>
+      </a:ln>
+    </cs:spPr>
+  </cs:upBar>
+  <cs:valueAxis>
+    <cs:lnRef idx="0"/>
+    <cs:fillRef idx="0"/>
+    <cs:effectRef idx="0"/>
+    <cs:fontRef idx="minor">
+      <a:schemeClr val="tx1">
+        <a:lumMod val="65000"/>
+        <a:lumOff val="35000"/>
+      </a:schemeClr>
+    </cs:fontRef>
+    <cs:defRPr sz="1197" kern="1200"/>
+  </cs:valueAxis>
+  <cs:wall>
+    <cs:lnRef idx="0"/>
+    <cs:fillRef idx="0"/>
+    <cs:effectRef idx="0"/>
+    <cs:fontRef idx="minor">
+      <a:schemeClr val="tx1"/>
+    </cs:fontRef>
+    <cs:spPr>
+      <a:noFill/>
+      <a:ln>
+        <a:noFill/>
+      </a:ln>
+    </cs:spPr>
+  </cs:wall>
+</cs:chartStyle>
+</file>
+
+<file path=ppt/charts/style3.xml><?xml version="1.0" encoding="utf-8"?>
+<cs:chartStyle xmlns:cs="http://schemas.microsoft.com/office/drawing/2012/chartStyle" xmlns:a="http://schemas.openxmlformats.org/drawingml/2006/main" id="201">
+  <cs:axisTitle>
+    <cs:lnRef idx="0"/>
+    <cs:fillRef idx="0"/>
+    <cs:effectRef idx="0"/>
+    <cs:fontRef idx="minor">
+      <a:schemeClr val="tx1">
+        <a:lumMod val="65000"/>
+        <a:lumOff val="35000"/>
+      </a:schemeClr>
+    </cs:fontRef>
+    <cs:defRPr sz="1330" kern="1200"/>
+  </cs:axisTitle>
+  <cs:categoryAxis>
+    <cs:lnRef idx="0"/>
+    <cs:fillRef idx="0"/>
+    <cs:effectRef idx="0"/>
+    <cs:fontRef idx="minor">
+      <a:schemeClr val="tx1">
+        <a:lumMod val="65000"/>
+        <a:lumOff val="35000"/>
+      </a:schemeClr>
+    </cs:fontRef>
+    <cs:spPr>
+      <a:ln w="9525" cap="flat" cmpd="sng" algn="ctr">
+        <a:solidFill>
+          <a:schemeClr val="tx1">
+            <a:lumMod val="15000"/>
+            <a:lumOff val="85000"/>
+          </a:schemeClr>
+        </a:solidFill>
+        <a:round/>
+      </a:ln>
+    </cs:spPr>
+    <cs:defRPr sz="1197" kern="1200"/>
+  </cs:categoryAxis>
+  <cs:chartArea mods="allowNoFillOverride allowNoLineOverride">
+    <cs:lnRef idx="0"/>
+    <cs:fillRef idx="0"/>
+    <cs:effectRef idx="0"/>
+    <cs:fontRef idx="minor">
+      <a:schemeClr val="tx1"/>
+    </cs:fontRef>
+    <cs:spPr>
+      <a:solidFill>
+        <a:schemeClr val="bg1"/>
+      </a:solidFill>
+      <a:ln w="9525" cap="flat" cmpd="sng" algn="ctr">
+        <a:solidFill>
+          <a:schemeClr val="tx1">
+            <a:lumMod val="15000"/>
+            <a:lumOff val="85000"/>
+          </a:schemeClr>
+        </a:solidFill>
+        <a:round/>
+      </a:ln>
+    </cs:spPr>
+    <cs:defRPr sz="1330" kern="1200"/>
+  </cs:chartArea>
+  <cs:dataLabel>
+    <cs:lnRef idx="0"/>
+    <cs:fillRef idx="0"/>
+    <cs:effectRef idx="0"/>
+    <cs:fontRef idx="minor">
+      <a:schemeClr val="tx1">
+        <a:lumMod val="75000"/>
+        <a:lumOff val="25000"/>
+      </a:schemeClr>
+    </cs:fontRef>
+    <cs:defRPr sz="1197" kern="1200"/>
+  </cs:dataLabel>
+  <cs:dataLabelCallout>
+    <cs:lnRef idx="0"/>
+    <cs:fillRef idx="0"/>
+    <cs:effectRef idx="0"/>
+    <cs:fontRef idx="minor">
+      <a:schemeClr val="dk1">
+        <a:lumMod val="65000"/>
+        <a:lumOff val="35000"/>
+      </a:schemeClr>
+    </cs:fontRef>
+    <cs:spPr>
+      <a:solidFill>
+        <a:schemeClr val="lt1"/>
+      </a:solidFill>
+      <a:ln>
+        <a:solidFill>
+          <a:schemeClr val="dk1">
+            <a:lumMod val="25000"/>
+            <a:lumOff val="75000"/>
+          </a:schemeClr>
+        </a:solidFill>
+      </a:ln>
+    </cs:spPr>
+    <cs:defRPr sz="1197" kern="1200"/>
+    <cs:bodyPr rot="0" spcFirstLastPara="1" vertOverflow="clip" horzOverflow="clip" vert="horz" wrap="square" lIns="36576" tIns="18288" rIns="36576" bIns="18288" anchor="ctr" anchorCtr="1">
+      <a:spAutoFit/>
+    </cs:bodyPr>
+  </cs:dataLabelCallout>
+  <cs:dataPoint>
+    <cs:lnRef idx="0"/>
+    <cs:fillRef idx="1">
+      <cs:styleClr val="auto"/>
+    </cs:fillRef>
+    <cs:effectRef idx="0"/>
+    <cs:fontRef idx="minor">
+      <a:schemeClr val="tx1"/>
+    </cs:fontRef>
+  </cs:dataPoint>
+  <cs:dataPoint3D>
+    <cs:lnRef idx="0"/>
+    <cs:fillRef idx="1">
+      <cs:styleClr val="auto"/>
+    </cs:fillRef>
+    <cs:effectRef idx="0"/>
+    <cs:fontRef idx="minor">
+      <a:schemeClr val="tx1"/>
+    </cs:fontRef>
+  </cs:dataPoint3D>
+  <cs:dataPointLine>
+    <cs:lnRef idx="0">
+      <cs:styleClr val="auto"/>
+    </cs:lnRef>
+    <cs:fillRef idx="1"/>
+    <cs:effectRef idx="0"/>
+    <cs:fontRef idx="minor">
+      <a:schemeClr val="tx1"/>
+    </cs:fontRef>
+    <cs:spPr>
+      <a:ln w="28575" cap="rnd">
+        <a:solidFill>
+          <a:schemeClr val="phClr"/>
+        </a:solidFill>
+        <a:round/>
+      </a:ln>
+    </cs:spPr>
+  </cs:dataPointLine>
+  <cs:dataPointMarker>
+    <cs:lnRef idx="0">
+      <cs:styleClr val="auto"/>
+    </cs:lnRef>
+    <cs:fillRef idx="1">
+      <cs:styleClr val="auto"/>
+    </cs:fillRef>
+    <cs:effectRef idx="0"/>
+    <cs:fontRef idx="minor">
+      <a:schemeClr val="tx1"/>
+    </cs:fontRef>
+    <cs:spPr>
+      <a:ln w="9525">
+        <a:solidFill>
+          <a:schemeClr val="phClr"/>
+        </a:solidFill>
+      </a:ln>
+    </cs:spPr>
+  </cs:dataPointMarker>
+  <cs:dataPointMarkerLayout symbol="circle" size="5"/>
+  <cs:dataPointWireframe>
+    <cs:lnRef idx="0">
+      <cs:styleClr val="auto"/>
+    </cs:lnRef>
+    <cs:fillRef idx="1"/>
+    <cs:effectRef idx="0"/>
+    <cs:fontRef idx="minor">
+      <a:schemeClr val="tx1"/>
+    </cs:fontRef>
+    <cs:spPr>
+      <a:ln w="9525" cap="rnd">
+        <a:solidFill>
+          <a:schemeClr val="phClr"/>
+        </a:solidFill>
+        <a:round/>
+      </a:ln>
+    </cs:spPr>
+  </cs:dataPointWireframe>
+  <cs:dataTable>
+    <cs:lnRef idx="0"/>
+    <cs:fillRef idx="0"/>
+    <cs:effectRef idx="0"/>
+    <cs:fontRef idx="minor">
+      <a:schemeClr val="tx1">
+        <a:lumMod val="65000"/>
+        <a:lumOff val="35000"/>
+      </a:schemeClr>
+    </cs:fontRef>
+    <cs:spPr>
+      <a:noFill/>
+      <a:ln w="9525" cap="flat" cmpd="sng" algn="ctr">
+        <a:solidFill>
+          <a:schemeClr val="tx1">
+            <a:lumMod val="15000"/>
+            <a:lumOff val="85000"/>
+          </a:schemeClr>
+        </a:solidFill>
+        <a:round/>
+      </a:ln>
+    </cs:spPr>
+    <cs:defRPr sz="1197" kern="1200"/>
+  </cs:dataTable>
+  <cs:downBar>
+    <cs:lnRef idx="0"/>
+    <cs:fillRef idx="0"/>
+    <cs:effectRef idx="0"/>
+    <cs:fontRef idx="minor">
+      <a:schemeClr val="dk1"/>
+    </cs:fontRef>
+    <cs:spPr>
+      <a:solidFill>
+        <a:schemeClr val="dk1">
+          <a:lumMod val="65000"/>
+          <a:lumOff val="35000"/>
+        </a:schemeClr>
+      </a:solidFill>
+      <a:ln w="9525">
+        <a:solidFill>
+          <a:schemeClr val="tx1">
+            <a:lumMod val="65000"/>
+            <a:lumOff val="35000"/>
+          </a:schemeClr>
+        </a:solidFill>
+      </a:ln>
+    </cs:spPr>
+  </cs:downBar>
+  <cs:dropLine>
+    <cs:lnRef idx="0"/>
+    <cs:fillRef idx="0"/>
+    <cs:effectRef idx="0"/>
+    <cs:fontRef idx="minor">
+      <a:schemeClr val="tx1"/>
+    </cs:fontRef>
+    <cs:spPr>
+      <a:ln w="9525" cap="flat" cmpd="sng" algn="ctr">
+        <a:solidFill>
+          <a:schemeClr val="tx1">
+            <a:lumMod val="35000"/>
+            <a:lumOff val="65000"/>
+          </a:schemeClr>
+        </a:solidFill>
+        <a:round/>
+      </a:ln>
+    </cs:spPr>
+  </cs:dropLine>
+  <cs:errorBar>
+    <cs:lnRef idx="0"/>
+    <cs:fillRef idx="0"/>
+    <cs:effectRef idx="0"/>
+    <cs:fontRef idx="minor">
+      <a:schemeClr val="tx1"/>
+    </cs:fontRef>
+    <cs:spPr>
+      <a:ln w="9525" cap="flat" cmpd="sng" algn="ctr">
+        <a:solidFill>
+          <a:schemeClr val="tx1">
+            <a:lumMod val="65000"/>
+            <a:lumOff val="35000"/>
+          </a:schemeClr>
+        </a:solidFill>
+        <a:round/>
+      </a:ln>
+    </cs:spPr>
+  </cs:errorBar>
+  <cs:floor>
+    <cs:lnRef idx="0"/>
+    <cs:fillRef idx="0"/>
+    <cs:effectRef idx="0"/>
+    <cs:fontRef idx="minor">
+      <a:schemeClr val="tx1"/>
+    </cs:fontRef>
+    <cs:spPr>
+      <a:noFill/>
+      <a:ln>
+        <a:noFill/>
+      </a:ln>
+    </cs:spPr>
+  </cs:floor>
+  <cs:gridlineMajor>
+    <cs:lnRef idx="0"/>
+    <cs:fillRef idx="0"/>
+    <cs:effectRef idx="0"/>
+    <cs:fontRef idx="minor">
+      <a:schemeClr val="tx1"/>
+    </cs:fontRef>
+    <cs:spPr>
+      <a:ln w="9525" cap="flat" cmpd="sng" algn="ctr">
+        <a:solidFill>
+          <a:schemeClr val="tx1">
+            <a:lumMod val="15000"/>
+            <a:lumOff val="85000"/>
+          </a:schemeClr>
+        </a:solidFill>
+        <a:round/>
+      </a:ln>
+    </cs:spPr>
+  </cs:gridlineMajor>
+  <cs:gridlineMinor>
+    <cs:lnRef idx="0"/>
+    <cs:fillRef idx="0"/>
+    <cs:effectRef idx="0"/>
+    <cs:fontRef idx="minor">
+      <a:schemeClr val="tx1"/>
+    </cs:fontRef>
+    <cs:spPr>
+      <a:ln w="9525" cap="flat" cmpd="sng" algn="ctr">
+        <a:solidFill>
+          <a:schemeClr val="tx1">
+            <a:lumMod val="5000"/>
+            <a:lumOff val="95000"/>
+          </a:schemeClr>
+        </a:solidFill>
+        <a:round/>
+      </a:ln>
+    </cs:spPr>
+  </cs:gridlineMinor>
+  <cs:hiLoLine>
+    <cs:lnRef idx="0"/>
+    <cs:fillRef idx="0"/>
+    <cs:effectRef idx="0"/>
+    <cs:fontRef idx="minor">
+      <a:schemeClr val="tx1"/>
+    </cs:fontRef>
+    <cs:spPr>
+      <a:ln w="9525" cap="flat" cmpd="sng" algn="ctr">
+        <a:solidFill>
+          <a:schemeClr val="tx1">
+            <a:lumMod val="75000"/>
+            <a:lumOff val="25000"/>
+          </a:schemeClr>
+        </a:solidFill>
+        <a:round/>
+      </a:ln>
+    </cs:spPr>
+  </cs:hiLoLine>
+  <cs:leaderLine>
+    <cs:lnRef idx="0"/>
+    <cs:fillRef idx="0"/>
+    <cs:effectRef idx="0"/>
+    <cs:fontRef idx="minor">
+      <a:schemeClr val="tx1"/>
+    </cs:fontRef>
+    <cs:spPr>
+      <a:ln w="9525" cap="flat" cmpd="sng" algn="ctr">
+        <a:solidFill>
+          <a:schemeClr val="tx1">
+            <a:lumMod val="35000"/>
+            <a:lumOff val="65000"/>
+          </a:schemeClr>
+        </a:solidFill>
+        <a:round/>
+      </a:ln>
+    </cs:spPr>
+  </cs:leaderLine>
+  <cs:legend>
+    <cs:lnRef idx="0"/>
+    <cs:fillRef idx="0"/>
+    <cs:effectRef idx="0"/>
+    <cs:fontRef idx="minor">
+      <a:schemeClr val="tx1">
+        <a:lumMod val="65000"/>
+        <a:lumOff val="35000"/>
+      </a:schemeClr>
+    </cs:fontRef>
+    <cs:defRPr sz="1197" kern="1200"/>
+  </cs:legend>
+  <cs:plotArea mods="allowNoFillOverride allowNoLineOverride">
+    <cs:lnRef idx="0"/>
+    <cs:fillRef idx="0"/>
+    <cs:effectRef idx="0"/>
+    <cs:fontRef idx="minor">
+      <a:schemeClr val="tx1"/>
+    </cs:fontRef>
+  </cs:plotArea>
+  <cs:plotArea3D mods="allowNoFillOverride allowNoLineOverride">
+    <cs:lnRef idx="0"/>
+    <cs:fillRef idx="0"/>
+    <cs:effectRef idx="0"/>
+    <cs:fontRef idx="minor">
+      <a:schemeClr val="tx1"/>
+    </cs:fontRef>
+  </cs:plotArea3D>
+  <cs:seriesAxis>
+    <cs:lnRef idx="0"/>
+    <cs:fillRef idx="0"/>
+    <cs:effectRef idx="0"/>
+    <cs:fontRef idx="minor">
+      <a:schemeClr val="tx1">
+        <a:lumMod val="65000"/>
+        <a:lumOff val="35000"/>
+      </a:schemeClr>
+    </cs:fontRef>
+    <cs:defRPr sz="1197" kern="1200"/>
+  </cs:seriesAxis>
+  <cs:seriesLine>
+    <cs:lnRef idx="0"/>
+    <cs:fillRef idx="0"/>
+    <cs:effectRef idx="0"/>
+    <cs:fontRef idx="minor">
+      <a:schemeClr val="tx1"/>
+    </cs:fontRef>
+    <cs:spPr>
+      <a:ln w="9525" cap="flat" cmpd="sng" algn="ctr">
+        <a:solidFill>
+          <a:schemeClr val="tx1">
+            <a:lumMod val="35000"/>
+            <a:lumOff val="65000"/>
+          </a:schemeClr>
+        </a:solidFill>
+        <a:round/>
+      </a:ln>
+    </cs:spPr>
+  </cs:seriesLine>
+  <cs:title>
+    <cs:lnRef idx="0"/>
+    <cs:fillRef idx="0"/>
+    <cs:effectRef idx="0"/>
+    <cs:fontRef idx="minor">
+      <a:schemeClr val="tx1">
+        <a:lumMod val="65000"/>
+        <a:lumOff val="35000"/>
+      </a:schemeClr>
+    </cs:fontRef>
+    <cs:defRPr sz="1862" b="0" kern="1200" spc="0" baseline="0"/>
+  </cs:title>
+  <cs:trendline>
+    <cs:lnRef idx="0">
+      <cs:styleClr val="auto"/>
+    </cs:lnRef>
+    <cs:fillRef idx="0"/>
+    <cs:effectRef idx="0"/>
+    <cs:fontRef idx="minor">
+      <a:schemeClr val="tx1"/>
+    </cs:fontRef>
+    <cs:spPr>
+      <a:ln w="19050" cap="rnd">
+        <a:solidFill>
+          <a:schemeClr val="phClr"/>
+        </a:solidFill>
+        <a:prstDash val="sysDot"/>
+      </a:ln>
+    </cs:spPr>
+  </cs:trendline>
+  <cs:trendlineLabel>
+    <cs:lnRef idx="0"/>
+    <cs:fillRef idx="0"/>
+    <cs:effectRef idx="0"/>
+    <cs:fontRef idx="minor">
+      <a:schemeClr val="tx1">
+        <a:lumMod val="65000"/>
+        <a:lumOff val="35000"/>
+      </a:schemeClr>
+    </cs:fontRef>
+    <cs:defRPr sz="1197" kern="1200"/>
+  </cs:trendlineLabel>
+  <cs:upBar>
+    <cs:lnRef idx="0"/>
+    <cs:fillRef idx="0"/>
+    <cs:effectRef idx="0"/>
+    <cs:fontRef idx="minor">
+      <a:schemeClr val="dk1"/>
+    </cs:fontRef>
+    <cs:spPr>
+      <a:solidFill>
+        <a:schemeClr val="lt1"/>
+      </a:solidFill>
+      <a:ln w="9525">
+        <a:solidFill>
+          <a:schemeClr val="tx1">
+            <a:lumMod val="15000"/>
+            <a:lumOff val="85000"/>
+          </a:schemeClr>
+        </a:solidFill>
+      </a:ln>
+    </cs:spPr>
+  </cs:upBar>
+  <cs:valueAxis>
+    <cs:lnRef idx="0"/>
+    <cs:fillRef idx="0"/>
+    <cs:effectRef idx="0"/>
+    <cs:fontRef idx="minor">
+      <a:schemeClr val="tx1">
+        <a:lumMod val="65000"/>
+        <a:lumOff val="35000"/>
+      </a:schemeClr>
+    </cs:fontRef>
+    <cs:defRPr sz="1197" kern="1200"/>
+  </cs:valueAxis>
+  <cs:wall>
+    <cs:lnRef idx="0"/>
+    <cs:fillRef idx="0"/>
+    <cs:effectRef idx="0"/>
+    <cs:fontRef idx="minor">
+      <a:schemeClr val="tx1"/>
+    </cs:fontRef>
+    <cs:spPr>
+      <a:noFill/>
+      <a:ln>
+        <a:noFill/>
+      </a:ln>
+    </cs:spPr>
+  </cs:wall>
+</cs:chartStyle>
+</file>
+
+<file path=ppt/charts/style4.xml><?xml version="1.0" encoding="utf-8"?>
+<cs:chartStyle xmlns:cs="http://schemas.microsoft.com/office/drawing/2012/chartStyle" xmlns:a="http://schemas.openxmlformats.org/drawingml/2006/main" id="201">
+  <cs:axisTitle>
+    <cs:lnRef idx="0"/>
+    <cs:fillRef idx="0"/>
+    <cs:effectRef idx="0"/>
+    <cs:fontRef idx="minor">
+      <a:schemeClr val="tx1">
+        <a:lumMod val="65000"/>
+        <a:lumOff val="35000"/>
+      </a:schemeClr>
+    </cs:fontRef>
+    <cs:defRPr sz="1330" kern="1200"/>
+  </cs:axisTitle>
+  <cs:categoryAxis>
+    <cs:lnRef idx="0"/>
+    <cs:fillRef idx="0"/>
+    <cs:effectRef idx="0"/>
+    <cs:fontRef idx="minor">
+      <a:schemeClr val="tx1">
+        <a:lumMod val="65000"/>
+        <a:lumOff val="35000"/>
+      </a:schemeClr>
+    </cs:fontRef>
+    <cs:spPr>
+      <a:ln w="9525" cap="flat" cmpd="sng" algn="ctr">
+        <a:solidFill>
+          <a:schemeClr val="tx1">
+            <a:lumMod val="15000"/>
+            <a:lumOff val="85000"/>
+          </a:schemeClr>
+        </a:solidFill>
+        <a:round/>
+      </a:ln>
+    </cs:spPr>
+    <cs:defRPr sz="1197" kern="1200"/>
+  </cs:categoryAxis>
+  <cs:chartArea mods="allowNoFillOverride allowNoLineOverride">
+    <cs:lnRef idx="0"/>
+    <cs:fillRef idx="0"/>
+    <cs:effectRef idx="0"/>
+    <cs:fontRef idx="minor">
+      <a:schemeClr val="tx1"/>
+    </cs:fontRef>
+    <cs:spPr>
+      <a:solidFill>
+        <a:schemeClr val="bg1"/>
+      </a:solidFill>
+      <a:ln w="9525" cap="flat" cmpd="sng" algn="ctr">
+        <a:solidFill>
+          <a:schemeClr val="tx1">
+            <a:lumMod val="15000"/>
+            <a:lumOff val="85000"/>
+          </a:schemeClr>
+        </a:solidFill>
+        <a:round/>
+      </a:ln>
+    </cs:spPr>
+    <cs:defRPr sz="1330" kern="1200"/>
+  </cs:chartArea>
+  <cs:dataLabel>
+    <cs:lnRef idx="0"/>
+    <cs:fillRef idx="0"/>
+    <cs:effectRef idx="0"/>
+    <cs:fontRef idx="minor">
+      <a:schemeClr val="tx1">
+        <a:lumMod val="75000"/>
+        <a:lumOff val="25000"/>
+      </a:schemeClr>
+    </cs:fontRef>
+    <cs:defRPr sz="1197" kern="1200"/>
+  </cs:dataLabel>
+  <cs:dataLabelCallout>
+    <cs:lnRef idx="0"/>
+    <cs:fillRef idx="0"/>
+    <cs:effectRef idx="0"/>
+    <cs:fontRef idx="minor">
+      <a:schemeClr val="dk1">
+        <a:lumMod val="65000"/>
+        <a:lumOff val="35000"/>
+      </a:schemeClr>
+    </cs:fontRef>
+    <cs:spPr>
+      <a:solidFill>
+        <a:schemeClr val="lt1"/>
+      </a:solidFill>
+      <a:ln>
+        <a:solidFill>
+          <a:schemeClr val="dk1">
+            <a:lumMod val="25000"/>
+            <a:lumOff val="75000"/>
+          </a:schemeClr>
+        </a:solidFill>
+      </a:ln>
+    </cs:spPr>
+    <cs:defRPr sz="1197" kern="1200"/>
+    <cs:bodyPr rot="0" spcFirstLastPara="1" vertOverflow="clip" horzOverflow="clip" vert="horz" wrap="square" lIns="36576" tIns="18288" rIns="36576" bIns="18288" anchor="ctr" anchorCtr="1">
+      <a:spAutoFit/>
+    </cs:bodyPr>
+  </cs:dataLabelCallout>
+  <cs:dataPoint>
+    <cs:lnRef idx="0"/>
+    <cs:fillRef idx="1">
+      <cs:styleClr val="auto"/>
+    </cs:fillRef>
+    <cs:effectRef idx="0"/>
+    <cs:fontRef idx="minor">
+      <a:schemeClr val="tx1"/>
+    </cs:fontRef>
+  </cs:dataPoint>
+  <cs:dataPoint3D>
+    <cs:lnRef idx="0"/>
+    <cs:fillRef idx="1">
+      <cs:styleClr val="auto"/>
+    </cs:fillRef>
+    <cs:effectRef idx="0"/>
+    <cs:fontRef idx="minor">
+      <a:schemeClr val="tx1"/>
+    </cs:fontRef>
+  </cs:dataPoint3D>
+  <cs:dataPointLine>
+    <cs:lnRef idx="0">
+      <cs:styleClr val="auto"/>
+    </cs:lnRef>
+    <cs:fillRef idx="1"/>
+    <cs:effectRef idx="0"/>
+    <cs:fontRef idx="minor">
+      <a:schemeClr val="tx1"/>
+    </cs:fontRef>
+    <cs:spPr>
+      <a:ln w="28575" cap="rnd">
+        <a:solidFill>
+          <a:schemeClr val="phClr"/>
+        </a:solidFill>
+        <a:round/>
+      </a:ln>
+    </cs:spPr>
+  </cs:dataPointLine>
+  <cs:dataPointMarker>
+    <cs:lnRef idx="0">
+      <cs:styleClr val="auto"/>
+    </cs:lnRef>
+    <cs:fillRef idx="1">
+      <cs:styleClr val="auto"/>
+    </cs:fillRef>
+    <cs:effectRef idx="0"/>
+    <cs:fontRef idx="minor">
+      <a:schemeClr val="tx1"/>
+    </cs:fontRef>
+    <cs:spPr>
+      <a:ln w="9525">
+        <a:solidFill>
+          <a:schemeClr val="phClr"/>
+        </a:solidFill>
+      </a:ln>
+    </cs:spPr>
+  </cs:dataPointMarker>
+  <cs:dataPointMarkerLayout symbol="circle" size="5"/>
+  <cs:dataPointWireframe>
+    <cs:lnRef idx="0">
+      <cs:styleClr val="auto"/>
+    </cs:lnRef>
+    <cs:fillRef idx="1"/>
+    <cs:effectRef idx="0"/>
+    <cs:fontRef idx="minor">
+      <a:schemeClr val="tx1"/>
+    </cs:fontRef>
+    <cs:spPr>
+      <a:ln w="9525" cap="rnd">
+        <a:solidFill>
+          <a:schemeClr val="phClr"/>
+        </a:solidFill>
+        <a:round/>
+      </a:ln>
+    </cs:spPr>
+  </cs:dataPointWireframe>
+  <cs:dataTable>
+    <cs:lnRef idx="0"/>
+    <cs:fillRef idx="0"/>
+    <cs:effectRef idx="0"/>
+    <cs:fontRef idx="minor">
+      <a:schemeClr val="tx1">
+        <a:lumMod val="65000"/>
+        <a:lumOff val="35000"/>
+      </a:schemeClr>
+    </cs:fontRef>
+    <cs:spPr>
+      <a:noFill/>
+      <a:ln w="9525" cap="flat" cmpd="sng" algn="ctr">
+        <a:solidFill>
+          <a:schemeClr val="tx1">
+            <a:lumMod val="15000"/>
+            <a:lumOff val="85000"/>
+          </a:schemeClr>
+        </a:solidFill>
+        <a:round/>
+      </a:ln>
+    </cs:spPr>
+    <cs:defRPr sz="1197" kern="1200"/>
+  </cs:dataTable>
+  <cs:downBar>
+    <cs:lnRef idx="0"/>
+    <cs:fillRef idx="0"/>
+    <cs:effectRef idx="0"/>
+    <cs:fontRef idx="minor">
+      <a:schemeClr val="dk1"/>
+    </cs:fontRef>
+    <cs:spPr>
+      <a:solidFill>
+        <a:schemeClr val="dk1">
+          <a:lumMod val="65000"/>
+          <a:lumOff val="35000"/>
+        </a:schemeClr>
+      </a:solidFill>
+      <a:ln w="9525">
+        <a:solidFill>
+          <a:schemeClr val="tx1">
+            <a:lumMod val="65000"/>
+            <a:lumOff val="35000"/>
+          </a:schemeClr>
+        </a:solidFill>
+      </a:ln>
+    </cs:spPr>
+  </cs:downBar>
+  <cs:dropLine>
+    <cs:lnRef idx="0"/>
+    <cs:fillRef idx="0"/>
+    <cs:effectRef idx="0"/>
+    <cs:fontRef idx="minor">
+      <a:schemeClr val="tx1"/>
+    </cs:fontRef>
+    <cs:spPr>
+      <a:ln w="9525" cap="flat" cmpd="sng" algn="ctr">
+        <a:solidFill>
+          <a:schemeClr val="tx1">
+            <a:lumMod val="35000"/>
+            <a:lumOff val="65000"/>
+          </a:schemeClr>
+        </a:solidFill>
+        <a:round/>
+      </a:ln>
+    </cs:spPr>
+  </cs:dropLine>
+  <cs:errorBar>
+    <cs:lnRef idx="0"/>
+    <cs:fillRef idx="0"/>
+    <cs:effectRef idx="0"/>
+    <cs:fontRef idx="minor">
+      <a:schemeClr val="tx1"/>
+    </cs:fontRef>
+    <cs:spPr>
+      <a:ln w="9525" cap="flat" cmpd="sng" algn="ctr">
+        <a:solidFill>
+          <a:schemeClr val="tx1">
+            <a:lumMod val="65000"/>
+            <a:lumOff val="35000"/>
+          </a:schemeClr>
+        </a:solidFill>
+        <a:round/>
+      </a:ln>
+    </cs:spPr>
+  </cs:errorBar>
+  <cs:floor>
+    <cs:lnRef idx="0"/>
+    <cs:fillRef idx="0"/>
+    <cs:effectRef idx="0"/>
+    <cs:fontRef idx="minor">
+      <a:schemeClr val="tx1"/>
+    </cs:fontRef>
+    <cs:spPr>
+      <a:noFill/>
+      <a:ln>
+        <a:noFill/>
+      </a:ln>
+    </cs:spPr>
+  </cs:floor>
+  <cs:gridlineMajor>
+    <cs:lnRef idx="0"/>
+    <cs:fillRef idx="0"/>
+    <cs:effectRef idx="0"/>
+    <cs:fontRef idx="minor">
+      <a:schemeClr val="tx1"/>
+    </cs:fontRef>
+    <cs:spPr>
+      <a:ln w="9525" cap="flat" cmpd="sng" algn="ctr">
+        <a:solidFill>
+          <a:schemeClr val="tx1">
+            <a:lumMod val="15000"/>
+            <a:lumOff val="85000"/>
+          </a:schemeClr>
+        </a:solidFill>
+        <a:round/>
+      </a:ln>
+    </cs:spPr>
+  </cs:gridlineMajor>
+  <cs:gridlineMinor>
+    <cs:lnRef idx="0"/>
+    <cs:fillRef idx="0"/>
+    <cs:effectRef idx="0"/>
+    <cs:fontRef idx="minor">
+      <a:schemeClr val="tx1"/>
+    </cs:fontRef>
+    <cs:spPr>
+      <a:ln w="9525" cap="flat" cmpd="sng" algn="ctr">
+        <a:solidFill>
+          <a:schemeClr val="tx1">
+            <a:lumMod val="5000"/>
+            <a:lumOff val="95000"/>
+          </a:schemeClr>
+        </a:solidFill>
+        <a:round/>
+      </a:ln>
+    </cs:spPr>
+  </cs:gridlineMinor>
+  <cs:hiLoLine>
+    <cs:lnRef idx="0"/>
+    <cs:fillRef idx="0"/>
+    <cs:effectRef idx="0"/>
+    <cs:fontRef idx="minor">
+      <a:schemeClr val="tx1"/>
+    </cs:fontRef>
+    <cs:spPr>
+      <a:ln w="9525" cap="flat" cmpd="sng" algn="ctr">
+        <a:solidFill>
+          <a:schemeClr val="tx1">
+            <a:lumMod val="75000"/>
+            <a:lumOff val="25000"/>
+          </a:schemeClr>
+        </a:solidFill>
+        <a:round/>
+      </a:ln>
+    </cs:spPr>
+  </cs:hiLoLine>
+  <cs:leaderLine>
+    <cs:lnRef idx="0"/>
+    <cs:fillRef idx="0"/>
+    <cs:effectRef idx="0"/>
+    <cs:fontRef idx="minor">
+      <a:schemeClr val="tx1"/>
+    </cs:fontRef>
+    <cs:spPr>
+      <a:ln w="9525" cap="flat" cmpd="sng" algn="ctr">
+        <a:solidFill>
+          <a:schemeClr val="tx1">
+            <a:lumMod val="35000"/>
+            <a:lumOff val="65000"/>
+          </a:schemeClr>
+        </a:solidFill>
+        <a:round/>
+      </a:ln>
+    </cs:spPr>
+  </cs:leaderLine>
+  <cs:legend>
+    <cs:lnRef idx="0"/>
+    <cs:fillRef idx="0"/>
+    <cs:effectRef idx="0"/>
+    <cs:fontRef idx="minor">
+      <a:schemeClr val="tx1">
+        <a:lumMod val="65000"/>
+        <a:lumOff val="35000"/>
+      </a:schemeClr>
+    </cs:fontRef>
+    <cs:defRPr sz="1197" kern="1200"/>
+  </cs:legend>
+  <cs:plotArea mods="allowNoFillOverride allowNoLineOverride">
+    <cs:lnRef idx="0"/>
+    <cs:fillRef idx="0"/>
+    <cs:effectRef idx="0"/>
+    <cs:fontRef idx="minor">
+      <a:schemeClr val="tx1"/>
+    </cs:fontRef>
+  </cs:plotArea>
+  <cs:plotArea3D mods="allowNoFillOverride allowNoLineOverride">
+    <cs:lnRef idx="0"/>
+    <cs:fillRef idx="0"/>
+    <cs:effectRef idx="0"/>
+    <cs:fontRef idx="minor">
+      <a:schemeClr val="tx1"/>
+    </cs:fontRef>
+  </cs:plotArea3D>
+  <cs:seriesAxis>
+    <cs:lnRef idx="0"/>
+    <cs:fillRef idx="0"/>
+    <cs:effectRef idx="0"/>
+    <cs:fontRef idx="minor">
+      <a:schemeClr val="tx1">
+        <a:lumMod val="65000"/>
+        <a:lumOff val="35000"/>
+      </a:schemeClr>
+    </cs:fontRef>
+    <cs:defRPr sz="1197" kern="1200"/>
+  </cs:seriesAxis>
+  <cs:seriesLine>
+    <cs:lnRef idx="0"/>
+    <cs:fillRef idx="0"/>
+    <cs:effectRef idx="0"/>
+    <cs:fontRef idx="minor">
+      <a:schemeClr val="tx1"/>
+    </cs:fontRef>
+    <cs:spPr>
+      <a:ln w="9525" cap="flat" cmpd="sng" algn="ctr">
+        <a:solidFill>
+          <a:schemeClr val="tx1">
+            <a:lumMod val="35000"/>
+            <a:lumOff val="65000"/>
+          </a:schemeClr>
+        </a:solidFill>
+        <a:round/>
+      </a:ln>
+    </cs:spPr>
+  </cs:seriesLine>
+  <cs:title>
+    <cs:lnRef idx="0"/>
+    <cs:fillRef idx="0"/>
+    <cs:effectRef idx="0"/>
+    <cs:fontRef idx="minor">
+      <a:schemeClr val="tx1">
+        <a:lumMod val="65000"/>
+        <a:lumOff val="35000"/>
+      </a:schemeClr>
+    </cs:fontRef>
+    <cs:defRPr sz="1862" b="0" kern="1200" spc="0" baseline="0"/>
+  </cs:title>
+  <cs:trendline>
+    <cs:lnRef idx="0">
+      <cs:styleClr val="auto"/>
+    </cs:lnRef>
+    <cs:fillRef idx="0"/>
+    <cs:effectRef idx="0"/>
+    <cs:fontRef idx="minor">
+      <a:schemeClr val="tx1"/>
+    </cs:fontRef>
+    <cs:spPr>
+      <a:ln w="19050" cap="rnd">
+        <a:solidFill>
+          <a:schemeClr val="phClr"/>
+        </a:solidFill>
+        <a:prstDash val="sysDot"/>
+      </a:ln>
+    </cs:spPr>
+  </cs:trendline>
+  <cs:trendlineLabel>
+    <cs:lnRef idx="0"/>
+    <cs:fillRef idx="0"/>
+    <cs:effectRef idx="0"/>
+    <cs:fontRef idx="minor">
+      <a:schemeClr val="tx1">
+        <a:lumMod val="65000"/>
+        <a:lumOff val="35000"/>
+      </a:schemeClr>
+    </cs:fontRef>
+    <cs:defRPr sz="1197" kern="1200"/>
+  </cs:trendlineLabel>
+  <cs:upBar>
+    <cs:lnRef idx="0"/>
+    <cs:fillRef idx="0"/>
+    <cs:effectRef idx="0"/>
+    <cs:fontRef idx="minor">
+      <a:schemeClr val="dk1"/>
+    </cs:fontRef>
+    <cs:spPr>
+      <a:solidFill>
+        <a:schemeClr val="lt1"/>
+      </a:solidFill>
+      <a:ln w="9525">
+        <a:solidFill>
+          <a:schemeClr val="tx1">
+            <a:lumMod val="15000"/>
+            <a:lumOff val="85000"/>
+          </a:schemeClr>
+        </a:solidFill>
+      </a:ln>
+    </cs:spPr>
+  </cs:upBar>
+  <cs:valueAxis>
+    <cs:lnRef idx="0"/>
+    <cs:fillRef idx="0"/>
+    <cs:effectRef idx="0"/>
+    <cs:fontRef idx="minor">
+      <a:schemeClr val="tx1">
+        <a:lumMod val="65000"/>
+        <a:lumOff val="35000"/>
+      </a:schemeClr>
+    </cs:fontRef>
+    <cs:defRPr sz="1197" kern="1200"/>
+  </cs:valueAxis>
+  <cs:wall>
+    <cs:lnRef idx="0"/>
+    <cs:fillRef idx="0"/>
+    <cs:effectRef idx="0"/>
+    <cs:fontRef idx="minor">
+      <a:schemeClr val="tx1"/>
+    </cs:fontRef>
+    <cs:spPr>
+      <a:noFill/>
+      <a:ln>
+        <a:noFill/>
+      </a:ln>
+    </cs:spPr>
+  </cs:wall>
+</cs:chartStyle>
+</file>
+
+<file path=ppt/charts/style5.xml><?xml version="1.0" encoding="utf-8"?>
+<cs:chartStyle xmlns:cs="http://schemas.microsoft.com/office/drawing/2012/chartStyle" xmlns:a="http://schemas.openxmlformats.org/drawingml/2006/main" id="201">
+  <cs:axisTitle>
+    <cs:lnRef idx="0"/>
+    <cs:fillRef idx="0"/>
+    <cs:effectRef idx="0"/>
+    <cs:fontRef idx="minor">
+      <a:schemeClr val="tx1">
+        <a:lumMod val="65000"/>
+        <a:lumOff val="35000"/>
+      </a:schemeClr>
+    </cs:fontRef>
+    <cs:defRPr sz="1330" kern="1200"/>
+  </cs:axisTitle>
+  <cs:categoryAxis>
+    <cs:lnRef idx="0"/>
+    <cs:fillRef idx="0"/>
+    <cs:effectRef idx="0"/>
+    <cs:fontRef idx="minor">
+      <a:schemeClr val="tx1">
+        <a:lumMod val="65000"/>
+        <a:lumOff val="35000"/>
+      </a:schemeClr>
+    </cs:fontRef>
+    <cs:spPr>
+      <a:ln w="9525" cap="flat" cmpd="sng" algn="ctr">
+        <a:solidFill>
+          <a:schemeClr val="tx1">
+            <a:lumMod val="15000"/>
+            <a:lumOff val="85000"/>
+          </a:schemeClr>
+        </a:solidFill>
+        <a:round/>
+      </a:ln>
+    </cs:spPr>
+    <cs:defRPr sz="1197" kern="1200"/>
+  </cs:categoryAxis>
+  <cs:chartArea mods="allowNoFillOverride allowNoLineOverride">
+    <cs:lnRef idx="0"/>
+    <cs:fillRef idx="0"/>
+    <cs:effectRef idx="0"/>
+    <cs:fontRef idx="minor">
+      <a:schemeClr val="tx1"/>
+    </cs:fontRef>
+    <cs:spPr>
+      <a:solidFill>
+        <a:schemeClr val="bg1"/>
+      </a:solidFill>
+      <a:ln w="9525" cap="flat" cmpd="sng" algn="ctr">
+        <a:solidFill>
+          <a:schemeClr val="tx1">
+            <a:lumMod val="15000"/>
+            <a:lumOff val="85000"/>
+          </a:schemeClr>
+        </a:solidFill>
+        <a:round/>
+      </a:ln>
+    </cs:spPr>
+    <cs:defRPr sz="1330" kern="1200"/>
+  </cs:chartArea>
+  <cs:dataLabel>
+    <cs:lnRef idx="0"/>
+    <cs:fillRef idx="0"/>
+    <cs:effectRef idx="0"/>
+    <cs:fontRef idx="minor">
+      <a:schemeClr val="tx1">
+        <a:lumMod val="75000"/>
+        <a:lumOff val="25000"/>
+      </a:schemeClr>
+    </cs:fontRef>
+    <cs:defRPr sz="1197" kern="1200"/>
+  </cs:dataLabel>
+  <cs:dataLabelCallout>
+    <cs:lnRef idx="0"/>
+    <cs:fillRef idx="0"/>
+    <cs:effectRef idx="0"/>
+    <cs:fontRef idx="minor">
+      <a:schemeClr val="dk1">
+        <a:lumMod val="65000"/>
+        <a:lumOff val="35000"/>
+      </a:schemeClr>
+    </cs:fontRef>
+    <cs:spPr>
+      <a:solidFill>
+        <a:schemeClr val="lt1"/>
+      </a:solidFill>
+      <a:ln>
+        <a:solidFill>
+          <a:schemeClr val="dk1">
+            <a:lumMod val="25000"/>
+            <a:lumOff val="75000"/>
+          </a:schemeClr>
+        </a:solidFill>
+      </a:ln>
+    </cs:spPr>
+    <cs:defRPr sz="1197" kern="1200"/>
+    <cs:bodyPr rot="0" spcFirstLastPara="1" vertOverflow="clip" horzOverflow="clip" vert="horz" wrap="square" lIns="36576" tIns="18288" rIns="36576" bIns="18288" anchor="ctr" anchorCtr="1">
+      <a:spAutoFit/>
+    </cs:bodyPr>
+  </cs:dataLabelCallout>
+  <cs:dataPoint>
+    <cs:lnRef idx="0"/>
+    <cs:fillRef idx="1">
+      <cs:styleClr val="auto"/>
+    </cs:fillRef>
+    <cs:effectRef idx="0"/>
+    <cs:fontRef idx="minor">
+      <a:schemeClr val="tx1"/>
+    </cs:fontRef>
+  </cs:dataPoint>
+  <cs:dataPoint3D>
+    <cs:lnRef idx="0"/>
+    <cs:fillRef idx="1">
+      <cs:styleClr val="auto"/>
+    </cs:fillRef>
+    <cs:effectRef idx="0"/>
+    <cs:fontRef idx="minor">
+      <a:schemeClr val="tx1"/>
+    </cs:fontRef>
+  </cs:dataPoint3D>
+  <cs:dataPointLine>
+    <cs:lnRef idx="0">
+      <cs:styleClr val="auto"/>
+    </cs:lnRef>
+    <cs:fillRef idx="1"/>
+    <cs:effectRef idx="0"/>
+    <cs:fontRef idx="minor">
+      <a:schemeClr val="tx1"/>
+    </cs:fontRef>
+    <cs:spPr>
+      <a:ln w="28575" cap="rnd">
+        <a:solidFill>
+          <a:schemeClr val="phClr"/>
+        </a:solidFill>
+        <a:round/>
+      </a:ln>
+    </cs:spPr>
+  </cs:dataPointLine>
+  <cs:dataPointMarker>
+    <cs:lnRef idx="0">
+      <cs:styleClr val="auto"/>
+    </cs:lnRef>
+    <cs:fillRef idx="1">
+      <cs:styleClr val="auto"/>
+    </cs:fillRef>
+    <cs:effectRef idx="0"/>
+    <cs:fontRef idx="minor">
+      <a:schemeClr val="tx1"/>
+    </cs:fontRef>
+    <cs:spPr>
+      <a:ln w="9525">
+        <a:solidFill>
+          <a:schemeClr val="phClr"/>
+        </a:solidFill>
+      </a:ln>
+    </cs:spPr>
+  </cs:dataPointMarker>
+  <cs:dataPointMarkerLayout symbol="circle" size="5"/>
+  <cs:dataPointWireframe>
+    <cs:lnRef idx="0">
+      <cs:styleClr val="auto"/>
+    </cs:lnRef>
+    <cs:fillRef idx="1"/>
+    <cs:effectRef idx="0"/>
+    <cs:fontRef idx="minor">
+      <a:schemeClr val="tx1"/>
+    </cs:fontRef>
+    <cs:spPr>
+      <a:ln w="9525" cap="rnd">
+        <a:solidFill>
+          <a:schemeClr val="phClr"/>
+        </a:solidFill>
+        <a:round/>
+      </a:ln>
+    </cs:spPr>
+  </cs:dataPointWireframe>
+  <cs:dataTable>
+    <cs:lnRef idx="0"/>
+    <cs:fillRef idx="0"/>
+    <cs:effectRef idx="0"/>
+    <cs:fontRef idx="minor">
+      <a:schemeClr val="tx1">
+        <a:lumMod val="65000"/>
+        <a:lumOff val="35000"/>
+      </a:schemeClr>
+    </cs:fontRef>
+    <cs:spPr>
+      <a:noFill/>
+      <a:ln w="9525" cap="flat" cmpd="sng" algn="ctr">
+        <a:solidFill>
+          <a:schemeClr val="tx1">
+            <a:lumMod val="15000"/>
+            <a:lumOff val="85000"/>
+          </a:schemeClr>
+        </a:solidFill>
+        <a:round/>
+      </a:ln>
+    </cs:spPr>
+    <cs:defRPr sz="1197" kern="1200"/>
+  </cs:dataTable>
+  <cs:downBar>
+    <cs:lnRef idx="0"/>
+    <cs:fillRef idx="0"/>
+    <cs:effectRef idx="0"/>
+    <cs:fontRef idx="minor">
+      <a:schemeClr val="dk1"/>
+    </cs:fontRef>
+    <cs:spPr>
+      <a:solidFill>
+        <a:schemeClr val="dk1">
+          <a:lumMod val="65000"/>
+          <a:lumOff val="35000"/>
+        </a:schemeClr>
+      </a:solidFill>
+      <a:ln w="9525">
+        <a:solidFill>
+          <a:schemeClr val="tx1">
+            <a:lumMod val="65000"/>
+            <a:lumOff val="35000"/>
+          </a:schemeClr>
+        </a:solidFill>
+      </a:ln>
+    </cs:spPr>
+  </cs:downBar>
+  <cs:dropLine>
+    <cs:lnRef idx="0"/>
+    <cs:fillRef idx="0"/>
+    <cs:effectRef idx="0"/>
+    <cs:fontRef idx="minor">
+      <a:schemeClr val="tx1"/>
+    </cs:fontRef>
+    <cs:spPr>
+      <a:ln w="9525" cap="flat" cmpd="sng" algn="ctr">
+        <a:solidFill>
+          <a:schemeClr val="tx1">
+            <a:lumMod val="35000"/>
+            <a:lumOff val="65000"/>
+          </a:schemeClr>
+        </a:solidFill>
+        <a:round/>
+      </a:ln>
+    </cs:spPr>
+  </cs:dropLine>
+  <cs:errorBar>
+    <cs:lnRef idx="0"/>
+    <cs:fillRef idx="0"/>
+    <cs:effectRef idx="0"/>
+    <cs:fontRef idx="minor">
+      <a:schemeClr val="tx1"/>
+    </cs:fontRef>
+    <cs:spPr>
+      <a:ln w="9525" cap="flat" cmpd="sng" algn="ctr">
+        <a:solidFill>
+          <a:schemeClr val="tx1">
+            <a:lumMod val="65000"/>
+            <a:lumOff val="35000"/>
+          </a:schemeClr>
+        </a:solidFill>
+        <a:round/>
+      </a:ln>
+    </cs:spPr>
+  </cs:errorBar>
+  <cs:floor>
+    <cs:lnRef idx="0"/>
+    <cs:fillRef idx="0"/>
+    <cs:effectRef idx="0"/>
+    <cs:fontRef idx="minor">
+      <a:schemeClr val="tx1"/>
+    </cs:fontRef>
+    <cs:spPr>
+      <a:noFill/>
+      <a:ln>
+        <a:noFill/>
+      </a:ln>
+    </cs:spPr>
+  </cs:floor>
+  <cs:gridlineMajor>
+    <cs:lnRef idx="0"/>
+    <cs:fillRef idx="0"/>
+    <cs:effectRef idx="0"/>
+    <cs:fontRef idx="minor">
+      <a:schemeClr val="tx1"/>
+    </cs:fontRef>
+    <cs:spPr>
+      <a:ln w="9525" cap="flat" cmpd="sng" algn="ctr">
+        <a:solidFill>
+          <a:schemeClr val="tx1">
+            <a:lumMod val="15000"/>
+            <a:lumOff val="85000"/>
+          </a:schemeClr>
+        </a:solidFill>
+        <a:round/>
+      </a:ln>
+    </cs:spPr>
+  </cs:gridlineMajor>
+  <cs:gridlineMinor>
+    <cs:lnRef idx="0"/>
+    <cs:fillRef idx="0"/>
+    <cs:effectRef idx="0"/>
+    <cs:fontRef idx="minor">
+      <a:schemeClr val="tx1"/>
+    </cs:fontRef>
+    <cs:spPr>
+      <a:ln w="9525" cap="flat" cmpd="sng" algn="ctr">
+        <a:solidFill>
+          <a:schemeClr val="tx1">
+            <a:lumMod val="5000"/>
+            <a:lumOff val="95000"/>
+          </a:schemeClr>
+        </a:solidFill>
+        <a:round/>
+      </a:ln>
+    </cs:spPr>
+  </cs:gridlineMinor>
+  <cs:hiLoLine>
+    <cs:lnRef idx="0"/>
+    <cs:fillRef idx="0"/>
+    <cs:effectRef idx="0"/>
+    <cs:fontRef idx="minor">
+      <a:schemeClr val="tx1"/>
+    </cs:fontRef>
+    <cs:spPr>
+      <a:ln w="9525" cap="flat" cmpd="sng" algn="ctr">
+        <a:solidFill>
+          <a:schemeClr val="tx1">
+            <a:lumMod val="75000"/>
+            <a:lumOff val="25000"/>
+          </a:schemeClr>
+        </a:solidFill>
+        <a:round/>
+      </a:ln>
+    </cs:spPr>
+  </cs:hiLoLine>
+  <cs:leaderLine>
+    <cs:lnRef idx="0"/>
+    <cs:fillRef idx="0"/>
+    <cs:effectRef idx="0"/>
+    <cs:fontRef idx="minor">
+      <a:schemeClr val="tx1"/>
+    </cs:fontRef>
+    <cs:spPr>
+      <a:ln w="9525" cap="flat" cmpd="sng" algn="ctr">
+        <a:solidFill>
+          <a:schemeClr val="tx1">
+            <a:lumMod val="35000"/>
+            <a:lumOff val="65000"/>
+          </a:schemeClr>
+        </a:solidFill>
+        <a:round/>
+      </a:ln>
+    </cs:spPr>
+  </cs:leaderLine>
+  <cs:legend>
+    <cs:lnRef idx="0"/>
+    <cs:fillRef idx="0"/>
+    <cs:effectRef idx="0"/>
+    <cs:fontRef idx="minor">
+      <a:schemeClr val="tx1">
+        <a:lumMod val="65000"/>
+        <a:lumOff val="35000"/>
+      </a:schemeClr>
+    </cs:fontRef>
+    <cs:defRPr sz="1197" kern="1200"/>
+  </cs:legend>
+  <cs:plotArea mods="allowNoFillOverride allowNoLineOverride">
+    <cs:lnRef idx="0"/>
+    <cs:fillRef idx="0"/>
+    <cs:effectRef idx="0"/>
+    <cs:fontRef idx="minor">
+      <a:schemeClr val="tx1"/>
+    </cs:fontRef>
+  </cs:plotArea>
+  <cs:plotArea3D mods="allowNoFillOverride allowNoLineOverride">
+    <cs:lnRef idx="0"/>
+    <cs:fillRef idx="0"/>
+    <cs:effectRef idx="0"/>
+    <cs:fontRef idx="minor">
+      <a:schemeClr val="tx1"/>
+    </cs:fontRef>
+  </cs:plotArea3D>
+  <cs:seriesAxis>
+    <cs:lnRef idx="0"/>
+    <cs:fillRef idx="0"/>
+    <cs:effectRef idx="0"/>
+    <cs:fontRef idx="minor">
+      <a:schemeClr val="tx1">
+        <a:lumMod val="65000"/>
+        <a:lumOff val="35000"/>
+      </a:schemeClr>
+    </cs:fontRef>
+    <cs:defRPr sz="1197" kern="1200"/>
+  </cs:seriesAxis>
+  <cs:seriesLine>
+    <cs:lnRef idx="0"/>
+    <cs:fillRef idx="0"/>
+    <cs:effectRef idx="0"/>
+    <cs:fontRef idx="minor">
+      <a:schemeClr val="tx1"/>
+    </cs:fontRef>
+    <cs:spPr>
+      <a:ln w="9525" cap="flat" cmpd="sng" algn="ctr">
+        <a:solidFill>
+          <a:schemeClr val="tx1">
+            <a:lumMod val="35000"/>
+            <a:lumOff val="65000"/>
+          </a:schemeClr>
+        </a:solidFill>
+        <a:round/>
+      </a:ln>
+    </cs:spPr>
+  </cs:seriesLine>
+  <cs:title>
+    <cs:lnRef idx="0"/>
+    <cs:fillRef idx="0"/>
+    <cs:effectRef idx="0"/>
+    <cs:fontRef idx="minor">
+      <a:schemeClr val="tx1">
+        <a:lumMod val="65000"/>
+        <a:lumOff val="35000"/>
+      </a:schemeClr>
+    </cs:fontRef>
+    <cs:defRPr sz="1862" b="0" kern="1200" spc="0" baseline="0"/>
+  </cs:title>
+  <cs:trendline>
+    <cs:lnRef idx="0">
+      <cs:styleClr val="auto"/>
+    </cs:lnRef>
+    <cs:fillRef idx="0"/>
+    <cs:effectRef idx="0"/>
+    <cs:fontRef idx="minor">
+      <a:schemeClr val="tx1"/>
+    </cs:fontRef>
+    <cs:spPr>
+      <a:ln w="19050" cap="rnd">
+        <a:solidFill>
+          <a:schemeClr val="phClr"/>
+        </a:solidFill>
+        <a:prstDash val="sysDot"/>
+      </a:ln>
+    </cs:spPr>
+  </cs:trendline>
+  <cs:trendlineLabel>
+    <cs:lnRef idx="0"/>
+    <cs:fillRef idx="0"/>
+    <cs:effectRef idx="0"/>
+    <cs:fontRef idx="minor">
+      <a:schemeClr val="tx1">
+        <a:lumMod val="65000"/>
+        <a:lumOff val="35000"/>
+      </a:schemeClr>
+    </cs:fontRef>
+    <cs:defRPr sz="1197" kern="1200"/>
+  </cs:trendlineLabel>
+  <cs:upBar>
+    <cs:lnRef idx="0"/>
+    <cs:fillRef idx="0"/>
+    <cs:effectRef idx="0"/>
+    <cs:fontRef idx="minor">
+      <a:schemeClr val="dk1"/>
+    </cs:fontRef>
+    <cs:spPr>
+      <a:solidFill>
+        <a:schemeClr val="lt1"/>
+      </a:solidFill>
+      <a:ln w="9525">
+        <a:solidFill>
+          <a:schemeClr val="tx1">
+            <a:lumMod val="15000"/>
+            <a:lumOff val="85000"/>
+          </a:schemeClr>
+        </a:solidFill>
+      </a:ln>
+    </cs:spPr>
+  </cs:upBar>
+  <cs:valueAxis>
+    <cs:lnRef idx="0"/>
+    <cs:fillRef idx="0"/>
+    <cs:effectRef idx="0"/>
+    <cs:fontRef idx="minor">
+      <a:schemeClr val="tx1">
+        <a:lumMod val="65000"/>
+        <a:lumOff val="35000"/>
+      </a:schemeClr>
+    </cs:fontRef>
+    <cs:defRPr sz="1197" kern="1200"/>
+  </cs:valueAxis>
+  <cs:wall>
+    <cs:lnRef idx="0"/>
+    <cs:fillRef idx="0"/>
+    <cs:effectRef idx="0"/>
+    <cs:fontRef idx="minor">
+      <a:schemeClr val="tx1"/>
+    </cs:fontRef>
+    <cs:spPr>
+      <a:noFill/>
+      <a:ln>
+        <a:noFill/>
+      </a:ln>
+    </cs:spPr>
+  </cs:wall>
+</cs:chartStyle>
 </file>
 
 <file path=ppt/slideLayouts/slideLayout1.xml><?xml version="1.0" encoding="utf-8"?>
@@ -3402,7 +8488,6 @@
               <a:rPr lang="en-US" dirty="0"/>
               <a:t>Heatmap for Missing Values’ Representation</a:t>
             </a:r>
-            <a:endParaRPr lang="en-US" dirty="0"/>
           </a:p>
         </p:txBody>
       </p:sp>
@@ -5444,7 +10529,7 @@
         <p:spPr>
           <a:xfrm>
             <a:off x="914400" y="1750423"/>
-            <a:ext cx="10293531" cy="3046988"/>
+            <a:ext cx="10293531" cy="3682226"/>
           </a:xfrm>
           <a:prstGeom prst="rect">
             <a:avLst/>
@@ -5464,7 +10549,27 @@
             </a:pPr>
             <a:r>
               <a:rPr lang="en-US" sz="2400" dirty="0" smtClean="0"/>
-              <a:t>Dividing this section into 3 subsection –</a:t>
+              <a:t>Implemented model : </a:t>
+            </a:r>
+            <a:r>
+              <a:rPr lang="en-US" sz="2400" b="1" dirty="0" smtClean="0"/>
+              <a:t>Logistic regression</a:t>
+            </a:r>
+            <a:endParaRPr lang="en-US" sz="2400" b="1" dirty="0" smtClean="0"/>
+          </a:p>
+          <a:p>
+            <a:pPr>
+              <a:lnSpc>
+                <a:spcPct val="200000"/>
+              </a:lnSpc>
+            </a:pPr>
+            <a:r>
+              <a:rPr lang="en-US" sz="2400" dirty="0" smtClean="0"/>
+              <a:t>Dividing </a:t>
+            </a:r>
+            <a:r>
+              <a:rPr lang="en-US" sz="2400" dirty="0" smtClean="0"/>
+              <a:t>this section into 3 subsection –</a:t>
             </a:r>
           </a:p>
           <a:p>
@@ -5555,7 +10660,7 @@
                                         <p:tgtEl>
                                           <p:spTgt spid="3">
                                             <p:txEl>
-                                              <p:pRg st="1" end="1"/>
+                                              <p:pRg st="2" end="2"/>
                                             </p:txEl>
                                           </p:spTgt>
                                         </p:tgtEl>
@@ -5573,7 +10678,7 @@
                                         <p:tgtEl>
                                           <p:spTgt spid="3">
                                             <p:txEl>
-                                              <p:pRg st="1" end="1"/>
+                                              <p:pRg st="2" end="2"/>
                                             </p:txEl>
                                           </p:spTgt>
                                         </p:tgtEl>
@@ -5616,7 +10721,7 @@
                                         <p:tgtEl>
                                           <p:spTgt spid="3">
                                             <p:txEl>
-                                              <p:pRg st="2" end="2"/>
+                                              <p:pRg st="3" end="3"/>
                                             </p:txEl>
                                           </p:spTgt>
                                         </p:tgtEl>
@@ -5634,7 +10739,7 @@
                                         <p:tgtEl>
                                           <p:spTgt spid="3">
                                             <p:txEl>
-                                              <p:pRg st="2" end="2"/>
+                                              <p:pRg st="3" end="3"/>
                                             </p:txEl>
                                           </p:spTgt>
                                         </p:tgtEl>
@@ -5677,7 +10782,7 @@
                                         <p:tgtEl>
                                           <p:spTgt spid="3">
                                             <p:txEl>
-                                              <p:pRg st="3" end="3"/>
+                                              <p:pRg st="4" end="4"/>
                                             </p:txEl>
                                           </p:spTgt>
                                         </p:tgtEl>
@@ -5695,7 +10800,7 @@
                                         <p:tgtEl>
                                           <p:spTgt spid="3">
                                             <p:txEl>
-                                              <p:pRg st="3" end="3"/>
+                                              <p:pRg st="4" end="4"/>
                                             </p:txEl>
                                           </p:spTgt>
                                         </p:tgtEl>
@@ -5731,6 +10836,2297 @@
         </p:cTn>
       </p:par>
     </p:tnLst>
+  </p:timing>
+</p:sld>
+</file>
+
+<file path=ppt/slides/slide14.xml><?xml version="1.0" encoding="utf-8"?>
+<p:sld xmlns:a="http://schemas.openxmlformats.org/drawingml/2006/main" xmlns:r="http://schemas.openxmlformats.org/officeDocument/2006/relationships" xmlns:p="http://schemas.openxmlformats.org/presentationml/2006/main">
+  <p:cSld>
+    <p:spTree>
+      <p:nvGrpSpPr>
+        <p:cNvPr id="1" name=""/>
+        <p:cNvGrpSpPr/>
+        <p:nvPr/>
+      </p:nvGrpSpPr>
+      <p:grpSpPr>
+        <a:xfrm>
+          <a:off x="0" y="0"/>
+          <a:ext cx="0" cy="0"/>
+          <a:chOff x="0" y="0"/>
+          <a:chExt cx="0" cy="0"/>
+        </a:xfrm>
+      </p:grpSpPr>
+      <p:sp>
+        <p:nvSpPr>
+          <p:cNvPr id="2" name="TextBox 1"/>
+          <p:cNvSpPr txBox="1"/>
+          <p:nvPr/>
+        </p:nvSpPr>
+        <p:spPr>
+          <a:xfrm>
+            <a:off x="2246811" y="195943"/>
+            <a:ext cx="7249885" cy="707886"/>
+          </a:xfrm>
+          <a:prstGeom prst="rect">
+            <a:avLst/>
+          </a:prstGeom>
+          <a:noFill/>
+        </p:spPr>
+        <p:txBody>
+          <a:bodyPr wrap="square" rtlCol="0">
+            <a:spAutoFit/>
+          </a:bodyPr>
+          <a:lstStyle/>
+          <a:p>
+            <a:pPr algn="ctr"/>
+            <a:r>
+              <a:rPr lang="en-US" sz="4000" dirty="0" smtClean="0"/>
+              <a:t>Cross Validation</a:t>
+            </a:r>
+            <a:endParaRPr lang="en-US" sz="4000" dirty="0"/>
+          </a:p>
+        </p:txBody>
+      </p:sp>
+      <p:sp>
+        <p:nvSpPr>
+          <p:cNvPr id="4" name="TextBox 3"/>
+          <p:cNvSpPr txBox="1"/>
+          <p:nvPr/>
+        </p:nvSpPr>
+        <p:spPr>
+          <a:xfrm>
+            <a:off x="731520" y="2037806"/>
+            <a:ext cx="9196251" cy="3046988"/>
+          </a:xfrm>
+          <a:prstGeom prst="rect">
+            <a:avLst/>
+          </a:prstGeom>
+          <a:noFill/>
+        </p:spPr>
+        <p:txBody>
+          <a:bodyPr wrap="square" rtlCol="0">
+            <a:spAutoFit/>
+          </a:bodyPr>
+          <a:lstStyle/>
+          <a:p>
+            <a:r>
+              <a:rPr lang="en-US" sz="2400" dirty="0" smtClean="0"/>
+              <a:t>For the cross validation, we have evaluated –</a:t>
+            </a:r>
+          </a:p>
+          <a:p>
+            <a:endParaRPr lang="en-US" sz="2400" dirty="0" smtClean="0"/>
+          </a:p>
+          <a:p>
+            <a:pPr marL="1257300" lvl="2" indent="-342900">
+              <a:lnSpc>
+                <a:spcPct val="150000"/>
+              </a:lnSpc>
+              <a:buFont typeface="Arial" panose="020B0604020202020204" pitchFamily="34" charset="0"/>
+              <a:buChar char="•"/>
+            </a:pPr>
+            <a:r>
+              <a:rPr lang="en-US" sz="2400" dirty="0" smtClean="0"/>
+              <a:t>5 Fold </a:t>
+            </a:r>
+          </a:p>
+          <a:p>
+            <a:pPr marL="1257300" lvl="2" indent="-342900">
+              <a:lnSpc>
+                <a:spcPct val="150000"/>
+              </a:lnSpc>
+              <a:buFont typeface="Arial" panose="020B0604020202020204" pitchFamily="34" charset="0"/>
+              <a:buChar char="•"/>
+            </a:pPr>
+            <a:r>
+              <a:rPr lang="en-US" sz="2400" dirty="0" smtClean="0"/>
+              <a:t>10 Fold</a:t>
+            </a:r>
+          </a:p>
+          <a:p>
+            <a:pPr lvl="2"/>
+            <a:endParaRPr lang="en-US" sz="2400" dirty="0" smtClean="0"/>
+          </a:p>
+          <a:p>
+            <a:r>
+              <a:rPr lang="en-US" sz="2400" dirty="0" smtClean="0"/>
+              <a:t>Of these, 10 fold CV gives us the better result, we are going to discuss the evaluation more briefly in the Result analysis section</a:t>
+            </a:r>
+          </a:p>
+        </p:txBody>
+      </p:sp>
+    </p:spTree>
+    <p:extLst>
+      <p:ext uri="{BB962C8B-B14F-4D97-AF65-F5344CB8AC3E}">
+        <p14:creationId xmlns:p14="http://schemas.microsoft.com/office/powerpoint/2010/main" val="3329772620"/>
+      </p:ext>
+    </p:extLst>
+  </p:cSld>
+  <p:clrMapOvr>
+    <a:masterClrMapping/>
+  </p:clrMapOvr>
+  <p:timing>
+    <p:tnLst>
+      <p:par>
+        <p:cTn id="1" dur="indefinite" restart="never" nodeType="tmRoot">
+          <p:childTnLst>
+            <p:seq concurrent="1" nextAc="seek">
+              <p:cTn id="2" dur="indefinite" nodeType="mainSeq">
+                <p:childTnLst>
+                  <p:par>
+                    <p:cTn id="3" fill="hold">
+                      <p:stCondLst>
+                        <p:cond delay="indefinite"/>
+                      </p:stCondLst>
+                      <p:childTnLst>
+                        <p:par>
+                          <p:cTn id="4" fill="hold">
+                            <p:stCondLst>
+                              <p:cond delay="0"/>
+                            </p:stCondLst>
+                            <p:childTnLst>
+                              <p:par>
+                                <p:cTn id="5" presetID="10" presetClass="entr" presetSubtype="0" fill="hold" nodeType="clickEffect">
+                                  <p:stCondLst>
+                                    <p:cond delay="0"/>
+                                  </p:stCondLst>
+                                  <p:childTnLst>
+                                    <p:set>
+                                      <p:cBhvr>
+                                        <p:cTn id="6" dur="1" fill="hold">
+                                          <p:stCondLst>
+                                            <p:cond delay="0"/>
+                                          </p:stCondLst>
+                                        </p:cTn>
+                                        <p:tgtEl>
+                                          <p:spTgt spid="4">
+                                            <p:txEl>
+                                              <p:pRg st="2" end="2"/>
+                                            </p:txEl>
+                                          </p:spTgt>
+                                        </p:tgtEl>
+                                        <p:attrNameLst>
+                                          <p:attrName>style.visibility</p:attrName>
+                                        </p:attrNameLst>
+                                      </p:cBhvr>
+                                      <p:to>
+                                        <p:strVal val="visible"/>
+                                      </p:to>
+                                    </p:set>
+                                    <p:animEffect transition="in" filter="fade">
+                                      <p:cBhvr>
+                                        <p:cTn id="7" dur="500"/>
+                                        <p:tgtEl>
+                                          <p:spTgt spid="4">
+                                            <p:txEl>
+                                              <p:pRg st="2" end="2"/>
+                                            </p:txEl>
+                                          </p:spTgt>
+                                        </p:tgtEl>
+                                      </p:cBhvr>
+                                    </p:animEffect>
+                                  </p:childTnLst>
+                                </p:cTn>
+                              </p:par>
+                            </p:childTnLst>
+                          </p:cTn>
+                        </p:par>
+                      </p:childTnLst>
+                    </p:cTn>
+                  </p:par>
+                  <p:par>
+                    <p:cTn id="8" fill="hold">
+                      <p:stCondLst>
+                        <p:cond delay="indefinite"/>
+                      </p:stCondLst>
+                      <p:childTnLst>
+                        <p:par>
+                          <p:cTn id="9" fill="hold">
+                            <p:stCondLst>
+                              <p:cond delay="0"/>
+                            </p:stCondLst>
+                            <p:childTnLst>
+                              <p:par>
+                                <p:cTn id="10" presetID="10" presetClass="entr" presetSubtype="0" fill="hold" nodeType="clickEffect">
+                                  <p:stCondLst>
+                                    <p:cond delay="0"/>
+                                  </p:stCondLst>
+                                  <p:childTnLst>
+                                    <p:set>
+                                      <p:cBhvr>
+                                        <p:cTn id="11" dur="1" fill="hold">
+                                          <p:stCondLst>
+                                            <p:cond delay="0"/>
+                                          </p:stCondLst>
+                                        </p:cTn>
+                                        <p:tgtEl>
+                                          <p:spTgt spid="4">
+                                            <p:txEl>
+                                              <p:pRg st="3" end="3"/>
+                                            </p:txEl>
+                                          </p:spTgt>
+                                        </p:tgtEl>
+                                        <p:attrNameLst>
+                                          <p:attrName>style.visibility</p:attrName>
+                                        </p:attrNameLst>
+                                      </p:cBhvr>
+                                      <p:to>
+                                        <p:strVal val="visible"/>
+                                      </p:to>
+                                    </p:set>
+                                    <p:animEffect transition="in" filter="fade">
+                                      <p:cBhvr>
+                                        <p:cTn id="12" dur="500"/>
+                                        <p:tgtEl>
+                                          <p:spTgt spid="4">
+                                            <p:txEl>
+                                              <p:pRg st="3" end="3"/>
+                                            </p:txEl>
+                                          </p:spTgt>
+                                        </p:tgtEl>
+                                      </p:cBhvr>
+                                    </p:animEffect>
+                                  </p:childTnLst>
+                                </p:cTn>
+                              </p:par>
+                            </p:childTnLst>
+                          </p:cTn>
+                        </p:par>
+                      </p:childTnLst>
+                    </p:cTn>
+                  </p:par>
+                  <p:par>
+                    <p:cTn id="13" fill="hold">
+                      <p:stCondLst>
+                        <p:cond delay="indefinite"/>
+                      </p:stCondLst>
+                      <p:childTnLst>
+                        <p:par>
+                          <p:cTn id="14" fill="hold">
+                            <p:stCondLst>
+                              <p:cond delay="0"/>
+                            </p:stCondLst>
+                            <p:childTnLst>
+                              <p:par>
+                                <p:cTn id="15" presetID="10" presetClass="entr" presetSubtype="0" fill="hold" nodeType="clickEffect">
+                                  <p:stCondLst>
+                                    <p:cond delay="0"/>
+                                  </p:stCondLst>
+                                  <p:childTnLst>
+                                    <p:set>
+                                      <p:cBhvr>
+                                        <p:cTn id="16" dur="1" fill="hold">
+                                          <p:stCondLst>
+                                            <p:cond delay="0"/>
+                                          </p:stCondLst>
+                                        </p:cTn>
+                                        <p:tgtEl>
+                                          <p:spTgt spid="4">
+                                            <p:txEl>
+                                              <p:pRg st="5" end="5"/>
+                                            </p:txEl>
+                                          </p:spTgt>
+                                        </p:tgtEl>
+                                        <p:attrNameLst>
+                                          <p:attrName>style.visibility</p:attrName>
+                                        </p:attrNameLst>
+                                      </p:cBhvr>
+                                      <p:to>
+                                        <p:strVal val="visible"/>
+                                      </p:to>
+                                    </p:set>
+                                    <p:animEffect transition="in" filter="fade">
+                                      <p:cBhvr>
+                                        <p:cTn id="17" dur="500"/>
+                                        <p:tgtEl>
+                                          <p:spTgt spid="4">
+                                            <p:txEl>
+                                              <p:pRg st="5" end="5"/>
+                                            </p:txEl>
+                                          </p:spTgt>
+                                        </p:tgtEl>
+                                      </p:cBhvr>
+                                    </p:animEffect>
+                                  </p:childTnLst>
+                                </p:cTn>
+                              </p:par>
+                            </p:childTnLst>
+                          </p:cTn>
+                        </p:par>
+                      </p:childTnLst>
+                    </p:cTn>
+                  </p:par>
+                </p:childTnLst>
+              </p:cTn>
+              <p:prevCondLst>
+                <p:cond evt="onPrev" delay="0">
+                  <p:tgtEl>
+                    <p:sldTgt/>
+                  </p:tgtEl>
+                </p:cond>
+              </p:prevCondLst>
+              <p:nextCondLst>
+                <p:cond evt="onNext" delay="0">
+                  <p:tgtEl>
+                    <p:sldTgt/>
+                  </p:tgtEl>
+                </p:cond>
+              </p:nextCondLst>
+            </p:seq>
+          </p:childTnLst>
+        </p:cTn>
+      </p:par>
+    </p:tnLst>
+  </p:timing>
+</p:sld>
+</file>
+
+<file path=ppt/slides/slide15.xml><?xml version="1.0" encoding="utf-8"?>
+<p:sld xmlns:a="http://schemas.openxmlformats.org/drawingml/2006/main" xmlns:r="http://schemas.openxmlformats.org/officeDocument/2006/relationships" xmlns:p="http://schemas.openxmlformats.org/presentationml/2006/main">
+  <p:cSld>
+    <p:spTree>
+      <p:nvGrpSpPr>
+        <p:cNvPr id="1" name=""/>
+        <p:cNvGrpSpPr/>
+        <p:nvPr/>
+      </p:nvGrpSpPr>
+      <p:grpSpPr>
+        <a:xfrm>
+          <a:off x="0" y="0"/>
+          <a:ext cx="0" cy="0"/>
+          <a:chOff x="0" y="0"/>
+          <a:chExt cx="0" cy="0"/>
+        </a:xfrm>
+      </p:grpSpPr>
+      <p:sp>
+        <p:nvSpPr>
+          <p:cNvPr id="2" name="TextBox 1"/>
+          <p:cNvSpPr txBox="1"/>
+          <p:nvPr/>
+        </p:nvSpPr>
+        <p:spPr>
+          <a:xfrm>
+            <a:off x="2246811" y="195943"/>
+            <a:ext cx="7249885" cy="707886"/>
+          </a:xfrm>
+          <a:prstGeom prst="rect">
+            <a:avLst/>
+          </a:prstGeom>
+          <a:noFill/>
+        </p:spPr>
+        <p:txBody>
+          <a:bodyPr wrap="square" rtlCol="0">
+            <a:spAutoFit/>
+          </a:bodyPr>
+          <a:lstStyle/>
+          <a:p>
+            <a:pPr algn="ctr"/>
+            <a:r>
+              <a:rPr lang="en-US" sz="4000" dirty="0" smtClean="0"/>
+              <a:t>Threshold Tuning</a:t>
+            </a:r>
+            <a:endParaRPr lang="en-US" sz="4000" dirty="0"/>
+          </a:p>
+        </p:txBody>
+      </p:sp>
+      <p:sp>
+        <p:nvSpPr>
+          <p:cNvPr id="3" name="TextBox 2"/>
+          <p:cNvSpPr txBox="1"/>
+          <p:nvPr/>
+        </p:nvSpPr>
+        <p:spPr>
+          <a:xfrm>
+            <a:off x="522513" y="903829"/>
+            <a:ext cx="10698480" cy="400110"/>
+          </a:xfrm>
+          <a:prstGeom prst="rect">
+            <a:avLst/>
+          </a:prstGeom>
+          <a:noFill/>
+        </p:spPr>
+        <p:txBody>
+          <a:bodyPr wrap="square" rtlCol="0">
+            <a:spAutoFit/>
+          </a:bodyPr>
+          <a:lstStyle/>
+          <a:p>
+            <a:pPr algn="ctr"/>
+            <a:r>
+              <a:rPr lang="en-US" sz="2000" dirty="0" smtClean="0"/>
+              <a:t>We are going to find the optimal threshold by using the ROC_AUC curve</a:t>
+            </a:r>
+            <a:endParaRPr lang="en-US" sz="2000" dirty="0"/>
+          </a:p>
+        </p:txBody>
+      </p:sp>
+      <p:pic>
+        <p:nvPicPr>
+          <p:cNvPr id="12" name="Picture 11"/>
+          <p:cNvPicPr>
+            <a:picLocks noChangeAspect="1"/>
+          </p:cNvPicPr>
+          <p:nvPr/>
+        </p:nvPicPr>
+        <p:blipFill>
+          <a:blip r:embed="rId2">
+            <a:extLst>
+              <a:ext uri="{28A0092B-C50C-407E-A947-70E740481C1C}">
+                <a14:useLocalDpi xmlns:a14="http://schemas.microsoft.com/office/drawing/2010/main" val="0"/>
+              </a:ext>
+            </a:extLst>
+          </a:blip>
+          <a:stretch>
+            <a:fillRect/>
+          </a:stretch>
+        </p:blipFill>
+        <p:spPr>
+          <a:xfrm>
+            <a:off x="2369272" y="1510453"/>
+            <a:ext cx="7127424" cy="5197679"/>
+          </a:xfrm>
+          <a:prstGeom prst="rect">
+            <a:avLst/>
+          </a:prstGeom>
+        </p:spPr>
+      </p:pic>
+      <p:cxnSp>
+        <p:nvCxnSpPr>
+          <p:cNvPr id="18" name="Straight Connector 17"/>
+          <p:cNvCxnSpPr/>
+          <p:nvPr/>
+        </p:nvCxnSpPr>
+        <p:spPr>
+          <a:xfrm flipV="1">
+            <a:off x="4486367" y="2766786"/>
+            <a:ext cx="6712" cy="3619500"/>
+          </a:xfrm>
+          <a:prstGeom prst="line">
+            <a:avLst/>
+          </a:prstGeom>
+          <a:ln w="28575"/>
+        </p:spPr>
+        <p:style>
+          <a:lnRef idx="3">
+            <a:schemeClr val="dk1"/>
+          </a:lnRef>
+          <a:fillRef idx="0">
+            <a:schemeClr val="dk1"/>
+          </a:fillRef>
+          <a:effectRef idx="2">
+            <a:schemeClr val="dk1"/>
+          </a:effectRef>
+          <a:fontRef idx="minor">
+            <a:schemeClr val="tx1"/>
+          </a:fontRef>
+        </p:style>
+      </p:cxnSp>
+      <p:sp>
+        <p:nvSpPr>
+          <p:cNvPr id="23" name="Oval 22"/>
+          <p:cNvSpPr/>
+          <p:nvPr/>
+        </p:nvSpPr>
+        <p:spPr>
+          <a:xfrm>
+            <a:off x="4273007" y="3899709"/>
+            <a:ext cx="426719" cy="419166"/>
+          </a:xfrm>
+          <a:prstGeom prst="ellipse">
+            <a:avLst/>
+          </a:prstGeom>
+          <a:noFill/>
+          <a:ln w="38100">
+            <a:solidFill>
+              <a:schemeClr val="tx1"/>
+            </a:solidFill>
+          </a:ln>
+        </p:spPr>
+        <p:style>
+          <a:lnRef idx="2">
+            <a:schemeClr val="accent6"/>
+          </a:lnRef>
+          <a:fillRef idx="1">
+            <a:schemeClr val="lt1"/>
+          </a:fillRef>
+          <a:effectRef idx="0">
+            <a:schemeClr val="accent6"/>
+          </a:effectRef>
+          <a:fontRef idx="minor">
+            <a:schemeClr val="dk1"/>
+          </a:fontRef>
+        </p:style>
+        <p:txBody>
+          <a:bodyPr rtlCol="0" anchor="ctr"/>
+          <a:lstStyle/>
+          <a:p>
+            <a:pPr algn="ctr"/>
+            <a:endParaRPr lang="en-US"/>
+          </a:p>
+        </p:txBody>
+      </p:sp>
+      <p:sp>
+        <p:nvSpPr>
+          <p:cNvPr id="24" name="Oval 23"/>
+          <p:cNvSpPr/>
+          <p:nvPr/>
+        </p:nvSpPr>
+        <p:spPr>
+          <a:xfrm>
+            <a:off x="4273006" y="6128043"/>
+            <a:ext cx="426719" cy="419166"/>
+          </a:xfrm>
+          <a:prstGeom prst="ellipse">
+            <a:avLst/>
+          </a:prstGeom>
+          <a:noFill/>
+          <a:ln w="38100">
+            <a:solidFill>
+              <a:schemeClr val="tx1"/>
+            </a:solidFill>
+          </a:ln>
+        </p:spPr>
+        <p:style>
+          <a:lnRef idx="2">
+            <a:schemeClr val="accent6"/>
+          </a:lnRef>
+          <a:fillRef idx="1">
+            <a:schemeClr val="lt1"/>
+          </a:fillRef>
+          <a:effectRef idx="0">
+            <a:schemeClr val="accent6"/>
+          </a:effectRef>
+          <a:fontRef idx="minor">
+            <a:schemeClr val="dk1"/>
+          </a:fontRef>
+        </p:style>
+        <p:txBody>
+          <a:bodyPr rtlCol="0" anchor="ctr"/>
+          <a:lstStyle/>
+          <a:p>
+            <a:pPr algn="ctr"/>
+            <a:endParaRPr lang="en-US"/>
+          </a:p>
+        </p:txBody>
+      </p:sp>
+      <p:cxnSp>
+        <p:nvCxnSpPr>
+          <p:cNvPr id="26" name="Elbow Connector 25"/>
+          <p:cNvCxnSpPr>
+            <a:stCxn id="23" idx="6"/>
+          </p:cNvCxnSpPr>
+          <p:nvPr/>
+        </p:nvCxnSpPr>
+        <p:spPr>
+          <a:xfrm>
+            <a:off x="4699726" y="4109292"/>
+            <a:ext cx="5300617" cy="680422"/>
+          </a:xfrm>
+          <a:prstGeom prst="bentConnector3">
+            <a:avLst/>
+          </a:prstGeom>
+          <a:ln w="38100" cap="flat" cmpd="sng" algn="ctr">
+            <a:solidFill>
+              <a:schemeClr val="dk1"/>
+            </a:solidFill>
+            <a:prstDash val="solid"/>
+            <a:round/>
+            <a:headEnd type="none" w="med" len="med"/>
+            <a:tailEnd type="arrow" w="med" len="med"/>
+          </a:ln>
+        </p:spPr>
+        <p:style>
+          <a:lnRef idx="0">
+            <a:scrgbClr r="0" g="0" b="0"/>
+          </a:lnRef>
+          <a:fillRef idx="0">
+            <a:scrgbClr r="0" g="0" b="0"/>
+          </a:fillRef>
+          <a:effectRef idx="0">
+            <a:scrgbClr r="0" g="0" b="0"/>
+          </a:effectRef>
+          <a:fontRef idx="minor">
+            <a:schemeClr val="tx1"/>
+          </a:fontRef>
+        </p:style>
+      </p:cxnSp>
+      <p:cxnSp>
+        <p:nvCxnSpPr>
+          <p:cNvPr id="28" name="Elbow Connector 27"/>
+          <p:cNvCxnSpPr>
+            <a:stCxn id="24" idx="6"/>
+          </p:cNvCxnSpPr>
+          <p:nvPr/>
+        </p:nvCxnSpPr>
+        <p:spPr>
+          <a:xfrm flipV="1">
+            <a:off x="4699725" y="4789714"/>
+            <a:ext cx="5300618" cy="1547912"/>
+          </a:xfrm>
+          <a:prstGeom prst="bentConnector3">
+            <a:avLst/>
+          </a:prstGeom>
+          <a:ln w="38100" cap="flat" cmpd="sng" algn="ctr">
+            <a:solidFill>
+              <a:schemeClr val="dk1"/>
+            </a:solidFill>
+            <a:prstDash val="solid"/>
+            <a:round/>
+            <a:headEnd type="none" w="med" len="med"/>
+            <a:tailEnd type="arrow" w="med" len="med"/>
+          </a:ln>
+        </p:spPr>
+        <p:style>
+          <a:lnRef idx="0">
+            <a:scrgbClr r="0" g="0" b="0"/>
+          </a:lnRef>
+          <a:fillRef idx="0">
+            <a:scrgbClr r="0" g="0" b="0"/>
+          </a:fillRef>
+          <a:effectRef idx="0">
+            <a:scrgbClr r="0" g="0" b="0"/>
+          </a:effectRef>
+          <a:fontRef idx="minor">
+            <a:schemeClr val="tx1"/>
+          </a:fontRef>
+        </p:style>
+      </p:cxnSp>
+      <p:sp>
+        <p:nvSpPr>
+          <p:cNvPr id="32" name="TextBox 31"/>
+          <p:cNvSpPr txBox="1"/>
+          <p:nvPr/>
+        </p:nvSpPr>
+        <p:spPr>
+          <a:xfrm>
+            <a:off x="10145486" y="4605048"/>
+            <a:ext cx="2046514" cy="369332"/>
+          </a:xfrm>
+          <a:prstGeom prst="rect">
+            <a:avLst/>
+          </a:prstGeom>
+          <a:noFill/>
+        </p:spPr>
+        <p:txBody>
+          <a:bodyPr wrap="square" rtlCol="0">
+            <a:spAutoFit/>
+          </a:bodyPr>
+          <a:lstStyle/>
+          <a:p>
+            <a:r>
+              <a:rPr lang="en-US" dirty="0" smtClean="0"/>
+              <a:t>0.253~0.250</a:t>
+            </a:r>
+            <a:endParaRPr lang="en-US" dirty="0"/>
+          </a:p>
+        </p:txBody>
+      </p:sp>
+    </p:spTree>
+    <p:extLst>
+      <p:ext uri="{BB962C8B-B14F-4D97-AF65-F5344CB8AC3E}">
+        <p14:creationId xmlns:p14="http://schemas.microsoft.com/office/powerpoint/2010/main" val="1669851773"/>
+      </p:ext>
+    </p:extLst>
+  </p:cSld>
+  <p:clrMapOvr>
+    <a:masterClrMapping/>
+  </p:clrMapOvr>
+  <p:timing>
+    <p:tnLst>
+      <p:par>
+        <p:cTn id="1" dur="indefinite" restart="never" nodeType="tmRoot">
+          <p:childTnLst>
+            <p:seq concurrent="1" nextAc="seek">
+              <p:cTn id="2" dur="indefinite" nodeType="mainSeq">
+                <p:childTnLst>
+                  <p:par>
+                    <p:cTn id="3" fill="hold">
+                      <p:stCondLst>
+                        <p:cond delay="indefinite"/>
+                      </p:stCondLst>
+                      <p:childTnLst>
+                        <p:par>
+                          <p:cTn id="4" fill="hold">
+                            <p:stCondLst>
+                              <p:cond delay="0"/>
+                            </p:stCondLst>
+                            <p:childTnLst>
+                              <p:par>
+                                <p:cTn id="5" presetID="10" presetClass="entr" presetSubtype="0" fill="hold" nodeType="clickEffect">
+                                  <p:stCondLst>
+                                    <p:cond delay="0"/>
+                                  </p:stCondLst>
+                                  <p:childTnLst>
+                                    <p:set>
+                                      <p:cBhvr>
+                                        <p:cTn id="6" dur="1" fill="hold">
+                                          <p:stCondLst>
+                                            <p:cond delay="0"/>
+                                          </p:stCondLst>
+                                        </p:cTn>
+                                        <p:tgtEl>
+                                          <p:spTgt spid="12"/>
+                                        </p:tgtEl>
+                                        <p:attrNameLst>
+                                          <p:attrName>style.visibility</p:attrName>
+                                        </p:attrNameLst>
+                                      </p:cBhvr>
+                                      <p:to>
+                                        <p:strVal val="visible"/>
+                                      </p:to>
+                                    </p:set>
+                                    <p:animEffect transition="in" filter="fade">
+                                      <p:cBhvr>
+                                        <p:cTn id="7" dur="500"/>
+                                        <p:tgtEl>
+                                          <p:spTgt spid="12"/>
+                                        </p:tgtEl>
+                                      </p:cBhvr>
+                                    </p:animEffect>
+                                  </p:childTnLst>
+                                </p:cTn>
+                              </p:par>
+                            </p:childTnLst>
+                          </p:cTn>
+                        </p:par>
+                      </p:childTnLst>
+                    </p:cTn>
+                  </p:par>
+                  <p:par>
+                    <p:cTn id="8" fill="hold">
+                      <p:stCondLst>
+                        <p:cond delay="indefinite"/>
+                      </p:stCondLst>
+                      <p:childTnLst>
+                        <p:par>
+                          <p:cTn id="9" fill="hold">
+                            <p:stCondLst>
+                              <p:cond delay="0"/>
+                            </p:stCondLst>
+                            <p:childTnLst>
+                              <p:par>
+                                <p:cTn id="10" presetID="10" presetClass="entr" presetSubtype="0" fill="hold" nodeType="clickEffect">
+                                  <p:stCondLst>
+                                    <p:cond delay="0"/>
+                                  </p:stCondLst>
+                                  <p:childTnLst>
+                                    <p:set>
+                                      <p:cBhvr>
+                                        <p:cTn id="11" dur="1" fill="hold">
+                                          <p:stCondLst>
+                                            <p:cond delay="0"/>
+                                          </p:stCondLst>
+                                        </p:cTn>
+                                        <p:tgtEl>
+                                          <p:spTgt spid="18"/>
+                                        </p:tgtEl>
+                                        <p:attrNameLst>
+                                          <p:attrName>style.visibility</p:attrName>
+                                        </p:attrNameLst>
+                                      </p:cBhvr>
+                                      <p:to>
+                                        <p:strVal val="visible"/>
+                                      </p:to>
+                                    </p:set>
+                                    <p:animEffect transition="in" filter="fade">
+                                      <p:cBhvr>
+                                        <p:cTn id="12" dur="500"/>
+                                        <p:tgtEl>
+                                          <p:spTgt spid="18"/>
+                                        </p:tgtEl>
+                                      </p:cBhvr>
+                                    </p:animEffect>
+                                  </p:childTnLst>
+                                </p:cTn>
+                              </p:par>
+                            </p:childTnLst>
+                          </p:cTn>
+                        </p:par>
+                      </p:childTnLst>
+                    </p:cTn>
+                  </p:par>
+                  <p:par>
+                    <p:cTn id="13" fill="hold">
+                      <p:stCondLst>
+                        <p:cond delay="indefinite"/>
+                      </p:stCondLst>
+                      <p:childTnLst>
+                        <p:par>
+                          <p:cTn id="14" fill="hold">
+                            <p:stCondLst>
+                              <p:cond delay="0"/>
+                            </p:stCondLst>
+                            <p:childTnLst>
+                              <p:par>
+                                <p:cTn id="15" presetID="10" presetClass="entr" presetSubtype="0" fill="hold" grpId="0" nodeType="clickEffect">
+                                  <p:stCondLst>
+                                    <p:cond delay="0"/>
+                                  </p:stCondLst>
+                                  <p:childTnLst>
+                                    <p:set>
+                                      <p:cBhvr>
+                                        <p:cTn id="16" dur="1" fill="hold">
+                                          <p:stCondLst>
+                                            <p:cond delay="0"/>
+                                          </p:stCondLst>
+                                        </p:cTn>
+                                        <p:tgtEl>
+                                          <p:spTgt spid="23"/>
+                                        </p:tgtEl>
+                                        <p:attrNameLst>
+                                          <p:attrName>style.visibility</p:attrName>
+                                        </p:attrNameLst>
+                                      </p:cBhvr>
+                                      <p:to>
+                                        <p:strVal val="visible"/>
+                                      </p:to>
+                                    </p:set>
+                                    <p:animEffect transition="in" filter="fade">
+                                      <p:cBhvr>
+                                        <p:cTn id="17" dur="500"/>
+                                        <p:tgtEl>
+                                          <p:spTgt spid="23"/>
+                                        </p:tgtEl>
+                                      </p:cBhvr>
+                                    </p:animEffect>
+                                  </p:childTnLst>
+                                </p:cTn>
+                              </p:par>
+                              <p:par>
+                                <p:cTn id="18" presetID="10" presetClass="entr" presetSubtype="0" fill="hold" grpId="0" nodeType="withEffect">
+                                  <p:stCondLst>
+                                    <p:cond delay="0"/>
+                                  </p:stCondLst>
+                                  <p:childTnLst>
+                                    <p:set>
+                                      <p:cBhvr>
+                                        <p:cTn id="19" dur="1" fill="hold">
+                                          <p:stCondLst>
+                                            <p:cond delay="0"/>
+                                          </p:stCondLst>
+                                        </p:cTn>
+                                        <p:tgtEl>
+                                          <p:spTgt spid="24"/>
+                                        </p:tgtEl>
+                                        <p:attrNameLst>
+                                          <p:attrName>style.visibility</p:attrName>
+                                        </p:attrNameLst>
+                                      </p:cBhvr>
+                                      <p:to>
+                                        <p:strVal val="visible"/>
+                                      </p:to>
+                                    </p:set>
+                                    <p:animEffect transition="in" filter="fade">
+                                      <p:cBhvr>
+                                        <p:cTn id="20" dur="500"/>
+                                        <p:tgtEl>
+                                          <p:spTgt spid="24"/>
+                                        </p:tgtEl>
+                                      </p:cBhvr>
+                                    </p:animEffect>
+                                  </p:childTnLst>
+                                </p:cTn>
+                              </p:par>
+                            </p:childTnLst>
+                          </p:cTn>
+                        </p:par>
+                      </p:childTnLst>
+                    </p:cTn>
+                  </p:par>
+                  <p:par>
+                    <p:cTn id="21" fill="hold">
+                      <p:stCondLst>
+                        <p:cond delay="indefinite"/>
+                      </p:stCondLst>
+                      <p:childTnLst>
+                        <p:par>
+                          <p:cTn id="22" fill="hold">
+                            <p:stCondLst>
+                              <p:cond delay="0"/>
+                            </p:stCondLst>
+                            <p:childTnLst>
+                              <p:par>
+                                <p:cTn id="23" presetID="10" presetClass="entr" presetSubtype="0" fill="hold" nodeType="clickEffect">
+                                  <p:stCondLst>
+                                    <p:cond delay="0"/>
+                                  </p:stCondLst>
+                                  <p:childTnLst>
+                                    <p:set>
+                                      <p:cBhvr>
+                                        <p:cTn id="24" dur="1" fill="hold">
+                                          <p:stCondLst>
+                                            <p:cond delay="0"/>
+                                          </p:stCondLst>
+                                        </p:cTn>
+                                        <p:tgtEl>
+                                          <p:spTgt spid="28"/>
+                                        </p:tgtEl>
+                                        <p:attrNameLst>
+                                          <p:attrName>style.visibility</p:attrName>
+                                        </p:attrNameLst>
+                                      </p:cBhvr>
+                                      <p:to>
+                                        <p:strVal val="visible"/>
+                                      </p:to>
+                                    </p:set>
+                                    <p:animEffect transition="in" filter="fade">
+                                      <p:cBhvr>
+                                        <p:cTn id="25" dur="500"/>
+                                        <p:tgtEl>
+                                          <p:spTgt spid="28"/>
+                                        </p:tgtEl>
+                                      </p:cBhvr>
+                                    </p:animEffect>
+                                  </p:childTnLst>
+                                </p:cTn>
+                              </p:par>
+                              <p:par>
+                                <p:cTn id="26" presetID="10" presetClass="entr" presetSubtype="0" fill="hold" nodeType="withEffect">
+                                  <p:stCondLst>
+                                    <p:cond delay="0"/>
+                                  </p:stCondLst>
+                                  <p:childTnLst>
+                                    <p:set>
+                                      <p:cBhvr>
+                                        <p:cTn id="27" dur="1" fill="hold">
+                                          <p:stCondLst>
+                                            <p:cond delay="0"/>
+                                          </p:stCondLst>
+                                        </p:cTn>
+                                        <p:tgtEl>
+                                          <p:spTgt spid="26"/>
+                                        </p:tgtEl>
+                                        <p:attrNameLst>
+                                          <p:attrName>style.visibility</p:attrName>
+                                        </p:attrNameLst>
+                                      </p:cBhvr>
+                                      <p:to>
+                                        <p:strVal val="visible"/>
+                                      </p:to>
+                                    </p:set>
+                                    <p:animEffect transition="in" filter="fade">
+                                      <p:cBhvr>
+                                        <p:cTn id="28" dur="500"/>
+                                        <p:tgtEl>
+                                          <p:spTgt spid="26"/>
+                                        </p:tgtEl>
+                                      </p:cBhvr>
+                                    </p:animEffect>
+                                  </p:childTnLst>
+                                </p:cTn>
+                              </p:par>
+                              <p:par>
+                                <p:cTn id="29" presetID="10" presetClass="entr" presetSubtype="0" fill="hold" grpId="0" nodeType="withEffect">
+                                  <p:stCondLst>
+                                    <p:cond delay="0"/>
+                                  </p:stCondLst>
+                                  <p:childTnLst>
+                                    <p:set>
+                                      <p:cBhvr>
+                                        <p:cTn id="30" dur="1" fill="hold">
+                                          <p:stCondLst>
+                                            <p:cond delay="0"/>
+                                          </p:stCondLst>
+                                        </p:cTn>
+                                        <p:tgtEl>
+                                          <p:spTgt spid="32"/>
+                                        </p:tgtEl>
+                                        <p:attrNameLst>
+                                          <p:attrName>style.visibility</p:attrName>
+                                        </p:attrNameLst>
+                                      </p:cBhvr>
+                                      <p:to>
+                                        <p:strVal val="visible"/>
+                                      </p:to>
+                                    </p:set>
+                                    <p:animEffect transition="in" filter="fade">
+                                      <p:cBhvr>
+                                        <p:cTn id="31" dur="500"/>
+                                        <p:tgtEl>
+                                          <p:spTgt spid="32"/>
+                                        </p:tgtEl>
+                                      </p:cBhvr>
+                                    </p:animEffect>
+                                  </p:childTnLst>
+                                </p:cTn>
+                              </p:par>
+                            </p:childTnLst>
+                          </p:cTn>
+                        </p:par>
+                      </p:childTnLst>
+                    </p:cTn>
+                  </p:par>
+                </p:childTnLst>
+              </p:cTn>
+              <p:prevCondLst>
+                <p:cond evt="onPrev" delay="0">
+                  <p:tgtEl>
+                    <p:sldTgt/>
+                  </p:tgtEl>
+                </p:cond>
+              </p:prevCondLst>
+              <p:nextCondLst>
+                <p:cond evt="onNext" delay="0">
+                  <p:tgtEl>
+                    <p:sldTgt/>
+                  </p:tgtEl>
+                </p:cond>
+              </p:nextCondLst>
+            </p:seq>
+          </p:childTnLst>
+        </p:cTn>
+      </p:par>
+    </p:tnLst>
+    <p:bldLst>
+      <p:bldP spid="23" grpId="0" animBg="1"/>
+      <p:bldP spid="24" grpId="0" animBg="1"/>
+      <p:bldP spid="32" grpId="0"/>
+    </p:bldLst>
+  </p:timing>
+</p:sld>
+</file>
+
+<file path=ppt/slides/slide16.xml><?xml version="1.0" encoding="utf-8"?>
+<p:sld xmlns:a="http://schemas.openxmlformats.org/drawingml/2006/main" xmlns:r="http://schemas.openxmlformats.org/officeDocument/2006/relationships" xmlns:p="http://schemas.openxmlformats.org/presentationml/2006/main">
+  <p:cSld>
+    <p:spTree>
+      <p:nvGrpSpPr>
+        <p:cNvPr id="1" name=""/>
+        <p:cNvGrpSpPr/>
+        <p:nvPr/>
+      </p:nvGrpSpPr>
+      <p:grpSpPr>
+        <a:xfrm>
+          <a:off x="0" y="0"/>
+          <a:ext cx="0" cy="0"/>
+          <a:chOff x="0" y="0"/>
+          <a:chExt cx="0" cy="0"/>
+        </a:xfrm>
+      </p:grpSpPr>
+      <p:sp>
+        <p:nvSpPr>
+          <p:cNvPr id="2" name="TextBox 1"/>
+          <p:cNvSpPr txBox="1"/>
+          <p:nvPr/>
+        </p:nvSpPr>
+        <p:spPr>
+          <a:xfrm>
+            <a:off x="2246811" y="195943"/>
+            <a:ext cx="7249885" cy="707886"/>
+          </a:xfrm>
+          <a:prstGeom prst="rect">
+            <a:avLst/>
+          </a:prstGeom>
+          <a:noFill/>
+        </p:spPr>
+        <p:txBody>
+          <a:bodyPr wrap="square" rtlCol="0">
+            <a:spAutoFit/>
+          </a:bodyPr>
+          <a:lstStyle/>
+          <a:p>
+            <a:pPr algn="ctr"/>
+            <a:r>
+              <a:rPr lang="en-US" sz="4000" dirty="0" smtClean="0"/>
+              <a:t>Model Implementation</a:t>
+            </a:r>
+            <a:endParaRPr lang="en-US" sz="4000" dirty="0"/>
+          </a:p>
+        </p:txBody>
+      </p:sp>
+      <p:sp>
+        <p:nvSpPr>
+          <p:cNvPr id="3" name="TextBox 2"/>
+          <p:cNvSpPr txBox="1"/>
+          <p:nvPr/>
+        </p:nvSpPr>
+        <p:spPr>
+          <a:xfrm>
+            <a:off x="755467" y="2686193"/>
+            <a:ext cx="10232571" cy="1569660"/>
+          </a:xfrm>
+          <a:prstGeom prst="rect">
+            <a:avLst/>
+          </a:prstGeom>
+          <a:noFill/>
+        </p:spPr>
+        <p:txBody>
+          <a:bodyPr wrap="square" rtlCol="0">
+            <a:spAutoFit/>
+          </a:bodyPr>
+          <a:lstStyle/>
+          <a:p>
+            <a:r>
+              <a:rPr lang="en-US" sz="3200" dirty="0" smtClean="0"/>
+              <a:t>After the cross validation and threshold tuning,</a:t>
+            </a:r>
+          </a:p>
+          <a:p>
+            <a:r>
+              <a:rPr lang="en-US" sz="3200" dirty="0" smtClean="0"/>
+              <a:t>We are now going to implement our fitted logistic regression model for the prediction using the </a:t>
+            </a:r>
+            <a:r>
+              <a:rPr lang="en-US" sz="3200" b="1" dirty="0" smtClean="0"/>
+              <a:t>Test Data</a:t>
+            </a:r>
+          </a:p>
+        </p:txBody>
+      </p:sp>
+      <p:sp>
+        <p:nvSpPr>
+          <p:cNvPr id="4" name="TextBox 3"/>
+          <p:cNvSpPr txBox="1"/>
+          <p:nvPr/>
+        </p:nvSpPr>
+        <p:spPr>
+          <a:xfrm>
+            <a:off x="754743" y="1727215"/>
+            <a:ext cx="10233295" cy="584775"/>
+          </a:xfrm>
+          <a:prstGeom prst="rect">
+            <a:avLst/>
+          </a:prstGeom>
+          <a:noFill/>
+        </p:spPr>
+        <p:txBody>
+          <a:bodyPr wrap="square" rtlCol="0">
+            <a:spAutoFit/>
+          </a:bodyPr>
+          <a:lstStyle/>
+          <a:p>
+            <a:r>
+              <a:rPr lang="en-US" sz="3200" dirty="0" smtClean="0"/>
+              <a:t>Our testing data is untouched till now</a:t>
+            </a:r>
+            <a:endParaRPr lang="en-US" sz="3200" dirty="0"/>
+          </a:p>
+        </p:txBody>
+      </p:sp>
+      <p:sp>
+        <p:nvSpPr>
+          <p:cNvPr id="5" name="TextBox 4"/>
+          <p:cNvSpPr txBox="1"/>
+          <p:nvPr/>
+        </p:nvSpPr>
+        <p:spPr>
+          <a:xfrm>
+            <a:off x="754743" y="4630056"/>
+            <a:ext cx="9666515" cy="584775"/>
+          </a:xfrm>
+          <a:prstGeom prst="rect">
+            <a:avLst/>
+          </a:prstGeom>
+          <a:noFill/>
+        </p:spPr>
+        <p:txBody>
+          <a:bodyPr wrap="square" rtlCol="0">
+            <a:spAutoFit/>
+          </a:bodyPr>
+          <a:lstStyle/>
+          <a:p>
+            <a:r>
+              <a:rPr lang="en-US" sz="3200" dirty="0" smtClean="0"/>
+              <a:t>We will discuss the result the next segment</a:t>
+            </a:r>
+            <a:endParaRPr lang="en-US" sz="3200" dirty="0"/>
+          </a:p>
+        </p:txBody>
+      </p:sp>
+    </p:spTree>
+    <p:extLst>
+      <p:ext uri="{BB962C8B-B14F-4D97-AF65-F5344CB8AC3E}">
+        <p14:creationId xmlns:p14="http://schemas.microsoft.com/office/powerpoint/2010/main" val="208907448"/>
+      </p:ext>
+    </p:extLst>
+  </p:cSld>
+  <p:clrMapOvr>
+    <a:masterClrMapping/>
+  </p:clrMapOvr>
+  <p:timing>
+    <p:tnLst>
+      <p:par>
+        <p:cTn id="1" dur="indefinite" restart="never" nodeType="tmRoot">
+          <p:childTnLst>
+            <p:seq concurrent="1" nextAc="seek">
+              <p:cTn id="2" dur="indefinite" nodeType="mainSeq">
+                <p:childTnLst>
+                  <p:par>
+                    <p:cTn id="3" fill="hold">
+                      <p:stCondLst>
+                        <p:cond delay="indefinite"/>
+                      </p:stCondLst>
+                      <p:childTnLst>
+                        <p:par>
+                          <p:cTn id="4" fill="hold">
+                            <p:stCondLst>
+                              <p:cond delay="0"/>
+                            </p:stCondLst>
+                            <p:childTnLst>
+                              <p:par>
+                                <p:cTn id="5" presetID="10" presetClass="entr" presetSubtype="0" fill="hold" grpId="0" nodeType="clickEffect">
+                                  <p:stCondLst>
+                                    <p:cond delay="0"/>
+                                  </p:stCondLst>
+                                  <p:childTnLst>
+                                    <p:set>
+                                      <p:cBhvr>
+                                        <p:cTn id="6" dur="1" fill="hold">
+                                          <p:stCondLst>
+                                            <p:cond delay="0"/>
+                                          </p:stCondLst>
+                                        </p:cTn>
+                                        <p:tgtEl>
+                                          <p:spTgt spid="3"/>
+                                        </p:tgtEl>
+                                        <p:attrNameLst>
+                                          <p:attrName>style.visibility</p:attrName>
+                                        </p:attrNameLst>
+                                      </p:cBhvr>
+                                      <p:to>
+                                        <p:strVal val="visible"/>
+                                      </p:to>
+                                    </p:set>
+                                    <p:animEffect transition="in" filter="fade">
+                                      <p:cBhvr>
+                                        <p:cTn id="7" dur="500"/>
+                                        <p:tgtEl>
+                                          <p:spTgt spid="3"/>
+                                        </p:tgtEl>
+                                      </p:cBhvr>
+                                    </p:animEffect>
+                                  </p:childTnLst>
+                                </p:cTn>
+                              </p:par>
+                            </p:childTnLst>
+                          </p:cTn>
+                        </p:par>
+                      </p:childTnLst>
+                    </p:cTn>
+                  </p:par>
+                  <p:par>
+                    <p:cTn id="8" fill="hold">
+                      <p:stCondLst>
+                        <p:cond delay="indefinite"/>
+                      </p:stCondLst>
+                      <p:childTnLst>
+                        <p:par>
+                          <p:cTn id="9" fill="hold">
+                            <p:stCondLst>
+                              <p:cond delay="0"/>
+                            </p:stCondLst>
+                            <p:childTnLst>
+                              <p:par>
+                                <p:cTn id="10" presetID="10" presetClass="entr" presetSubtype="0" fill="hold" grpId="0" nodeType="clickEffect">
+                                  <p:stCondLst>
+                                    <p:cond delay="0"/>
+                                  </p:stCondLst>
+                                  <p:childTnLst>
+                                    <p:set>
+                                      <p:cBhvr>
+                                        <p:cTn id="11" dur="1" fill="hold">
+                                          <p:stCondLst>
+                                            <p:cond delay="0"/>
+                                          </p:stCondLst>
+                                        </p:cTn>
+                                        <p:tgtEl>
+                                          <p:spTgt spid="5"/>
+                                        </p:tgtEl>
+                                        <p:attrNameLst>
+                                          <p:attrName>style.visibility</p:attrName>
+                                        </p:attrNameLst>
+                                      </p:cBhvr>
+                                      <p:to>
+                                        <p:strVal val="visible"/>
+                                      </p:to>
+                                    </p:set>
+                                    <p:animEffect transition="in" filter="fade">
+                                      <p:cBhvr>
+                                        <p:cTn id="12" dur="500"/>
+                                        <p:tgtEl>
+                                          <p:spTgt spid="5"/>
+                                        </p:tgtEl>
+                                      </p:cBhvr>
+                                    </p:animEffect>
+                                  </p:childTnLst>
+                                </p:cTn>
+                              </p:par>
+                            </p:childTnLst>
+                          </p:cTn>
+                        </p:par>
+                      </p:childTnLst>
+                    </p:cTn>
+                  </p:par>
+                </p:childTnLst>
+              </p:cTn>
+              <p:prevCondLst>
+                <p:cond evt="onPrev" delay="0">
+                  <p:tgtEl>
+                    <p:sldTgt/>
+                  </p:tgtEl>
+                </p:cond>
+              </p:prevCondLst>
+              <p:nextCondLst>
+                <p:cond evt="onNext" delay="0">
+                  <p:tgtEl>
+                    <p:sldTgt/>
+                  </p:tgtEl>
+                </p:cond>
+              </p:nextCondLst>
+            </p:seq>
+          </p:childTnLst>
+        </p:cTn>
+      </p:par>
+    </p:tnLst>
+    <p:bldLst>
+      <p:bldP spid="3" grpId="0"/>
+      <p:bldP spid="5" grpId="0"/>
+    </p:bldLst>
+  </p:timing>
+</p:sld>
+</file>
+
+<file path=ppt/slides/slide17.xml><?xml version="1.0" encoding="utf-8"?>
+<p:sld xmlns:a="http://schemas.openxmlformats.org/drawingml/2006/main" xmlns:r="http://schemas.openxmlformats.org/officeDocument/2006/relationships" xmlns:p="http://schemas.openxmlformats.org/presentationml/2006/main">
+  <p:cSld>
+    <p:spTree>
+      <p:nvGrpSpPr>
+        <p:cNvPr id="1" name=""/>
+        <p:cNvGrpSpPr/>
+        <p:nvPr/>
+      </p:nvGrpSpPr>
+      <p:grpSpPr>
+        <a:xfrm>
+          <a:off x="0" y="0"/>
+          <a:ext cx="0" cy="0"/>
+          <a:chOff x="0" y="0"/>
+          <a:chExt cx="0" cy="0"/>
+        </a:xfrm>
+      </p:grpSpPr>
+      <p:sp>
+        <p:nvSpPr>
+          <p:cNvPr id="2" name="TextBox 1"/>
+          <p:cNvSpPr txBox="1"/>
+          <p:nvPr/>
+        </p:nvSpPr>
+        <p:spPr>
+          <a:xfrm>
+            <a:off x="2246811" y="195943"/>
+            <a:ext cx="7249885" cy="707886"/>
+          </a:xfrm>
+          <a:prstGeom prst="rect">
+            <a:avLst/>
+          </a:prstGeom>
+          <a:noFill/>
+        </p:spPr>
+        <p:txBody>
+          <a:bodyPr wrap="square" rtlCol="0">
+            <a:spAutoFit/>
+          </a:bodyPr>
+          <a:lstStyle/>
+          <a:p>
+            <a:pPr algn="ctr"/>
+            <a:r>
+              <a:rPr lang="en-US" sz="4000" dirty="0" smtClean="0"/>
+              <a:t>Result Analysis</a:t>
+            </a:r>
+            <a:endParaRPr lang="en-US" sz="4000" dirty="0"/>
+          </a:p>
+        </p:txBody>
+      </p:sp>
+      <p:sp>
+        <p:nvSpPr>
+          <p:cNvPr id="4" name="TextBox 3"/>
+          <p:cNvSpPr txBox="1"/>
+          <p:nvPr/>
+        </p:nvSpPr>
+        <p:spPr>
+          <a:xfrm>
+            <a:off x="806267" y="903829"/>
+            <a:ext cx="10130972" cy="523220"/>
+          </a:xfrm>
+          <a:prstGeom prst="rect">
+            <a:avLst/>
+          </a:prstGeom>
+          <a:noFill/>
+        </p:spPr>
+        <p:txBody>
+          <a:bodyPr wrap="square" rtlCol="0">
+            <a:spAutoFit/>
+          </a:bodyPr>
+          <a:lstStyle/>
+          <a:p>
+            <a:pPr marL="457200" indent="-457200">
+              <a:buFont typeface="Arial" panose="020B0604020202020204" pitchFamily="34" charset="0"/>
+              <a:buChar char="•"/>
+            </a:pPr>
+            <a:r>
+              <a:rPr lang="en-US" sz="2800" dirty="0" smtClean="0"/>
+              <a:t>Cross validation </a:t>
+            </a:r>
+            <a:endParaRPr lang="en-US" sz="2800" dirty="0"/>
+          </a:p>
+        </p:txBody>
+      </p:sp>
+      <p:graphicFrame>
+        <p:nvGraphicFramePr>
+          <p:cNvPr id="7" name="Chart 6"/>
+          <p:cNvGraphicFramePr/>
+          <p:nvPr>
+            <p:extLst>
+              <p:ext uri="{D42A27DB-BD31-4B8C-83A1-F6EECF244321}">
+                <p14:modId xmlns:p14="http://schemas.microsoft.com/office/powerpoint/2010/main" val="4184502284"/>
+              </p:ext>
+            </p:extLst>
+          </p:nvPr>
+        </p:nvGraphicFramePr>
+        <p:xfrm>
+          <a:off x="1938382" y="1427049"/>
+          <a:ext cx="8128000" cy="5418667"/>
+        </p:xfrm>
+        <a:graphic>
+          <a:graphicData uri="http://schemas.openxmlformats.org/drawingml/2006/chart">
+            <c:chart xmlns:c="http://schemas.openxmlformats.org/drawingml/2006/chart" xmlns:r="http://schemas.openxmlformats.org/officeDocument/2006/relationships" r:id="rId2"/>
+          </a:graphicData>
+        </a:graphic>
+      </p:graphicFrame>
+    </p:spTree>
+    <p:extLst>
+      <p:ext uri="{BB962C8B-B14F-4D97-AF65-F5344CB8AC3E}">
+        <p14:creationId xmlns:p14="http://schemas.microsoft.com/office/powerpoint/2010/main" val="1896038219"/>
+      </p:ext>
+    </p:extLst>
+  </p:cSld>
+  <p:clrMapOvr>
+    <a:masterClrMapping/>
+  </p:clrMapOvr>
+  <p:timing>
+    <p:tnLst>
+      <p:par>
+        <p:cTn id="1" dur="indefinite" restart="never" nodeType="tmRoot">
+          <p:childTnLst>
+            <p:seq concurrent="1" nextAc="seek">
+              <p:cTn id="2" dur="indefinite" nodeType="mainSeq">
+                <p:childTnLst>
+                  <p:par>
+                    <p:cTn id="3" fill="hold">
+                      <p:stCondLst>
+                        <p:cond delay="indefinite"/>
+                      </p:stCondLst>
+                      <p:childTnLst>
+                        <p:par>
+                          <p:cTn id="4" fill="hold">
+                            <p:stCondLst>
+                              <p:cond delay="0"/>
+                            </p:stCondLst>
+                            <p:childTnLst>
+                              <p:par>
+                                <p:cTn id="5" presetID="10" presetClass="entr" presetSubtype="0" fill="hold" grpId="0" nodeType="clickEffect">
+                                  <p:stCondLst>
+                                    <p:cond delay="0"/>
+                                  </p:stCondLst>
+                                  <p:childTnLst>
+                                    <p:set>
+                                      <p:cBhvr>
+                                        <p:cTn id="6" dur="1" fill="hold">
+                                          <p:stCondLst>
+                                            <p:cond delay="0"/>
+                                          </p:stCondLst>
+                                        </p:cTn>
+                                        <p:tgtEl>
+                                          <p:spTgt spid="7">
+                                            <p:graphicEl>
+                                              <a:chart seriesIdx="-3" categoryIdx="-3" bldStep="gridLegend"/>
+                                            </p:graphicEl>
+                                          </p:spTgt>
+                                        </p:tgtEl>
+                                        <p:attrNameLst>
+                                          <p:attrName>style.visibility</p:attrName>
+                                        </p:attrNameLst>
+                                      </p:cBhvr>
+                                      <p:to>
+                                        <p:strVal val="visible"/>
+                                      </p:to>
+                                    </p:set>
+                                    <p:animEffect transition="in" filter="fade">
+                                      <p:cBhvr>
+                                        <p:cTn id="7" dur="500"/>
+                                        <p:tgtEl>
+                                          <p:spTgt spid="7">
+                                            <p:graphicEl>
+                                              <a:chart seriesIdx="-3" categoryIdx="-3" bldStep="gridLegend"/>
+                                            </p:graphicEl>
+                                          </p:spTgt>
+                                        </p:tgtEl>
+                                      </p:cBhvr>
+                                    </p:animEffect>
+                                  </p:childTnLst>
+                                </p:cTn>
+                              </p:par>
+                            </p:childTnLst>
+                          </p:cTn>
+                        </p:par>
+                      </p:childTnLst>
+                    </p:cTn>
+                  </p:par>
+                  <p:par>
+                    <p:cTn id="8" fill="hold">
+                      <p:stCondLst>
+                        <p:cond delay="indefinite"/>
+                      </p:stCondLst>
+                      <p:childTnLst>
+                        <p:par>
+                          <p:cTn id="9" fill="hold">
+                            <p:stCondLst>
+                              <p:cond delay="0"/>
+                            </p:stCondLst>
+                            <p:childTnLst>
+                              <p:par>
+                                <p:cTn id="10" presetID="22" presetClass="entr" presetSubtype="4" fill="hold" grpId="0" nodeType="clickEffect">
+                                  <p:stCondLst>
+                                    <p:cond delay="0"/>
+                                  </p:stCondLst>
+                                  <p:childTnLst>
+                                    <p:set>
+                                      <p:cBhvr>
+                                        <p:cTn id="11" dur="1" fill="hold">
+                                          <p:stCondLst>
+                                            <p:cond delay="0"/>
+                                          </p:stCondLst>
+                                        </p:cTn>
+                                        <p:tgtEl>
+                                          <p:spTgt spid="7">
+                                            <p:graphicEl>
+                                              <a:chart seriesIdx="0" categoryIdx="-4" bldStep="series"/>
+                                            </p:graphicEl>
+                                          </p:spTgt>
+                                        </p:tgtEl>
+                                        <p:attrNameLst>
+                                          <p:attrName>style.visibility</p:attrName>
+                                        </p:attrNameLst>
+                                      </p:cBhvr>
+                                      <p:to>
+                                        <p:strVal val="visible"/>
+                                      </p:to>
+                                    </p:set>
+                                    <p:animEffect transition="in" filter="wipe(down)">
+                                      <p:cBhvr>
+                                        <p:cTn id="12" dur="1000"/>
+                                        <p:tgtEl>
+                                          <p:spTgt spid="7">
+                                            <p:graphicEl>
+                                              <a:chart seriesIdx="0" categoryIdx="-4" bldStep="series"/>
+                                            </p:graphicEl>
+                                          </p:spTgt>
+                                        </p:tgtEl>
+                                      </p:cBhvr>
+                                    </p:animEffect>
+                                  </p:childTnLst>
+                                </p:cTn>
+                              </p:par>
+                            </p:childTnLst>
+                          </p:cTn>
+                        </p:par>
+                      </p:childTnLst>
+                    </p:cTn>
+                  </p:par>
+                  <p:par>
+                    <p:cTn id="13" fill="hold">
+                      <p:stCondLst>
+                        <p:cond delay="indefinite"/>
+                      </p:stCondLst>
+                      <p:childTnLst>
+                        <p:par>
+                          <p:cTn id="14" fill="hold">
+                            <p:stCondLst>
+                              <p:cond delay="0"/>
+                            </p:stCondLst>
+                            <p:childTnLst>
+                              <p:par>
+                                <p:cTn id="15" presetID="22" presetClass="entr" presetSubtype="4" fill="hold" grpId="0" nodeType="clickEffect">
+                                  <p:stCondLst>
+                                    <p:cond delay="0"/>
+                                  </p:stCondLst>
+                                  <p:childTnLst>
+                                    <p:set>
+                                      <p:cBhvr>
+                                        <p:cTn id="16" dur="1" fill="hold">
+                                          <p:stCondLst>
+                                            <p:cond delay="0"/>
+                                          </p:stCondLst>
+                                        </p:cTn>
+                                        <p:tgtEl>
+                                          <p:spTgt spid="7">
+                                            <p:graphicEl>
+                                              <a:chart seriesIdx="1" categoryIdx="-4" bldStep="series"/>
+                                            </p:graphicEl>
+                                          </p:spTgt>
+                                        </p:tgtEl>
+                                        <p:attrNameLst>
+                                          <p:attrName>style.visibility</p:attrName>
+                                        </p:attrNameLst>
+                                      </p:cBhvr>
+                                      <p:to>
+                                        <p:strVal val="visible"/>
+                                      </p:to>
+                                    </p:set>
+                                    <p:animEffect transition="in" filter="wipe(down)">
+                                      <p:cBhvr>
+                                        <p:cTn id="17" dur="1000"/>
+                                        <p:tgtEl>
+                                          <p:spTgt spid="7">
+                                            <p:graphicEl>
+                                              <a:chart seriesIdx="1" categoryIdx="-4" bldStep="series"/>
+                                            </p:graphicEl>
+                                          </p:spTgt>
+                                        </p:tgtEl>
+                                      </p:cBhvr>
+                                    </p:animEffect>
+                                  </p:childTnLst>
+                                </p:cTn>
+                              </p:par>
+                            </p:childTnLst>
+                          </p:cTn>
+                        </p:par>
+                      </p:childTnLst>
+                    </p:cTn>
+                  </p:par>
+                </p:childTnLst>
+              </p:cTn>
+              <p:prevCondLst>
+                <p:cond evt="onPrev" delay="0">
+                  <p:tgtEl>
+                    <p:sldTgt/>
+                  </p:tgtEl>
+                </p:cond>
+              </p:prevCondLst>
+              <p:nextCondLst>
+                <p:cond evt="onNext" delay="0">
+                  <p:tgtEl>
+                    <p:sldTgt/>
+                  </p:tgtEl>
+                </p:cond>
+              </p:nextCondLst>
+            </p:seq>
+          </p:childTnLst>
+        </p:cTn>
+      </p:par>
+    </p:tnLst>
+    <p:bldLst>
+      <p:bldGraphic spid="7" grpId="0" uiExpand="1">
+        <p:bldSub>
+          <a:bldChart bld="series"/>
+        </p:bldSub>
+      </p:bldGraphic>
+    </p:bldLst>
+  </p:timing>
+</p:sld>
+</file>
+
+<file path=ppt/slides/slide18.xml><?xml version="1.0" encoding="utf-8"?>
+<p:sld xmlns:a="http://schemas.openxmlformats.org/drawingml/2006/main" xmlns:r="http://schemas.openxmlformats.org/officeDocument/2006/relationships" xmlns:p="http://schemas.openxmlformats.org/presentationml/2006/main">
+  <p:cSld>
+    <p:spTree>
+      <p:nvGrpSpPr>
+        <p:cNvPr id="1" name=""/>
+        <p:cNvGrpSpPr/>
+        <p:nvPr/>
+      </p:nvGrpSpPr>
+      <p:grpSpPr>
+        <a:xfrm>
+          <a:off x="0" y="0"/>
+          <a:ext cx="0" cy="0"/>
+          <a:chOff x="0" y="0"/>
+          <a:chExt cx="0" cy="0"/>
+        </a:xfrm>
+      </p:grpSpPr>
+      <p:sp>
+        <p:nvSpPr>
+          <p:cNvPr id="2" name="TextBox 1"/>
+          <p:cNvSpPr txBox="1"/>
+          <p:nvPr/>
+        </p:nvSpPr>
+        <p:spPr>
+          <a:xfrm>
+            <a:off x="2246811" y="195943"/>
+            <a:ext cx="7249885" cy="707886"/>
+          </a:xfrm>
+          <a:prstGeom prst="rect">
+            <a:avLst/>
+          </a:prstGeom>
+          <a:noFill/>
+        </p:spPr>
+        <p:txBody>
+          <a:bodyPr wrap="square" rtlCol="0">
+            <a:spAutoFit/>
+          </a:bodyPr>
+          <a:lstStyle/>
+          <a:p>
+            <a:pPr algn="ctr"/>
+            <a:r>
+              <a:rPr lang="en-US" sz="4000" dirty="0" smtClean="0"/>
+              <a:t>Result Analysis</a:t>
+            </a:r>
+            <a:endParaRPr lang="en-US" sz="4000" dirty="0"/>
+          </a:p>
+        </p:txBody>
+      </p:sp>
+      <p:graphicFrame>
+        <p:nvGraphicFramePr>
+          <p:cNvPr id="7" name="Chart 6"/>
+          <p:cNvGraphicFramePr/>
+          <p:nvPr>
+            <p:extLst>
+              <p:ext uri="{D42A27DB-BD31-4B8C-83A1-F6EECF244321}">
+                <p14:modId xmlns:p14="http://schemas.microsoft.com/office/powerpoint/2010/main" val="1266778935"/>
+              </p:ext>
+            </p:extLst>
+          </p:nvPr>
+        </p:nvGraphicFramePr>
+        <p:xfrm>
+          <a:off x="1938382" y="1427049"/>
+          <a:ext cx="8128000" cy="5418667"/>
+        </p:xfrm>
+        <a:graphic>
+          <a:graphicData uri="http://schemas.openxmlformats.org/drawingml/2006/chart">
+            <c:chart xmlns:c="http://schemas.openxmlformats.org/drawingml/2006/chart" xmlns:r="http://schemas.openxmlformats.org/officeDocument/2006/relationships" r:id="rId2"/>
+          </a:graphicData>
+        </a:graphic>
+      </p:graphicFrame>
+    </p:spTree>
+    <p:extLst>
+      <p:ext uri="{BB962C8B-B14F-4D97-AF65-F5344CB8AC3E}">
+        <p14:creationId xmlns:p14="http://schemas.microsoft.com/office/powerpoint/2010/main" val="4161914516"/>
+      </p:ext>
+    </p:extLst>
+  </p:cSld>
+  <p:clrMapOvr>
+    <a:masterClrMapping/>
+  </p:clrMapOvr>
+  <p:timing>
+    <p:tnLst>
+      <p:par>
+        <p:cTn id="1" dur="indefinite" restart="never" nodeType="tmRoot">
+          <p:childTnLst>
+            <p:seq concurrent="1" nextAc="seek">
+              <p:cTn id="2" dur="indefinite" nodeType="mainSeq">
+                <p:childTnLst>
+                  <p:par>
+                    <p:cTn id="3" fill="hold">
+                      <p:stCondLst>
+                        <p:cond delay="indefinite"/>
+                        <p:cond evt="onBegin" delay="0">
+                          <p:tn val="2"/>
+                        </p:cond>
+                      </p:stCondLst>
+                      <p:childTnLst>
+                        <p:par>
+                          <p:cTn id="4" fill="hold">
+                            <p:stCondLst>
+                              <p:cond delay="0"/>
+                            </p:stCondLst>
+                            <p:childTnLst>
+                              <p:par>
+                                <p:cTn id="5" presetID="10" presetClass="entr" presetSubtype="0" fill="hold" grpId="0" nodeType="withEffect">
+                                  <p:stCondLst>
+                                    <p:cond delay="0"/>
+                                  </p:stCondLst>
+                                  <p:childTnLst>
+                                    <p:set>
+                                      <p:cBhvr>
+                                        <p:cTn id="6" dur="1" fill="hold">
+                                          <p:stCondLst>
+                                            <p:cond delay="0"/>
+                                          </p:stCondLst>
+                                        </p:cTn>
+                                        <p:tgtEl>
+                                          <p:spTgt spid="7">
+                                            <p:graphicEl>
+                                              <a:chart seriesIdx="-3" categoryIdx="-3" bldStep="gridLegend"/>
+                                            </p:graphicEl>
+                                          </p:spTgt>
+                                        </p:tgtEl>
+                                        <p:attrNameLst>
+                                          <p:attrName>style.visibility</p:attrName>
+                                        </p:attrNameLst>
+                                      </p:cBhvr>
+                                      <p:to>
+                                        <p:strVal val="visible"/>
+                                      </p:to>
+                                    </p:set>
+                                    <p:animEffect transition="in" filter="fade">
+                                      <p:cBhvr>
+                                        <p:cTn id="7" dur="500"/>
+                                        <p:tgtEl>
+                                          <p:spTgt spid="7">
+                                            <p:graphicEl>
+                                              <a:chart seriesIdx="-3" categoryIdx="-3" bldStep="gridLegend"/>
+                                            </p:graphicEl>
+                                          </p:spTgt>
+                                        </p:tgtEl>
+                                      </p:cBhvr>
+                                    </p:animEffect>
+                                  </p:childTnLst>
+                                </p:cTn>
+                              </p:par>
+                              <p:par>
+                                <p:cTn id="8" presetID="22" presetClass="entr" presetSubtype="4" fill="hold" grpId="0" nodeType="withEffect">
+                                  <p:stCondLst>
+                                    <p:cond delay="0"/>
+                                  </p:stCondLst>
+                                  <p:childTnLst>
+                                    <p:set>
+                                      <p:cBhvr>
+                                        <p:cTn id="9" dur="1" fill="hold">
+                                          <p:stCondLst>
+                                            <p:cond delay="0"/>
+                                          </p:stCondLst>
+                                        </p:cTn>
+                                        <p:tgtEl>
+                                          <p:spTgt spid="7">
+                                            <p:graphicEl>
+                                              <a:chart seriesIdx="0" categoryIdx="-4" bldStep="series"/>
+                                            </p:graphicEl>
+                                          </p:spTgt>
+                                        </p:tgtEl>
+                                        <p:attrNameLst>
+                                          <p:attrName>style.visibility</p:attrName>
+                                        </p:attrNameLst>
+                                      </p:cBhvr>
+                                      <p:to>
+                                        <p:strVal val="visible"/>
+                                      </p:to>
+                                    </p:set>
+                                    <p:animEffect transition="in" filter="wipe(down)">
+                                      <p:cBhvr>
+                                        <p:cTn id="10" dur="1000"/>
+                                        <p:tgtEl>
+                                          <p:spTgt spid="7">
+                                            <p:graphicEl>
+                                              <a:chart seriesIdx="0" categoryIdx="-4" bldStep="series"/>
+                                            </p:graphicEl>
+                                          </p:spTgt>
+                                        </p:tgtEl>
+                                      </p:cBhvr>
+                                    </p:animEffect>
+                                  </p:childTnLst>
+                                </p:cTn>
+                              </p:par>
+                              <p:par>
+                                <p:cTn id="11" presetID="22" presetClass="entr" presetSubtype="4" fill="hold" grpId="0" nodeType="withEffect">
+                                  <p:stCondLst>
+                                    <p:cond delay="0"/>
+                                  </p:stCondLst>
+                                  <p:childTnLst>
+                                    <p:set>
+                                      <p:cBhvr>
+                                        <p:cTn id="12" dur="1" fill="hold">
+                                          <p:stCondLst>
+                                            <p:cond delay="0"/>
+                                          </p:stCondLst>
+                                        </p:cTn>
+                                        <p:tgtEl>
+                                          <p:spTgt spid="7">
+                                            <p:graphicEl>
+                                              <a:chart seriesIdx="1" categoryIdx="-4" bldStep="series"/>
+                                            </p:graphicEl>
+                                          </p:spTgt>
+                                        </p:tgtEl>
+                                        <p:attrNameLst>
+                                          <p:attrName>style.visibility</p:attrName>
+                                        </p:attrNameLst>
+                                      </p:cBhvr>
+                                      <p:to>
+                                        <p:strVal val="visible"/>
+                                      </p:to>
+                                    </p:set>
+                                    <p:animEffect transition="in" filter="wipe(down)">
+                                      <p:cBhvr>
+                                        <p:cTn id="13" dur="1000"/>
+                                        <p:tgtEl>
+                                          <p:spTgt spid="7">
+                                            <p:graphicEl>
+                                              <a:chart seriesIdx="1" categoryIdx="-4" bldStep="series"/>
+                                            </p:graphicEl>
+                                          </p:spTgt>
+                                        </p:tgtEl>
+                                      </p:cBhvr>
+                                    </p:animEffect>
+                                  </p:childTnLst>
+                                </p:cTn>
+                              </p:par>
+                            </p:childTnLst>
+                          </p:cTn>
+                        </p:par>
+                      </p:childTnLst>
+                    </p:cTn>
+                  </p:par>
+                </p:childTnLst>
+              </p:cTn>
+              <p:prevCondLst>
+                <p:cond evt="onPrev" delay="0">
+                  <p:tgtEl>
+                    <p:sldTgt/>
+                  </p:tgtEl>
+                </p:cond>
+              </p:prevCondLst>
+              <p:nextCondLst>
+                <p:cond evt="onNext" delay="0">
+                  <p:tgtEl>
+                    <p:sldTgt/>
+                  </p:tgtEl>
+                </p:cond>
+              </p:nextCondLst>
+            </p:seq>
+          </p:childTnLst>
+        </p:cTn>
+      </p:par>
+    </p:tnLst>
+    <p:bldLst>
+      <p:bldGraphic spid="7" grpId="0" uiExpand="1">
+        <p:bldSub>
+          <a:bldChart bld="series"/>
+        </p:bldSub>
+      </p:bldGraphic>
+    </p:bldLst>
+  </p:timing>
+</p:sld>
+</file>
+
+<file path=ppt/slides/slide19.xml><?xml version="1.0" encoding="utf-8"?>
+<p:sld xmlns:a="http://schemas.openxmlformats.org/drawingml/2006/main" xmlns:r="http://schemas.openxmlformats.org/officeDocument/2006/relationships" xmlns:p="http://schemas.openxmlformats.org/presentationml/2006/main">
+  <p:cSld>
+    <p:spTree>
+      <p:nvGrpSpPr>
+        <p:cNvPr id="1" name=""/>
+        <p:cNvGrpSpPr/>
+        <p:nvPr/>
+      </p:nvGrpSpPr>
+      <p:grpSpPr>
+        <a:xfrm>
+          <a:off x="0" y="0"/>
+          <a:ext cx="0" cy="0"/>
+          <a:chOff x="0" y="0"/>
+          <a:chExt cx="0" cy="0"/>
+        </a:xfrm>
+      </p:grpSpPr>
+      <p:sp>
+        <p:nvSpPr>
+          <p:cNvPr id="2" name="TextBox 1"/>
+          <p:cNvSpPr txBox="1"/>
+          <p:nvPr/>
+        </p:nvSpPr>
+        <p:spPr>
+          <a:xfrm>
+            <a:off x="2246811" y="195943"/>
+            <a:ext cx="7249885" cy="707886"/>
+          </a:xfrm>
+          <a:prstGeom prst="rect">
+            <a:avLst/>
+          </a:prstGeom>
+          <a:noFill/>
+        </p:spPr>
+        <p:txBody>
+          <a:bodyPr wrap="square" rtlCol="0">
+            <a:spAutoFit/>
+          </a:bodyPr>
+          <a:lstStyle/>
+          <a:p>
+            <a:pPr algn="ctr"/>
+            <a:r>
+              <a:rPr lang="en-US" sz="4000" dirty="0" smtClean="0"/>
+              <a:t>Result Analysis</a:t>
+            </a:r>
+            <a:endParaRPr lang="en-US" sz="4000" dirty="0"/>
+          </a:p>
+        </p:txBody>
+      </p:sp>
+      <p:sp>
+        <p:nvSpPr>
+          <p:cNvPr id="4" name="TextBox 3"/>
+          <p:cNvSpPr txBox="1"/>
+          <p:nvPr/>
+        </p:nvSpPr>
+        <p:spPr>
+          <a:xfrm>
+            <a:off x="806267" y="903829"/>
+            <a:ext cx="10130972" cy="523220"/>
+          </a:xfrm>
+          <a:prstGeom prst="rect">
+            <a:avLst/>
+          </a:prstGeom>
+          <a:noFill/>
+        </p:spPr>
+        <p:txBody>
+          <a:bodyPr wrap="square" rtlCol="0">
+            <a:spAutoFit/>
+          </a:bodyPr>
+          <a:lstStyle/>
+          <a:p>
+            <a:pPr marL="457200" indent="-457200">
+              <a:buFont typeface="Arial" panose="020B0604020202020204" pitchFamily="34" charset="0"/>
+              <a:buChar char="•"/>
+            </a:pPr>
+            <a:r>
+              <a:rPr lang="en-US" sz="2800" dirty="0" smtClean="0"/>
+              <a:t>Test data implementation and outcome analysis</a:t>
+            </a:r>
+            <a:endParaRPr lang="en-US" sz="2800" dirty="0"/>
+          </a:p>
+        </p:txBody>
+      </p:sp>
+      <p:graphicFrame>
+        <p:nvGraphicFramePr>
+          <p:cNvPr id="7" name="Chart 6"/>
+          <p:cNvGraphicFramePr/>
+          <p:nvPr>
+            <p:extLst>
+              <p:ext uri="{D42A27DB-BD31-4B8C-83A1-F6EECF244321}">
+                <p14:modId xmlns:p14="http://schemas.microsoft.com/office/powerpoint/2010/main" val="1450898125"/>
+              </p:ext>
+            </p:extLst>
+          </p:nvPr>
+        </p:nvGraphicFramePr>
+        <p:xfrm>
+          <a:off x="1938382" y="1944914"/>
+          <a:ext cx="8128000" cy="4644572"/>
+        </p:xfrm>
+        <a:graphic>
+          <a:graphicData uri="http://schemas.openxmlformats.org/drawingml/2006/chart">
+            <c:chart xmlns:c="http://schemas.openxmlformats.org/drawingml/2006/chart" xmlns:r="http://schemas.openxmlformats.org/officeDocument/2006/relationships" r:id="rId2"/>
+          </a:graphicData>
+        </a:graphic>
+      </p:graphicFrame>
+    </p:spTree>
+    <p:extLst>
+      <p:ext uri="{BB962C8B-B14F-4D97-AF65-F5344CB8AC3E}">
+        <p14:creationId xmlns:p14="http://schemas.microsoft.com/office/powerpoint/2010/main" val="4210608083"/>
+      </p:ext>
+    </p:extLst>
+  </p:cSld>
+  <p:clrMapOvr>
+    <a:masterClrMapping/>
+  </p:clrMapOvr>
+  <p:timing>
+    <p:tnLst>
+      <p:par>
+        <p:cTn id="1" dur="indefinite" restart="never" nodeType="tmRoot">
+          <p:childTnLst>
+            <p:seq concurrent="1" nextAc="seek">
+              <p:cTn id="2" dur="indefinite" nodeType="mainSeq">
+                <p:childTnLst>
+                  <p:par>
+                    <p:cTn id="3" fill="hold">
+                      <p:stCondLst>
+                        <p:cond delay="indefinite"/>
+                      </p:stCondLst>
+                      <p:childTnLst>
+                        <p:par>
+                          <p:cTn id="4" fill="hold">
+                            <p:stCondLst>
+                              <p:cond delay="0"/>
+                            </p:stCondLst>
+                            <p:childTnLst>
+                              <p:par>
+                                <p:cTn id="5" presetID="10" presetClass="entr" presetSubtype="0" fill="hold" grpId="0" nodeType="clickEffect">
+                                  <p:stCondLst>
+                                    <p:cond delay="0"/>
+                                  </p:stCondLst>
+                                  <p:childTnLst>
+                                    <p:set>
+                                      <p:cBhvr>
+                                        <p:cTn id="6" dur="1" fill="hold">
+                                          <p:stCondLst>
+                                            <p:cond delay="0"/>
+                                          </p:stCondLst>
+                                        </p:cTn>
+                                        <p:tgtEl>
+                                          <p:spTgt spid="7">
+                                            <p:graphicEl>
+                                              <a:chart seriesIdx="-3" categoryIdx="-3" bldStep="gridLegend"/>
+                                            </p:graphicEl>
+                                          </p:spTgt>
+                                        </p:tgtEl>
+                                        <p:attrNameLst>
+                                          <p:attrName>style.visibility</p:attrName>
+                                        </p:attrNameLst>
+                                      </p:cBhvr>
+                                      <p:to>
+                                        <p:strVal val="visible"/>
+                                      </p:to>
+                                    </p:set>
+                                    <p:animEffect transition="in" filter="fade">
+                                      <p:cBhvr>
+                                        <p:cTn id="7" dur="500"/>
+                                        <p:tgtEl>
+                                          <p:spTgt spid="7">
+                                            <p:graphicEl>
+                                              <a:chart seriesIdx="-3" categoryIdx="-3" bldStep="gridLegend"/>
+                                            </p:graphicEl>
+                                          </p:spTgt>
+                                        </p:tgtEl>
+                                      </p:cBhvr>
+                                    </p:animEffect>
+                                  </p:childTnLst>
+                                </p:cTn>
+                              </p:par>
+                            </p:childTnLst>
+                          </p:cTn>
+                        </p:par>
+                      </p:childTnLst>
+                    </p:cTn>
+                  </p:par>
+                  <p:par>
+                    <p:cTn id="8" fill="hold">
+                      <p:stCondLst>
+                        <p:cond delay="indefinite"/>
+                      </p:stCondLst>
+                      <p:childTnLst>
+                        <p:par>
+                          <p:cTn id="9" fill="hold">
+                            <p:stCondLst>
+                              <p:cond delay="0"/>
+                            </p:stCondLst>
+                            <p:childTnLst>
+                              <p:par>
+                                <p:cTn id="10" presetID="22" presetClass="entr" presetSubtype="4" fill="hold" grpId="0" nodeType="clickEffect">
+                                  <p:stCondLst>
+                                    <p:cond delay="0"/>
+                                  </p:stCondLst>
+                                  <p:childTnLst>
+                                    <p:set>
+                                      <p:cBhvr>
+                                        <p:cTn id="11" dur="1" fill="hold">
+                                          <p:stCondLst>
+                                            <p:cond delay="0"/>
+                                          </p:stCondLst>
+                                        </p:cTn>
+                                        <p:tgtEl>
+                                          <p:spTgt spid="7">
+                                            <p:graphicEl>
+                                              <a:chart seriesIdx="0" categoryIdx="-4" bldStep="series"/>
+                                            </p:graphicEl>
+                                          </p:spTgt>
+                                        </p:tgtEl>
+                                        <p:attrNameLst>
+                                          <p:attrName>style.visibility</p:attrName>
+                                        </p:attrNameLst>
+                                      </p:cBhvr>
+                                      <p:to>
+                                        <p:strVal val="visible"/>
+                                      </p:to>
+                                    </p:set>
+                                    <p:animEffect transition="in" filter="wipe(down)">
+                                      <p:cBhvr>
+                                        <p:cTn id="12" dur="1000"/>
+                                        <p:tgtEl>
+                                          <p:spTgt spid="7">
+                                            <p:graphicEl>
+                                              <a:chart seriesIdx="0" categoryIdx="-4" bldStep="series"/>
+                                            </p:graphicEl>
+                                          </p:spTgt>
+                                        </p:tgtEl>
+                                      </p:cBhvr>
+                                    </p:animEffect>
+                                  </p:childTnLst>
+                                </p:cTn>
+                              </p:par>
+                            </p:childTnLst>
+                          </p:cTn>
+                        </p:par>
+                      </p:childTnLst>
+                    </p:cTn>
+                  </p:par>
+                  <p:par>
+                    <p:cTn id="13" fill="hold">
+                      <p:stCondLst>
+                        <p:cond delay="indefinite"/>
+                      </p:stCondLst>
+                      <p:childTnLst>
+                        <p:par>
+                          <p:cTn id="14" fill="hold">
+                            <p:stCondLst>
+                              <p:cond delay="0"/>
+                            </p:stCondLst>
+                            <p:childTnLst>
+                              <p:par>
+                                <p:cTn id="15" presetID="22" presetClass="entr" presetSubtype="4" fill="hold" grpId="0" nodeType="clickEffect">
+                                  <p:stCondLst>
+                                    <p:cond delay="0"/>
+                                  </p:stCondLst>
+                                  <p:childTnLst>
+                                    <p:set>
+                                      <p:cBhvr>
+                                        <p:cTn id="16" dur="1" fill="hold">
+                                          <p:stCondLst>
+                                            <p:cond delay="0"/>
+                                          </p:stCondLst>
+                                        </p:cTn>
+                                        <p:tgtEl>
+                                          <p:spTgt spid="7">
+                                            <p:graphicEl>
+                                              <a:chart seriesIdx="1" categoryIdx="-4" bldStep="series"/>
+                                            </p:graphicEl>
+                                          </p:spTgt>
+                                        </p:tgtEl>
+                                        <p:attrNameLst>
+                                          <p:attrName>style.visibility</p:attrName>
+                                        </p:attrNameLst>
+                                      </p:cBhvr>
+                                      <p:to>
+                                        <p:strVal val="visible"/>
+                                      </p:to>
+                                    </p:set>
+                                    <p:animEffect transition="in" filter="wipe(down)">
+                                      <p:cBhvr>
+                                        <p:cTn id="17" dur="1000"/>
+                                        <p:tgtEl>
+                                          <p:spTgt spid="7">
+                                            <p:graphicEl>
+                                              <a:chart seriesIdx="1" categoryIdx="-4" bldStep="series"/>
+                                            </p:graphicEl>
+                                          </p:spTgt>
+                                        </p:tgtEl>
+                                      </p:cBhvr>
+                                    </p:animEffect>
+                                  </p:childTnLst>
+                                </p:cTn>
+                              </p:par>
+                            </p:childTnLst>
+                          </p:cTn>
+                        </p:par>
+                      </p:childTnLst>
+                    </p:cTn>
+                  </p:par>
+                </p:childTnLst>
+              </p:cTn>
+              <p:prevCondLst>
+                <p:cond evt="onPrev" delay="0">
+                  <p:tgtEl>
+                    <p:sldTgt/>
+                  </p:tgtEl>
+                </p:cond>
+              </p:prevCondLst>
+              <p:nextCondLst>
+                <p:cond evt="onNext" delay="0">
+                  <p:tgtEl>
+                    <p:sldTgt/>
+                  </p:tgtEl>
+                </p:cond>
+              </p:nextCondLst>
+            </p:seq>
+          </p:childTnLst>
+        </p:cTn>
+      </p:par>
+    </p:tnLst>
+    <p:bldLst>
+      <p:bldGraphic spid="7" grpId="0" uiExpand="1">
+        <p:bldSub>
+          <a:bldChart bld="series"/>
+        </p:bldSub>
+      </p:bldGraphic>
+    </p:bldLst>
   </p:timing>
 </p:sld>
 </file>
@@ -6290,6 +13686,1580 @@
 </p:sld>
 </file>
 
+<file path=ppt/slides/slide20.xml><?xml version="1.0" encoding="utf-8"?>
+<p:sld xmlns:a="http://schemas.openxmlformats.org/drawingml/2006/main" xmlns:r="http://schemas.openxmlformats.org/officeDocument/2006/relationships" xmlns:p="http://schemas.openxmlformats.org/presentationml/2006/main">
+  <p:cSld>
+    <p:spTree>
+      <p:nvGrpSpPr>
+        <p:cNvPr id="1" name=""/>
+        <p:cNvGrpSpPr/>
+        <p:nvPr/>
+      </p:nvGrpSpPr>
+      <p:grpSpPr>
+        <a:xfrm>
+          <a:off x="0" y="0"/>
+          <a:ext cx="0" cy="0"/>
+          <a:chOff x="0" y="0"/>
+          <a:chExt cx="0" cy="0"/>
+        </a:xfrm>
+      </p:grpSpPr>
+      <p:sp>
+        <p:nvSpPr>
+          <p:cNvPr id="2" name="TextBox 1"/>
+          <p:cNvSpPr txBox="1"/>
+          <p:nvPr/>
+        </p:nvSpPr>
+        <p:spPr>
+          <a:xfrm>
+            <a:off x="2246811" y="195943"/>
+            <a:ext cx="7249885" cy="707886"/>
+          </a:xfrm>
+          <a:prstGeom prst="rect">
+            <a:avLst/>
+          </a:prstGeom>
+          <a:noFill/>
+        </p:spPr>
+        <p:txBody>
+          <a:bodyPr wrap="square" rtlCol="0">
+            <a:spAutoFit/>
+          </a:bodyPr>
+          <a:lstStyle/>
+          <a:p>
+            <a:pPr algn="ctr"/>
+            <a:r>
+              <a:rPr lang="en-US" sz="4000" dirty="0" smtClean="0"/>
+              <a:t>Result Analysis</a:t>
+            </a:r>
+            <a:endParaRPr lang="en-US" sz="4000" dirty="0"/>
+          </a:p>
+        </p:txBody>
+      </p:sp>
+      <p:sp>
+        <p:nvSpPr>
+          <p:cNvPr id="4" name="TextBox 3"/>
+          <p:cNvSpPr txBox="1"/>
+          <p:nvPr/>
+        </p:nvSpPr>
+        <p:spPr>
+          <a:xfrm>
+            <a:off x="806267" y="903829"/>
+            <a:ext cx="10130972" cy="954107"/>
+          </a:xfrm>
+          <a:prstGeom prst="rect">
+            <a:avLst/>
+          </a:prstGeom>
+          <a:noFill/>
+        </p:spPr>
+        <p:txBody>
+          <a:bodyPr wrap="square" rtlCol="0">
+            <a:spAutoFit/>
+          </a:bodyPr>
+          <a:lstStyle/>
+          <a:p>
+            <a:pPr algn="ctr"/>
+            <a:r>
+              <a:rPr lang="en-US" sz="2800" dirty="0" smtClean="0"/>
+              <a:t>Moreover, if we compare the ROC_AUC curve of these  two approaches, then it’s even more easier to discard the first approach</a:t>
+            </a:r>
+            <a:endParaRPr lang="en-US" sz="2800" dirty="0"/>
+          </a:p>
+        </p:txBody>
+      </p:sp>
+      <p:pic>
+        <p:nvPicPr>
+          <p:cNvPr id="5" name="Picture 4"/>
+          <p:cNvPicPr>
+            <a:picLocks noChangeAspect="1"/>
+          </p:cNvPicPr>
+          <p:nvPr/>
+        </p:nvPicPr>
+        <p:blipFill>
+          <a:blip r:embed="rId2">
+            <a:extLst>
+              <a:ext uri="{28A0092B-C50C-407E-A947-70E740481C1C}">
+                <a14:useLocalDpi xmlns:a14="http://schemas.microsoft.com/office/drawing/2010/main" val="0"/>
+              </a:ext>
+            </a:extLst>
+          </a:blip>
+          <a:stretch>
+            <a:fillRect/>
+          </a:stretch>
+        </p:blipFill>
+        <p:spPr>
+          <a:xfrm>
+            <a:off x="806267" y="2090057"/>
+            <a:ext cx="3984984" cy="4187135"/>
+          </a:xfrm>
+          <a:prstGeom prst="rect">
+            <a:avLst/>
+          </a:prstGeom>
+        </p:spPr>
+      </p:pic>
+      <p:pic>
+        <p:nvPicPr>
+          <p:cNvPr id="6" name="Picture 5"/>
+          <p:cNvPicPr>
+            <a:picLocks noChangeAspect="1"/>
+          </p:cNvPicPr>
+          <p:nvPr/>
+        </p:nvPicPr>
+        <p:blipFill>
+          <a:blip r:embed="rId3">
+            <a:extLst>
+              <a:ext uri="{28A0092B-C50C-407E-A947-70E740481C1C}">
+                <a14:useLocalDpi xmlns:a14="http://schemas.microsoft.com/office/drawing/2010/main" val="0"/>
+              </a:ext>
+            </a:extLst>
+          </a:blip>
+          <a:stretch>
+            <a:fillRect/>
+          </a:stretch>
+        </p:blipFill>
+        <p:spPr>
+          <a:xfrm>
+            <a:off x="6757125" y="2090057"/>
+            <a:ext cx="4317276" cy="4187136"/>
+          </a:xfrm>
+          <a:prstGeom prst="rect">
+            <a:avLst/>
+          </a:prstGeom>
+        </p:spPr>
+      </p:pic>
+      <p:graphicFrame>
+        <p:nvGraphicFramePr>
+          <p:cNvPr id="11" name="Chart 10"/>
+          <p:cNvGraphicFramePr/>
+          <p:nvPr>
+            <p:extLst>
+              <p:ext uri="{D42A27DB-BD31-4B8C-83A1-F6EECF244321}">
+                <p14:modId xmlns:p14="http://schemas.microsoft.com/office/powerpoint/2010/main" val="2709743360"/>
+              </p:ext>
+            </p:extLst>
+          </p:nvPr>
+        </p:nvGraphicFramePr>
+        <p:xfrm>
+          <a:off x="3047475" y="1977452"/>
+          <a:ext cx="5648556" cy="4412343"/>
+        </p:xfrm>
+        <a:graphic>
+          <a:graphicData uri="http://schemas.openxmlformats.org/drawingml/2006/chart">
+            <c:chart xmlns:c="http://schemas.openxmlformats.org/drawingml/2006/chart" xmlns:r="http://schemas.openxmlformats.org/officeDocument/2006/relationships" r:id="rId4"/>
+          </a:graphicData>
+        </a:graphic>
+      </p:graphicFrame>
+    </p:spTree>
+    <p:extLst>
+      <p:ext uri="{BB962C8B-B14F-4D97-AF65-F5344CB8AC3E}">
+        <p14:creationId xmlns:p14="http://schemas.microsoft.com/office/powerpoint/2010/main" val="1913058101"/>
+      </p:ext>
+    </p:extLst>
+  </p:cSld>
+  <p:clrMapOvr>
+    <a:masterClrMapping/>
+  </p:clrMapOvr>
+  <p:timing>
+    <p:tnLst>
+      <p:par>
+        <p:cTn id="1" dur="indefinite" restart="never" nodeType="tmRoot">
+          <p:childTnLst>
+            <p:seq concurrent="1" nextAc="seek">
+              <p:cTn id="2" dur="indefinite" nodeType="mainSeq">
+                <p:childTnLst>
+                  <p:par>
+                    <p:cTn id="3" fill="hold">
+                      <p:stCondLst>
+                        <p:cond delay="indefinite"/>
+                      </p:stCondLst>
+                      <p:childTnLst>
+                        <p:par>
+                          <p:cTn id="4" fill="hold">
+                            <p:stCondLst>
+                              <p:cond delay="0"/>
+                            </p:stCondLst>
+                            <p:childTnLst>
+                              <p:par>
+                                <p:cTn id="5" presetID="10" presetClass="entr" presetSubtype="0" fill="hold" nodeType="clickEffect">
+                                  <p:stCondLst>
+                                    <p:cond delay="0"/>
+                                  </p:stCondLst>
+                                  <p:childTnLst>
+                                    <p:set>
+                                      <p:cBhvr>
+                                        <p:cTn id="6" dur="1" fill="hold">
+                                          <p:stCondLst>
+                                            <p:cond delay="0"/>
+                                          </p:stCondLst>
+                                        </p:cTn>
+                                        <p:tgtEl>
+                                          <p:spTgt spid="5"/>
+                                        </p:tgtEl>
+                                        <p:attrNameLst>
+                                          <p:attrName>style.visibility</p:attrName>
+                                        </p:attrNameLst>
+                                      </p:cBhvr>
+                                      <p:to>
+                                        <p:strVal val="visible"/>
+                                      </p:to>
+                                    </p:set>
+                                    <p:animEffect transition="in" filter="fade">
+                                      <p:cBhvr>
+                                        <p:cTn id="7" dur="500"/>
+                                        <p:tgtEl>
+                                          <p:spTgt spid="5"/>
+                                        </p:tgtEl>
+                                      </p:cBhvr>
+                                    </p:animEffect>
+                                  </p:childTnLst>
+                                </p:cTn>
+                              </p:par>
+                            </p:childTnLst>
+                          </p:cTn>
+                        </p:par>
+                      </p:childTnLst>
+                    </p:cTn>
+                  </p:par>
+                  <p:par>
+                    <p:cTn id="8" fill="hold">
+                      <p:stCondLst>
+                        <p:cond delay="indefinite"/>
+                      </p:stCondLst>
+                      <p:childTnLst>
+                        <p:par>
+                          <p:cTn id="9" fill="hold">
+                            <p:stCondLst>
+                              <p:cond delay="0"/>
+                            </p:stCondLst>
+                            <p:childTnLst>
+                              <p:par>
+                                <p:cTn id="10" presetID="10" presetClass="entr" presetSubtype="0" fill="hold" nodeType="clickEffect">
+                                  <p:stCondLst>
+                                    <p:cond delay="0"/>
+                                  </p:stCondLst>
+                                  <p:childTnLst>
+                                    <p:set>
+                                      <p:cBhvr>
+                                        <p:cTn id="11" dur="1" fill="hold">
+                                          <p:stCondLst>
+                                            <p:cond delay="0"/>
+                                          </p:stCondLst>
+                                        </p:cTn>
+                                        <p:tgtEl>
+                                          <p:spTgt spid="6"/>
+                                        </p:tgtEl>
+                                        <p:attrNameLst>
+                                          <p:attrName>style.visibility</p:attrName>
+                                        </p:attrNameLst>
+                                      </p:cBhvr>
+                                      <p:to>
+                                        <p:strVal val="visible"/>
+                                      </p:to>
+                                    </p:set>
+                                    <p:animEffect transition="in" filter="fade">
+                                      <p:cBhvr>
+                                        <p:cTn id="12" dur="500"/>
+                                        <p:tgtEl>
+                                          <p:spTgt spid="6"/>
+                                        </p:tgtEl>
+                                      </p:cBhvr>
+                                    </p:animEffect>
+                                  </p:childTnLst>
+                                </p:cTn>
+                              </p:par>
+                            </p:childTnLst>
+                          </p:cTn>
+                        </p:par>
+                      </p:childTnLst>
+                    </p:cTn>
+                  </p:par>
+                  <p:par>
+                    <p:cTn id="13" fill="hold">
+                      <p:stCondLst>
+                        <p:cond delay="indefinite"/>
+                      </p:stCondLst>
+                      <p:childTnLst>
+                        <p:par>
+                          <p:cTn id="14" fill="hold">
+                            <p:stCondLst>
+                              <p:cond delay="0"/>
+                            </p:stCondLst>
+                            <p:childTnLst>
+                              <p:par>
+                                <p:cTn id="15" presetID="10" presetClass="exit" presetSubtype="0" fill="hold" nodeType="clickEffect">
+                                  <p:stCondLst>
+                                    <p:cond delay="0"/>
+                                  </p:stCondLst>
+                                  <p:childTnLst>
+                                    <p:animEffect transition="out" filter="fade">
+                                      <p:cBhvr>
+                                        <p:cTn id="16" dur="500"/>
+                                        <p:tgtEl>
+                                          <p:spTgt spid="5"/>
+                                        </p:tgtEl>
+                                      </p:cBhvr>
+                                    </p:animEffect>
+                                    <p:set>
+                                      <p:cBhvr>
+                                        <p:cTn id="17" dur="1" fill="hold">
+                                          <p:stCondLst>
+                                            <p:cond delay="499"/>
+                                          </p:stCondLst>
+                                        </p:cTn>
+                                        <p:tgtEl>
+                                          <p:spTgt spid="5"/>
+                                        </p:tgtEl>
+                                        <p:attrNameLst>
+                                          <p:attrName>style.visibility</p:attrName>
+                                        </p:attrNameLst>
+                                      </p:cBhvr>
+                                      <p:to>
+                                        <p:strVal val="hidden"/>
+                                      </p:to>
+                                    </p:set>
+                                  </p:childTnLst>
+                                </p:cTn>
+                              </p:par>
+                              <p:par>
+                                <p:cTn id="18" presetID="10" presetClass="exit" presetSubtype="0" fill="hold" nodeType="withEffect">
+                                  <p:stCondLst>
+                                    <p:cond delay="0"/>
+                                  </p:stCondLst>
+                                  <p:childTnLst>
+                                    <p:animEffect transition="out" filter="fade">
+                                      <p:cBhvr>
+                                        <p:cTn id="19" dur="500"/>
+                                        <p:tgtEl>
+                                          <p:spTgt spid="6"/>
+                                        </p:tgtEl>
+                                      </p:cBhvr>
+                                    </p:animEffect>
+                                    <p:set>
+                                      <p:cBhvr>
+                                        <p:cTn id="20" dur="1" fill="hold">
+                                          <p:stCondLst>
+                                            <p:cond delay="499"/>
+                                          </p:stCondLst>
+                                        </p:cTn>
+                                        <p:tgtEl>
+                                          <p:spTgt spid="6"/>
+                                        </p:tgtEl>
+                                        <p:attrNameLst>
+                                          <p:attrName>style.visibility</p:attrName>
+                                        </p:attrNameLst>
+                                      </p:cBhvr>
+                                      <p:to>
+                                        <p:strVal val="hidden"/>
+                                      </p:to>
+                                    </p:set>
+                                  </p:childTnLst>
+                                </p:cTn>
+                              </p:par>
+                            </p:childTnLst>
+                          </p:cTn>
+                        </p:par>
+                        <p:par>
+                          <p:cTn id="21" fill="hold">
+                            <p:stCondLst>
+                              <p:cond delay="500"/>
+                            </p:stCondLst>
+                            <p:childTnLst>
+                              <p:par>
+                                <p:cTn id="22" presetID="22" presetClass="entr" presetSubtype="4" fill="hold" grpId="0" nodeType="afterEffect">
+                                  <p:stCondLst>
+                                    <p:cond delay="0"/>
+                                  </p:stCondLst>
+                                  <p:childTnLst>
+                                    <p:set>
+                                      <p:cBhvr>
+                                        <p:cTn id="23" dur="1" fill="hold">
+                                          <p:stCondLst>
+                                            <p:cond delay="0"/>
+                                          </p:stCondLst>
+                                        </p:cTn>
+                                        <p:tgtEl>
+                                          <p:spTgt spid="11">
+                                            <p:graphicEl>
+                                              <a:chart seriesIdx="-3" categoryIdx="-3" bldStep="gridLegend"/>
+                                            </p:graphicEl>
+                                          </p:spTgt>
+                                        </p:tgtEl>
+                                        <p:attrNameLst>
+                                          <p:attrName>style.visibility</p:attrName>
+                                        </p:attrNameLst>
+                                      </p:cBhvr>
+                                      <p:to>
+                                        <p:strVal val="visible"/>
+                                      </p:to>
+                                    </p:set>
+                                    <p:animEffect transition="in" filter="wipe(down)">
+                                      <p:cBhvr>
+                                        <p:cTn id="24" dur="500"/>
+                                        <p:tgtEl>
+                                          <p:spTgt spid="11">
+                                            <p:graphicEl>
+                                              <a:chart seriesIdx="-3" categoryIdx="-3" bldStep="gridLegend"/>
+                                            </p:graphicEl>
+                                          </p:spTgt>
+                                        </p:tgtEl>
+                                      </p:cBhvr>
+                                    </p:animEffect>
+                                  </p:childTnLst>
+                                </p:cTn>
+                              </p:par>
+                            </p:childTnLst>
+                          </p:cTn>
+                        </p:par>
+                        <p:par>
+                          <p:cTn id="25" fill="hold">
+                            <p:stCondLst>
+                              <p:cond delay="1000"/>
+                            </p:stCondLst>
+                            <p:childTnLst>
+                              <p:par>
+                                <p:cTn id="26" presetID="22" presetClass="entr" presetSubtype="4" fill="hold" grpId="0" nodeType="afterEffect">
+                                  <p:stCondLst>
+                                    <p:cond delay="0"/>
+                                  </p:stCondLst>
+                                  <p:childTnLst>
+                                    <p:set>
+                                      <p:cBhvr>
+                                        <p:cTn id="27" dur="1" fill="hold">
+                                          <p:stCondLst>
+                                            <p:cond delay="0"/>
+                                          </p:stCondLst>
+                                        </p:cTn>
+                                        <p:tgtEl>
+                                          <p:spTgt spid="11">
+                                            <p:graphicEl>
+                                              <a:chart seriesIdx="0" categoryIdx="-4" bldStep="series"/>
+                                            </p:graphicEl>
+                                          </p:spTgt>
+                                        </p:tgtEl>
+                                        <p:attrNameLst>
+                                          <p:attrName>style.visibility</p:attrName>
+                                        </p:attrNameLst>
+                                      </p:cBhvr>
+                                      <p:to>
+                                        <p:strVal val="visible"/>
+                                      </p:to>
+                                    </p:set>
+                                    <p:animEffect transition="in" filter="wipe(down)">
+                                      <p:cBhvr>
+                                        <p:cTn id="28" dur="500"/>
+                                        <p:tgtEl>
+                                          <p:spTgt spid="11">
+                                            <p:graphicEl>
+                                              <a:chart seriesIdx="0" categoryIdx="-4" bldStep="series"/>
+                                            </p:graphicEl>
+                                          </p:spTgt>
+                                        </p:tgtEl>
+                                      </p:cBhvr>
+                                    </p:animEffect>
+                                  </p:childTnLst>
+                                </p:cTn>
+                              </p:par>
+                            </p:childTnLst>
+                          </p:cTn>
+                        </p:par>
+                      </p:childTnLst>
+                    </p:cTn>
+                  </p:par>
+                </p:childTnLst>
+              </p:cTn>
+              <p:prevCondLst>
+                <p:cond evt="onPrev" delay="0">
+                  <p:tgtEl>
+                    <p:sldTgt/>
+                  </p:tgtEl>
+                </p:cond>
+              </p:prevCondLst>
+              <p:nextCondLst>
+                <p:cond evt="onNext" delay="0">
+                  <p:tgtEl>
+                    <p:sldTgt/>
+                  </p:tgtEl>
+                </p:cond>
+              </p:nextCondLst>
+            </p:seq>
+          </p:childTnLst>
+        </p:cTn>
+      </p:par>
+    </p:tnLst>
+    <p:bldLst>
+      <p:bldGraphic spid="11" grpId="0" uiExpand="1">
+        <p:bldSub>
+          <a:bldChart bld="series"/>
+        </p:bldSub>
+      </p:bldGraphic>
+    </p:bldLst>
+  </p:timing>
+</p:sld>
+</file>
+
+<file path=ppt/slides/slide21.xml><?xml version="1.0" encoding="utf-8"?>
+<p:sld xmlns:a="http://schemas.openxmlformats.org/drawingml/2006/main" xmlns:r="http://schemas.openxmlformats.org/officeDocument/2006/relationships" xmlns:p="http://schemas.openxmlformats.org/presentationml/2006/main">
+  <p:cSld>
+    <p:spTree>
+      <p:nvGrpSpPr>
+        <p:cNvPr id="1" name=""/>
+        <p:cNvGrpSpPr/>
+        <p:nvPr/>
+      </p:nvGrpSpPr>
+      <p:grpSpPr>
+        <a:xfrm>
+          <a:off x="0" y="0"/>
+          <a:ext cx="0" cy="0"/>
+          <a:chOff x="0" y="0"/>
+          <a:chExt cx="0" cy="0"/>
+        </a:xfrm>
+      </p:grpSpPr>
+      <p:sp>
+        <p:nvSpPr>
+          <p:cNvPr id="2" name="TextBox 1"/>
+          <p:cNvSpPr txBox="1"/>
+          <p:nvPr/>
+        </p:nvSpPr>
+        <p:spPr>
+          <a:xfrm>
+            <a:off x="2246811" y="195943"/>
+            <a:ext cx="7249885" cy="707886"/>
+          </a:xfrm>
+          <a:prstGeom prst="rect">
+            <a:avLst/>
+          </a:prstGeom>
+          <a:noFill/>
+        </p:spPr>
+        <p:txBody>
+          <a:bodyPr wrap="square" rtlCol="0">
+            <a:spAutoFit/>
+          </a:bodyPr>
+          <a:lstStyle/>
+          <a:p>
+            <a:pPr algn="ctr"/>
+            <a:r>
+              <a:rPr lang="en-US" sz="4000" dirty="0" smtClean="0"/>
+              <a:t>Result Analysis</a:t>
+            </a:r>
+            <a:endParaRPr lang="en-US" sz="4000" dirty="0"/>
+          </a:p>
+        </p:txBody>
+      </p:sp>
+      <p:graphicFrame>
+        <p:nvGraphicFramePr>
+          <p:cNvPr id="7" name="Chart 6"/>
+          <p:cNvGraphicFramePr/>
+          <p:nvPr>
+            <p:extLst>
+              <p:ext uri="{D42A27DB-BD31-4B8C-83A1-F6EECF244321}">
+                <p14:modId xmlns:p14="http://schemas.microsoft.com/office/powerpoint/2010/main" val="104847738"/>
+              </p:ext>
+            </p:extLst>
+          </p:nvPr>
+        </p:nvGraphicFramePr>
+        <p:xfrm>
+          <a:off x="1807753" y="1049678"/>
+          <a:ext cx="8128000" cy="5418667"/>
+        </p:xfrm>
+        <a:graphic>
+          <a:graphicData uri="http://schemas.openxmlformats.org/drawingml/2006/chart">
+            <c:chart xmlns:c="http://schemas.openxmlformats.org/drawingml/2006/chart" xmlns:r="http://schemas.openxmlformats.org/officeDocument/2006/relationships" r:id="rId2"/>
+          </a:graphicData>
+        </a:graphic>
+      </p:graphicFrame>
+      <p:sp>
+        <p:nvSpPr>
+          <p:cNvPr id="3" name="Rectangle 2"/>
+          <p:cNvSpPr/>
+          <p:nvPr/>
+        </p:nvSpPr>
+        <p:spPr>
+          <a:xfrm>
+            <a:off x="2418624" y="1669143"/>
+            <a:ext cx="1277257" cy="4499429"/>
+          </a:xfrm>
+          <a:prstGeom prst="rect">
+            <a:avLst/>
+          </a:prstGeom>
+          <a:noFill/>
+          <a:ln w="38100">
+            <a:solidFill>
+              <a:schemeClr val="tx1"/>
+            </a:solidFill>
+          </a:ln>
+        </p:spPr>
+        <p:style>
+          <a:lnRef idx="2">
+            <a:schemeClr val="accent6"/>
+          </a:lnRef>
+          <a:fillRef idx="1">
+            <a:schemeClr val="lt1"/>
+          </a:fillRef>
+          <a:effectRef idx="0">
+            <a:schemeClr val="accent6"/>
+          </a:effectRef>
+          <a:fontRef idx="minor">
+            <a:schemeClr val="dk1"/>
+          </a:fontRef>
+        </p:style>
+        <p:txBody>
+          <a:bodyPr rtlCol="0" anchor="ctr"/>
+          <a:lstStyle/>
+          <a:p>
+            <a:pPr algn="ctr"/>
+            <a:endParaRPr lang="en-US"/>
+          </a:p>
+        </p:txBody>
+      </p:sp>
+      <p:sp>
+        <p:nvSpPr>
+          <p:cNvPr id="6" name="Rectangle 5"/>
+          <p:cNvSpPr/>
+          <p:nvPr/>
+        </p:nvSpPr>
+        <p:spPr>
+          <a:xfrm>
+            <a:off x="4002315" y="1669143"/>
+            <a:ext cx="1277257" cy="4499429"/>
+          </a:xfrm>
+          <a:prstGeom prst="rect">
+            <a:avLst/>
+          </a:prstGeom>
+          <a:noFill/>
+          <a:ln w="38100">
+            <a:solidFill>
+              <a:schemeClr val="tx1"/>
+            </a:solidFill>
+          </a:ln>
+        </p:spPr>
+        <p:style>
+          <a:lnRef idx="2">
+            <a:schemeClr val="accent6"/>
+          </a:lnRef>
+          <a:fillRef idx="1">
+            <a:schemeClr val="lt1"/>
+          </a:fillRef>
+          <a:effectRef idx="0">
+            <a:schemeClr val="accent6"/>
+          </a:effectRef>
+          <a:fontRef idx="minor">
+            <a:schemeClr val="dk1"/>
+          </a:fontRef>
+        </p:style>
+        <p:txBody>
+          <a:bodyPr rtlCol="0" anchor="ctr"/>
+          <a:lstStyle/>
+          <a:p>
+            <a:pPr algn="ctr"/>
+            <a:endParaRPr lang="en-US"/>
+          </a:p>
+        </p:txBody>
+      </p:sp>
+      <p:sp>
+        <p:nvSpPr>
+          <p:cNvPr id="8" name="Rectangle 7"/>
+          <p:cNvSpPr/>
+          <p:nvPr/>
+        </p:nvSpPr>
+        <p:spPr>
+          <a:xfrm>
+            <a:off x="5586007" y="1669142"/>
+            <a:ext cx="901880" cy="4499429"/>
+          </a:xfrm>
+          <a:prstGeom prst="rect">
+            <a:avLst/>
+          </a:prstGeom>
+          <a:noFill/>
+          <a:ln w="38100">
+            <a:solidFill>
+              <a:schemeClr val="tx1"/>
+            </a:solidFill>
+          </a:ln>
+        </p:spPr>
+        <p:style>
+          <a:lnRef idx="2">
+            <a:schemeClr val="accent6"/>
+          </a:lnRef>
+          <a:fillRef idx="1">
+            <a:schemeClr val="lt1"/>
+          </a:fillRef>
+          <a:effectRef idx="0">
+            <a:schemeClr val="accent6"/>
+          </a:effectRef>
+          <a:fontRef idx="minor">
+            <a:schemeClr val="dk1"/>
+          </a:fontRef>
+        </p:style>
+        <p:txBody>
+          <a:bodyPr rtlCol="0" anchor="ctr"/>
+          <a:lstStyle/>
+          <a:p>
+            <a:pPr algn="ctr"/>
+            <a:endParaRPr lang="en-US"/>
+          </a:p>
+        </p:txBody>
+      </p:sp>
+      <p:sp>
+        <p:nvSpPr>
+          <p:cNvPr id="9" name="Rectangle 8"/>
+          <p:cNvSpPr/>
+          <p:nvPr/>
+        </p:nvSpPr>
+        <p:spPr>
+          <a:xfrm>
+            <a:off x="6934562" y="1669141"/>
+            <a:ext cx="1277257" cy="4499429"/>
+          </a:xfrm>
+          <a:prstGeom prst="rect">
+            <a:avLst/>
+          </a:prstGeom>
+          <a:noFill/>
+          <a:ln w="38100">
+            <a:solidFill>
+              <a:schemeClr val="tx1"/>
+            </a:solidFill>
+          </a:ln>
+        </p:spPr>
+        <p:style>
+          <a:lnRef idx="2">
+            <a:schemeClr val="accent6"/>
+          </a:lnRef>
+          <a:fillRef idx="1">
+            <a:schemeClr val="lt1"/>
+          </a:fillRef>
+          <a:effectRef idx="0">
+            <a:schemeClr val="accent6"/>
+          </a:effectRef>
+          <a:fontRef idx="minor">
+            <a:schemeClr val="dk1"/>
+          </a:fontRef>
+        </p:style>
+        <p:txBody>
+          <a:bodyPr rtlCol="0" anchor="ctr"/>
+          <a:lstStyle/>
+          <a:p>
+            <a:pPr algn="ctr"/>
+            <a:endParaRPr lang="en-US"/>
+          </a:p>
+        </p:txBody>
+      </p:sp>
+      <p:sp>
+        <p:nvSpPr>
+          <p:cNvPr id="10" name="Rectangle 9"/>
+          <p:cNvSpPr/>
+          <p:nvPr/>
+        </p:nvSpPr>
+        <p:spPr>
+          <a:xfrm>
+            <a:off x="8378013" y="1669141"/>
+            <a:ext cx="1277257" cy="4499429"/>
+          </a:xfrm>
+          <a:prstGeom prst="rect">
+            <a:avLst/>
+          </a:prstGeom>
+          <a:noFill/>
+          <a:ln w="38100">
+            <a:solidFill>
+              <a:schemeClr val="tx1"/>
+            </a:solidFill>
+          </a:ln>
+        </p:spPr>
+        <p:style>
+          <a:lnRef idx="2">
+            <a:schemeClr val="accent6"/>
+          </a:lnRef>
+          <a:fillRef idx="1">
+            <a:schemeClr val="lt1"/>
+          </a:fillRef>
+          <a:effectRef idx="0">
+            <a:schemeClr val="accent6"/>
+          </a:effectRef>
+          <a:fontRef idx="minor">
+            <a:schemeClr val="dk1"/>
+          </a:fontRef>
+        </p:style>
+        <p:txBody>
+          <a:bodyPr rtlCol="0" anchor="ctr"/>
+          <a:lstStyle/>
+          <a:p>
+            <a:pPr algn="ctr"/>
+            <a:endParaRPr lang="en-US"/>
+          </a:p>
+        </p:txBody>
+      </p:sp>
+    </p:spTree>
+    <p:extLst>
+      <p:ext uri="{BB962C8B-B14F-4D97-AF65-F5344CB8AC3E}">
+        <p14:creationId xmlns:p14="http://schemas.microsoft.com/office/powerpoint/2010/main" val="3772496061"/>
+      </p:ext>
+    </p:extLst>
+  </p:cSld>
+  <p:clrMapOvr>
+    <a:masterClrMapping/>
+  </p:clrMapOvr>
+  <p:timing>
+    <p:tnLst>
+      <p:par>
+        <p:cTn id="1" dur="indefinite" restart="never" nodeType="tmRoot">
+          <p:childTnLst>
+            <p:seq concurrent="1" nextAc="seek">
+              <p:cTn id="2" dur="indefinite" nodeType="mainSeq">
+                <p:childTnLst>
+                  <p:par>
+                    <p:cTn id="3" fill="hold">
+                      <p:stCondLst>
+                        <p:cond delay="indefinite"/>
+                      </p:stCondLst>
+                      <p:childTnLst>
+                        <p:par>
+                          <p:cTn id="4" fill="hold">
+                            <p:stCondLst>
+                              <p:cond delay="0"/>
+                            </p:stCondLst>
+                            <p:childTnLst>
+                              <p:par>
+                                <p:cTn id="5" presetID="22" presetClass="entr" presetSubtype="4" fill="hold" grpId="0" nodeType="clickEffect">
+                                  <p:stCondLst>
+                                    <p:cond delay="0"/>
+                                  </p:stCondLst>
+                                  <p:childTnLst>
+                                    <p:set>
+                                      <p:cBhvr>
+                                        <p:cTn id="6" dur="1" fill="hold">
+                                          <p:stCondLst>
+                                            <p:cond delay="0"/>
+                                          </p:stCondLst>
+                                        </p:cTn>
+                                        <p:tgtEl>
+                                          <p:spTgt spid="7">
+                                            <p:graphicEl>
+                                              <a:chart seriesIdx="-3" categoryIdx="-3" bldStep="gridLegend"/>
+                                            </p:graphicEl>
+                                          </p:spTgt>
+                                        </p:tgtEl>
+                                        <p:attrNameLst>
+                                          <p:attrName>style.visibility</p:attrName>
+                                        </p:attrNameLst>
+                                      </p:cBhvr>
+                                      <p:to>
+                                        <p:strVal val="visible"/>
+                                      </p:to>
+                                    </p:set>
+                                    <p:animEffect transition="in" filter="wipe(down)">
+                                      <p:cBhvr>
+                                        <p:cTn id="7" dur="1000"/>
+                                        <p:tgtEl>
+                                          <p:spTgt spid="7">
+                                            <p:graphicEl>
+                                              <a:chart seriesIdx="-3" categoryIdx="-3" bldStep="gridLegend"/>
+                                            </p:graphicEl>
+                                          </p:spTgt>
+                                        </p:tgtEl>
+                                      </p:cBhvr>
+                                    </p:animEffect>
+                                  </p:childTnLst>
+                                </p:cTn>
+                              </p:par>
+                            </p:childTnLst>
+                          </p:cTn>
+                        </p:par>
+                        <p:par>
+                          <p:cTn id="8" fill="hold">
+                            <p:stCondLst>
+                              <p:cond delay="1000"/>
+                            </p:stCondLst>
+                            <p:childTnLst>
+                              <p:par>
+                                <p:cTn id="9" presetID="22" presetClass="entr" presetSubtype="4" fill="hold" grpId="0" nodeType="afterEffect">
+                                  <p:stCondLst>
+                                    <p:cond delay="0"/>
+                                  </p:stCondLst>
+                                  <p:childTnLst>
+                                    <p:set>
+                                      <p:cBhvr>
+                                        <p:cTn id="10" dur="1" fill="hold">
+                                          <p:stCondLst>
+                                            <p:cond delay="0"/>
+                                          </p:stCondLst>
+                                        </p:cTn>
+                                        <p:tgtEl>
+                                          <p:spTgt spid="7">
+                                            <p:graphicEl>
+                                              <a:chart seriesIdx="0" categoryIdx="-4" bldStep="series"/>
+                                            </p:graphicEl>
+                                          </p:spTgt>
+                                        </p:tgtEl>
+                                        <p:attrNameLst>
+                                          <p:attrName>style.visibility</p:attrName>
+                                        </p:attrNameLst>
+                                      </p:cBhvr>
+                                      <p:to>
+                                        <p:strVal val="visible"/>
+                                      </p:to>
+                                    </p:set>
+                                    <p:animEffect transition="in" filter="wipe(down)">
+                                      <p:cBhvr>
+                                        <p:cTn id="11" dur="1000"/>
+                                        <p:tgtEl>
+                                          <p:spTgt spid="7">
+                                            <p:graphicEl>
+                                              <a:chart seriesIdx="0" categoryIdx="-4" bldStep="series"/>
+                                            </p:graphicEl>
+                                          </p:spTgt>
+                                        </p:tgtEl>
+                                      </p:cBhvr>
+                                    </p:animEffect>
+                                  </p:childTnLst>
+                                </p:cTn>
+                              </p:par>
+                            </p:childTnLst>
+                          </p:cTn>
+                        </p:par>
+                      </p:childTnLst>
+                    </p:cTn>
+                  </p:par>
+                  <p:par>
+                    <p:cTn id="12" fill="hold">
+                      <p:stCondLst>
+                        <p:cond delay="indefinite"/>
+                      </p:stCondLst>
+                      <p:childTnLst>
+                        <p:par>
+                          <p:cTn id="13" fill="hold">
+                            <p:stCondLst>
+                              <p:cond delay="0"/>
+                            </p:stCondLst>
+                            <p:childTnLst>
+                              <p:par>
+                                <p:cTn id="14" presetID="10" presetClass="entr" presetSubtype="0" fill="hold" grpId="0" nodeType="clickEffect">
+                                  <p:stCondLst>
+                                    <p:cond delay="0"/>
+                                  </p:stCondLst>
+                                  <p:childTnLst>
+                                    <p:set>
+                                      <p:cBhvr>
+                                        <p:cTn id="15" dur="1" fill="hold">
+                                          <p:stCondLst>
+                                            <p:cond delay="0"/>
+                                          </p:stCondLst>
+                                        </p:cTn>
+                                        <p:tgtEl>
+                                          <p:spTgt spid="3"/>
+                                        </p:tgtEl>
+                                        <p:attrNameLst>
+                                          <p:attrName>style.visibility</p:attrName>
+                                        </p:attrNameLst>
+                                      </p:cBhvr>
+                                      <p:to>
+                                        <p:strVal val="visible"/>
+                                      </p:to>
+                                    </p:set>
+                                    <p:animEffect transition="in" filter="fade">
+                                      <p:cBhvr>
+                                        <p:cTn id="16" dur="500"/>
+                                        <p:tgtEl>
+                                          <p:spTgt spid="3"/>
+                                        </p:tgtEl>
+                                      </p:cBhvr>
+                                    </p:animEffect>
+                                  </p:childTnLst>
+                                </p:cTn>
+                              </p:par>
+                            </p:childTnLst>
+                          </p:cTn>
+                        </p:par>
+                      </p:childTnLst>
+                    </p:cTn>
+                  </p:par>
+                  <p:par>
+                    <p:cTn id="17" fill="hold">
+                      <p:stCondLst>
+                        <p:cond delay="indefinite"/>
+                      </p:stCondLst>
+                      <p:childTnLst>
+                        <p:par>
+                          <p:cTn id="18" fill="hold">
+                            <p:stCondLst>
+                              <p:cond delay="0"/>
+                            </p:stCondLst>
+                            <p:childTnLst>
+                              <p:par>
+                                <p:cTn id="19" presetID="10" presetClass="exit" presetSubtype="0" fill="hold" grpId="1" nodeType="clickEffect">
+                                  <p:stCondLst>
+                                    <p:cond delay="0"/>
+                                  </p:stCondLst>
+                                  <p:childTnLst>
+                                    <p:animEffect transition="out" filter="fade">
+                                      <p:cBhvr>
+                                        <p:cTn id="20" dur="500"/>
+                                        <p:tgtEl>
+                                          <p:spTgt spid="3"/>
+                                        </p:tgtEl>
+                                      </p:cBhvr>
+                                    </p:animEffect>
+                                    <p:set>
+                                      <p:cBhvr>
+                                        <p:cTn id="21" dur="1" fill="hold">
+                                          <p:stCondLst>
+                                            <p:cond delay="499"/>
+                                          </p:stCondLst>
+                                        </p:cTn>
+                                        <p:tgtEl>
+                                          <p:spTgt spid="3"/>
+                                        </p:tgtEl>
+                                        <p:attrNameLst>
+                                          <p:attrName>style.visibility</p:attrName>
+                                        </p:attrNameLst>
+                                      </p:cBhvr>
+                                      <p:to>
+                                        <p:strVal val="hidden"/>
+                                      </p:to>
+                                    </p:set>
+                                  </p:childTnLst>
+                                </p:cTn>
+                              </p:par>
+                              <p:par>
+                                <p:cTn id="22" presetID="10" presetClass="entr" presetSubtype="0" fill="hold" grpId="0" nodeType="withEffect">
+                                  <p:stCondLst>
+                                    <p:cond delay="0"/>
+                                  </p:stCondLst>
+                                  <p:childTnLst>
+                                    <p:set>
+                                      <p:cBhvr>
+                                        <p:cTn id="23" dur="1" fill="hold">
+                                          <p:stCondLst>
+                                            <p:cond delay="0"/>
+                                          </p:stCondLst>
+                                        </p:cTn>
+                                        <p:tgtEl>
+                                          <p:spTgt spid="6"/>
+                                        </p:tgtEl>
+                                        <p:attrNameLst>
+                                          <p:attrName>style.visibility</p:attrName>
+                                        </p:attrNameLst>
+                                      </p:cBhvr>
+                                      <p:to>
+                                        <p:strVal val="visible"/>
+                                      </p:to>
+                                    </p:set>
+                                    <p:animEffect transition="in" filter="fade">
+                                      <p:cBhvr>
+                                        <p:cTn id="24" dur="500"/>
+                                        <p:tgtEl>
+                                          <p:spTgt spid="6"/>
+                                        </p:tgtEl>
+                                      </p:cBhvr>
+                                    </p:animEffect>
+                                  </p:childTnLst>
+                                </p:cTn>
+                              </p:par>
+                            </p:childTnLst>
+                          </p:cTn>
+                        </p:par>
+                      </p:childTnLst>
+                    </p:cTn>
+                  </p:par>
+                  <p:par>
+                    <p:cTn id="25" fill="hold">
+                      <p:stCondLst>
+                        <p:cond delay="indefinite"/>
+                      </p:stCondLst>
+                      <p:childTnLst>
+                        <p:par>
+                          <p:cTn id="26" fill="hold">
+                            <p:stCondLst>
+                              <p:cond delay="0"/>
+                            </p:stCondLst>
+                            <p:childTnLst>
+                              <p:par>
+                                <p:cTn id="27" presetID="10" presetClass="exit" presetSubtype="0" fill="hold" grpId="1" nodeType="clickEffect">
+                                  <p:stCondLst>
+                                    <p:cond delay="0"/>
+                                  </p:stCondLst>
+                                  <p:childTnLst>
+                                    <p:animEffect transition="out" filter="fade">
+                                      <p:cBhvr>
+                                        <p:cTn id="28" dur="500"/>
+                                        <p:tgtEl>
+                                          <p:spTgt spid="6"/>
+                                        </p:tgtEl>
+                                      </p:cBhvr>
+                                    </p:animEffect>
+                                    <p:set>
+                                      <p:cBhvr>
+                                        <p:cTn id="29" dur="1" fill="hold">
+                                          <p:stCondLst>
+                                            <p:cond delay="499"/>
+                                          </p:stCondLst>
+                                        </p:cTn>
+                                        <p:tgtEl>
+                                          <p:spTgt spid="6"/>
+                                        </p:tgtEl>
+                                        <p:attrNameLst>
+                                          <p:attrName>style.visibility</p:attrName>
+                                        </p:attrNameLst>
+                                      </p:cBhvr>
+                                      <p:to>
+                                        <p:strVal val="hidden"/>
+                                      </p:to>
+                                    </p:set>
+                                  </p:childTnLst>
+                                </p:cTn>
+                              </p:par>
+                              <p:par>
+                                <p:cTn id="30" presetID="10" presetClass="entr" presetSubtype="0" fill="hold" grpId="0" nodeType="withEffect">
+                                  <p:stCondLst>
+                                    <p:cond delay="0"/>
+                                  </p:stCondLst>
+                                  <p:childTnLst>
+                                    <p:set>
+                                      <p:cBhvr>
+                                        <p:cTn id="31" dur="1" fill="hold">
+                                          <p:stCondLst>
+                                            <p:cond delay="0"/>
+                                          </p:stCondLst>
+                                        </p:cTn>
+                                        <p:tgtEl>
+                                          <p:spTgt spid="8"/>
+                                        </p:tgtEl>
+                                        <p:attrNameLst>
+                                          <p:attrName>style.visibility</p:attrName>
+                                        </p:attrNameLst>
+                                      </p:cBhvr>
+                                      <p:to>
+                                        <p:strVal val="visible"/>
+                                      </p:to>
+                                    </p:set>
+                                    <p:animEffect transition="in" filter="fade">
+                                      <p:cBhvr>
+                                        <p:cTn id="32" dur="500"/>
+                                        <p:tgtEl>
+                                          <p:spTgt spid="8"/>
+                                        </p:tgtEl>
+                                      </p:cBhvr>
+                                    </p:animEffect>
+                                  </p:childTnLst>
+                                </p:cTn>
+                              </p:par>
+                            </p:childTnLst>
+                          </p:cTn>
+                        </p:par>
+                      </p:childTnLst>
+                    </p:cTn>
+                  </p:par>
+                  <p:par>
+                    <p:cTn id="33" fill="hold">
+                      <p:stCondLst>
+                        <p:cond delay="indefinite"/>
+                      </p:stCondLst>
+                      <p:childTnLst>
+                        <p:par>
+                          <p:cTn id="34" fill="hold">
+                            <p:stCondLst>
+                              <p:cond delay="0"/>
+                            </p:stCondLst>
+                            <p:childTnLst>
+                              <p:par>
+                                <p:cTn id="35" presetID="10" presetClass="exit" presetSubtype="0" fill="hold" grpId="1" nodeType="clickEffect">
+                                  <p:stCondLst>
+                                    <p:cond delay="0"/>
+                                  </p:stCondLst>
+                                  <p:childTnLst>
+                                    <p:animEffect transition="out" filter="fade">
+                                      <p:cBhvr>
+                                        <p:cTn id="36" dur="500"/>
+                                        <p:tgtEl>
+                                          <p:spTgt spid="8"/>
+                                        </p:tgtEl>
+                                      </p:cBhvr>
+                                    </p:animEffect>
+                                    <p:set>
+                                      <p:cBhvr>
+                                        <p:cTn id="37" dur="1" fill="hold">
+                                          <p:stCondLst>
+                                            <p:cond delay="499"/>
+                                          </p:stCondLst>
+                                        </p:cTn>
+                                        <p:tgtEl>
+                                          <p:spTgt spid="8"/>
+                                        </p:tgtEl>
+                                        <p:attrNameLst>
+                                          <p:attrName>style.visibility</p:attrName>
+                                        </p:attrNameLst>
+                                      </p:cBhvr>
+                                      <p:to>
+                                        <p:strVal val="hidden"/>
+                                      </p:to>
+                                    </p:set>
+                                  </p:childTnLst>
+                                </p:cTn>
+                              </p:par>
+                              <p:par>
+                                <p:cTn id="38" presetID="10" presetClass="entr" presetSubtype="0" fill="hold" grpId="0" nodeType="withEffect">
+                                  <p:stCondLst>
+                                    <p:cond delay="0"/>
+                                  </p:stCondLst>
+                                  <p:childTnLst>
+                                    <p:set>
+                                      <p:cBhvr>
+                                        <p:cTn id="39" dur="1" fill="hold">
+                                          <p:stCondLst>
+                                            <p:cond delay="0"/>
+                                          </p:stCondLst>
+                                        </p:cTn>
+                                        <p:tgtEl>
+                                          <p:spTgt spid="9"/>
+                                        </p:tgtEl>
+                                        <p:attrNameLst>
+                                          <p:attrName>style.visibility</p:attrName>
+                                        </p:attrNameLst>
+                                      </p:cBhvr>
+                                      <p:to>
+                                        <p:strVal val="visible"/>
+                                      </p:to>
+                                    </p:set>
+                                    <p:animEffect transition="in" filter="fade">
+                                      <p:cBhvr>
+                                        <p:cTn id="40" dur="500"/>
+                                        <p:tgtEl>
+                                          <p:spTgt spid="9"/>
+                                        </p:tgtEl>
+                                      </p:cBhvr>
+                                    </p:animEffect>
+                                  </p:childTnLst>
+                                </p:cTn>
+                              </p:par>
+                            </p:childTnLst>
+                          </p:cTn>
+                        </p:par>
+                      </p:childTnLst>
+                    </p:cTn>
+                  </p:par>
+                  <p:par>
+                    <p:cTn id="41" fill="hold">
+                      <p:stCondLst>
+                        <p:cond delay="indefinite"/>
+                      </p:stCondLst>
+                      <p:childTnLst>
+                        <p:par>
+                          <p:cTn id="42" fill="hold">
+                            <p:stCondLst>
+                              <p:cond delay="0"/>
+                            </p:stCondLst>
+                            <p:childTnLst>
+                              <p:par>
+                                <p:cTn id="43" presetID="10" presetClass="exit" presetSubtype="0" fill="hold" grpId="1" nodeType="clickEffect">
+                                  <p:stCondLst>
+                                    <p:cond delay="0"/>
+                                  </p:stCondLst>
+                                  <p:childTnLst>
+                                    <p:animEffect transition="out" filter="fade">
+                                      <p:cBhvr>
+                                        <p:cTn id="44" dur="500"/>
+                                        <p:tgtEl>
+                                          <p:spTgt spid="9"/>
+                                        </p:tgtEl>
+                                      </p:cBhvr>
+                                    </p:animEffect>
+                                    <p:set>
+                                      <p:cBhvr>
+                                        <p:cTn id="45" dur="1" fill="hold">
+                                          <p:stCondLst>
+                                            <p:cond delay="499"/>
+                                          </p:stCondLst>
+                                        </p:cTn>
+                                        <p:tgtEl>
+                                          <p:spTgt spid="9"/>
+                                        </p:tgtEl>
+                                        <p:attrNameLst>
+                                          <p:attrName>style.visibility</p:attrName>
+                                        </p:attrNameLst>
+                                      </p:cBhvr>
+                                      <p:to>
+                                        <p:strVal val="hidden"/>
+                                      </p:to>
+                                    </p:set>
+                                  </p:childTnLst>
+                                </p:cTn>
+                              </p:par>
+                              <p:par>
+                                <p:cTn id="46" presetID="10" presetClass="entr" presetSubtype="0" fill="hold" grpId="0" nodeType="withEffect">
+                                  <p:stCondLst>
+                                    <p:cond delay="0"/>
+                                  </p:stCondLst>
+                                  <p:childTnLst>
+                                    <p:set>
+                                      <p:cBhvr>
+                                        <p:cTn id="47" dur="1" fill="hold">
+                                          <p:stCondLst>
+                                            <p:cond delay="0"/>
+                                          </p:stCondLst>
+                                        </p:cTn>
+                                        <p:tgtEl>
+                                          <p:spTgt spid="10"/>
+                                        </p:tgtEl>
+                                        <p:attrNameLst>
+                                          <p:attrName>style.visibility</p:attrName>
+                                        </p:attrNameLst>
+                                      </p:cBhvr>
+                                      <p:to>
+                                        <p:strVal val="visible"/>
+                                      </p:to>
+                                    </p:set>
+                                    <p:animEffect transition="in" filter="fade">
+                                      <p:cBhvr>
+                                        <p:cTn id="48" dur="500"/>
+                                        <p:tgtEl>
+                                          <p:spTgt spid="10"/>
+                                        </p:tgtEl>
+                                      </p:cBhvr>
+                                    </p:animEffect>
+                                  </p:childTnLst>
+                                </p:cTn>
+                              </p:par>
+                            </p:childTnLst>
+                          </p:cTn>
+                        </p:par>
+                      </p:childTnLst>
+                    </p:cTn>
+                  </p:par>
+                </p:childTnLst>
+              </p:cTn>
+              <p:prevCondLst>
+                <p:cond evt="onPrev" delay="0">
+                  <p:tgtEl>
+                    <p:sldTgt/>
+                  </p:tgtEl>
+                </p:cond>
+              </p:prevCondLst>
+              <p:nextCondLst>
+                <p:cond evt="onNext" delay="0">
+                  <p:tgtEl>
+                    <p:sldTgt/>
+                  </p:tgtEl>
+                </p:cond>
+              </p:nextCondLst>
+            </p:seq>
+          </p:childTnLst>
+        </p:cTn>
+      </p:par>
+    </p:tnLst>
+    <p:bldLst>
+      <p:bldGraphic spid="7" grpId="0" uiExpand="1">
+        <p:bldSub>
+          <a:bldChart bld="series"/>
+        </p:bldSub>
+      </p:bldGraphic>
+      <p:bldP spid="3" grpId="0" animBg="1"/>
+      <p:bldP spid="3" grpId="1" animBg="1"/>
+      <p:bldP spid="6" grpId="0" animBg="1"/>
+      <p:bldP spid="6" grpId="1" animBg="1"/>
+      <p:bldP spid="8" grpId="0" animBg="1"/>
+      <p:bldP spid="8" grpId="1" animBg="1"/>
+      <p:bldP spid="9" grpId="0" animBg="1"/>
+      <p:bldP spid="9" grpId="1" animBg="1"/>
+      <p:bldP spid="10" grpId="0" animBg="1"/>
+    </p:bldLst>
+  </p:timing>
+</p:sld>
+</file>
+
+<file path=ppt/slides/slide22.xml><?xml version="1.0" encoding="utf-8"?>
+<p:sld xmlns:a="http://schemas.openxmlformats.org/drawingml/2006/main" xmlns:r="http://schemas.openxmlformats.org/officeDocument/2006/relationships" xmlns:p="http://schemas.openxmlformats.org/presentationml/2006/main">
+  <p:cSld>
+    <p:spTree>
+      <p:nvGrpSpPr>
+        <p:cNvPr id="1" name=""/>
+        <p:cNvGrpSpPr/>
+        <p:nvPr/>
+      </p:nvGrpSpPr>
+      <p:grpSpPr>
+        <a:xfrm>
+          <a:off x="0" y="0"/>
+          <a:ext cx="0" cy="0"/>
+          <a:chOff x="0" y="0"/>
+          <a:chExt cx="0" cy="0"/>
+        </a:xfrm>
+      </p:grpSpPr>
+      <p:sp>
+        <p:nvSpPr>
+          <p:cNvPr id="2" name="TextBox 1"/>
+          <p:cNvSpPr txBox="1"/>
+          <p:nvPr/>
+        </p:nvSpPr>
+        <p:spPr>
+          <a:xfrm>
+            <a:off x="2246811" y="195943"/>
+            <a:ext cx="7249885" cy="707886"/>
+          </a:xfrm>
+          <a:prstGeom prst="rect">
+            <a:avLst/>
+          </a:prstGeom>
+          <a:noFill/>
+        </p:spPr>
+        <p:txBody>
+          <a:bodyPr wrap="square" rtlCol="0">
+            <a:spAutoFit/>
+          </a:bodyPr>
+          <a:lstStyle/>
+          <a:p>
+            <a:pPr algn="ctr"/>
+            <a:r>
+              <a:rPr lang="en-US" sz="4000" dirty="0" smtClean="0"/>
+              <a:t>Summary and Conclusion</a:t>
+            </a:r>
+            <a:endParaRPr lang="en-US" sz="4000" dirty="0"/>
+          </a:p>
+        </p:txBody>
+      </p:sp>
+      <p:sp>
+        <p:nvSpPr>
+          <p:cNvPr id="4" name="TextBox 3"/>
+          <p:cNvSpPr txBox="1"/>
+          <p:nvPr/>
+        </p:nvSpPr>
+        <p:spPr>
+          <a:xfrm>
+            <a:off x="870857" y="1756229"/>
+            <a:ext cx="9768115" cy="4154984"/>
+          </a:xfrm>
+          <a:prstGeom prst="rect">
+            <a:avLst/>
+          </a:prstGeom>
+          <a:noFill/>
+        </p:spPr>
+        <p:txBody>
+          <a:bodyPr wrap="square" rtlCol="0">
+            <a:spAutoFit/>
+          </a:bodyPr>
+          <a:lstStyle/>
+          <a:p>
+            <a:r>
+              <a:rPr lang="en-US" sz="2400" dirty="0" smtClean="0"/>
+              <a:t>So, throughout the observation of Result analysis, it is observed that the best outcome actually was possible to get from the Approach 2, with modified threshold which is 0.253. With these settings we got the cost of 47860 which is our final score.</a:t>
+            </a:r>
+          </a:p>
+          <a:p>
+            <a:r>
+              <a:rPr lang="en-US" sz="2400" dirty="0" smtClean="0"/>
+              <a:t>Our main target was to minimize this cost as much as we can. But with this logistic regression model, this is the best minimization we can arrive.</a:t>
+            </a:r>
+          </a:p>
+          <a:p>
+            <a:r>
+              <a:rPr lang="en-US" sz="2400" dirty="0" smtClean="0"/>
+              <a:t>Our expected result can be something around 15000~20000. So in that sense, there is a gap of ~27000, which is possible to gain using some more advanced algorithms such as Random forest or Support Vector Machine.</a:t>
+            </a:r>
+          </a:p>
+          <a:p>
+            <a:r>
+              <a:rPr lang="en-US" sz="2400" dirty="0" smtClean="0"/>
+              <a:t>So in the conclusion, it can be said that, the result with logistic regression is decent, but there is a room for more optimization</a:t>
+            </a:r>
+            <a:endParaRPr lang="en-US" sz="2400" dirty="0"/>
+          </a:p>
+        </p:txBody>
+      </p:sp>
+    </p:spTree>
+    <p:extLst>
+      <p:ext uri="{BB962C8B-B14F-4D97-AF65-F5344CB8AC3E}">
+        <p14:creationId xmlns:p14="http://schemas.microsoft.com/office/powerpoint/2010/main" val="2914436191"/>
+      </p:ext>
+    </p:extLst>
+  </p:cSld>
+  <p:clrMapOvr>
+    <a:masterClrMapping/>
+  </p:clrMapOvr>
+  <p:timing>
+    <p:tnLst>
+      <p:par>
+        <p:cTn id="1" dur="indefinite" restart="never" nodeType="tmRoot">
+          <p:childTnLst>
+            <p:seq concurrent="1" nextAc="seek">
+              <p:cTn id="2" dur="indefinite" nodeType="mainSeq">
+                <p:childTnLst>
+                  <p:par>
+                    <p:cTn id="3" fill="hold">
+                      <p:stCondLst>
+                        <p:cond delay="indefinite"/>
+                        <p:cond evt="onBegin" delay="0">
+                          <p:tn val="2"/>
+                        </p:cond>
+                      </p:stCondLst>
+                      <p:childTnLst>
+                        <p:par>
+                          <p:cTn id="4" fill="hold">
+                            <p:stCondLst>
+                              <p:cond delay="0"/>
+                            </p:stCondLst>
+                            <p:childTnLst>
+                              <p:par>
+                                <p:cTn id="5" presetID="10" presetClass="entr" presetSubtype="0" fill="hold" grpId="0" nodeType="afterEffect">
+                                  <p:stCondLst>
+                                    <p:cond delay="0"/>
+                                  </p:stCondLst>
+                                  <p:childTnLst>
+                                    <p:set>
+                                      <p:cBhvr>
+                                        <p:cTn id="6" dur="1" fill="hold">
+                                          <p:stCondLst>
+                                            <p:cond delay="0"/>
+                                          </p:stCondLst>
+                                        </p:cTn>
+                                        <p:tgtEl>
+                                          <p:spTgt spid="4"/>
+                                        </p:tgtEl>
+                                        <p:attrNameLst>
+                                          <p:attrName>style.visibility</p:attrName>
+                                        </p:attrNameLst>
+                                      </p:cBhvr>
+                                      <p:to>
+                                        <p:strVal val="visible"/>
+                                      </p:to>
+                                    </p:set>
+                                    <p:animEffect transition="in" filter="fade">
+                                      <p:cBhvr>
+                                        <p:cTn id="7" dur="500"/>
+                                        <p:tgtEl>
+                                          <p:spTgt spid="4"/>
+                                        </p:tgtEl>
+                                      </p:cBhvr>
+                                    </p:animEffect>
+                                  </p:childTnLst>
+                                </p:cTn>
+                              </p:par>
+                            </p:childTnLst>
+                          </p:cTn>
+                        </p:par>
+                      </p:childTnLst>
+                    </p:cTn>
+                  </p:par>
+                </p:childTnLst>
+              </p:cTn>
+              <p:prevCondLst>
+                <p:cond evt="onPrev" delay="0">
+                  <p:tgtEl>
+                    <p:sldTgt/>
+                  </p:tgtEl>
+                </p:cond>
+              </p:prevCondLst>
+              <p:nextCondLst>
+                <p:cond evt="onNext" delay="0">
+                  <p:tgtEl>
+                    <p:sldTgt/>
+                  </p:tgtEl>
+                </p:cond>
+              </p:nextCondLst>
+            </p:seq>
+          </p:childTnLst>
+        </p:cTn>
+      </p:par>
+    </p:tnLst>
+    <p:bldLst>
+      <p:bldP spid="4" grpId="0"/>
+    </p:bldLst>
+  </p:timing>
+</p:sld>
+</file>
+
 <file path=ppt/slides/slide3.xml><?xml version="1.0" encoding="utf-8"?>
 <p:sld xmlns:a="http://schemas.openxmlformats.org/drawingml/2006/main" xmlns:r="http://schemas.openxmlformats.org/officeDocument/2006/relationships" xmlns:p="http://schemas.openxmlformats.org/presentationml/2006/main">
   <p:cSld>
@@ -6420,7 +15390,6 @@
               <a:rPr lang="en-US" sz="3200" dirty="0" smtClean="0"/>
               <a:t>Problem Discussion</a:t>
             </a:r>
-            <a:endParaRPr lang="en-US" sz="3200" dirty="0" smtClean="0"/>
           </a:p>
           <a:p>
             <a:pPr marL="457200" indent="-457200">
@@ -6487,13 +15456,13 @@
   <p:clrMapOvr>
     <a:masterClrMapping/>
   </p:clrMapOvr>
-  <mc:AlternateContent xmlns:mc="http://schemas.openxmlformats.org/markup-compatibility/2006">
-    <mc:Choice xmlns:p14="http://schemas.microsoft.com/office/powerpoint/2010/main" Requires="p14">
+  <mc:AlternateContent xmlns:mc="http://schemas.openxmlformats.org/markup-compatibility/2006" xmlns:p14="http://schemas.microsoft.com/office/powerpoint/2010/main">
+    <mc:Choice Requires="p14">
       <p:transition spd="med" p14:dur="700">
         <p:fade/>
       </p:transition>
     </mc:Choice>
-    <mc:Fallback>
+    <mc:Fallback xmlns="">
       <p:transition spd="med">
         <p:fade/>
       </p:transition>
@@ -8049,13 +17018,13 @@
   <p:clrMapOvr>
     <a:masterClrMapping/>
   </p:clrMapOvr>
-  <mc:AlternateContent xmlns:mc="http://schemas.openxmlformats.org/markup-compatibility/2006">
-    <mc:Choice xmlns:p14="http://schemas.microsoft.com/office/powerpoint/2010/main" Requires="p14">
+  <mc:AlternateContent xmlns:mc="http://schemas.openxmlformats.org/markup-compatibility/2006" xmlns:p14="http://schemas.microsoft.com/office/powerpoint/2010/main">
+    <mc:Choice Requires="p14">
       <p:transition spd="med" p14:dur="700">
         <p:fade/>
       </p:transition>
     </mc:Choice>
-    <mc:Fallback>
+    <mc:Fallback xmlns="">
       <p:transition spd="med">
         <p:fade/>
       </p:transition>
@@ -8719,15 +17688,7 @@
             </a:pPr>
             <a:r>
               <a:rPr lang="en-US" sz="2400" dirty="0" smtClean="0"/>
-              <a:t>Type 2 failure </a:t>
-            </a:r>
-            <a:r>
-              <a:rPr lang="en-US" sz="2400" dirty="0" smtClean="0"/>
-              <a:t>–</a:t>
-            </a:r>
-            <a:r>
-              <a:rPr lang="en-US" sz="2400" dirty="0" smtClean="0"/>
-              <a:t> False Negative (Penalty of 500)</a:t>
+              <a:t>Type 2 failure – False Negative (Penalty of 500)</a:t>
             </a:r>
             <a:endParaRPr lang="en-US" sz="2400" dirty="0"/>
           </a:p>

--- a/Documentations/Phase 2/phase  2.pptx
+++ b/Documentations/Phase 2/phase  2.pptx
@@ -5,28 +5,28 @@
     <p:sldMasterId id="2147483648" r:id="rId1"/>
   </p:sldMasterIdLst>
   <p:sldIdLst>
-    <p:sldId id="256" r:id="rId2"/>
-    <p:sldId id="257" r:id="rId3"/>
-    <p:sldId id="259" r:id="rId4"/>
-    <p:sldId id="261" r:id="rId5"/>
-    <p:sldId id="263" r:id="rId6"/>
-    <p:sldId id="264" r:id="rId7"/>
-    <p:sldId id="265" r:id="rId8"/>
-    <p:sldId id="266" r:id="rId9"/>
-    <p:sldId id="267" r:id="rId10"/>
-    <p:sldId id="268" r:id="rId11"/>
-    <p:sldId id="269" r:id="rId12"/>
-    <p:sldId id="270" r:id="rId13"/>
-    <p:sldId id="271" r:id="rId14"/>
-    <p:sldId id="272" r:id="rId15"/>
-    <p:sldId id="273" r:id="rId16"/>
-    <p:sldId id="274" r:id="rId17"/>
-    <p:sldId id="275" r:id="rId18"/>
-    <p:sldId id="277" r:id="rId19"/>
-    <p:sldId id="278" r:id="rId20"/>
-    <p:sldId id="280" r:id="rId21"/>
-    <p:sldId id="281" r:id="rId22"/>
-    <p:sldId id="283" r:id="rId23"/>
+    <p:sldId id="257" r:id="rId2"/>
+    <p:sldId id="259" r:id="rId3"/>
+    <p:sldId id="261" r:id="rId4"/>
+    <p:sldId id="263" r:id="rId5"/>
+    <p:sldId id="264" r:id="rId6"/>
+    <p:sldId id="265" r:id="rId7"/>
+    <p:sldId id="266" r:id="rId8"/>
+    <p:sldId id="267" r:id="rId9"/>
+    <p:sldId id="268" r:id="rId10"/>
+    <p:sldId id="269" r:id="rId11"/>
+    <p:sldId id="270" r:id="rId12"/>
+    <p:sldId id="271" r:id="rId13"/>
+    <p:sldId id="272" r:id="rId14"/>
+    <p:sldId id="273" r:id="rId15"/>
+    <p:sldId id="274" r:id="rId16"/>
+    <p:sldId id="275" r:id="rId17"/>
+    <p:sldId id="277" r:id="rId18"/>
+    <p:sldId id="278" r:id="rId19"/>
+    <p:sldId id="280" r:id="rId20"/>
+    <p:sldId id="281" r:id="rId21"/>
+    <p:sldId id="283" r:id="rId22"/>
+    <p:sldId id="284" r:id="rId23"/>
   </p:sldIdLst>
   <p:sldSz cx="12192000" cy="6858000"/>
   <p:notesSz cx="6858000" cy="9144000"/>
@@ -173,7 +173,6 @@
           </a:p>
         </c:rich>
       </c:tx>
-      <c:layout/>
       <c:overlay val="0"/>
       <c:spPr>
         <a:noFill/>
@@ -274,7 +273,6 @@
             <c:showLeaderLines val="0"/>
             <c:extLst>
               <c:ext xmlns:c15="http://schemas.microsoft.com/office/drawing/2012/chart" uri="{CE6537A1-D6FC-4f65-9D91-7224C49458BB}">
-                <c15:layout/>
                 <c15:showLeaderLines val="1"/>
                 <c15:leaderLines>
                   <c:spPr>
@@ -404,7 +402,6 @@
             <c:showLeaderLines val="0"/>
             <c:extLst>
               <c:ext xmlns:c15="http://schemas.microsoft.com/office/drawing/2012/chart" uri="{CE6537A1-D6FC-4f65-9D91-7224C49458BB}">
-                <c15:layout/>
                 <c15:showLeaderLines val="1"/>
                 <c15:leaderLines>
                   <c:spPr>
@@ -645,7 +642,6 @@
           </a:p>
         </c:txPr>
       </c:legendEntry>
-      <c:layout/>
       <c:overlay val="0"/>
       <c:spPr>
         <a:noFill/>
@@ -742,7 +738,6 @@
           </a:p>
         </c:rich>
       </c:tx>
-      <c:layout/>
       <c:overlay val="0"/>
       <c:spPr>
         <a:noFill/>
@@ -843,7 +838,6 @@
             <c:showLeaderLines val="0"/>
             <c:extLst>
               <c:ext xmlns:c15="http://schemas.microsoft.com/office/drawing/2012/chart" uri="{CE6537A1-D6FC-4f65-9D91-7224C49458BB}">
-                <c15:layout/>
                 <c15:showLeaderLines val="1"/>
                 <c15:leaderLines>
                   <c:spPr>
@@ -955,7 +949,6 @@
             <c:showLeaderLines val="0"/>
             <c:extLst>
               <c:ext xmlns:c15="http://schemas.microsoft.com/office/drawing/2012/chart" uri="{CE6537A1-D6FC-4f65-9D91-7224C49458BB}">
-                <c15:layout/>
                 <c15:showLeaderLines val="1"/>
                 <c15:leaderLines>
                   <c:spPr>
@@ -1139,7 +1132,6 @@
     </c:plotArea>
     <c:legend>
       <c:legendPos val="b"/>
-      <c:layout/>
       <c:overlay val="0"/>
       <c:spPr>
         <a:noFill/>
@@ -1236,7 +1228,6 @@
           </a:p>
         </c:rich>
       </c:tx>
-      <c:layout/>
       <c:overlay val="0"/>
       <c:spPr>
         <a:noFill/>
@@ -1337,7 +1328,6 @@
             <c:showLeaderLines val="0"/>
             <c:extLst>
               <c:ext xmlns:c15="http://schemas.microsoft.com/office/drawing/2012/chart" uri="{CE6537A1-D6FC-4f65-9D91-7224C49458BB}">
-                <c15:layout/>
                 <c15:showLeaderLines val="1"/>
                 <c15:leaderLines>
                   <c:spPr>
@@ -1455,7 +1445,6 @@
             <c:showLeaderLines val="0"/>
             <c:extLst>
               <c:ext xmlns:c15="http://schemas.microsoft.com/office/drawing/2012/chart" uri="{CE6537A1-D6FC-4f65-9D91-7224C49458BB}">
-                <c15:layout/>
                 <c15:showLeaderLines val="1"/>
                 <c15:leaderLines>
                   <c:spPr>
@@ -1645,7 +1634,6 @@
     </c:plotArea>
     <c:legend>
       <c:legendPos val="r"/>
-      <c:layout/>
       <c:overlay val="0"/>
       <c:spPr>
         <a:noFill/>
@@ -1717,7 +1705,6 @@
   </mc:AlternateContent>
   <c:chart>
     <c:title>
-      <c:layout/>
       <c:overlay val="0"/>
       <c:spPr>
         <a:noFill/>
@@ -1818,7 +1805,6 @@
             <c:showLeaderLines val="0"/>
             <c:extLst>
               <c:ext xmlns:c15="http://schemas.microsoft.com/office/drawing/2012/chart" uri="{CE6537A1-D6FC-4f65-9D91-7224C49458BB}">
-                <c15:layout/>
                 <c15:showLeaderLines val="1"/>
                 <c15:leaderLines>
                   <c:spPr>
@@ -2003,7 +1989,6 @@
     </c:plotArea>
     <c:legend>
       <c:legendPos val="b"/>
-      <c:layout/>
       <c:overlay val="0"/>
       <c:spPr>
         <a:noFill/>
@@ -2105,7 +2090,6 @@
           </a:p>
         </c:rich>
       </c:tx>
-      <c:layout/>
       <c:overlay val="0"/>
       <c:spPr>
         <a:noFill/>
@@ -2206,7 +2190,6 @@
             <c:showLeaderLines val="0"/>
             <c:extLst>
               <c:ext xmlns:c15="http://schemas.microsoft.com/office/drawing/2012/chart" uri="{CE6537A1-D6FC-4f65-9D91-7224C49458BB}">
-                <c15:layout/>
                 <c15:showLeaderLines val="1"/>
                 <c15:leaderLines>
                   <c:spPr>
@@ -2433,7 +2416,6 @@
           </a:p>
         </c:txPr>
       </c:legendEntry>
-      <c:layout/>
       <c:overlay val="0"/>
       <c:spPr>
         <a:noFill/>
@@ -5336,7 +5318,7 @@
           <a:p>
             <a:fld id="{A06EA55E-2554-4E7A-8BE5-2C28FEDCB5A8}" type="datetimeFigureOut">
               <a:rPr lang="en-US" smtClean="0"/>
-              <a:t>30-Jul-19</a:t>
+              <a:t>31-Jul-19</a:t>
             </a:fld>
             <a:endParaRPr lang="en-US"/>
           </a:p>
@@ -5506,7 +5488,7 @@
           <a:p>
             <a:fld id="{A06EA55E-2554-4E7A-8BE5-2C28FEDCB5A8}" type="datetimeFigureOut">
               <a:rPr lang="en-US" smtClean="0"/>
-              <a:t>30-Jul-19</a:t>
+              <a:t>31-Jul-19</a:t>
             </a:fld>
             <a:endParaRPr lang="en-US"/>
           </a:p>
@@ -5686,7 +5668,7 @@
           <a:p>
             <a:fld id="{A06EA55E-2554-4E7A-8BE5-2C28FEDCB5A8}" type="datetimeFigureOut">
               <a:rPr lang="en-US" smtClean="0"/>
-              <a:t>30-Jul-19</a:t>
+              <a:t>31-Jul-19</a:t>
             </a:fld>
             <a:endParaRPr lang="en-US"/>
           </a:p>
@@ -5856,7 +5838,7 @@
           <a:p>
             <a:fld id="{A06EA55E-2554-4E7A-8BE5-2C28FEDCB5A8}" type="datetimeFigureOut">
               <a:rPr lang="en-US" smtClean="0"/>
-              <a:t>30-Jul-19</a:t>
+              <a:t>31-Jul-19</a:t>
             </a:fld>
             <a:endParaRPr lang="en-US"/>
           </a:p>
@@ -6102,7 +6084,7 @@
           <a:p>
             <a:fld id="{A06EA55E-2554-4E7A-8BE5-2C28FEDCB5A8}" type="datetimeFigureOut">
               <a:rPr lang="en-US" smtClean="0"/>
-              <a:t>30-Jul-19</a:t>
+              <a:t>31-Jul-19</a:t>
             </a:fld>
             <a:endParaRPr lang="en-US"/>
           </a:p>
@@ -6334,7 +6316,7 @@
           <a:p>
             <a:fld id="{A06EA55E-2554-4E7A-8BE5-2C28FEDCB5A8}" type="datetimeFigureOut">
               <a:rPr lang="en-US" smtClean="0"/>
-              <a:t>30-Jul-19</a:t>
+              <a:t>31-Jul-19</a:t>
             </a:fld>
             <a:endParaRPr lang="en-US"/>
           </a:p>
@@ -6701,7 +6683,7 @@
           <a:p>
             <a:fld id="{A06EA55E-2554-4E7A-8BE5-2C28FEDCB5A8}" type="datetimeFigureOut">
               <a:rPr lang="en-US" smtClean="0"/>
-              <a:t>30-Jul-19</a:t>
+              <a:t>31-Jul-19</a:t>
             </a:fld>
             <a:endParaRPr lang="en-US"/>
           </a:p>
@@ -6819,7 +6801,7 @@
           <a:p>
             <a:fld id="{A06EA55E-2554-4E7A-8BE5-2C28FEDCB5A8}" type="datetimeFigureOut">
               <a:rPr lang="en-US" smtClean="0"/>
-              <a:t>30-Jul-19</a:t>
+              <a:t>31-Jul-19</a:t>
             </a:fld>
             <a:endParaRPr lang="en-US"/>
           </a:p>
@@ -6914,7 +6896,7 @@
           <a:p>
             <a:fld id="{A06EA55E-2554-4E7A-8BE5-2C28FEDCB5A8}" type="datetimeFigureOut">
               <a:rPr lang="en-US" smtClean="0"/>
-              <a:t>30-Jul-19</a:t>
+              <a:t>31-Jul-19</a:t>
             </a:fld>
             <a:endParaRPr lang="en-US"/>
           </a:p>
@@ -7191,7 +7173,7 @@
           <a:p>
             <a:fld id="{A06EA55E-2554-4E7A-8BE5-2C28FEDCB5A8}" type="datetimeFigureOut">
               <a:rPr lang="en-US" smtClean="0"/>
-              <a:t>30-Jul-19</a:t>
+              <a:t>31-Jul-19</a:t>
             </a:fld>
             <a:endParaRPr lang="en-US"/>
           </a:p>
@@ -7444,7 +7426,7 @@
           <a:p>
             <a:fld id="{A06EA55E-2554-4E7A-8BE5-2C28FEDCB5A8}" type="datetimeFigureOut">
               <a:rPr lang="en-US" smtClean="0"/>
-              <a:t>30-Jul-19</a:t>
+              <a:t>31-Jul-19</a:t>
             </a:fld>
             <a:endParaRPr lang="en-US"/>
           </a:p>
@@ -7657,7 +7639,7 @@
           <a:p>
             <a:fld id="{A06EA55E-2554-4E7A-8BE5-2C28FEDCB5A8}" type="datetimeFigureOut">
               <a:rPr lang="en-US" smtClean="0"/>
-              <a:t>30-Jul-19</a:t>
+              <a:t>31-Jul-19</a:t>
             </a:fld>
             <a:endParaRPr lang="en-US"/>
           </a:p>
@@ -8062,53 +8044,40 @@
           <a:chExt cx="0" cy="0"/>
         </a:xfrm>
       </p:grpSpPr>
-    </p:spTree>
-    <p:extLst>
-      <p:ext uri="{BB962C8B-B14F-4D97-AF65-F5344CB8AC3E}">
-        <p14:creationId xmlns:p14="http://schemas.microsoft.com/office/powerpoint/2010/main" val="2071283034"/>
-      </p:ext>
-    </p:extLst>
-  </p:cSld>
-  <p:clrMapOvr>
-    <a:masterClrMapping/>
-  </p:clrMapOvr>
-  <p:timing>
-    <p:tnLst>
-      <p:par>
-        <p:cTn id="1" dur="indefinite" restart="never" nodeType="tmRoot"/>
-      </p:par>
-    </p:tnLst>
-  </p:timing>
-</p:sld>
-</file>
-
-<file path=ppt/slides/slide10.xml><?xml version="1.0" encoding="utf-8"?>
-<p:sld xmlns:a="http://schemas.openxmlformats.org/drawingml/2006/main" xmlns:r="http://schemas.openxmlformats.org/officeDocument/2006/relationships" xmlns:p="http://schemas.openxmlformats.org/presentationml/2006/main">
-  <p:cSld>
-    <p:spTree>
-      <p:nvGrpSpPr>
-        <p:cNvPr id="1" name=""/>
-        <p:cNvGrpSpPr/>
-        <p:nvPr/>
-      </p:nvGrpSpPr>
-      <p:grpSpPr>
-        <a:xfrm>
-          <a:off x="0" y="0"/>
-          <a:ext cx="0" cy="0"/>
-          <a:chOff x="0" y="0"/>
-          <a:chExt cx="0" cy="0"/>
-        </a:xfrm>
-      </p:grpSpPr>
+      <p:pic>
+        <p:nvPicPr>
+          <p:cNvPr id="2" name="Picture 1"/>
+          <p:cNvPicPr>
+            <a:picLocks noChangeAspect="1"/>
+          </p:cNvPicPr>
+          <p:nvPr/>
+        </p:nvPicPr>
+        <p:blipFill>
+          <a:blip r:embed="rId2"/>
+          <a:stretch>
+            <a:fillRect/>
+          </a:stretch>
+        </p:blipFill>
+        <p:spPr>
+          <a:xfrm>
+            <a:off x="5053712" y="246337"/>
+            <a:ext cx="1849441" cy="2246156"/>
+          </a:xfrm>
+          <a:prstGeom prst="rect">
+            <a:avLst/>
+          </a:prstGeom>
+        </p:spPr>
+      </p:pic>
       <p:sp>
         <p:nvSpPr>
-          <p:cNvPr id="2" name="TextBox 1"/>
+          <p:cNvPr id="3" name="TextBox 2"/>
           <p:cNvSpPr txBox="1"/>
           <p:nvPr/>
         </p:nvSpPr>
         <p:spPr>
           <a:xfrm>
-            <a:off x="2246811" y="195943"/>
-            <a:ext cx="7249885" cy="707886"/>
+            <a:off x="766352" y="2629403"/>
+            <a:ext cx="10424159" cy="830997"/>
           </a:xfrm>
           <a:prstGeom prst="rect">
             <a:avLst/>
@@ -8123,23 +8092,35 @@
           <a:p>
             <a:pPr algn="ctr"/>
             <a:r>
-              <a:rPr lang="en-US" sz="4000" dirty="0" smtClean="0"/>
-              <a:t>Data Preprocessing</a:t>
-            </a:r>
-            <a:endParaRPr lang="en-US" sz="4000" dirty="0"/>
+              <a:rPr lang="en-US" sz="4800" dirty="0" smtClean="0"/>
+              <a:t>Predicting APS failure </a:t>
+            </a:r>
+            <a:r>
+              <a:rPr lang="en-US" sz="4800" dirty="0"/>
+              <a:t>o</a:t>
+            </a:r>
+            <a:r>
+              <a:rPr lang="en-US" sz="4800" dirty="0" smtClean="0"/>
+              <a:t>f </a:t>
+            </a:r>
+            <a:r>
+              <a:rPr lang="en-US" sz="4800" dirty="0" smtClean="0"/>
+              <a:t>Scania truck </a:t>
+            </a:r>
+            <a:endParaRPr lang="en-US" sz="4800" dirty="0"/>
           </a:p>
         </p:txBody>
       </p:sp>
       <p:sp>
         <p:nvSpPr>
-          <p:cNvPr id="3" name="TextBox 2"/>
+          <p:cNvPr id="4" name="TextBox 3"/>
           <p:cNvSpPr txBox="1"/>
           <p:nvPr/>
         </p:nvSpPr>
         <p:spPr>
           <a:xfrm>
-            <a:off x="914400" y="1750423"/>
-            <a:ext cx="10293531" cy="2308324"/>
+            <a:off x="1084217" y="4428309"/>
+            <a:ext cx="10528663" cy="1938992"/>
           </a:xfrm>
           <a:prstGeom prst="rect">
             <a:avLst/>
@@ -8152,55 +8133,153 @@
           </a:bodyPr>
           <a:lstStyle/>
           <a:p>
-            <a:pPr>
-              <a:lnSpc>
-                <a:spcPct val="200000"/>
-              </a:lnSpc>
+            <a:r>
+              <a:rPr lang="en-US" sz="2000" dirty="0" smtClean="0"/>
+              <a:t>Group </a:t>
+            </a:r>
+            <a:r>
+              <a:rPr lang="en-US" sz="2000" dirty="0"/>
+              <a:t>members: </a:t>
+            </a:r>
+          </a:p>
+          <a:p>
+            <a:pPr marL="285750" indent="-285750">
+              <a:buFont typeface="Arial" panose="020B0604020202020204" pitchFamily="34" charset="0"/>
+              <a:buChar char="•"/>
             </a:pPr>
             <a:r>
+              <a:rPr lang="en-US" sz="2000" dirty="0"/>
+              <a:t>Md. Masudur Rahman (1631189042) </a:t>
+            </a:r>
+            <a:endParaRPr lang="en-US" sz="2000" dirty="0" smtClean="0"/>
+          </a:p>
+          <a:p>
+            <a:pPr marL="285750" indent="-285750">
+              <a:buFont typeface="Arial" panose="020B0604020202020204" pitchFamily="34" charset="0"/>
+              <a:buChar char="•"/>
+            </a:pPr>
+            <a:r>
+              <a:rPr lang="en-US" sz="2000" dirty="0" smtClean="0"/>
+              <a:t>Saraf </a:t>
+            </a:r>
+            <a:r>
+              <a:rPr lang="en-US" sz="2000" dirty="0"/>
+              <a:t>Sumaita Hasan (1631258042</a:t>
+            </a:r>
+            <a:r>
+              <a:rPr lang="en-US" sz="2000" dirty="0" smtClean="0"/>
+              <a:t>)</a:t>
+            </a:r>
+          </a:p>
+          <a:p>
+            <a:pPr marL="285750" indent="-285750">
+              <a:buFont typeface="Arial" panose="020B0604020202020204" pitchFamily="34" charset="0"/>
+              <a:buChar char="•"/>
+            </a:pPr>
+            <a:r>
+              <a:rPr lang="en-US" sz="2000" dirty="0" err="1" smtClean="0"/>
+              <a:t>Md</a:t>
+            </a:r>
+            <a:r>
+              <a:rPr lang="en-US" sz="2000" dirty="0" smtClean="0"/>
+              <a:t> </a:t>
+            </a:r>
+            <a:r>
+              <a:rPr lang="en-US" sz="2000" dirty="0" err="1" smtClean="0"/>
+              <a:t>Rifat</a:t>
+            </a:r>
+            <a:r>
+              <a:rPr lang="en-US" sz="2000" dirty="0" smtClean="0"/>
+              <a:t> Hasan (1620259042)</a:t>
+            </a:r>
+          </a:p>
+          <a:p>
+            <a:pPr marL="285750" indent="-285750">
+              <a:buFont typeface="Arial" panose="020B0604020202020204" pitchFamily="34" charset="0"/>
+              <a:buChar char="•"/>
+            </a:pPr>
+            <a:r>
+              <a:rPr lang="en-US" sz="2000" dirty="0" err="1" smtClean="0"/>
+              <a:t>Rehnuma</a:t>
+            </a:r>
+            <a:r>
+              <a:rPr lang="en-US" sz="2000" dirty="0" smtClean="0"/>
+              <a:t> </a:t>
+            </a:r>
+            <a:r>
+              <a:rPr lang="en-US" sz="2000" dirty="0" err="1" smtClean="0"/>
+              <a:t>Sharmin</a:t>
+            </a:r>
+            <a:r>
+              <a:rPr lang="en-US" sz="2000" dirty="0" smtClean="0"/>
+              <a:t> (1620739042)</a:t>
+            </a:r>
+          </a:p>
+          <a:p>
+            <a:pPr marL="285750" indent="-285750">
+              <a:buFont typeface="Arial" panose="020B0604020202020204" pitchFamily="34" charset="0"/>
+              <a:buChar char="•"/>
+            </a:pPr>
+            <a:endParaRPr lang="en-US" sz="2000" dirty="0"/>
+          </a:p>
+        </p:txBody>
+      </p:sp>
+      <p:sp>
+        <p:nvSpPr>
+          <p:cNvPr id="5" name="TextBox 4"/>
+          <p:cNvSpPr txBox="1"/>
+          <p:nvPr/>
+        </p:nvSpPr>
+        <p:spPr>
+          <a:xfrm>
+            <a:off x="1084217" y="3875370"/>
+            <a:ext cx="5172891" cy="461665"/>
+          </a:xfrm>
+          <a:prstGeom prst="rect">
+            <a:avLst/>
+          </a:prstGeom>
+          <a:noFill/>
+        </p:spPr>
+        <p:txBody>
+          <a:bodyPr wrap="square" rtlCol="0">
+            <a:spAutoFit/>
+          </a:bodyPr>
+          <a:lstStyle/>
+          <a:p>
+            <a:r>
               <a:rPr lang="en-US" sz="2400" dirty="0" smtClean="0"/>
-              <a:t>For handling the missing values –</a:t>
-            </a:r>
-          </a:p>
-          <a:p>
-            <a:pPr marL="971550" lvl="1" indent="-514350">
-              <a:lnSpc>
-                <a:spcPct val="200000"/>
-              </a:lnSpc>
-              <a:buFont typeface="+mj-lt"/>
-              <a:buAutoNum type="romanUcPeriod"/>
-            </a:pPr>
-            <a:r>
-              <a:rPr lang="en-US" sz="2400" dirty="0" smtClean="0"/>
-              <a:t>Discard the columns having more than 80% missing values</a:t>
-            </a:r>
-          </a:p>
-          <a:p>
-            <a:pPr marL="971550" lvl="1" indent="-514350">
-              <a:lnSpc>
-                <a:spcPct val="200000"/>
-              </a:lnSpc>
-              <a:buFont typeface="+mj-lt"/>
-              <a:buAutoNum type="romanUcPeriod"/>
-            </a:pPr>
-            <a:r>
-              <a:rPr lang="en-US" sz="2400" dirty="0" smtClean="0"/>
-              <a:t>Replace all the missing values with their corresponding mean </a:t>
-            </a:r>
-            <a:endParaRPr lang="en-US" sz="2400" dirty="0"/>
+              <a:t>Team name : </a:t>
+            </a:r>
+            <a:r>
+              <a:rPr lang="en-US" sz="2400" b="1" dirty="0" smtClean="0"/>
+              <a:t>The Technocrats</a:t>
+            </a:r>
+            <a:endParaRPr lang="en-US" sz="2400" b="1" dirty="0"/>
           </a:p>
         </p:txBody>
       </p:sp>
     </p:spTree>
     <p:extLst>
       <p:ext uri="{BB962C8B-B14F-4D97-AF65-F5344CB8AC3E}">
-        <p14:creationId xmlns:p14="http://schemas.microsoft.com/office/powerpoint/2010/main" val="3772867920"/>
+        <p14:creationId xmlns:p14="http://schemas.microsoft.com/office/powerpoint/2010/main" val="350062827"/>
       </p:ext>
     </p:extLst>
   </p:cSld>
   <p:clrMapOvr>
     <a:masterClrMapping/>
   </p:clrMapOvr>
+  <mc:AlternateContent xmlns:mc="http://schemas.openxmlformats.org/markup-compatibility/2006" xmlns:p14="http://schemas.microsoft.com/office/powerpoint/2010/main">
+    <mc:Choice Requires="p14">
+      <p:transition spd="med" p14:dur="700">
+        <p:fade/>
+      </p:transition>
+    </mc:Choice>
+    <mc:Fallback xmlns="">
+      <p:transition spd="med">
+        <p:fade/>
+      </p:transition>
+    </mc:Fallback>
+  </mc:AlternateContent>
   <p:timing>
     <p:tnLst>
       <p:par>
@@ -8222,7 +8301,7 @@
                             </p:stCondLst>
                             <p:childTnLst>
                               <p:par>
-                                <p:cTn id="5" presetID="10" presetClass="entr" presetSubtype="0" fill="hold" nodeType="clickEffect">
+                                <p:cTn id="5" presetID="1" presetClass="entr" presetSubtype="0" fill="hold" grpId="0" nodeType="clickEffect">
                                   <p:stCondLst>
                                     <p:cond delay="0"/>
                                   </p:stCondLst>
@@ -8235,7 +8314,95 @@
                                           </p:stCondLst>
                                         </p:cTn>
                                         <p:tgtEl>
-                                          <p:spTgt spid="3">
+                                          <p:spTgt spid="5"/>
+                                        </p:tgtEl>
+                                        <p:attrNameLst>
+                                          <p:attrName>style.visibility</p:attrName>
+                                        </p:attrNameLst>
+                                      </p:cBhvr>
+                                      <p:to>
+                                        <p:strVal val="visible"/>
+                                      </p:to>
+                                    </p:set>
+                                  </p:childTnLst>
+                                </p:cTn>
+                              </p:par>
+                            </p:childTnLst>
+                          </p:cTn>
+                        </p:par>
+                      </p:childTnLst>
+                    </p:cTn>
+                  </p:par>
+                  <p:par>
+                    <p:cTn id="7" fill="hold">
+                      <p:stCondLst>
+                        <p:cond delay="indefinite"/>
+                      </p:stCondLst>
+                      <p:childTnLst>
+                        <p:par>
+                          <p:cTn id="8" fill="hold">
+                            <p:stCondLst>
+                              <p:cond delay="0"/>
+                            </p:stCondLst>
+                            <p:childTnLst>
+                              <p:par>
+                                <p:cTn id="9" presetID="10" presetClass="entr" presetSubtype="0" fill="hold" nodeType="clickEffect">
+                                  <p:stCondLst>
+                                    <p:cond delay="0"/>
+                                  </p:stCondLst>
+                                  <p:childTnLst>
+                                    <p:set>
+                                      <p:cBhvr>
+                                        <p:cTn id="10" dur="1" fill="hold">
+                                          <p:stCondLst>
+                                            <p:cond delay="0"/>
+                                          </p:stCondLst>
+                                        </p:cTn>
+                                        <p:tgtEl>
+                                          <p:spTgt spid="4">
+                                            <p:txEl>
+                                              <p:pRg st="0" end="0"/>
+                                            </p:txEl>
+                                          </p:spTgt>
+                                        </p:tgtEl>
+                                        <p:attrNameLst>
+                                          <p:attrName>style.visibility</p:attrName>
+                                        </p:attrNameLst>
+                                      </p:cBhvr>
+                                      <p:to>
+                                        <p:strVal val="visible"/>
+                                      </p:to>
+                                    </p:set>
+                                    <p:animEffect transition="in" filter="fade">
+                                      <p:cBhvr>
+                                        <p:cTn id="11" dur="500"/>
+                                        <p:tgtEl>
+                                          <p:spTgt spid="4">
+                                            <p:txEl>
+                                              <p:pRg st="0" end="0"/>
+                                            </p:txEl>
+                                          </p:spTgt>
+                                        </p:tgtEl>
+                                      </p:cBhvr>
+                                    </p:animEffect>
+                                  </p:childTnLst>
+                                </p:cTn>
+                              </p:par>
+                              <p:par>
+                                <p:cTn id="12" presetID="10" presetClass="entr" presetSubtype="0" fill="hold" nodeType="withEffect">
+                                  <p:stCondLst>
+                                    <p:cond delay="0"/>
+                                  </p:stCondLst>
+                                  <p:childTnLst>
+                                    <p:set>
+                                      <p:cBhvr>
+                                        <p:cTn id="13" dur="1" fill="hold">
+                                          <p:stCondLst>
+                                            <p:cond delay="0"/>
+                                          </p:stCondLst>
+                                        </p:cTn>
+                                        <p:tgtEl>
+                                          <p:spTgt spid="4">
                                             <p:txEl>
                                               <p:pRg st="1" end="1"/>
                                             </p:txEl>
@@ -8251,9 +8418,9 @@
                                     </p:set>
                                     <p:animEffect transition="in" filter="fade">
                                       <p:cBhvr>
-                                        <p:cTn id="7" dur="500"/>
+                                        <p:cTn id="14" dur="500"/>
                                         <p:tgtEl>
-                                          <p:spTgt spid="3">
+                                          <p:spTgt spid="4">
                                             <p:txEl>
                                               <p:pRg st="1" end="1"/>
                                             </p:txEl>
@@ -8264,39 +8431,21 @@
                                   </p:childTnLst>
                                 </p:cTn>
                               </p:par>
-                            </p:childTnLst>
-                          </p:cTn>
-                        </p:par>
-                      </p:childTnLst>
-                    </p:cTn>
-                  </p:par>
-                  <p:par>
-                    <p:cTn id="8" fill="hold">
-                      <p:stCondLst>
-                        <p:cond delay="indefinite"/>
-                      </p:stCondLst>
-                      <p:childTnLst>
-                        <p:par>
-                          <p:cTn id="9" fill="hold">
-                            <p:stCondLst>
-                              <p:cond delay="0"/>
-                            </p:stCondLst>
-                            <p:childTnLst>
                               <p:par>
-                                <p:cTn id="10" presetID="10" presetClass="entr" presetSubtype="0" fill="hold" nodeType="clickEffect">
+                                <p:cTn id="15" presetID="10" presetClass="entr" presetSubtype="0" fill="hold" nodeType="withEffect">
                                   <p:stCondLst>
                                     <p:cond delay="0"/>
                                   </p:stCondLst>
                                   <p:childTnLst>
                                     <p:set>
                                       <p:cBhvr>
-                                        <p:cTn id="11" dur="1" fill="hold">
+                                        <p:cTn id="16" dur="1" fill="hold">
                                           <p:stCondLst>
                                             <p:cond delay="0"/>
                                           </p:stCondLst>
                                         </p:cTn>
                                         <p:tgtEl>
-                                          <p:spTgt spid="3">
+                                          <p:spTgt spid="4">
                                             <p:txEl>
                                               <p:pRg st="2" end="2"/>
                                             </p:txEl>
@@ -8312,11 +8461,97 @@
                                     </p:set>
                                     <p:animEffect transition="in" filter="fade">
                                       <p:cBhvr>
-                                        <p:cTn id="12" dur="500"/>
+                                        <p:cTn id="17" dur="500"/>
                                         <p:tgtEl>
-                                          <p:spTgt spid="3">
+                                          <p:spTgt spid="4">
                                             <p:txEl>
                                               <p:pRg st="2" end="2"/>
+                                            </p:txEl>
+                                          </p:spTgt>
+                                        </p:tgtEl>
+                                      </p:cBhvr>
+                                    </p:animEffect>
+                                  </p:childTnLst>
+                                </p:cTn>
+                              </p:par>
+                              <p:par>
+                                <p:cTn id="18" presetID="10" presetClass="entr" presetSubtype="0" fill="hold" nodeType="withEffect">
+                                  <p:stCondLst>
+                                    <p:cond delay="0"/>
+                                  </p:stCondLst>
+                                  <p:childTnLst>
+                                    <p:set>
+                                      <p:cBhvr>
+                                        <p:cTn id="19" dur="1" fill="hold">
+                                          <p:stCondLst>
+                                            <p:cond delay="0"/>
+                                          </p:stCondLst>
+                                        </p:cTn>
+                                        <p:tgtEl>
+                                          <p:spTgt spid="4">
+                                            <p:txEl>
+                                              <p:pRg st="3" end="3"/>
+                                            </p:txEl>
+                                          </p:spTgt>
+                                        </p:tgtEl>
+                                        <p:attrNameLst>
+                                          <p:attrName>style.visibility</p:attrName>
+                                        </p:attrNameLst>
+                                      </p:cBhvr>
+                                      <p:to>
+                                        <p:strVal val="visible"/>
+                                      </p:to>
+                                    </p:set>
+                                    <p:animEffect transition="in" filter="fade">
+                                      <p:cBhvr>
+                                        <p:cTn id="20" dur="500"/>
+                                        <p:tgtEl>
+                                          <p:spTgt spid="4">
+                                            <p:txEl>
+                                              <p:pRg st="3" end="3"/>
+                                            </p:txEl>
+                                          </p:spTgt>
+                                        </p:tgtEl>
+                                      </p:cBhvr>
+                                    </p:animEffect>
+                                  </p:childTnLst>
+                                </p:cTn>
+                              </p:par>
+                              <p:par>
+                                <p:cTn id="21" presetID="10" presetClass="entr" presetSubtype="0" fill="hold" nodeType="withEffect">
+                                  <p:stCondLst>
+                                    <p:cond delay="0"/>
+                                  </p:stCondLst>
+                                  <p:childTnLst>
+                                    <p:set>
+                                      <p:cBhvr>
+                                        <p:cTn id="22" dur="1" fill="hold">
+                                          <p:stCondLst>
+                                            <p:cond delay="0"/>
+                                          </p:stCondLst>
+                                        </p:cTn>
+                                        <p:tgtEl>
+                                          <p:spTgt spid="4">
+                                            <p:txEl>
+                                              <p:pRg st="4" end="4"/>
+                                            </p:txEl>
+                                          </p:spTgt>
+                                        </p:tgtEl>
+                                        <p:attrNameLst>
+                                          <p:attrName>style.visibility</p:attrName>
+                                        </p:attrNameLst>
+                                      </p:cBhvr>
+                                      <p:to>
+                                        <p:strVal val="visible"/>
+                                      </p:to>
+                                    </p:set>
+                                    <p:animEffect transition="in" filter="fade">
+                                      <p:cBhvr>
+                                        <p:cTn id="23" dur="500"/>
+                                        <p:tgtEl>
+                                          <p:spTgt spid="4">
+                                            <p:txEl>
+                                              <p:pRg st="4" end="4"/>
                                             </p:txEl>
                                           </p:spTgt>
                                         </p:tgtEl>
@@ -8352,11 +8587,14 @@
         </p:cTn>
       </p:par>
     </p:tnLst>
+    <p:bldLst>
+      <p:bldP spid="5" grpId="0"/>
+    </p:bldLst>
   </p:timing>
 </p:sld>
 </file>
 
-<file path=ppt/slides/slide11.xml><?xml version="1.0" encoding="utf-8"?>
+<file path=ppt/slides/slide10.xml><?xml version="1.0" encoding="utf-8"?>
 <p:sld xmlns:a="http://schemas.openxmlformats.org/drawingml/2006/main" xmlns:r="http://schemas.openxmlformats.org/officeDocument/2006/relationships" xmlns:p="http://schemas.openxmlformats.org/presentationml/2006/main">
   <p:cSld>
     <p:spTree>
@@ -8625,7 +8863,7 @@
 </p:sld>
 </file>
 
-<file path=ppt/slides/slide12.xml><?xml version="1.0" encoding="utf-8"?>
+<file path=ppt/slides/slide11.xml><?xml version="1.0" encoding="utf-8"?>
 <p:sld xmlns:a="http://schemas.openxmlformats.org/drawingml/2006/main" xmlns:r="http://schemas.openxmlformats.org/officeDocument/2006/relationships" xmlns:p="http://schemas.openxmlformats.org/presentationml/2006/main">
   <p:cSld>
     <p:spTree>
@@ -10472,7 +10710,7 @@
 </p:sld>
 </file>
 
-<file path=ppt/slides/slide13.xml><?xml version="1.0" encoding="utf-8"?>
+<file path=ppt/slides/slide12.xml><?xml version="1.0" encoding="utf-8"?>
 <p:sld xmlns:a="http://schemas.openxmlformats.org/drawingml/2006/main" xmlns:r="http://schemas.openxmlformats.org/officeDocument/2006/relationships" xmlns:p="http://schemas.openxmlformats.org/presentationml/2006/main">
   <p:cSld>
     <p:spTree>
@@ -10555,7 +10793,6 @@
               <a:rPr lang="en-US" sz="2400" b="1" dirty="0" smtClean="0"/>
               <a:t>Logistic regression</a:t>
             </a:r>
-            <a:endParaRPr lang="en-US" sz="2400" b="1" dirty="0" smtClean="0"/>
           </a:p>
           <a:p>
             <a:pPr>
@@ -10565,11 +10802,7 @@
             </a:pPr>
             <a:r>
               <a:rPr lang="en-US" sz="2400" dirty="0" smtClean="0"/>
-              <a:t>Dividing </a:t>
-            </a:r>
-            <a:r>
-              <a:rPr lang="en-US" sz="2400" dirty="0" smtClean="0"/>
-              <a:t>this section into 3 subsection –</a:t>
+              <a:t>Dividing this section into 3 subsection –</a:t>
             </a:r>
           </a:p>
           <a:p>
@@ -10840,7 +11073,7 @@
 </p:sld>
 </file>
 
-<file path=ppt/slides/slide14.xml><?xml version="1.0" encoding="utf-8"?>
+<file path=ppt/slides/slide13.xml><?xml version="1.0" encoding="utf-8"?>
 <p:sld xmlns:a="http://schemas.openxmlformats.org/drawingml/2006/main" xmlns:r="http://schemas.openxmlformats.org/officeDocument/2006/relationships" xmlns:p="http://schemas.openxmlformats.org/presentationml/2006/main">
   <p:cSld>
     <p:spTree>
@@ -11182,7 +11415,7 @@
 </p:sld>
 </file>
 
-<file path=ppt/slides/slide15.xml><?xml version="1.0" encoding="utf-8"?>
+<file path=ppt/slides/slide14.xml><?xml version="1.0" encoding="utf-8"?>
 <p:sld xmlns:a="http://schemas.openxmlformats.org/drawingml/2006/main" xmlns:r="http://schemas.openxmlformats.org/officeDocument/2006/relationships" xmlns:p="http://schemas.openxmlformats.org/presentationml/2006/main">
   <p:cSld>
     <p:spTree>
@@ -11887,7 +12120,7 @@
 </p:sld>
 </file>
 
-<file path=ppt/slides/slide16.xml><?xml version="1.0" encoding="utf-8"?>
+<file path=ppt/slides/slide15.xml><?xml version="1.0" encoding="utf-8"?>
 <p:sld xmlns:a="http://schemas.openxmlformats.org/drawingml/2006/main" xmlns:r="http://schemas.openxmlformats.org/officeDocument/2006/relationships" xmlns:p="http://schemas.openxmlformats.org/presentationml/2006/main">
   <p:cSld>
     <p:spTree>
@@ -12187,7 +12420,7 @@
 </p:sld>
 </file>
 
-<file path=ppt/slides/slide17.xml><?xml version="1.0" encoding="utf-8"?>
+<file path=ppt/slides/slide16.xml><?xml version="1.0" encoding="utf-8"?>
 <p:sld xmlns:a="http://schemas.openxmlformats.org/drawingml/2006/main" xmlns:r="http://schemas.openxmlformats.org/officeDocument/2006/relationships" xmlns:p="http://schemas.openxmlformats.org/presentationml/2006/main">
   <p:cSld>
     <p:spTree>
@@ -12524,7 +12757,7 @@
 </p:sld>
 </file>
 
-<file path=ppt/slides/slide18.xml><?xml version="1.0" encoding="utf-8"?>
+<file path=ppt/slides/slide17.xml><?xml version="1.0" encoding="utf-8"?>
 <p:sld xmlns:a="http://schemas.openxmlformats.org/drawingml/2006/main" xmlns:r="http://schemas.openxmlformats.org/officeDocument/2006/relationships" xmlns:p="http://schemas.openxmlformats.org/presentationml/2006/main">
   <p:cSld>
     <p:spTree>
@@ -12794,7 +13027,7 @@
 </p:sld>
 </file>
 
-<file path=ppt/slides/slide19.xml><?xml version="1.0" encoding="utf-8"?>
+<file path=ppt/slides/slide18.xml><?xml version="1.0" encoding="utf-8"?>
 <p:sld xmlns:a="http://schemas.openxmlformats.org/drawingml/2006/main" xmlns:r="http://schemas.openxmlformats.org/officeDocument/2006/relationships" xmlns:p="http://schemas.openxmlformats.org/presentationml/2006/main">
   <p:cSld>
     <p:spTree>
@@ -13131,562 +13364,7 @@
 </p:sld>
 </file>
 
-<file path=ppt/slides/slide2.xml><?xml version="1.0" encoding="utf-8"?>
-<p:sld xmlns:a="http://schemas.openxmlformats.org/drawingml/2006/main" xmlns:r="http://schemas.openxmlformats.org/officeDocument/2006/relationships" xmlns:p="http://schemas.openxmlformats.org/presentationml/2006/main">
-  <p:cSld>
-    <p:spTree>
-      <p:nvGrpSpPr>
-        <p:cNvPr id="1" name=""/>
-        <p:cNvGrpSpPr/>
-        <p:nvPr/>
-      </p:nvGrpSpPr>
-      <p:grpSpPr>
-        <a:xfrm>
-          <a:off x="0" y="0"/>
-          <a:ext cx="0" cy="0"/>
-          <a:chOff x="0" y="0"/>
-          <a:chExt cx="0" cy="0"/>
-        </a:xfrm>
-      </p:grpSpPr>
-      <p:pic>
-        <p:nvPicPr>
-          <p:cNvPr id="2" name="Picture 1"/>
-          <p:cNvPicPr>
-            <a:picLocks noChangeAspect="1"/>
-          </p:cNvPicPr>
-          <p:nvPr/>
-        </p:nvPicPr>
-        <p:blipFill>
-          <a:blip r:embed="rId2"/>
-          <a:stretch>
-            <a:fillRect/>
-          </a:stretch>
-        </p:blipFill>
-        <p:spPr>
-          <a:xfrm>
-            <a:off x="5053712" y="246337"/>
-            <a:ext cx="1849441" cy="2246156"/>
-          </a:xfrm>
-          <a:prstGeom prst="rect">
-            <a:avLst/>
-          </a:prstGeom>
-        </p:spPr>
-      </p:pic>
-      <p:sp>
-        <p:nvSpPr>
-          <p:cNvPr id="3" name="TextBox 2"/>
-          <p:cNvSpPr txBox="1"/>
-          <p:nvPr/>
-        </p:nvSpPr>
-        <p:spPr>
-          <a:xfrm>
-            <a:off x="766352" y="2629403"/>
-            <a:ext cx="10424159" cy="830997"/>
-          </a:xfrm>
-          <a:prstGeom prst="rect">
-            <a:avLst/>
-          </a:prstGeom>
-          <a:noFill/>
-        </p:spPr>
-        <p:txBody>
-          <a:bodyPr wrap="square" rtlCol="0">
-            <a:spAutoFit/>
-          </a:bodyPr>
-          <a:lstStyle/>
-          <a:p>
-            <a:pPr algn="ctr"/>
-            <a:r>
-              <a:rPr lang="en-US" sz="4800" dirty="0" smtClean="0"/>
-              <a:t>Predicting APS failure at Scania truck </a:t>
-            </a:r>
-            <a:endParaRPr lang="en-US" sz="4800" dirty="0"/>
-          </a:p>
-        </p:txBody>
-      </p:sp>
-      <p:sp>
-        <p:nvSpPr>
-          <p:cNvPr id="4" name="TextBox 3"/>
-          <p:cNvSpPr txBox="1"/>
-          <p:nvPr/>
-        </p:nvSpPr>
-        <p:spPr>
-          <a:xfrm>
-            <a:off x="1084217" y="4428309"/>
-            <a:ext cx="10528663" cy="1938992"/>
-          </a:xfrm>
-          <a:prstGeom prst="rect">
-            <a:avLst/>
-          </a:prstGeom>
-          <a:noFill/>
-        </p:spPr>
-        <p:txBody>
-          <a:bodyPr wrap="square" rtlCol="0">
-            <a:spAutoFit/>
-          </a:bodyPr>
-          <a:lstStyle/>
-          <a:p>
-            <a:r>
-              <a:rPr lang="en-US" sz="2000" dirty="0" smtClean="0"/>
-              <a:t>Group </a:t>
-            </a:r>
-            <a:r>
-              <a:rPr lang="en-US" sz="2000" dirty="0"/>
-              <a:t>members: </a:t>
-            </a:r>
-          </a:p>
-          <a:p>
-            <a:pPr marL="285750" indent="-285750">
-              <a:buFont typeface="Arial" panose="020B0604020202020204" pitchFamily="34" charset="0"/>
-              <a:buChar char="•"/>
-            </a:pPr>
-            <a:r>
-              <a:rPr lang="en-US" sz="2000" dirty="0"/>
-              <a:t>Md. Masudur Rahman (1631189042) </a:t>
-            </a:r>
-            <a:endParaRPr lang="en-US" sz="2000" dirty="0" smtClean="0"/>
-          </a:p>
-          <a:p>
-            <a:pPr marL="285750" indent="-285750">
-              <a:buFont typeface="Arial" panose="020B0604020202020204" pitchFamily="34" charset="0"/>
-              <a:buChar char="•"/>
-            </a:pPr>
-            <a:r>
-              <a:rPr lang="en-US" sz="2000" dirty="0" smtClean="0"/>
-              <a:t>Saraf </a:t>
-            </a:r>
-            <a:r>
-              <a:rPr lang="en-US" sz="2000" dirty="0"/>
-              <a:t>Sumaita Hasan (1631258042</a:t>
-            </a:r>
-            <a:r>
-              <a:rPr lang="en-US" sz="2000" dirty="0" smtClean="0"/>
-              <a:t>)</a:t>
-            </a:r>
-          </a:p>
-          <a:p>
-            <a:pPr marL="285750" indent="-285750">
-              <a:buFont typeface="Arial" panose="020B0604020202020204" pitchFamily="34" charset="0"/>
-              <a:buChar char="•"/>
-            </a:pPr>
-            <a:r>
-              <a:rPr lang="en-US" sz="2000" dirty="0" err="1" smtClean="0"/>
-              <a:t>Md</a:t>
-            </a:r>
-            <a:r>
-              <a:rPr lang="en-US" sz="2000" dirty="0" smtClean="0"/>
-              <a:t> </a:t>
-            </a:r>
-            <a:r>
-              <a:rPr lang="en-US" sz="2000" dirty="0" err="1" smtClean="0"/>
-              <a:t>Rifat</a:t>
-            </a:r>
-            <a:r>
-              <a:rPr lang="en-US" sz="2000" dirty="0" smtClean="0"/>
-              <a:t> Hasan (1620259042)</a:t>
-            </a:r>
-          </a:p>
-          <a:p>
-            <a:pPr marL="285750" indent="-285750">
-              <a:buFont typeface="Arial" panose="020B0604020202020204" pitchFamily="34" charset="0"/>
-              <a:buChar char="•"/>
-            </a:pPr>
-            <a:r>
-              <a:rPr lang="en-US" sz="2000" dirty="0" err="1" smtClean="0"/>
-              <a:t>Rehnuma</a:t>
-            </a:r>
-            <a:r>
-              <a:rPr lang="en-US" sz="2000" dirty="0" smtClean="0"/>
-              <a:t> </a:t>
-            </a:r>
-            <a:r>
-              <a:rPr lang="en-US" sz="2000" dirty="0" err="1" smtClean="0"/>
-              <a:t>Sharmin</a:t>
-            </a:r>
-            <a:r>
-              <a:rPr lang="en-US" sz="2000" dirty="0" smtClean="0"/>
-              <a:t> (1620739042)</a:t>
-            </a:r>
-          </a:p>
-          <a:p>
-            <a:pPr marL="285750" indent="-285750">
-              <a:buFont typeface="Arial" panose="020B0604020202020204" pitchFamily="34" charset="0"/>
-              <a:buChar char="•"/>
-            </a:pPr>
-            <a:endParaRPr lang="en-US" sz="2000" dirty="0"/>
-          </a:p>
-        </p:txBody>
-      </p:sp>
-      <p:sp>
-        <p:nvSpPr>
-          <p:cNvPr id="5" name="TextBox 4"/>
-          <p:cNvSpPr txBox="1"/>
-          <p:nvPr/>
-        </p:nvSpPr>
-        <p:spPr>
-          <a:xfrm>
-            <a:off x="1084217" y="3875370"/>
-            <a:ext cx="5172891" cy="461665"/>
-          </a:xfrm>
-          <a:prstGeom prst="rect">
-            <a:avLst/>
-          </a:prstGeom>
-          <a:noFill/>
-        </p:spPr>
-        <p:txBody>
-          <a:bodyPr wrap="square" rtlCol="0">
-            <a:spAutoFit/>
-          </a:bodyPr>
-          <a:lstStyle/>
-          <a:p>
-            <a:r>
-              <a:rPr lang="en-US" sz="2400" dirty="0" smtClean="0"/>
-              <a:t>Team name : </a:t>
-            </a:r>
-            <a:r>
-              <a:rPr lang="en-US" sz="2400" b="1" dirty="0" smtClean="0"/>
-              <a:t>The Technocrats</a:t>
-            </a:r>
-            <a:endParaRPr lang="en-US" sz="2400" b="1" dirty="0"/>
-          </a:p>
-        </p:txBody>
-      </p:sp>
-    </p:spTree>
-    <p:extLst>
-      <p:ext uri="{BB962C8B-B14F-4D97-AF65-F5344CB8AC3E}">
-        <p14:creationId xmlns:p14="http://schemas.microsoft.com/office/powerpoint/2010/main" val="350062827"/>
-      </p:ext>
-    </p:extLst>
-  </p:cSld>
-  <p:clrMapOvr>
-    <a:masterClrMapping/>
-  </p:clrMapOvr>
-  <mc:AlternateContent xmlns:mc="http://schemas.openxmlformats.org/markup-compatibility/2006" xmlns:p14="http://schemas.microsoft.com/office/powerpoint/2010/main">
-    <mc:Choice Requires="p14">
-      <p:transition spd="med" p14:dur="700">
-        <p:fade/>
-      </p:transition>
-    </mc:Choice>
-    <mc:Fallback xmlns="">
-      <p:transition spd="med">
-        <p:fade/>
-      </p:transition>
-    </mc:Fallback>
-  </mc:AlternateContent>
-  <p:timing>
-    <p:tnLst>
-      <p:par>
-        <p:cTn id="1" dur="indefinite" restart="never" nodeType="tmRoot">
-          <p:childTnLst>
-            <p:seq concurrent="1" nextAc="seek">
-              <p:cTn id="2" dur="indefinite" nodeType="mainSeq">
-                <p:childTnLst>
-                  <p:par>
-                    <p:cTn id="3" fill="hold">
-                      <p:stCondLst>
-                        <p:cond delay="indefinite"/>
-                      </p:stCondLst>
-                      <p:childTnLst>
-                        <p:par>
-                          <p:cTn id="4" fill="hold">
-                            <p:stCondLst>
-                              <p:cond delay="0"/>
-                            </p:stCondLst>
-                            <p:childTnLst>
-                              <p:par>
-                                <p:cTn id="5" presetID="1" presetClass="entr" presetSubtype="0" fill="hold" grpId="0" nodeType="clickEffect">
-                                  <p:stCondLst>
-                                    <p:cond delay="0"/>
-                                  </p:stCondLst>
-                                  <p:childTnLst>
-                                    <p:set>
-                                      <p:cBhvr>
-                                        <p:cTn id="6" dur="1" fill="hold">
-                                          <p:stCondLst>
-                                            <p:cond delay="0"/>
-                                          </p:stCondLst>
-                                        </p:cTn>
-                                        <p:tgtEl>
-                                          <p:spTgt spid="5"/>
-                                        </p:tgtEl>
-                                        <p:attrNameLst>
-                                          <p:attrName>style.visibility</p:attrName>
-                                        </p:attrNameLst>
-                                      </p:cBhvr>
-                                      <p:to>
-                                        <p:strVal val="visible"/>
-                                      </p:to>
-                                    </p:set>
-                                  </p:childTnLst>
-                                </p:cTn>
-                              </p:par>
-                            </p:childTnLst>
-                          </p:cTn>
-                        </p:par>
-                      </p:childTnLst>
-                    </p:cTn>
-                  </p:par>
-                  <p:par>
-                    <p:cTn id="7" fill="hold">
-                      <p:stCondLst>
-                        <p:cond delay="indefinite"/>
-                      </p:stCondLst>
-                      <p:childTnLst>
-                        <p:par>
-                          <p:cTn id="8" fill="hold">
-                            <p:stCondLst>
-                              <p:cond delay="0"/>
-                            </p:stCondLst>
-                            <p:childTnLst>
-                              <p:par>
-                                <p:cTn id="9" presetID="10" presetClass="entr" presetSubtype="0" fill="hold" nodeType="clickEffect">
-                                  <p:stCondLst>
-                                    <p:cond delay="0"/>
-                                  </p:stCondLst>
-                                  <p:childTnLst>
-                                    <p:set>
-                                      <p:cBhvr>
-                                        <p:cTn id="10" dur="1" fill="hold">
-                                          <p:stCondLst>
-                                            <p:cond delay="0"/>
-                                          </p:stCondLst>
-                                        </p:cTn>
-                                        <p:tgtEl>
-                                          <p:spTgt spid="4">
-                                            <p:txEl>
-                                              <p:pRg st="0" end="0"/>
-                                            </p:txEl>
-                                          </p:spTgt>
-                                        </p:tgtEl>
-                                        <p:attrNameLst>
-                                          <p:attrName>style.visibility</p:attrName>
-                                        </p:attrNameLst>
-                                      </p:cBhvr>
-                                      <p:to>
-                                        <p:strVal val="visible"/>
-                                      </p:to>
-                                    </p:set>
-                                    <p:animEffect transition="in" filter="fade">
-                                      <p:cBhvr>
-                                        <p:cTn id="11" dur="500"/>
-                                        <p:tgtEl>
-                                          <p:spTgt spid="4">
-                                            <p:txEl>
-                                              <p:pRg st="0" end="0"/>
-                                            </p:txEl>
-                                          </p:spTgt>
-                                        </p:tgtEl>
-                                      </p:cBhvr>
-                                    </p:animEffect>
-                                  </p:childTnLst>
-                                </p:cTn>
-                              </p:par>
-                              <p:par>
-                                <p:cTn id="12" presetID="10" presetClass="entr" presetSubtype="0" fill="hold" nodeType="withEffect">
-                                  <p:stCondLst>
-                                    <p:cond delay="0"/>
-                                  </p:stCondLst>
-                                  <p:childTnLst>
-                                    <p:set>
-                                      <p:cBhvr>
-                                        <p:cTn id="13" dur="1" fill="hold">
-                                          <p:stCondLst>
-                                            <p:cond delay="0"/>
-                                          </p:stCondLst>
-                                        </p:cTn>
-                                        <p:tgtEl>
-                                          <p:spTgt spid="4">
-                                            <p:txEl>
-                                              <p:pRg st="1" end="1"/>
-                                            </p:txEl>
-                                          </p:spTgt>
-                                        </p:tgtEl>
-                                        <p:attrNameLst>
-                                          <p:attrName>style.visibility</p:attrName>
-                                        </p:attrNameLst>
-                                      </p:cBhvr>
-                                      <p:to>
-                                        <p:strVal val="visible"/>
-                                      </p:to>
-                                    </p:set>
-                                    <p:animEffect transition="in" filter="fade">
-                                      <p:cBhvr>
-                                        <p:cTn id="14" dur="500"/>
-                                        <p:tgtEl>
-                                          <p:spTgt spid="4">
-                                            <p:txEl>
-                                              <p:pRg st="1" end="1"/>
-                                            </p:txEl>
-                                          </p:spTgt>
-                                        </p:tgtEl>
-                                      </p:cBhvr>
-                                    </p:animEffect>
-                                  </p:childTnLst>
-                                </p:cTn>
-                              </p:par>
-                              <p:par>
-                                <p:cTn id="15" presetID="10" presetClass="entr" presetSubtype="0" fill="hold" nodeType="withEffect">
-                                  <p:stCondLst>
-                                    <p:cond delay="0"/>
-                                  </p:stCondLst>
-                                  <p:childTnLst>
-                                    <p:set>
-                                      <p:cBhvr>
-                                        <p:cTn id="16" dur="1" fill="hold">
-                                          <p:stCondLst>
-                                            <p:cond delay="0"/>
-                                          </p:stCondLst>
-                                        </p:cTn>
-                                        <p:tgtEl>
-                                          <p:spTgt spid="4">
-                                            <p:txEl>
-                                              <p:pRg st="2" end="2"/>
-                                            </p:txEl>
-                                          </p:spTgt>
-                                        </p:tgtEl>
-                                        <p:attrNameLst>
-                                          <p:attrName>style.visibility</p:attrName>
-                                        </p:attrNameLst>
-                                      </p:cBhvr>
-                                      <p:to>
-                                        <p:strVal val="visible"/>
-                                      </p:to>
-                                    </p:set>
-                                    <p:animEffect transition="in" filter="fade">
-                                      <p:cBhvr>
-                                        <p:cTn id="17" dur="500"/>
-                                        <p:tgtEl>
-                                          <p:spTgt spid="4">
-                                            <p:txEl>
-                                              <p:pRg st="2" end="2"/>
-                                            </p:txEl>
-                                          </p:spTgt>
-                                        </p:tgtEl>
-                                      </p:cBhvr>
-                                    </p:animEffect>
-                                  </p:childTnLst>
-                                </p:cTn>
-                              </p:par>
-                              <p:par>
-                                <p:cTn id="18" presetID="10" presetClass="entr" presetSubtype="0" fill="hold" nodeType="withEffect">
-                                  <p:stCondLst>
-                                    <p:cond delay="0"/>
-                                  </p:stCondLst>
-                                  <p:childTnLst>
-                                    <p:set>
-                                      <p:cBhvr>
-                                        <p:cTn id="19" dur="1" fill="hold">
-                                          <p:stCondLst>
-                                            <p:cond delay="0"/>
-                                          </p:stCondLst>
-                                        </p:cTn>
-                                        <p:tgtEl>
-                                          <p:spTgt spid="4">
-                                            <p:txEl>
-                                              <p:pRg st="3" end="3"/>
-                                            </p:txEl>
-                                          </p:spTgt>
-                                        </p:tgtEl>
-                                        <p:attrNameLst>
-                                          <p:attrName>style.visibility</p:attrName>
-                                        </p:attrNameLst>
-                                      </p:cBhvr>
-                                      <p:to>
-                                        <p:strVal val="visible"/>
-                                      </p:to>
-                                    </p:set>
-                                    <p:animEffect transition="in" filter="fade">
-                                      <p:cBhvr>
-                                        <p:cTn id="20" dur="500"/>
-                                        <p:tgtEl>
-                                          <p:spTgt spid="4">
-                                            <p:txEl>
-                                              <p:pRg st="3" end="3"/>
-                                            </p:txEl>
-                                          </p:spTgt>
-                                        </p:tgtEl>
-                                      </p:cBhvr>
-                                    </p:animEffect>
-                                  </p:childTnLst>
-                                </p:cTn>
-                              </p:par>
-                              <p:par>
-                                <p:cTn id="21" presetID="10" presetClass="entr" presetSubtype="0" fill="hold" nodeType="withEffect">
-                                  <p:stCondLst>
-                                    <p:cond delay="0"/>
-                                  </p:stCondLst>
-                                  <p:childTnLst>
-                                    <p:set>
-                                      <p:cBhvr>
-                                        <p:cTn id="22" dur="1" fill="hold">
-                                          <p:stCondLst>
-                                            <p:cond delay="0"/>
-                                          </p:stCondLst>
-                                        </p:cTn>
-                                        <p:tgtEl>
-                                          <p:spTgt spid="4">
-                                            <p:txEl>
-                                              <p:pRg st="4" end="4"/>
-                                            </p:txEl>
-                                          </p:spTgt>
-                                        </p:tgtEl>
-                                        <p:attrNameLst>
-                                          <p:attrName>style.visibility</p:attrName>
-                                        </p:attrNameLst>
-                                      </p:cBhvr>
-                                      <p:to>
-                                        <p:strVal val="visible"/>
-                                      </p:to>
-                                    </p:set>
-                                    <p:animEffect transition="in" filter="fade">
-                                      <p:cBhvr>
-                                        <p:cTn id="23" dur="500"/>
-                                        <p:tgtEl>
-                                          <p:spTgt spid="4">
-                                            <p:txEl>
-                                              <p:pRg st="4" end="4"/>
-                                            </p:txEl>
-                                          </p:spTgt>
-                                        </p:tgtEl>
-                                      </p:cBhvr>
-                                    </p:animEffect>
-                                  </p:childTnLst>
-                                </p:cTn>
-                              </p:par>
-                            </p:childTnLst>
-                          </p:cTn>
-                        </p:par>
-                      </p:childTnLst>
-                    </p:cTn>
-                  </p:par>
-                </p:childTnLst>
-              </p:cTn>
-              <p:prevCondLst>
-                <p:cond evt="onPrev" delay="0">
-                  <p:tgtEl>
-                    <p:sldTgt/>
-                  </p:tgtEl>
-                </p:cond>
-              </p:prevCondLst>
-              <p:nextCondLst>
-                <p:cond evt="onNext" delay="0">
-                  <p:tgtEl>
-                    <p:sldTgt/>
-                  </p:tgtEl>
-                </p:cond>
-              </p:nextCondLst>
-            </p:seq>
-          </p:childTnLst>
-        </p:cTn>
-      </p:par>
-    </p:tnLst>
-    <p:bldLst>
-      <p:bldP spid="5" grpId="0"/>
-    </p:bldLst>
-  </p:timing>
-</p:sld>
-</file>
-
-<file path=ppt/slides/slide20.xml><?xml version="1.0" encoding="utf-8"?>
+<file path=ppt/slides/slide19.xml><?xml version="1.0" encoding="utf-8"?>
 <p:sld xmlns:a="http://schemas.openxmlformats.org/drawingml/2006/main" xmlns:r="http://schemas.openxmlformats.org/officeDocument/2006/relationships" xmlns:p="http://schemas.openxmlformats.org/presentationml/2006/main">
   <p:cSld>
     <p:spTree>
@@ -14195,7 +13873,619 @@
 </p:sld>
 </file>
 
-<file path=ppt/slides/slide21.xml><?xml version="1.0" encoding="utf-8"?>
+<file path=ppt/slides/slide2.xml><?xml version="1.0" encoding="utf-8"?>
+<p:sld xmlns:a="http://schemas.openxmlformats.org/drawingml/2006/main" xmlns:r="http://schemas.openxmlformats.org/officeDocument/2006/relationships" xmlns:p="http://schemas.openxmlformats.org/presentationml/2006/main">
+  <p:cSld>
+    <p:spTree>
+      <p:nvGrpSpPr>
+        <p:cNvPr id="1" name=""/>
+        <p:cNvGrpSpPr/>
+        <p:nvPr/>
+      </p:nvGrpSpPr>
+      <p:grpSpPr>
+        <a:xfrm>
+          <a:off x="0" y="0"/>
+          <a:ext cx="0" cy="0"/>
+          <a:chOff x="0" y="0"/>
+          <a:chExt cx="0" cy="0"/>
+        </a:xfrm>
+      </p:grpSpPr>
+      <p:sp>
+        <p:nvSpPr>
+          <p:cNvPr id="2" name="TextBox 1"/>
+          <p:cNvSpPr txBox="1"/>
+          <p:nvPr/>
+        </p:nvSpPr>
+        <p:spPr>
+          <a:xfrm>
+            <a:off x="862149" y="1319347"/>
+            <a:ext cx="5068388" cy="4401205"/>
+          </a:xfrm>
+          <a:prstGeom prst="rect">
+            <a:avLst/>
+          </a:prstGeom>
+        </p:spPr>
+        <p:style>
+          <a:lnRef idx="2">
+            <a:schemeClr val="dk1"/>
+          </a:lnRef>
+          <a:fillRef idx="1">
+            <a:schemeClr val="lt1"/>
+          </a:fillRef>
+          <a:effectRef idx="0">
+            <a:schemeClr val="dk1"/>
+          </a:effectRef>
+          <a:fontRef idx="minor">
+            <a:schemeClr val="dk1"/>
+          </a:fontRef>
+        </p:style>
+        <p:txBody>
+          <a:bodyPr wrap="square" rtlCol="0">
+            <a:spAutoFit/>
+          </a:bodyPr>
+          <a:lstStyle/>
+          <a:p>
+            <a:pPr algn="ctr"/>
+            <a:endParaRPr lang="en-US" sz="4000" dirty="0" smtClean="0"/>
+          </a:p>
+          <a:p>
+            <a:pPr algn="ctr"/>
+            <a:endParaRPr lang="en-US" sz="4000" dirty="0"/>
+          </a:p>
+          <a:p>
+            <a:pPr algn="ctr"/>
+            <a:endParaRPr lang="en-US" sz="4000" dirty="0" smtClean="0"/>
+          </a:p>
+          <a:p>
+            <a:pPr algn="ctr"/>
+            <a:r>
+              <a:rPr lang="en-US" sz="4000" dirty="0" smtClean="0"/>
+              <a:t>Table of Contents</a:t>
+            </a:r>
+          </a:p>
+          <a:p>
+            <a:pPr algn="ctr"/>
+            <a:endParaRPr lang="en-US" sz="4000" dirty="0"/>
+          </a:p>
+          <a:p>
+            <a:pPr algn="ctr"/>
+            <a:endParaRPr lang="en-US" sz="4000" dirty="0" smtClean="0"/>
+          </a:p>
+          <a:p>
+            <a:pPr algn="ctr"/>
+            <a:endParaRPr lang="en-US" sz="4000" dirty="0"/>
+          </a:p>
+        </p:txBody>
+      </p:sp>
+      <p:sp>
+        <p:nvSpPr>
+          <p:cNvPr id="3" name="TextBox 2"/>
+          <p:cNvSpPr txBox="1"/>
+          <p:nvPr/>
+        </p:nvSpPr>
+        <p:spPr>
+          <a:xfrm>
+            <a:off x="6614160" y="519127"/>
+            <a:ext cx="5577840" cy="6001643"/>
+          </a:xfrm>
+          <a:prstGeom prst="rect">
+            <a:avLst/>
+          </a:prstGeom>
+          <a:noFill/>
+        </p:spPr>
+        <p:txBody>
+          <a:bodyPr wrap="square" rtlCol="0">
+            <a:spAutoFit/>
+          </a:bodyPr>
+          <a:lstStyle/>
+          <a:p>
+            <a:pPr marL="457200" indent="-457200">
+              <a:lnSpc>
+                <a:spcPct val="200000"/>
+              </a:lnSpc>
+              <a:buFont typeface="Wingdings" panose="05000000000000000000" pitchFamily="2" charset="2"/>
+              <a:buChar char="q"/>
+            </a:pPr>
+            <a:r>
+              <a:rPr lang="en-US" sz="3200" dirty="0" smtClean="0"/>
+              <a:t>Dataset explanation</a:t>
+            </a:r>
+          </a:p>
+          <a:p>
+            <a:pPr marL="457200" indent="-457200">
+              <a:lnSpc>
+                <a:spcPct val="200000"/>
+              </a:lnSpc>
+              <a:buFont typeface="Wingdings" panose="05000000000000000000" pitchFamily="2" charset="2"/>
+              <a:buChar char="q"/>
+            </a:pPr>
+            <a:r>
+              <a:rPr lang="en-US" sz="3200" dirty="0" smtClean="0"/>
+              <a:t>Problem Discussion</a:t>
+            </a:r>
+          </a:p>
+          <a:p>
+            <a:pPr marL="457200" indent="-457200">
+              <a:lnSpc>
+                <a:spcPct val="200000"/>
+              </a:lnSpc>
+              <a:buFont typeface="Wingdings" panose="05000000000000000000" pitchFamily="2" charset="2"/>
+              <a:buChar char="q"/>
+            </a:pPr>
+            <a:r>
+              <a:rPr lang="en-US" sz="3200" dirty="0" smtClean="0"/>
+              <a:t>Data preprocessing</a:t>
+            </a:r>
+          </a:p>
+          <a:p>
+            <a:pPr marL="457200" indent="-457200">
+              <a:lnSpc>
+                <a:spcPct val="200000"/>
+              </a:lnSpc>
+              <a:buFont typeface="Wingdings" panose="05000000000000000000" pitchFamily="2" charset="2"/>
+              <a:buChar char="q"/>
+            </a:pPr>
+            <a:r>
+              <a:rPr lang="en-US" sz="3200" dirty="0" smtClean="0"/>
+              <a:t>Model Implementation</a:t>
+            </a:r>
+          </a:p>
+          <a:p>
+            <a:pPr marL="457200" indent="-457200">
+              <a:lnSpc>
+                <a:spcPct val="200000"/>
+              </a:lnSpc>
+              <a:buFont typeface="Wingdings" panose="05000000000000000000" pitchFamily="2" charset="2"/>
+              <a:buChar char="q"/>
+            </a:pPr>
+            <a:r>
+              <a:rPr lang="en-US" sz="3200" dirty="0" smtClean="0"/>
+              <a:t>Result Analysis</a:t>
+            </a:r>
+          </a:p>
+          <a:p>
+            <a:pPr marL="457200" indent="-457200">
+              <a:lnSpc>
+                <a:spcPct val="200000"/>
+              </a:lnSpc>
+              <a:buFont typeface="Wingdings" panose="05000000000000000000" pitchFamily="2" charset="2"/>
+              <a:buChar char="q"/>
+            </a:pPr>
+            <a:r>
+              <a:rPr lang="en-US" sz="3200" dirty="0" smtClean="0"/>
+              <a:t>Summary</a:t>
+            </a:r>
+            <a:endParaRPr lang="en-US" sz="3200" dirty="0"/>
+          </a:p>
+        </p:txBody>
+      </p:sp>
+    </p:spTree>
+    <p:extLst>
+      <p:ext uri="{BB962C8B-B14F-4D97-AF65-F5344CB8AC3E}">
+        <p14:creationId xmlns:p14="http://schemas.microsoft.com/office/powerpoint/2010/main" val="204680721"/>
+      </p:ext>
+    </p:extLst>
+  </p:cSld>
+  <p:clrMapOvr>
+    <a:masterClrMapping/>
+  </p:clrMapOvr>
+  <mc:AlternateContent xmlns:mc="http://schemas.openxmlformats.org/markup-compatibility/2006" xmlns:p14="http://schemas.microsoft.com/office/powerpoint/2010/main">
+    <mc:Choice Requires="p14">
+      <p:transition spd="med" p14:dur="700">
+        <p:fade/>
+      </p:transition>
+    </mc:Choice>
+    <mc:Fallback xmlns="">
+      <p:transition spd="med">
+        <p:fade/>
+      </p:transition>
+    </mc:Fallback>
+  </mc:AlternateContent>
+  <p:timing>
+    <p:tnLst>
+      <p:par>
+        <p:cTn id="1" dur="indefinite" restart="never" nodeType="tmRoot">
+          <p:childTnLst>
+            <p:seq concurrent="1" nextAc="seek">
+              <p:cTn id="2" dur="indefinite" nodeType="mainSeq">
+                <p:childTnLst>
+                  <p:par>
+                    <p:cTn id="3" fill="hold">
+                      <p:stCondLst>
+                        <p:cond delay="indefinite"/>
+                        <p:cond evt="onBegin" delay="0">
+                          <p:tn val="2"/>
+                        </p:cond>
+                      </p:stCondLst>
+                      <p:childTnLst>
+                        <p:par>
+                          <p:cTn id="4" fill="hold">
+                            <p:stCondLst>
+                              <p:cond delay="0"/>
+                            </p:stCondLst>
+                            <p:childTnLst>
+                              <p:par>
+                                <p:cTn id="5" presetID="10" presetClass="entr" presetSubtype="0" fill="hold" grpId="0" nodeType="afterEffect">
+                                  <p:stCondLst>
+                                    <p:cond delay="0"/>
+                                  </p:stCondLst>
+                                  <p:childTnLst>
+                                    <p:set>
+                                      <p:cBhvr>
+                                        <p:cTn id="6" dur="1" fill="hold">
+                                          <p:stCondLst>
+                                            <p:cond delay="0"/>
+                                          </p:stCondLst>
+                                        </p:cTn>
+                                        <p:tgtEl>
+                                          <p:spTgt spid="2"/>
+                                        </p:tgtEl>
+                                        <p:attrNameLst>
+                                          <p:attrName>style.visibility</p:attrName>
+                                        </p:attrNameLst>
+                                      </p:cBhvr>
+                                      <p:to>
+                                        <p:strVal val="visible"/>
+                                      </p:to>
+                                    </p:set>
+                                    <p:animEffect transition="in" filter="fade">
+                                      <p:cBhvr>
+                                        <p:cTn id="7" dur="500"/>
+                                        <p:tgtEl>
+                                          <p:spTgt spid="2"/>
+                                        </p:tgtEl>
+                                      </p:cBhvr>
+                                    </p:animEffect>
+                                  </p:childTnLst>
+                                </p:cTn>
+                              </p:par>
+                            </p:childTnLst>
+                          </p:cTn>
+                        </p:par>
+                        <p:par>
+                          <p:cTn id="8" fill="hold">
+                            <p:stCondLst>
+                              <p:cond delay="500"/>
+                            </p:stCondLst>
+                            <p:childTnLst>
+                              <p:par>
+                                <p:cTn id="9" presetID="10" presetClass="entr" presetSubtype="0" fill="hold" nodeType="afterEffect">
+                                  <p:stCondLst>
+                                    <p:cond delay="0"/>
+                                  </p:stCondLst>
+                                  <p:childTnLst>
+                                    <p:set>
+                                      <p:cBhvr>
+                                        <p:cTn id="10" dur="1" fill="hold">
+                                          <p:stCondLst>
+                                            <p:cond delay="0"/>
+                                          </p:stCondLst>
+                                        </p:cTn>
+                                        <p:tgtEl>
+                                          <p:spTgt spid="3">
+                                            <p:txEl>
+                                              <p:pRg st="0" end="0"/>
+                                            </p:txEl>
+                                          </p:spTgt>
+                                        </p:tgtEl>
+                                        <p:attrNameLst>
+                                          <p:attrName>style.visibility</p:attrName>
+                                        </p:attrNameLst>
+                                      </p:cBhvr>
+                                      <p:to>
+                                        <p:strVal val="visible"/>
+                                      </p:to>
+                                    </p:set>
+                                    <p:animEffect transition="in" filter="fade">
+                                      <p:cBhvr>
+                                        <p:cTn id="11" dur="1000"/>
+                                        <p:tgtEl>
+                                          <p:spTgt spid="3">
+                                            <p:txEl>
+                                              <p:pRg st="0" end="0"/>
+                                            </p:txEl>
+                                          </p:spTgt>
+                                        </p:tgtEl>
+                                      </p:cBhvr>
+                                    </p:animEffect>
+                                  </p:childTnLst>
+                                </p:cTn>
+                              </p:par>
+                            </p:childTnLst>
+                          </p:cTn>
+                        </p:par>
+                        <p:par>
+                          <p:cTn id="12" fill="hold">
+                            <p:stCondLst>
+                              <p:cond delay="1500"/>
+                            </p:stCondLst>
+                            <p:childTnLst>
+                              <p:par>
+                                <p:cTn id="13" presetID="10" presetClass="entr" presetSubtype="0" fill="hold" nodeType="afterEffect">
+                                  <p:stCondLst>
+                                    <p:cond delay="0"/>
+                                  </p:stCondLst>
+                                  <p:childTnLst>
+                                    <p:set>
+                                      <p:cBhvr>
+                                        <p:cTn id="14" dur="1" fill="hold">
+                                          <p:stCondLst>
+                                            <p:cond delay="0"/>
+                                          </p:stCondLst>
+                                        </p:cTn>
+                                        <p:tgtEl>
+                                          <p:spTgt spid="3">
+                                            <p:txEl>
+                                              <p:pRg st="1" end="1"/>
+                                            </p:txEl>
+                                          </p:spTgt>
+                                        </p:tgtEl>
+                                        <p:attrNameLst>
+                                          <p:attrName>style.visibility</p:attrName>
+                                        </p:attrNameLst>
+                                      </p:cBhvr>
+                                      <p:to>
+                                        <p:strVal val="visible"/>
+                                      </p:to>
+                                    </p:set>
+                                    <p:animEffect transition="in" filter="fade">
+                                      <p:cBhvr>
+                                        <p:cTn id="15" dur="1000"/>
+                                        <p:tgtEl>
+                                          <p:spTgt spid="3">
+                                            <p:txEl>
+                                              <p:pRg st="1" end="1"/>
+                                            </p:txEl>
+                                          </p:spTgt>
+                                        </p:tgtEl>
+                                      </p:cBhvr>
+                                    </p:animEffect>
+                                  </p:childTnLst>
+                                </p:cTn>
+                              </p:par>
+                            </p:childTnLst>
+                          </p:cTn>
+                        </p:par>
+                        <p:par>
+                          <p:cTn id="16" fill="hold">
+                            <p:stCondLst>
+                              <p:cond delay="2500"/>
+                            </p:stCondLst>
+                            <p:childTnLst>
+                              <p:par>
+                                <p:cTn id="17" presetID="10" presetClass="entr" presetSubtype="0" fill="hold" nodeType="afterEffect">
+                                  <p:stCondLst>
+                                    <p:cond delay="0"/>
+                                  </p:stCondLst>
+                                  <p:childTnLst>
+                                    <p:set>
+                                      <p:cBhvr>
+                                        <p:cTn id="18" dur="1" fill="hold">
+                                          <p:stCondLst>
+                                            <p:cond delay="0"/>
+                                          </p:stCondLst>
+                                        </p:cTn>
+                                        <p:tgtEl>
+                                          <p:spTgt spid="3">
+                                            <p:txEl>
+                                              <p:pRg st="2" end="2"/>
+                                            </p:txEl>
+                                          </p:spTgt>
+                                        </p:tgtEl>
+                                        <p:attrNameLst>
+                                          <p:attrName>style.visibility</p:attrName>
+                                        </p:attrNameLst>
+                                      </p:cBhvr>
+                                      <p:to>
+                                        <p:strVal val="visible"/>
+                                      </p:to>
+                                    </p:set>
+                                    <p:animEffect transition="in" filter="fade">
+                                      <p:cBhvr>
+                                        <p:cTn id="19" dur="1000"/>
+                                        <p:tgtEl>
+                                          <p:spTgt spid="3">
+                                            <p:txEl>
+                                              <p:pRg st="2" end="2"/>
+                                            </p:txEl>
+                                          </p:spTgt>
+                                        </p:tgtEl>
+                                      </p:cBhvr>
+                                    </p:animEffect>
+                                  </p:childTnLst>
+                                </p:cTn>
+                              </p:par>
+                            </p:childTnLst>
+                          </p:cTn>
+                        </p:par>
+                        <p:par>
+                          <p:cTn id="20" fill="hold">
+                            <p:stCondLst>
+                              <p:cond delay="3500"/>
+                            </p:stCondLst>
+                            <p:childTnLst>
+                              <p:par>
+                                <p:cTn id="21" presetID="10" presetClass="entr" presetSubtype="0" fill="hold" nodeType="afterEffect">
+                                  <p:stCondLst>
+                                    <p:cond delay="0"/>
+                                  </p:stCondLst>
+                                  <p:childTnLst>
+                                    <p:set>
+                                      <p:cBhvr>
+                                        <p:cTn id="22" dur="1" fill="hold">
+                                          <p:stCondLst>
+                                            <p:cond delay="0"/>
+                                          </p:stCondLst>
+                                        </p:cTn>
+                                        <p:tgtEl>
+                                          <p:spTgt spid="3">
+                                            <p:txEl>
+                                              <p:pRg st="3" end="3"/>
+                                            </p:txEl>
+                                          </p:spTgt>
+                                        </p:tgtEl>
+                                        <p:attrNameLst>
+                                          <p:attrName>style.visibility</p:attrName>
+                                        </p:attrNameLst>
+                                      </p:cBhvr>
+                                      <p:to>
+                                        <p:strVal val="visible"/>
+                                      </p:to>
+                                    </p:set>
+                                    <p:animEffect transition="in" filter="fade">
+                                      <p:cBhvr>
+                                        <p:cTn id="23" dur="1000"/>
+                                        <p:tgtEl>
+                                          <p:spTgt spid="3">
+                                            <p:txEl>
+                                              <p:pRg st="3" end="3"/>
+                                            </p:txEl>
+                                          </p:spTgt>
+                                        </p:tgtEl>
+                                      </p:cBhvr>
+                                    </p:animEffect>
+                                  </p:childTnLst>
+                                </p:cTn>
+                              </p:par>
+                            </p:childTnLst>
+                          </p:cTn>
+                        </p:par>
+                        <p:par>
+                          <p:cTn id="24" fill="hold">
+                            <p:stCondLst>
+                              <p:cond delay="4500"/>
+                            </p:stCondLst>
+                            <p:childTnLst>
+                              <p:par>
+                                <p:cTn id="25" presetID="10" presetClass="entr" presetSubtype="0" fill="hold" nodeType="afterEffect">
+                                  <p:stCondLst>
+                                    <p:cond delay="0"/>
+                                  </p:stCondLst>
+                                  <p:childTnLst>
+                                    <p:set>
+                                      <p:cBhvr>
+                                        <p:cTn id="26" dur="1" fill="hold">
+                                          <p:stCondLst>
+                                            <p:cond delay="0"/>
+                                          </p:stCondLst>
+                                        </p:cTn>
+                                        <p:tgtEl>
+                                          <p:spTgt spid="3">
+                                            <p:txEl>
+                                              <p:pRg st="4" end="4"/>
+                                            </p:txEl>
+                                          </p:spTgt>
+                                        </p:tgtEl>
+                                        <p:attrNameLst>
+                                          <p:attrName>style.visibility</p:attrName>
+                                        </p:attrNameLst>
+                                      </p:cBhvr>
+                                      <p:to>
+                                        <p:strVal val="visible"/>
+                                      </p:to>
+                                    </p:set>
+                                    <p:animEffect transition="in" filter="fade">
+                                      <p:cBhvr>
+                                        <p:cTn id="27" dur="1000"/>
+                                        <p:tgtEl>
+                                          <p:spTgt spid="3">
+                                            <p:txEl>
+                                              <p:pRg st="4" end="4"/>
+                                            </p:txEl>
+                                          </p:spTgt>
+                                        </p:tgtEl>
+                                      </p:cBhvr>
+                                    </p:animEffect>
+                                  </p:childTnLst>
+                                </p:cTn>
+                              </p:par>
+                            </p:childTnLst>
+                          </p:cTn>
+                        </p:par>
+                        <p:par>
+                          <p:cTn id="28" fill="hold">
+                            <p:stCondLst>
+                              <p:cond delay="5500"/>
+                            </p:stCondLst>
+                            <p:childTnLst>
+                              <p:par>
+                                <p:cTn id="29" presetID="10" presetClass="entr" presetSubtype="0" fill="hold" nodeType="afterEffect">
+                                  <p:stCondLst>
+                                    <p:cond delay="0"/>
+                                  </p:stCondLst>
+                                  <p:childTnLst>
+                                    <p:set>
+                                      <p:cBhvr>
+                                        <p:cTn id="30" dur="1" fill="hold">
+                                          <p:stCondLst>
+                                            <p:cond delay="0"/>
+                                          </p:stCondLst>
+                                        </p:cTn>
+                                        <p:tgtEl>
+                                          <p:spTgt spid="3">
+                                            <p:txEl>
+                                              <p:pRg st="5" end="5"/>
+                                            </p:txEl>
+                                          </p:spTgt>
+                                        </p:tgtEl>
+                                        <p:attrNameLst>
+                                          <p:attrName>style.visibility</p:attrName>
+                                        </p:attrNameLst>
+                                      </p:cBhvr>
+                                      <p:to>
+                                        <p:strVal val="visible"/>
+                                      </p:to>
+                                    </p:set>
+                                    <p:animEffect transition="in" filter="fade">
+                                      <p:cBhvr>
+                                        <p:cTn id="31" dur="1000"/>
+                                        <p:tgtEl>
+                                          <p:spTgt spid="3">
+                                            <p:txEl>
+                                              <p:pRg st="5" end="5"/>
+                                            </p:txEl>
+                                          </p:spTgt>
+                                        </p:tgtEl>
+                                      </p:cBhvr>
+                                    </p:animEffect>
+                                  </p:childTnLst>
+                                </p:cTn>
+                              </p:par>
+                            </p:childTnLst>
+                          </p:cTn>
+                        </p:par>
+                      </p:childTnLst>
+                    </p:cTn>
+                  </p:par>
+                </p:childTnLst>
+              </p:cTn>
+              <p:prevCondLst>
+                <p:cond evt="onPrev" delay="0">
+                  <p:tgtEl>
+                    <p:sldTgt/>
+                  </p:tgtEl>
+                </p:cond>
+              </p:prevCondLst>
+              <p:nextCondLst>
+                <p:cond evt="onNext" delay="0">
+                  <p:tgtEl>
+                    <p:sldTgt/>
+                  </p:tgtEl>
+                </p:cond>
+              </p:nextCondLst>
+            </p:seq>
+          </p:childTnLst>
+        </p:cTn>
+      </p:par>
+    </p:tnLst>
+    <p:bldLst>
+      <p:bldP spid="2" grpId="0" animBg="1"/>
+    </p:bldLst>
+  </p:timing>
+</p:sld>
+</file>
+
+<file path=ppt/slides/slide20.xml><?xml version="1.0" encoding="utf-8"?>
 <p:sld xmlns:a="http://schemas.openxmlformats.org/drawingml/2006/main" xmlns:r="http://schemas.openxmlformats.org/officeDocument/2006/relationships" xmlns:p="http://schemas.openxmlformats.org/presentationml/2006/main">
   <p:cSld>
     <p:spTree>
@@ -15062,7 +15352,7 @@
 </p:sld>
 </file>
 
-<file path=ppt/slides/slide22.xml><?xml version="1.0" encoding="utf-8"?>
+<file path=ppt/slides/slide21.xml><?xml version="1.0" encoding="utf-8"?>
 <p:sld xmlns:a="http://schemas.openxmlformats.org/drawingml/2006/main" xmlns:r="http://schemas.openxmlformats.org/officeDocument/2006/relationships" xmlns:p="http://schemas.openxmlformats.org/presentationml/2006/main">
   <p:cSld>
     <p:spTree>
@@ -15119,7 +15409,7 @@
         <p:spPr>
           <a:xfrm>
             <a:off x="870857" y="1756229"/>
-            <a:ext cx="9768115" cy="4154984"/>
+            <a:ext cx="9768115" cy="4524315"/>
           </a:xfrm>
           <a:prstGeom prst="rect">
             <a:avLst/>
@@ -15133,28 +15423,46 @@
           <a:lstStyle/>
           <a:p>
             <a:r>
+              <a:rPr lang="en-US" sz="2400" dirty="0"/>
+              <a:t>So, throughout the Result analysis, it is observed that the best outcome actually resulted from Approach 2, with modified threshold which is 0.253. </a:t>
+            </a:r>
+            <a:endParaRPr lang="en-US" sz="2400" dirty="0" smtClean="0"/>
+          </a:p>
+          <a:p>
+            <a:endParaRPr lang="en-US" sz="2400" dirty="0"/>
+          </a:p>
+          <a:p>
+            <a:r>
               <a:rPr lang="en-US" sz="2400" dirty="0" smtClean="0"/>
-              <a:t>So, throughout the observation of Result analysis, it is observed that the best outcome actually was possible to get from the Approach 2, with modified threshold which is 0.253. With these settings we got the cost of 47860 which is our final score.</a:t>
-            </a:r>
-          </a:p>
-          <a:p>
+              <a:t>With </a:t>
+            </a:r>
+            <a:r>
+              <a:rPr lang="en-US" sz="2400" dirty="0"/>
+              <a:t>these settings we got the cost of 47860 which is our final score. Our main target was to minimize this cost as much as possible. But with this logistic regression model, this is the best minimization we could arrive to. </a:t>
+            </a:r>
             <a:r>
               <a:rPr lang="en-US" sz="2400" dirty="0" smtClean="0"/>
-              <a:t>Our main target was to minimize this cost as much as we can. But with this logistic regression model, this is the best minimization we can arrive.</a:t>
-            </a:r>
+              <a:t>Our </a:t>
+            </a:r>
+            <a:r>
+              <a:rPr lang="en-US" sz="2400" dirty="0"/>
+              <a:t>expected result was something around 15000~20000. So in that sense, there is a gap of ~27000, which is possible to achieve using some more advanced algorithms such as Random forest or Support Vector Machine. </a:t>
+            </a:r>
+            <a:endParaRPr lang="en-US" sz="2400" dirty="0" smtClean="0"/>
+          </a:p>
+          <a:p>
+            <a:endParaRPr lang="en-US" sz="2400" dirty="0"/>
           </a:p>
           <a:p>
             <a:r>
               <a:rPr lang="en-US" sz="2400" dirty="0" smtClean="0"/>
-              <a:t>Our expected result can be something around 15000~20000. So in that sense, there is a gap of ~27000, which is possible to gain using some more advanced algorithms such as Random forest or Support Vector Machine.</a:t>
-            </a:r>
-          </a:p>
-          <a:p>
-            <a:r>
-              <a:rPr lang="en-US" sz="2400" dirty="0" smtClean="0"/>
-              <a:t>So in the conclusion, it can be said that, the result with logistic regression is decent, but there is a room for more optimization</a:t>
-            </a:r>
-            <a:endParaRPr lang="en-US" sz="2400" dirty="0"/>
+              <a:t>So </a:t>
+            </a:r>
+            <a:r>
+              <a:rPr lang="en-US" sz="2400" dirty="0"/>
+              <a:t>in conclusion, it can be said that the result achieved with logistic regression is decent, but there is room for more optimization.</a:t>
+            </a:r>
+            <a:endParaRPr lang="en-US" sz="3200" dirty="0"/>
           </a:p>
         </p:txBody>
       </p:sp>
@@ -15260,7 +15568,7 @@
 </p:sld>
 </file>
 
-<file path=ppt/slides/slide3.xml><?xml version="1.0" encoding="utf-8"?>
+<file path=ppt/slides/slide22.xml><?xml version="1.0" encoding="utf-8"?>
 <p:sld xmlns:a="http://schemas.openxmlformats.org/drawingml/2006/main" xmlns:r="http://schemas.openxmlformats.org/officeDocument/2006/relationships" xmlns:p="http://schemas.openxmlformats.org/presentationml/2006/main">
   <p:cSld>
     <p:spTree>
@@ -15285,75 +15593,8 @@
         </p:nvSpPr>
         <p:spPr>
           <a:xfrm>
-            <a:off x="862149" y="1319347"/>
-            <a:ext cx="5068388" cy="4401205"/>
-          </a:xfrm>
-          <a:prstGeom prst="rect">
-            <a:avLst/>
-          </a:prstGeom>
-        </p:spPr>
-        <p:style>
-          <a:lnRef idx="2">
-            <a:schemeClr val="dk1"/>
-          </a:lnRef>
-          <a:fillRef idx="1">
-            <a:schemeClr val="lt1"/>
-          </a:fillRef>
-          <a:effectRef idx="0">
-            <a:schemeClr val="dk1"/>
-          </a:effectRef>
-          <a:fontRef idx="minor">
-            <a:schemeClr val="dk1"/>
-          </a:fontRef>
-        </p:style>
-        <p:txBody>
-          <a:bodyPr wrap="square" rtlCol="0">
-            <a:spAutoFit/>
-          </a:bodyPr>
-          <a:lstStyle/>
-          <a:p>
-            <a:pPr algn="ctr"/>
-            <a:endParaRPr lang="en-US" sz="4000" dirty="0" smtClean="0"/>
-          </a:p>
-          <a:p>
-            <a:pPr algn="ctr"/>
-            <a:endParaRPr lang="en-US" sz="4000" dirty="0"/>
-          </a:p>
-          <a:p>
-            <a:pPr algn="ctr"/>
-            <a:endParaRPr lang="en-US" sz="4000" dirty="0" smtClean="0"/>
-          </a:p>
-          <a:p>
-            <a:pPr algn="ctr"/>
-            <a:r>
-              <a:rPr lang="en-US" sz="4000" dirty="0" smtClean="0"/>
-              <a:t>Table of Contents</a:t>
-            </a:r>
-          </a:p>
-          <a:p>
-            <a:pPr algn="ctr"/>
-            <a:endParaRPr lang="en-US" sz="4000" dirty="0"/>
-          </a:p>
-          <a:p>
-            <a:pPr algn="ctr"/>
-            <a:endParaRPr lang="en-US" sz="4000" dirty="0" smtClean="0"/>
-          </a:p>
-          <a:p>
-            <a:pPr algn="ctr"/>
-            <a:endParaRPr lang="en-US" sz="4000" dirty="0"/>
-          </a:p>
-        </p:txBody>
-      </p:sp>
-      <p:sp>
-        <p:nvSpPr>
-          <p:cNvPr id="3" name="TextBox 2"/>
-          <p:cNvSpPr txBox="1"/>
-          <p:nvPr/>
-        </p:nvSpPr>
-        <p:spPr>
-          <a:xfrm>
-            <a:off x="6614160" y="519127"/>
-            <a:ext cx="5577840" cy="6001643"/>
+            <a:off x="2181497" y="2704012"/>
+            <a:ext cx="7994469" cy="923330"/>
           </a:xfrm>
           <a:prstGeom prst="rect">
             <a:avLst/>
@@ -15366,513 +15607,36 @@
           </a:bodyPr>
           <a:lstStyle/>
           <a:p>
-            <a:pPr marL="457200" indent="-457200">
-              <a:lnSpc>
-                <a:spcPct val="200000"/>
-              </a:lnSpc>
-              <a:buFont typeface="Wingdings" panose="05000000000000000000" pitchFamily="2" charset="2"/>
-              <a:buChar char="q"/>
-            </a:pPr>
-            <a:r>
-              <a:rPr lang="en-US" sz="3200" dirty="0" smtClean="0"/>
-              <a:t>Dataset explanation</a:t>
-            </a:r>
-          </a:p>
-          <a:p>
-            <a:pPr marL="457200" indent="-457200">
-              <a:lnSpc>
-                <a:spcPct val="200000"/>
-              </a:lnSpc>
-              <a:buFont typeface="Wingdings" panose="05000000000000000000" pitchFamily="2" charset="2"/>
-              <a:buChar char="q"/>
-            </a:pPr>
-            <a:r>
-              <a:rPr lang="en-US" sz="3200" dirty="0" smtClean="0"/>
-              <a:t>Problem Discussion</a:t>
-            </a:r>
-          </a:p>
-          <a:p>
-            <a:pPr marL="457200" indent="-457200">
-              <a:lnSpc>
-                <a:spcPct val="200000"/>
-              </a:lnSpc>
-              <a:buFont typeface="Wingdings" panose="05000000000000000000" pitchFamily="2" charset="2"/>
-              <a:buChar char="q"/>
-            </a:pPr>
-            <a:r>
-              <a:rPr lang="en-US" sz="3200" dirty="0" smtClean="0"/>
-              <a:t>Data preprocessing</a:t>
-            </a:r>
-          </a:p>
-          <a:p>
-            <a:pPr marL="457200" indent="-457200">
-              <a:lnSpc>
-                <a:spcPct val="200000"/>
-              </a:lnSpc>
-              <a:buFont typeface="Wingdings" panose="05000000000000000000" pitchFamily="2" charset="2"/>
-              <a:buChar char="q"/>
-            </a:pPr>
-            <a:r>
-              <a:rPr lang="en-US" sz="3200" dirty="0" smtClean="0"/>
-              <a:t>Model Implementation</a:t>
-            </a:r>
-          </a:p>
-          <a:p>
-            <a:pPr marL="457200" indent="-457200">
-              <a:lnSpc>
-                <a:spcPct val="200000"/>
-              </a:lnSpc>
-              <a:buFont typeface="Wingdings" panose="05000000000000000000" pitchFamily="2" charset="2"/>
-              <a:buChar char="q"/>
-            </a:pPr>
-            <a:r>
-              <a:rPr lang="en-US" sz="3200" dirty="0" smtClean="0"/>
-              <a:t>Result Analysis</a:t>
-            </a:r>
-          </a:p>
-          <a:p>
-            <a:pPr marL="457200" indent="-457200">
-              <a:lnSpc>
-                <a:spcPct val="200000"/>
-              </a:lnSpc>
-              <a:buFont typeface="Wingdings" panose="05000000000000000000" pitchFamily="2" charset="2"/>
-              <a:buChar char="q"/>
-            </a:pPr>
-            <a:r>
-              <a:rPr lang="en-US" sz="3200" dirty="0" smtClean="0"/>
-              <a:t>Summary</a:t>
-            </a:r>
-            <a:endParaRPr lang="en-US" sz="3200" dirty="0"/>
+            <a:pPr algn="ctr"/>
+            <a:r>
+              <a:rPr lang="en-US" sz="5400" dirty="0" smtClean="0"/>
+              <a:t>Thank you </a:t>
+            </a:r>
+            <a:endParaRPr lang="en-US" sz="5400" dirty="0"/>
           </a:p>
         </p:txBody>
       </p:sp>
     </p:spTree>
     <p:extLst>
       <p:ext uri="{BB962C8B-B14F-4D97-AF65-F5344CB8AC3E}">
-        <p14:creationId xmlns:p14="http://schemas.microsoft.com/office/powerpoint/2010/main" val="204680721"/>
+        <p14:creationId xmlns:p14="http://schemas.microsoft.com/office/powerpoint/2010/main" val="3660073890"/>
       </p:ext>
     </p:extLst>
   </p:cSld>
   <p:clrMapOvr>
     <a:masterClrMapping/>
   </p:clrMapOvr>
-  <mc:AlternateContent xmlns:mc="http://schemas.openxmlformats.org/markup-compatibility/2006" xmlns:p14="http://schemas.microsoft.com/office/powerpoint/2010/main">
-    <mc:Choice Requires="p14">
-      <p:transition spd="med" p14:dur="700">
-        <p:fade/>
-      </p:transition>
-    </mc:Choice>
-    <mc:Fallback xmlns="">
-      <p:transition spd="med">
-        <p:fade/>
-      </p:transition>
-    </mc:Fallback>
-  </mc:AlternateContent>
   <p:timing>
     <p:tnLst>
       <p:par>
-        <p:cTn id="1" dur="indefinite" restart="never" nodeType="tmRoot">
-          <p:childTnLst>
-            <p:seq concurrent="1" nextAc="seek">
-              <p:cTn id="2" dur="indefinite" nodeType="mainSeq">
-                <p:childTnLst>
-                  <p:par>
-                    <p:cTn id="3" fill="hold">
-                      <p:stCondLst>
-                        <p:cond delay="indefinite"/>
-                        <p:cond evt="onBegin" delay="0">
-                          <p:tn val="2"/>
-                        </p:cond>
-                      </p:stCondLst>
-                      <p:childTnLst>
-                        <p:par>
-                          <p:cTn id="4" fill="hold">
-                            <p:stCondLst>
-                              <p:cond delay="0"/>
-                            </p:stCondLst>
-                            <p:childTnLst>
-                              <p:par>
-                                <p:cTn id="5" presetID="10" presetClass="entr" presetSubtype="0" fill="hold" grpId="0" nodeType="afterEffect">
-                                  <p:stCondLst>
-                                    <p:cond delay="0"/>
-                                  </p:stCondLst>
-                                  <p:childTnLst>
-                                    <p:set>
-                                      <p:cBhvr>
-                                        <p:cTn id="6" dur="1" fill="hold">
-                                          <p:stCondLst>
-                                            <p:cond delay="0"/>
-                                          </p:stCondLst>
-                                        </p:cTn>
-                                        <p:tgtEl>
-                                          <p:spTgt spid="2"/>
-                                        </p:tgtEl>
-                                        <p:attrNameLst>
-                                          <p:attrName>style.visibility</p:attrName>
-                                        </p:attrNameLst>
-                                      </p:cBhvr>
-                                      <p:to>
-                                        <p:strVal val="visible"/>
-                                      </p:to>
-                                    </p:set>
-                                    <p:animEffect transition="in" filter="fade">
-                                      <p:cBhvr>
-                                        <p:cTn id="7" dur="500"/>
-                                        <p:tgtEl>
-                                          <p:spTgt spid="2"/>
-                                        </p:tgtEl>
-                                      </p:cBhvr>
-                                    </p:animEffect>
-                                  </p:childTnLst>
-                                </p:cTn>
-                              </p:par>
-                            </p:childTnLst>
-                          </p:cTn>
-                        </p:par>
-                        <p:par>
-                          <p:cTn id="8" fill="hold">
-                            <p:stCondLst>
-                              <p:cond delay="500"/>
-                            </p:stCondLst>
-                            <p:childTnLst>
-                              <p:par>
-                                <p:cTn id="9" presetID="10" presetClass="entr" presetSubtype="0" fill="hold" nodeType="afterEffect">
-                                  <p:stCondLst>
-                                    <p:cond delay="0"/>
-                                  </p:stCondLst>
-                                  <p:childTnLst>
-                                    <p:set>
-                                      <p:cBhvr>
-                                        <p:cTn id="10" dur="1" fill="hold">
-                                          <p:stCondLst>
-                                            <p:cond delay="0"/>
-                                          </p:stCondLst>
-                                        </p:cTn>
-                                        <p:tgtEl>
-                                          <p:spTgt spid="3">
-                                            <p:txEl>
-                                              <p:pRg st="0" end="0"/>
-                                            </p:txEl>
-                                          </p:spTgt>
-                                        </p:tgtEl>
-                                        <p:attrNameLst>
-                                          <p:attrName>style.visibility</p:attrName>
-                                        </p:attrNameLst>
-                                      </p:cBhvr>
-                                      <p:to>
-                                        <p:strVal val="visible"/>
-                                      </p:to>
-                                    </p:set>
-                                    <p:animEffect transition="in" filter="fade">
-                                      <p:cBhvr>
-                                        <p:cTn id="11" dur="1000"/>
-                                        <p:tgtEl>
-                                          <p:spTgt spid="3">
-                                            <p:txEl>
-                                              <p:pRg st="0" end="0"/>
-                                            </p:txEl>
-                                          </p:spTgt>
-                                        </p:tgtEl>
-                                      </p:cBhvr>
-                                    </p:animEffect>
-                                  </p:childTnLst>
-                                </p:cTn>
-                              </p:par>
-                            </p:childTnLst>
-                          </p:cTn>
-                        </p:par>
-                        <p:par>
-                          <p:cTn id="12" fill="hold">
-                            <p:stCondLst>
-                              <p:cond delay="1500"/>
-                            </p:stCondLst>
-                            <p:childTnLst>
-                              <p:par>
-                                <p:cTn id="13" presetID="10" presetClass="entr" presetSubtype="0" fill="hold" nodeType="afterEffect">
-                                  <p:stCondLst>
-                                    <p:cond delay="0"/>
-                                  </p:stCondLst>
-                                  <p:childTnLst>
-                                    <p:set>
-                                      <p:cBhvr>
-                                        <p:cTn id="14" dur="1" fill="hold">
-                                          <p:stCondLst>
-                                            <p:cond delay="0"/>
-                                          </p:stCondLst>
-                                        </p:cTn>
-                                        <p:tgtEl>
-                                          <p:spTgt spid="3">
-                                            <p:txEl>
-                                              <p:pRg st="1" end="1"/>
-                                            </p:txEl>
-                                          </p:spTgt>
-                                        </p:tgtEl>
-                                        <p:attrNameLst>
-                                          <p:attrName>style.visibility</p:attrName>
-                                        </p:attrNameLst>
-                                      </p:cBhvr>
-                                      <p:to>
-                                        <p:strVal val="visible"/>
-                                      </p:to>
-                                    </p:set>
-                                    <p:animEffect transition="in" filter="fade">
-                                      <p:cBhvr>
-                                        <p:cTn id="15" dur="1000"/>
-                                        <p:tgtEl>
-                                          <p:spTgt spid="3">
-                                            <p:txEl>
-                                              <p:pRg st="1" end="1"/>
-                                            </p:txEl>
-                                          </p:spTgt>
-                                        </p:tgtEl>
-                                      </p:cBhvr>
-                                    </p:animEffect>
-                                  </p:childTnLst>
-                                </p:cTn>
-                              </p:par>
-                            </p:childTnLst>
-                          </p:cTn>
-                        </p:par>
-                        <p:par>
-                          <p:cTn id="16" fill="hold">
-                            <p:stCondLst>
-                              <p:cond delay="2500"/>
-                            </p:stCondLst>
-                            <p:childTnLst>
-                              <p:par>
-                                <p:cTn id="17" presetID="10" presetClass="entr" presetSubtype="0" fill="hold" nodeType="afterEffect">
-                                  <p:stCondLst>
-                                    <p:cond delay="0"/>
-                                  </p:stCondLst>
-                                  <p:childTnLst>
-                                    <p:set>
-                                      <p:cBhvr>
-                                        <p:cTn id="18" dur="1" fill="hold">
-                                          <p:stCondLst>
-                                            <p:cond delay="0"/>
-                                          </p:stCondLst>
-                                        </p:cTn>
-                                        <p:tgtEl>
-                                          <p:spTgt spid="3">
-                                            <p:txEl>
-                                              <p:pRg st="2" end="2"/>
-                                            </p:txEl>
-                                          </p:spTgt>
-                                        </p:tgtEl>
-                                        <p:attrNameLst>
-                                          <p:attrName>style.visibility</p:attrName>
-                                        </p:attrNameLst>
-                                      </p:cBhvr>
-                                      <p:to>
-                                        <p:strVal val="visible"/>
-                                      </p:to>
-                                    </p:set>
-                                    <p:animEffect transition="in" filter="fade">
-                                      <p:cBhvr>
-                                        <p:cTn id="19" dur="1000"/>
-                                        <p:tgtEl>
-                                          <p:spTgt spid="3">
-                                            <p:txEl>
-                                              <p:pRg st="2" end="2"/>
-                                            </p:txEl>
-                                          </p:spTgt>
-                                        </p:tgtEl>
-                                      </p:cBhvr>
-                                    </p:animEffect>
-                                  </p:childTnLst>
-                                </p:cTn>
-                              </p:par>
-                            </p:childTnLst>
-                          </p:cTn>
-                        </p:par>
-                        <p:par>
-                          <p:cTn id="20" fill="hold">
-                            <p:stCondLst>
-                              <p:cond delay="3500"/>
-                            </p:stCondLst>
-                            <p:childTnLst>
-                              <p:par>
-                                <p:cTn id="21" presetID="10" presetClass="entr" presetSubtype="0" fill="hold" nodeType="afterEffect">
-                                  <p:stCondLst>
-                                    <p:cond delay="0"/>
-                                  </p:stCondLst>
-                                  <p:childTnLst>
-                                    <p:set>
-                                      <p:cBhvr>
-                                        <p:cTn id="22" dur="1" fill="hold">
-                                          <p:stCondLst>
-                                            <p:cond delay="0"/>
-                                          </p:stCondLst>
-                                        </p:cTn>
-                                        <p:tgtEl>
-                                          <p:spTgt spid="3">
-                                            <p:txEl>
-                                              <p:pRg st="3" end="3"/>
-                                            </p:txEl>
-                                          </p:spTgt>
-                                        </p:tgtEl>
-                                        <p:attrNameLst>
-                                          <p:attrName>style.visibility</p:attrName>
-                                        </p:attrNameLst>
-                                      </p:cBhvr>
-                                      <p:to>
-                                        <p:strVal val="visible"/>
-                                      </p:to>
-                                    </p:set>
-                                    <p:animEffect transition="in" filter="fade">
-                                      <p:cBhvr>
-                                        <p:cTn id="23" dur="1000"/>
-                                        <p:tgtEl>
-                                          <p:spTgt spid="3">
-                                            <p:txEl>
-                                              <p:pRg st="3" end="3"/>
-                                            </p:txEl>
-                                          </p:spTgt>
-                                        </p:tgtEl>
-                                      </p:cBhvr>
-                                    </p:animEffect>
-                                  </p:childTnLst>
-                                </p:cTn>
-                              </p:par>
-                            </p:childTnLst>
-                          </p:cTn>
-                        </p:par>
-                        <p:par>
-                          <p:cTn id="24" fill="hold">
-                            <p:stCondLst>
-                              <p:cond delay="4500"/>
-                            </p:stCondLst>
-                            <p:childTnLst>
-                              <p:par>
-                                <p:cTn id="25" presetID="10" presetClass="entr" presetSubtype="0" fill="hold" nodeType="afterEffect">
-                                  <p:stCondLst>
-                                    <p:cond delay="0"/>
-                                  </p:stCondLst>
-                                  <p:childTnLst>
-                                    <p:set>
-                                      <p:cBhvr>
-                                        <p:cTn id="26" dur="1" fill="hold">
-                                          <p:stCondLst>
-                                            <p:cond delay="0"/>
-                                          </p:stCondLst>
-                                        </p:cTn>
-                                        <p:tgtEl>
-                                          <p:spTgt spid="3">
-                                            <p:txEl>
-                                              <p:pRg st="4" end="4"/>
-                                            </p:txEl>
-                                          </p:spTgt>
-                                        </p:tgtEl>
-                                        <p:attrNameLst>
-                                          <p:attrName>style.visibility</p:attrName>
-                                        </p:attrNameLst>
-                                      </p:cBhvr>
-                                      <p:to>
-                                        <p:strVal val="visible"/>
-                                      </p:to>
-                                    </p:set>
-                                    <p:animEffect transition="in" filter="fade">
-                                      <p:cBhvr>
-                                        <p:cTn id="27" dur="1000"/>
-                                        <p:tgtEl>
-                                          <p:spTgt spid="3">
-                                            <p:txEl>
-                                              <p:pRg st="4" end="4"/>
-                                            </p:txEl>
-                                          </p:spTgt>
-                                        </p:tgtEl>
-                                      </p:cBhvr>
-                                    </p:animEffect>
-                                  </p:childTnLst>
-                                </p:cTn>
-                              </p:par>
-                            </p:childTnLst>
-                          </p:cTn>
-                        </p:par>
-                        <p:par>
-                          <p:cTn id="28" fill="hold">
-                            <p:stCondLst>
-                              <p:cond delay="5500"/>
-                            </p:stCondLst>
-                            <p:childTnLst>
-                              <p:par>
-                                <p:cTn id="29" presetID="10" presetClass="entr" presetSubtype="0" fill="hold" nodeType="afterEffect">
-                                  <p:stCondLst>
-                                    <p:cond delay="0"/>
-                                  </p:stCondLst>
-                                  <p:childTnLst>
-                                    <p:set>
-                                      <p:cBhvr>
-                                        <p:cTn id="30" dur="1" fill="hold">
-                                          <p:stCondLst>
-                                            <p:cond delay="0"/>
-                                          </p:stCondLst>
-                                        </p:cTn>
-                                        <p:tgtEl>
-                                          <p:spTgt spid="3">
-                                            <p:txEl>
-                                              <p:pRg st="5" end="5"/>
-                                            </p:txEl>
-                                          </p:spTgt>
-                                        </p:tgtEl>
-                                        <p:attrNameLst>
-                                          <p:attrName>style.visibility</p:attrName>
-                                        </p:attrNameLst>
-                                      </p:cBhvr>
-                                      <p:to>
-                                        <p:strVal val="visible"/>
-                                      </p:to>
-                                    </p:set>
-                                    <p:animEffect transition="in" filter="fade">
-                                      <p:cBhvr>
-                                        <p:cTn id="31" dur="1000"/>
-                                        <p:tgtEl>
-                                          <p:spTgt spid="3">
-                                            <p:txEl>
-                                              <p:pRg st="5" end="5"/>
-                                            </p:txEl>
-                                          </p:spTgt>
-                                        </p:tgtEl>
-                                      </p:cBhvr>
-                                    </p:animEffect>
-                                  </p:childTnLst>
-                                </p:cTn>
-                              </p:par>
-                            </p:childTnLst>
-                          </p:cTn>
-                        </p:par>
-                      </p:childTnLst>
-                    </p:cTn>
-                  </p:par>
-                </p:childTnLst>
-              </p:cTn>
-              <p:prevCondLst>
-                <p:cond evt="onPrev" delay="0">
-                  <p:tgtEl>
-                    <p:sldTgt/>
-                  </p:tgtEl>
-                </p:cond>
-              </p:prevCondLst>
-              <p:nextCondLst>
-                <p:cond evt="onNext" delay="0">
-                  <p:tgtEl>
-                    <p:sldTgt/>
-                  </p:tgtEl>
-                </p:cond>
-              </p:nextCondLst>
-            </p:seq>
-          </p:childTnLst>
-        </p:cTn>
+        <p:cTn id="1" dur="indefinite" restart="never" nodeType="tmRoot"/>
       </p:par>
     </p:tnLst>
-    <p:bldLst>
-      <p:bldP spid="2" grpId="0" animBg="1"/>
-    </p:bldLst>
   </p:timing>
 </p:sld>
 </file>
 
-<file path=ppt/slides/slide4.xml><?xml version="1.0" encoding="utf-8"?>
+<file path=ppt/slides/slide3.xml><?xml version="1.0" encoding="utf-8"?>
 <p:sld xmlns:a="http://schemas.openxmlformats.org/drawingml/2006/main" xmlns:r="http://schemas.openxmlformats.org/officeDocument/2006/relationships" xmlns:p="http://schemas.openxmlformats.org/presentationml/2006/main">
   <p:cSld>
     <p:spTree>
@@ -15929,7 +15693,7 @@
         <p:spPr>
           <a:xfrm>
             <a:off x="1084217" y="1476103"/>
-            <a:ext cx="9784080" cy="4401205"/>
+            <a:ext cx="9784080" cy="3785652"/>
           </a:xfrm>
           <a:prstGeom prst="rect">
             <a:avLst/>
@@ -15987,27 +15751,6 @@
             <a:r>
               <a:rPr lang="en-US" sz="2000" dirty="0" smtClean="0"/>
               <a:t>Contains a training and test set</a:t>
-            </a:r>
-          </a:p>
-          <a:p>
-            <a:endParaRPr lang="en-US" sz="2000" dirty="0" smtClean="0"/>
-          </a:p>
-          <a:p>
-            <a:pPr marL="285750" indent="-285750">
-              <a:buFont typeface="Arial" panose="020B0604020202020204" pitchFamily="34" charset="0"/>
-              <a:buChar char="•"/>
-            </a:pPr>
-            <a:r>
-              <a:rPr lang="en-US" sz="2000" dirty="0" smtClean="0"/>
-              <a:t>Consists </a:t>
-            </a:r>
-            <a:r>
-              <a:rPr lang="en-US" sz="2000" dirty="0"/>
-              <a:t>of a subset of all available data, selected by </a:t>
-            </a:r>
-            <a:r>
-              <a:rPr lang="en-US" sz="2000" dirty="0" smtClean="0"/>
-              <a:t>experts</a:t>
             </a:r>
           </a:p>
           <a:p>
@@ -16467,67 +16210,6 @@
                       </p:childTnLst>
                     </p:cTn>
                   </p:par>
-                  <p:par>
-                    <p:cTn id="33" fill="hold">
-                      <p:stCondLst>
-                        <p:cond delay="indefinite"/>
-                      </p:stCondLst>
-                      <p:childTnLst>
-                        <p:par>
-                          <p:cTn id="34" fill="hold">
-                            <p:stCondLst>
-                              <p:cond delay="0"/>
-                            </p:stCondLst>
-                            <p:childTnLst>
-                              <p:par>
-                                <p:cTn id="35" presetID="10" presetClass="entr" presetSubtype="0" fill="hold" nodeType="clickEffect">
-                                  <p:stCondLst>
-                                    <p:cond delay="0"/>
-                                  </p:stCondLst>
-                                  <p:childTnLst>
-                                    <p:set>
-                                      <p:cBhvr>
-                                        <p:cTn id="36" dur="1" fill="hold">
-                                          <p:stCondLst>
-                                            <p:cond delay="0"/>
-                                          </p:stCondLst>
-                                        </p:cTn>
-                                        <p:tgtEl>
-                                          <p:spTgt spid="7">
-                                            <p:txEl>
-                                              <p:pRg st="12" end="12"/>
-                                            </p:txEl>
-                                          </p:spTgt>
-                                        </p:tgtEl>
-                                        <p:attrNameLst>
-                                          <p:attrName>style.visibility</p:attrName>
-                                        </p:attrNameLst>
-                                      </p:cBhvr>
-                                      <p:to>
-                                        <p:strVal val="visible"/>
-                                      </p:to>
-                                    </p:set>
-                                    <p:animEffect transition="in" filter="fade">
-                                      <p:cBhvr>
-                                        <p:cTn id="37" dur="500"/>
-                                        <p:tgtEl>
-                                          <p:spTgt spid="7">
-                                            <p:txEl>
-                                              <p:pRg st="12" end="12"/>
-                                            </p:txEl>
-                                          </p:spTgt>
-                                        </p:tgtEl>
-                                      </p:cBhvr>
-                                    </p:animEffect>
-                                  </p:childTnLst>
-                                </p:cTn>
-                              </p:par>
-                            </p:childTnLst>
-                          </p:cTn>
-                        </p:par>
-                      </p:childTnLst>
-                    </p:cTn>
-                  </p:par>
                 </p:childTnLst>
               </p:cTn>
               <p:prevCondLst>
@@ -16553,7 +16235,7 @@
 </p:sld>
 </file>
 
-<file path=ppt/slides/slide5.xml><?xml version="1.0" encoding="utf-8"?>
+<file path=ppt/slides/slide4.xml><?xml version="1.0" encoding="utf-8"?>
 <p:sld xmlns:a="http://schemas.openxmlformats.org/drawingml/2006/main" xmlns:r="http://schemas.openxmlformats.org/officeDocument/2006/relationships" xmlns:p="http://schemas.openxmlformats.org/presentationml/2006/main">
   <p:cSld>
     <p:spTree>
@@ -17173,7 +16855,7 @@
 </p:sld>
 </file>
 
-<file path=ppt/slides/slide6.xml><?xml version="1.0" encoding="utf-8"?>
+<file path=ppt/slides/slide5.xml><?xml version="1.0" encoding="utf-8"?>
 <p:sld xmlns:a="http://schemas.openxmlformats.org/drawingml/2006/main" xmlns:r="http://schemas.openxmlformats.org/officeDocument/2006/relationships" xmlns:p="http://schemas.openxmlformats.org/presentationml/2006/main">
   <p:cSld>
     <p:spTree>
@@ -17548,7 +17230,7 @@
 </p:sld>
 </file>
 
-<file path=ppt/slides/slide7.xml><?xml version="1.0" encoding="utf-8"?>
+<file path=ppt/slides/slide6.xml><?xml version="1.0" encoding="utf-8"?>
 <p:sld xmlns:a="http://schemas.openxmlformats.org/drawingml/2006/main" xmlns:r="http://schemas.openxmlformats.org/officeDocument/2006/relationships" xmlns:p="http://schemas.openxmlformats.org/presentationml/2006/main">
   <p:cSld>
     <p:spTree>
@@ -17891,7 +17573,7 @@
 </p:sld>
 </file>
 
-<file path=ppt/slides/slide8.xml><?xml version="1.0" encoding="utf-8"?>
+<file path=ppt/slides/slide7.xml><?xml version="1.0" encoding="utf-8"?>
 <p:sld xmlns:a="http://schemas.openxmlformats.org/drawingml/2006/main" xmlns:r="http://schemas.openxmlformats.org/officeDocument/2006/relationships" xmlns:p="http://schemas.openxmlformats.org/presentationml/2006/main">
   <p:cSld>
     <p:spTree>
@@ -18174,7 +17856,7 @@
 </p:sld>
 </file>
 
-<file path=ppt/slides/slide9.xml><?xml version="1.0" encoding="utf-8"?>
+<file path=ppt/slides/slide8.xml><?xml version="1.0" encoding="utf-8"?>
 <p:sld xmlns:a="http://schemas.openxmlformats.org/drawingml/2006/main" xmlns:r="http://schemas.openxmlformats.org/officeDocument/2006/relationships" xmlns:p="http://schemas.openxmlformats.org/presentationml/2006/main">
   <p:cSld>
     <p:spTree>
@@ -18484,6 +18166,280 @@
     <p:bldLst>
       <p:bldP spid="5" grpId="0"/>
     </p:bldLst>
+  </p:timing>
+</p:sld>
+</file>
+
+<file path=ppt/slides/slide9.xml><?xml version="1.0" encoding="utf-8"?>
+<p:sld xmlns:a="http://schemas.openxmlformats.org/drawingml/2006/main" xmlns:r="http://schemas.openxmlformats.org/officeDocument/2006/relationships" xmlns:p="http://schemas.openxmlformats.org/presentationml/2006/main">
+  <p:cSld>
+    <p:spTree>
+      <p:nvGrpSpPr>
+        <p:cNvPr id="1" name=""/>
+        <p:cNvGrpSpPr/>
+        <p:nvPr/>
+      </p:nvGrpSpPr>
+      <p:grpSpPr>
+        <a:xfrm>
+          <a:off x="0" y="0"/>
+          <a:ext cx="0" cy="0"/>
+          <a:chOff x="0" y="0"/>
+          <a:chExt cx="0" cy="0"/>
+        </a:xfrm>
+      </p:grpSpPr>
+      <p:sp>
+        <p:nvSpPr>
+          <p:cNvPr id="2" name="TextBox 1"/>
+          <p:cNvSpPr txBox="1"/>
+          <p:nvPr/>
+        </p:nvSpPr>
+        <p:spPr>
+          <a:xfrm>
+            <a:off x="2246811" y="195943"/>
+            <a:ext cx="7249885" cy="707886"/>
+          </a:xfrm>
+          <a:prstGeom prst="rect">
+            <a:avLst/>
+          </a:prstGeom>
+          <a:noFill/>
+        </p:spPr>
+        <p:txBody>
+          <a:bodyPr wrap="square" rtlCol="0">
+            <a:spAutoFit/>
+          </a:bodyPr>
+          <a:lstStyle/>
+          <a:p>
+            <a:pPr algn="ctr"/>
+            <a:r>
+              <a:rPr lang="en-US" sz="4000" dirty="0" smtClean="0"/>
+              <a:t>Data Preprocessing</a:t>
+            </a:r>
+            <a:endParaRPr lang="en-US" sz="4000" dirty="0"/>
+          </a:p>
+        </p:txBody>
+      </p:sp>
+      <p:sp>
+        <p:nvSpPr>
+          <p:cNvPr id="3" name="TextBox 2"/>
+          <p:cNvSpPr txBox="1"/>
+          <p:nvPr/>
+        </p:nvSpPr>
+        <p:spPr>
+          <a:xfrm>
+            <a:off x="914400" y="1750423"/>
+            <a:ext cx="10293531" cy="2308324"/>
+          </a:xfrm>
+          <a:prstGeom prst="rect">
+            <a:avLst/>
+          </a:prstGeom>
+          <a:noFill/>
+        </p:spPr>
+        <p:txBody>
+          <a:bodyPr wrap="square" rtlCol="0">
+            <a:spAutoFit/>
+          </a:bodyPr>
+          <a:lstStyle/>
+          <a:p>
+            <a:pPr>
+              <a:lnSpc>
+                <a:spcPct val="200000"/>
+              </a:lnSpc>
+            </a:pPr>
+            <a:r>
+              <a:rPr lang="en-US" sz="2400" dirty="0" smtClean="0"/>
+              <a:t>For handling the missing values –</a:t>
+            </a:r>
+          </a:p>
+          <a:p>
+            <a:pPr marL="971550" lvl="1" indent="-514350">
+              <a:lnSpc>
+                <a:spcPct val="200000"/>
+              </a:lnSpc>
+              <a:buFont typeface="+mj-lt"/>
+              <a:buAutoNum type="romanUcPeriod"/>
+            </a:pPr>
+            <a:r>
+              <a:rPr lang="en-US" sz="2400" dirty="0" smtClean="0"/>
+              <a:t>Discard the columns having more than 80% missing values</a:t>
+            </a:r>
+          </a:p>
+          <a:p>
+            <a:pPr marL="971550" lvl="1" indent="-514350">
+              <a:lnSpc>
+                <a:spcPct val="200000"/>
+              </a:lnSpc>
+              <a:buFont typeface="+mj-lt"/>
+              <a:buAutoNum type="romanUcPeriod"/>
+            </a:pPr>
+            <a:r>
+              <a:rPr lang="en-US" sz="2400" dirty="0" smtClean="0"/>
+              <a:t>Replace all the missing values with their corresponding mean </a:t>
+            </a:r>
+            <a:endParaRPr lang="en-US" sz="2400" dirty="0"/>
+          </a:p>
+        </p:txBody>
+      </p:sp>
+    </p:spTree>
+    <p:extLst>
+      <p:ext uri="{BB962C8B-B14F-4D97-AF65-F5344CB8AC3E}">
+        <p14:creationId xmlns:p14="http://schemas.microsoft.com/office/powerpoint/2010/main" val="3772867920"/>
+      </p:ext>
+    </p:extLst>
+  </p:cSld>
+  <p:clrMapOvr>
+    <a:masterClrMapping/>
+  </p:clrMapOvr>
+  <p:timing>
+    <p:tnLst>
+      <p:par>
+        <p:cTn id="1" dur="indefinite" restart="never" nodeType="tmRoot">
+          <p:childTnLst>
+            <p:seq concurrent="1" nextAc="seek">
+              <p:cTn id="2" dur="indefinite" nodeType="mainSeq">
+                <p:childTnLst>
+                  <p:par>
+                    <p:cTn id="3" fill="hold">
+                      <p:stCondLst>
+                        <p:cond delay="indefinite"/>
+                      </p:stCondLst>
+                      <p:childTnLst>
+                        <p:par>
+                          <p:cTn id="4" fill="hold">
+                            <p:stCondLst>
+                              <p:cond delay="0"/>
+                            </p:stCondLst>
+                            <p:childTnLst>
+                              <p:par>
+                                <p:cTn id="5" presetID="10" presetClass="entr" presetSubtype="0" fill="hold" nodeType="clickEffect">
+                                  <p:stCondLst>
+                                    <p:cond delay="0"/>
+                                  </p:stCondLst>
+                                  <p:childTnLst>
+                                    <p:set>
+                                      <p:cBhvr>
+                                        <p:cTn id="6" dur="1" fill="hold">
+                                          <p:stCondLst>
+                                            <p:cond delay="0"/>
+                                          </p:stCondLst>
+                                        </p:cTn>
+                                        <p:tgtEl>
+                                          <p:spTgt spid="3">
+                                            <p:txEl>
+                                              <p:pRg st="1" end="1"/>
+                                            </p:txEl>
+                                          </p:spTgt>
+                                        </p:tgtEl>
+                                        <p:attrNameLst>
+                                          <p:attrName>style.visibility</p:attrName>
+                                        </p:attrNameLst>
+                                      </p:cBhvr>
+                                      <p:to>
+                                        <p:strVal val="visible"/>
+                                      </p:to>
+                                    </p:set>
+                                    <p:animEffect transition="in" filter="fade">
+                                      <p:cBhvr>
+                                        <p:cTn id="7" dur="500"/>
+                                        <p:tgtEl>
+                                          <p:spTgt spid="3">
+                                            <p:txEl>
+                                              <p:pRg st="1" end="1"/>
+                                            </p:txEl>
+                                          </p:spTgt>
+                                        </p:tgtEl>
+                                      </p:cBhvr>
+                                    </p:animEffect>
+                                  </p:childTnLst>
+                                </p:cTn>
+                              </p:par>
+                            </p:childTnLst>
+                          </p:cTn>
+                        </p:par>
+                      </p:childTnLst>
+                    </p:cTn>
+                  </p:par>
+                  <p:par>
+                    <p:cTn id="8" fill="hold">
+                      <p:stCondLst>
+                        <p:cond delay="indefinite"/>
+                      </p:stCondLst>
+                      <p:childTnLst>
+                        <p:par>
+                          <p:cTn id="9" fill="hold">
+                            <p:stCondLst>
+                              <p:cond delay="0"/>
+                            </p:stCondLst>
+                            <p:childTnLst>
+                              <p:par>
+                                <p:cTn id="10" presetID="10" presetClass="entr" presetSubtype="0" fill="hold" nodeType="clickEffect">
+                                  <p:stCondLst>
+                                    <p:cond delay="0"/>
+                                  </p:stCondLst>
+                                  <p:childTnLst>
+                                    <p:set>
+                                      <p:cBhvr>
+                                        <p:cTn id="11" dur="1" fill="hold">
+                                          <p:stCondLst>
+                                            <p:cond delay="0"/>
+                                          </p:stCondLst>
+                                        </p:cTn>
+                                        <p:tgtEl>
+                                          <p:spTgt spid="3">
+                                            <p:txEl>
+                                              <p:pRg st="2" end="2"/>
+                                            </p:txEl>
+                                          </p:spTgt>
+                                        </p:tgtEl>
+                                        <p:attrNameLst>
+                                          <p:attrName>style.visibility</p:attrName>
+                                        </p:attrNameLst>
+                                      </p:cBhvr>
+                                      <p:to>
+                                        <p:strVal val="visible"/>
+                                      </p:to>
+                                    </p:set>
+                                    <p:animEffect transition="in" filter="fade">
+                                      <p:cBhvr>
+                                        <p:cTn id="12" dur="500"/>
+                                        <p:tgtEl>
+                                          <p:spTgt spid="3">
+                                            <p:txEl>
+                                              <p:pRg st="2" end="2"/>
+                                            </p:txEl>
+                                          </p:spTgt>
+                                        </p:tgtEl>
+                                      </p:cBhvr>
+                                    </p:animEffect>
+                                  </p:childTnLst>
+                                </p:cTn>
+                              </p:par>
+                            </p:childTnLst>
+                          </p:cTn>
+                        </p:par>
+                      </p:childTnLst>
+                    </p:cTn>
+                  </p:par>
+                </p:childTnLst>
+              </p:cTn>
+              <p:prevCondLst>
+                <p:cond evt="onPrev" delay="0">
+                  <p:tgtEl>
+                    <p:sldTgt/>
+                  </p:tgtEl>
+                </p:cond>
+              </p:prevCondLst>
+              <p:nextCondLst>
+                <p:cond evt="onNext" delay="0">
+                  <p:tgtEl>
+                    <p:sldTgt/>
+                  </p:tgtEl>
+                </p:cond>
+              </p:nextCondLst>
+            </p:seq>
+          </p:childTnLst>
+        </p:cTn>
+      </p:par>
+    </p:tnLst>
   </p:timing>
 </p:sld>
 </file>
